--- a/Heliotis_Slides/B_PLCC/B_PLCC.pptx
+++ b/Heliotis_Slides/B_PLCC/B_PLCC.pptx
@@ -5,44 +5,42 @@
     <p:sldMasterId id="2147483660" r:id="rId1"/>
   </p:sldMasterIdLst>
   <p:notesMasterIdLst>
-    <p:notesMasterId r:id="rId37"/>
+    <p:notesMasterId r:id="rId35"/>
   </p:notesMasterIdLst>
   <p:sldIdLst>
-    <p:sldId id="286" r:id="rId2"/>
-    <p:sldId id="285" r:id="rId3"/>
-    <p:sldId id="281" r:id="rId4"/>
-    <p:sldId id="256" r:id="rId5"/>
-    <p:sldId id="257" r:id="rId6"/>
-    <p:sldId id="282" r:id="rId7"/>
-    <p:sldId id="283" r:id="rId8"/>
-    <p:sldId id="284" r:id="rId9"/>
-    <p:sldId id="258" r:id="rId10"/>
-    <p:sldId id="259" r:id="rId11"/>
-    <p:sldId id="260" r:id="rId12"/>
-    <p:sldId id="261" r:id="rId13"/>
-    <p:sldId id="262" r:id="rId14"/>
-    <p:sldId id="264" r:id="rId15"/>
-    <p:sldId id="263" r:id="rId16"/>
-    <p:sldId id="265" r:id="rId17"/>
-    <p:sldId id="266" r:id="rId18"/>
-    <p:sldId id="290" r:id="rId19"/>
-    <p:sldId id="287" r:id="rId20"/>
-    <p:sldId id="288" r:id="rId21"/>
-    <p:sldId id="289" r:id="rId22"/>
-    <p:sldId id="267" r:id="rId23"/>
-    <p:sldId id="268" r:id="rId24"/>
-    <p:sldId id="269" r:id="rId25"/>
-    <p:sldId id="270" r:id="rId26"/>
-    <p:sldId id="278" r:id="rId27"/>
-    <p:sldId id="271" r:id="rId28"/>
-    <p:sldId id="272" r:id="rId29"/>
-    <p:sldId id="273" r:id="rId30"/>
-    <p:sldId id="274" r:id="rId31"/>
-    <p:sldId id="275" r:id="rId32"/>
-    <p:sldId id="276" r:id="rId33"/>
-    <p:sldId id="277" r:id="rId34"/>
-    <p:sldId id="279" r:id="rId35"/>
-    <p:sldId id="280" r:id="rId36"/>
+    <p:sldId id="256" r:id="rId2"/>
+    <p:sldId id="257" r:id="rId3"/>
+    <p:sldId id="282" r:id="rId4"/>
+    <p:sldId id="283" r:id="rId5"/>
+    <p:sldId id="284" r:id="rId6"/>
+    <p:sldId id="258" r:id="rId7"/>
+    <p:sldId id="259" r:id="rId8"/>
+    <p:sldId id="260" r:id="rId9"/>
+    <p:sldId id="261" r:id="rId10"/>
+    <p:sldId id="262" r:id="rId11"/>
+    <p:sldId id="264" r:id="rId12"/>
+    <p:sldId id="263" r:id="rId13"/>
+    <p:sldId id="265" r:id="rId14"/>
+    <p:sldId id="266" r:id="rId15"/>
+    <p:sldId id="290" r:id="rId16"/>
+    <p:sldId id="287" r:id="rId17"/>
+    <p:sldId id="288" r:id="rId18"/>
+    <p:sldId id="289" r:id="rId19"/>
+    <p:sldId id="267" r:id="rId20"/>
+    <p:sldId id="268" r:id="rId21"/>
+    <p:sldId id="269" r:id="rId22"/>
+    <p:sldId id="270" r:id="rId23"/>
+    <p:sldId id="278" r:id="rId24"/>
+    <p:sldId id="271" r:id="rId25"/>
+    <p:sldId id="272" r:id="rId26"/>
+    <p:sldId id="273" r:id="rId27"/>
+    <p:sldId id="274" r:id="rId28"/>
+    <p:sldId id="275" r:id="rId29"/>
+    <p:sldId id="276" r:id="rId30"/>
+    <p:sldId id="277" r:id="rId31"/>
+    <p:sldId id="280" r:id="rId32"/>
+    <p:sldId id="279" r:id="rId33"/>
+    <p:sldId id="291" r:id="rId34"/>
   </p:sldIdLst>
   <p:sldSz cx="12192000" cy="6858000"/>
   <p:notesSz cx="6858000" cy="9144000"/>
@@ -231,7 +229,7 @@
           <a:p>
             <a:fld id="{9601DF97-034B-874D-8303-F78DE0F6FC76}" type="datetimeFigureOut">
               <a:rPr lang="en-US" smtClean="0"/>
-              <a:t>9/1/20</a:t>
+              <a:t>9/15/20</a:t>
             </a:fld>
             <a:endParaRPr lang="en-US"/>
           </a:p>
@@ -583,7 +581,7 @@
           <a:p>
             <a:fld id="{BE0A41D6-D371-D64A-9F8F-AFF9715B23A7}" type="slidenum">
               <a:rPr lang="en-US" smtClean="0"/>
-              <a:t>13</a:t>
+              <a:t>10</a:t>
             </a:fld>
             <a:endParaRPr lang="en-US"/>
           </a:p>
@@ -670,7 +668,7 @@
           <a:p>
             <a:fld id="{BE0A41D6-D371-D64A-9F8F-AFF9715B23A7}" type="slidenum">
               <a:rPr lang="en-US" smtClean="0"/>
-              <a:t>17</a:t>
+              <a:t>14</a:t>
             </a:fld>
             <a:endParaRPr lang="en-US"/>
           </a:p>
@@ -8364,10 +8362,10 @@
       </p:grpSpPr>
       <p:sp>
         <p:nvSpPr>
-          <p:cNvPr id="6" name="Title 5">
+          <p:cNvPr id="2" name="Title 1">
             <a:extLst>
               <a:ext uri="{FF2B5EF4-FFF2-40B4-BE49-F238E27FC236}">
-                <a16:creationId xmlns:a16="http://schemas.microsoft.com/office/drawing/2014/main" id="{409C2067-1561-CB47-A091-ECC6FE8CC2FA}"/>
+                <a16:creationId xmlns:a16="http://schemas.microsoft.com/office/drawing/2014/main" id="{33164C76-1BCD-3E4D-B9CF-284BE4960D17}"/>
               </a:ext>
             </a:extLst>
           </p:cNvPr>
@@ -8375,7 +8373,7 @@
             <a:spLocks noGrp="1"/>
           </p:cNvSpPr>
           <p:nvPr>
-            <p:ph type="title"/>
+            <p:ph type="ctrTitle"/>
           </p:nvPr>
         </p:nvSpPr>
         <p:spPr/>
@@ -8385,17 +8383,17 @@
           <a:p>
             <a:r>
               <a:rPr lang="en-US" dirty="0"/>
-              <a:t>Programming Language Concepts</a:t>
-            </a:r>
-          </a:p>
-        </p:txBody>
-      </p:sp>
-      <p:sp>
-        <p:nvSpPr>
-          <p:cNvPr id="7" name="Text Placeholder 6">
+              <a:t>Beginners’ PLCC</a:t>
+            </a:r>
+          </a:p>
+        </p:txBody>
+      </p:sp>
+      <p:sp>
+        <p:nvSpPr>
+          <p:cNvPr id="3" name="Subtitle 2">
             <a:extLst>
               <a:ext uri="{FF2B5EF4-FFF2-40B4-BE49-F238E27FC236}">
-                <a16:creationId xmlns:a16="http://schemas.microsoft.com/office/drawing/2014/main" id="{9C6FFCCA-D4EE-FE4C-8B65-8DC4440764FD}"/>
+                <a16:creationId xmlns:a16="http://schemas.microsoft.com/office/drawing/2014/main" id="{B3D1FB68-F2F8-C747-876D-CC860699228D}"/>
               </a:ext>
             </a:extLst>
           </p:cNvPr>
@@ -8403,7 +8401,7 @@
             <a:spLocks noGrp="1"/>
           </p:cNvSpPr>
           <p:nvPr>
-            <p:ph type="body" idx="1"/>
+            <p:ph type="subTitle" idx="1"/>
           </p:nvPr>
         </p:nvSpPr>
         <p:spPr/>
@@ -8411,75 +8409,15 @@
           <a:bodyPr/>
           <a:lstStyle/>
           <a:p>
-            <a:pPr marL="0" indent="0" algn="l" defTabSz="914400" rtl="0" eaLnBrk="1" latinLnBrk="0" hangingPunct="1">
-              <a:lnSpc>
-                <a:spcPct val="90000"/>
-              </a:lnSpc>
-              <a:spcBef>
-                <a:spcPts val="1000"/>
-              </a:spcBef>
-              <a:buFont typeface="Arial" panose="020B0604020202020204" pitchFamily="34" charset="0"/>
-              <a:buNone/>
-            </a:pPr>
             <a:r>
               <a:rPr lang="en-US" dirty="0"/>
-              <a:t>with Jim Heliotis</a:t>
-            </a:r>
-          </a:p>
-        </p:txBody>
-      </p:sp>
-      <p:sp>
-        <p:nvSpPr>
-          <p:cNvPr id="4" name="Date Placeholder 3">
-            <a:extLst>
-              <a:ext uri="{FF2B5EF4-FFF2-40B4-BE49-F238E27FC236}">
-                <a16:creationId xmlns:a16="http://schemas.microsoft.com/office/drawing/2014/main" id="{38A6FAC8-1E14-8C41-9496-CEE8BCF3DF3F}"/>
-              </a:ext>
-            </a:extLst>
-          </p:cNvPr>
-          <p:cNvSpPr>
-            <a:spLocks noGrp="1"/>
-          </p:cNvSpPr>
-          <p:nvPr>
-            <p:ph type="dt" sz="half" idx="10"/>
-          </p:nvPr>
-        </p:nvSpPr>
-        <p:spPr/>
-        <p:txBody>
-          <a:bodyPr/>
-          <a:lstStyle/>
-          <a:p>
-            <a:r>
-              <a:rPr lang="en-US"/>
+              <a:t>Getting started using the tool</a:t>
+            </a:r>
+          </a:p>
+          <a:p>
+            <a:r>
+              <a:rPr lang="en-US" dirty="0"/>
               <a:t>Spring 2020</a:t>
-            </a:r>
-          </a:p>
-        </p:txBody>
-      </p:sp>
-      <p:sp>
-        <p:nvSpPr>
-          <p:cNvPr id="5" name="Footer Placeholder 4">
-            <a:extLst>
-              <a:ext uri="{FF2B5EF4-FFF2-40B4-BE49-F238E27FC236}">
-                <a16:creationId xmlns:a16="http://schemas.microsoft.com/office/drawing/2014/main" id="{7B60CC2C-7A82-BC42-9298-681AEDF87392}"/>
-              </a:ext>
-            </a:extLst>
-          </p:cNvPr>
-          <p:cNvSpPr>
-            <a:spLocks noGrp="1"/>
-          </p:cNvSpPr>
-          <p:nvPr>
-            <p:ph type="ftr" sz="quarter" idx="11"/>
-          </p:nvPr>
-        </p:nvSpPr>
-        <p:spPr/>
-        <p:txBody>
-          <a:bodyPr/>
-          <a:lstStyle/>
-          <a:p>
-            <a:r>
-              <a:rPr lang="en-US"/>
-              <a:t>CSCI 344</a:t>
             </a:r>
           </a:p>
         </p:txBody>
@@ -8487,7 +8425,7 @@
     </p:spTree>
     <p:extLst>
       <p:ext uri="{BB962C8B-B14F-4D97-AF65-F5344CB8AC3E}">
-        <p14:creationId xmlns:p14="http://schemas.microsoft.com/office/powerpoint/2010/main" val="2706446484"/>
+        <p14:creationId xmlns:p14="http://schemas.microsoft.com/office/powerpoint/2010/main" val="2205601836"/>
       </p:ext>
     </p:extLst>
   </p:cSld>
@@ -8519,644 +8457,6 @@
           <p:cNvPr id="2" name="Title 1">
             <a:extLst>
               <a:ext uri="{FF2B5EF4-FFF2-40B4-BE49-F238E27FC236}">
-                <a16:creationId xmlns:a16="http://schemas.microsoft.com/office/drawing/2014/main" id="{577E4225-4BD3-2D48-9B27-916ACED3F402}"/>
-              </a:ext>
-            </a:extLst>
-          </p:cNvPr>
-          <p:cNvSpPr>
-            <a:spLocks noGrp="1"/>
-          </p:cNvSpPr>
-          <p:nvPr>
-            <p:ph type="title"/>
-          </p:nvPr>
-        </p:nvSpPr>
-        <p:spPr/>
-        <p:txBody>
-          <a:bodyPr/>
-          <a:lstStyle/>
-          <a:p>
-            <a:r>
-              <a:rPr lang="en-US" dirty="0"/>
-              <a:t>Learning By Example: </a:t>
-            </a:r>
-            <a:r>
-              <a:rPr lang="en-US" b="1" dirty="0"/>
-              <a:t>2_nos+ids+nl.plcc</a:t>
-            </a:r>
-          </a:p>
-        </p:txBody>
-      </p:sp>
-      <p:sp>
-        <p:nvSpPr>
-          <p:cNvPr id="3" name="Content Placeholder 2">
-            <a:extLst>
-              <a:ext uri="{FF2B5EF4-FFF2-40B4-BE49-F238E27FC236}">
-                <a16:creationId xmlns:a16="http://schemas.microsoft.com/office/drawing/2014/main" id="{AB186F40-574B-8C49-9C69-D28A5B7387FF}"/>
-              </a:ext>
-            </a:extLst>
-          </p:cNvPr>
-          <p:cNvSpPr>
-            <a:spLocks noGrp="1"/>
-          </p:cNvSpPr>
-          <p:nvPr>
-            <p:ph idx="1"/>
-          </p:nvPr>
-        </p:nvSpPr>
-        <p:spPr/>
-        <p:txBody>
-          <a:bodyPr/>
-          <a:lstStyle/>
-          <a:p>
-            <a:pPr marL="0" indent="0">
-              <a:buNone/>
-            </a:pPr>
-            <a:r>
-              <a:rPr lang="en-US" dirty="0">
-                <a:latin typeface="Andale Mono" panose="020B0509000000000004" pitchFamily="49" charset="0"/>
-              </a:rPr>
-              <a:t>token NEWLINE '\n'</a:t>
-            </a:r>
-          </a:p>
-          <a:p>
-            <a:pPr marL="0" indent="0">
-              <a:buNone/>
-            </a:pPr>
-            <a:r>
-              <a:rPr lang="en-US" dirty="0">
-                <a:latin typeface="Andale Mono" panose="020B0509000000000004" pitchFamily="49" charset="0"/>
-              </a:rPr>
-              <a:t>token NUMBER '\d+'</a:t>
-            </a:r>
-          </a:p>
-          <a:p>
-            <a:pPr marL="0" indent="0">
-              <a:buNone/>
-            </a:pPr>
-            <a:r>
-              <a:rPr lang="en-US" dirty="0">
-                <a:latin typeface="Andale Mono" panose="020B0509000000000004" pitchFamily="49" charset="0"/>
-              </a:rPr>
-              <a:t>token IDENT '[A-</a:t>
-            </a:r>
-            <a:r>
-              <a:rPr lang="en-US" dirty="0" err="1">
-                <a:latin typeface="Andale Mono" panose="020B0509000000000004" pitchFamily="49" charset="0"/>
-              </a:rPr>
-              <a:t>Za</a:t>
-            </a:r>
-            <a:r>
-              <a:rPr lang="en-US" dirty="0">
-                <a:latin typeface="Andale Mono" panose="020B0509000000000004" pitchFamily="49" charset="0"/>
-              </a:rPr>
-              <a:t>-z]\w*'</a:t>
-            </a:r>
-          </a:p>
-          <a:p>
-            <a:pPr marL="0" indent="0">
-              <a:buNone/>
-            </a:pPr>
-            <a:r>
-              <a:rPr lang="en-US" dirty="0">
-                <a:latin typeface="Andale Mono" panose="020B0509000000000004" pitchFamily="49" charset="0"/>
-              </a:rPr>
-              <a:t>%</a:t>
-            </a:r>
-            <a:br>
-              <a:rPr lang="en-US" dirty="0">
-                <a:latin typeface="Andale Mono" panose="020B0509000000000004" pitchFamily="49" charset="0"/>
-              </a:rPr>
-            </a:br>
-            <a:r>
-              <a:rPr lang="en-US" dirty="0">
-                <a:latin typeface="Andale Mono" panose="020B0509000000000004" pitchFamily="49" charset="0"/>
-              </a:rPr>
-              <a:t>%</a:t>
-            </a:r>
-          </a:p>
-          <a:p>
-            <a:pPr marL="0" indent="0">
-              <a:buNone/>
-            </a:pPr>
-            <a:endParaRPr lang="en-US" dirty="0"/>
-          </a:p>
-          <a:p>
-            <a:pPr marL="0" indent="0">
-              <a:buNone/>
-            </a:pPr>
-            <a:r>
-              <a:rPr lang="en-US" dirty="0"/>
-              <a:t>…better</a:t>
-            </a:r>
-          </a:p>
-          <a:p>
-            <a:pPr marL="0" indent="0">
-              <a:buNone/>
-            </a:pPr>
-            <a:endParaRPr lang="en-US" dirty="0"/>
-          </a:p>
-        </p:txBody>
-      </p:sp>
-      <p:sp>
-        <p:nvSpPr>
-          <p:cNvPr id="4" name="Date Placeholder 3">
-            <a:extLst>
-              <a:ext uri="{FF2B5EF4-FFF2-40B4-BE49-F238E27FC236}">
-                <a16:creationId xmlns:a16="http://schemas.microsoft.com/office/drawing/2014/main" id="{1ADA9FE3-F468-FC48-A060-E7914CFC612C}"/>
-              </a:ext>
-            </a:extLst>
-          </p:cNvPr>
-          <p:cNvSpPr>
-            <a:spLocks noGrp="1"/>
-          </p:cNvSpPr>
-          <p:nvPr>
-            <p:ph type="dt" sz="half" idx="10"/>
-          </p:nvPr>
-        </p:nvSpPr>
-        <p:spPr/>
-        <p:txBody>
-          <a:bodyPr/>
-          <a:lstStyle/>
-          <a:p>
-            <a:r>
-              <a:rPr lang="en-US"/>
-              <a:t>Spring 2020</a:t>
-            </a:r>
-          </a:p>
-        </p:txBody>
-      </p:sp>
-      <p:sp>
-        <p:nvSpPr>
-          <p:cNvPr id="5" name="Footer Placeholder 4">
-            <a:extLst>
-              <a:ext uri="{FF2B5EF4-FFF2-40B4-BE49-F238E27FC236}">
-                <a16:creationId xmlns:a16="http://schemas.microsoft.com/office/drawing/2014/main" id="{629F4188-D257-934A-A08A-3159D227D079}"/>
-              </a:ext>
-            </a:extLst>
-          </p:cNvPr>
-          <p:cNvSpPr>
-            <a:spLocks noGrp="1"/>
-          </p:cNvSpPr>
-          <p:nvPr>
-            <p:ph type="ftr" sz="quarter" idx="11"/>
-          </p:nvPr>
-        </p:nvSpPr>
-        <p:spPr/>
-        <p:txBody>
-          <a:bodyPr/>
-          <a:lstStyle/>
-          <a:p>
-            <a:r>
-              <a:rPr lang="en-US"/>
-              <a:t>CSCI 344</a:t>
-            </a:r>
-          </a:p>
-        </p:txBody>
-      </p:sp>
-    </p:spTree>
-    <p:extLst>
-      <p:ext uri="{BB962C8B-B14F-4D97-AF65-F5344CB8AC3E}">
-        <p14:creationId xmlns:p14="http://schemas.microsoft.com/office/powerpoint/2010/main" val="2380343618"/>
-      </p:ext>
-    </p:extLst>
-  </p:cSld>
-  <p:clrMapOvr>
-    <a:masterClrMapping/>
-  </p:clrMapOvr>
-</p:sld>
-</file>
-
-<file path=ppt/slides/slide11.xml><?xml version="1.0" encoding="utf-8"?>
-<p:sld xmlns:a="http://schemas.openxmlformats.org/drawingml/2006/main" xmlns:r="http://schemas.openxmlformats.org/officeDocument/2006/relationships" xmlns:p="http://schemas.openxmlformats.org/presentationml/2006/main">
-  <p:cSld>
-    <p:spTree>
-      <p:nvGrpSpPr>
-        <p:cNvPr id="1" name=""/>
-        <p:cNvGrpSpPr/>
-        <p:nvPr/>
-      </p:nvGrpSpPr>
-      <p:grpSpPr>
-        <a:xfrm>
-          <a:off x="0" y="0"/>
-          <a:ext cx="0" cy="0"/>
-          <a:chOff x="0" y="0"/>
-          <a:chExt cx="0" cy="0"/>
-        </a:xfrm>
-      </p:grpSpPr>
-      <p:sp>
-        <p:nvSpPr>
-          <p:cNvPr id="2" name="Title 1">
-            <a:extLst>
-              <a:ext uri="{FF2B5EF4-FFF2-40B4-BE49-F238E27FC236}">
-                <a16:creationId xmlns:a16="http://schemas.microsoft.com/office/drawing/2014/main" id="{577E4225-4BD3-2D48-9B27-916ACED3F402}"/>
-              </a:ext>
-            </a:extLst>
-          </p:cNvPr>
-          <p:cNvSpPr>
-            <a:spLocks noGrp="1"/>
-          </p:cNvSpPr>
-          <p:nvPr>
-            <p:ph type="title"/>
-          </p:nvPr>
-        </p:nvSpPr>
-        <p:spPr/>
-        <p:txBody>
-          <a:bodyPr/>
-          <a:lstStyle/>
-          <a:p>
-            <a:r>
-              <a:rPr lang="en-US" dirty="0"/>
-              <a:t>Learning By Example: </a:t>
-            </a:r>
-            <a:r>
-              <a:rPr lang="en-US" b="1" dirty="0"/>
-              <a:t>3_nos+ids.plcc</a:t>
-            </a:r>
-          </a:p>
-        </p:txBody>
-      </p:sp>
-      <p:sp>
-        <p:nvSpPr>
-          <p:cNvPr id="3" name="Content Placeholder 2">
-            <a:extLst>
-              <a:ext uri="{FF2B5EF4-FFF2-40B4-BE49-F238E27FC236}">
-                <a16:creationId xmlns:a16="http://schemas.microsoft.com/office/drawing/2014/main" id="{AB186F40-574B-8C49-9C69-D28A5B7387FF}"/>
-              </a:ext>
-            </a:extLst>
-          </p:cNvPr>
-          <p:cNvSpPr>
-            <a:spLocks noGrp="1"/>
-          </p:cNvSpPr>
-          <p:nvPr>
-            <p:ph idx="1"/>
-          </p:nvPr>
-        </p:nvSpPr>
-        <p:spPr/>
-        <p:txBody>
-          <a:bodyPr>
-            <a:normAutofit fontScale="92500" lnSpcReduction="20000"/>
-          </a:bodyPr>
-          <a:lstStyle/>
-          <a:p>
-            <a:pPr marL="0" indent="0">
-              <a:buNone/>
-            </a:pPr>
-            <a:r>
-              <a:rPr lang="en-US" dirty="0">
-                <a:latin typeface="Andale Mono" panose="020B0509000000000004" pitchFamily="49" charset="0"/>
-              </a:rPr>
-              <a:t># Recognize number literals and identifiers as tokens.</a:t>
-            </a:r>
-          </a:p>
-          <a:p>
-            <a:pPr marL="0" indent="0">
-              <a:buNone/>
-            </a:pPr>
-            <a:r>
-              <a:rPr lang="en-US" dirty="0">
-                <a:latin typeface="Andale Mono" panose="020B0509000000000004" pitchFamily="49" charset="0"/>
-              </a:rPr>
-              <a:t># Skip over whitespace</a:t>
-            </a:r>
-          </a:p>
-          <a:p>
-            <a:pPr marL="0" indent="0">
-              <a:buNone/>
-            </a:pPr>
-            <a:endParaRPr lang="en-US" dirty="0">
-              <a:latin typeface="Andale Mono" panose="020B0509000000000004" pitchFamily="49" charset="0"/>
-            </a:endParaRPr>
-          </a:p>
-          <a:p>
-            <a:pPr marL="0" indent="0">
-              <a:buNone/>
-            </a:pPr>
-            <a:r>
-              <a:rPr lang="en-US" dirty="0">
-                <a:latin typeface="Andale Mono" panose="020B0509000000000004" pitchFamily="49" charset="0"/>
-              </a:rPr>
-              <a:t>skip WHITESPACE '\s+'</a:t>
-            </a:r>
-          </a:p>
-          <a:p>
-            <a:pPr marL="0" indent="0">
-              <a:buNone/>
-            </a:pPr>
-            <a:endParaRPr lang="en-US" dirty="0">
-              <a:latin typeface="Andale Mono" panose="020B0509000000000004" pitchFamily="49" charset="0"/>
-            </a:endParaRPr>
-          </a:p>
-          <a:p>
-            <a:pPr marL="0" indent="0">
-              <a:buNone/>
-            </a:pPr>
-            <a:r>
-              <a:rPr lang="en-US" dirty="0">
-                <a:latin typeface="Andale Mono" panose="020B0509000000000004" pitchFamily="49" charset="0"/>
-              </a:rPr>
-              <a:t>token NUMBER '\d+'</a:t>
-            </a:r>
-          </a:p>
-          <a:p>
-            <a:pPr marL="0" indent="0">
-              <a:buNone/>
-            </a:pPr>
-            <a:r>
-              <a:rPr lang="en-US" dirty="0">
-                <a:latin typeface="Andale Mono" panose="020B0509000000000004" pitchFamily="49" charset="0"/>
-              </a:rPr>
-              <a:t>token IDENT '[A-</a:t>
-            </a:r>
-            <a:r>
-              <a:rPr lang="en-US" dirty="0" err="1">
-                <a:latin typeface="Andale Mono" panose="020B0509000000000004" pitchFamily="49" charset="0"/>
-              </a:rPr>
-              <a:t>Za</a:t>
-            </a:r>
-            <a:r>
-              <a:rPr lang="en-US" dirty="0">
-                <a:latin typeface="Andale Mono" panose="020B0509000000000004" pitchFamily="49" charset="0"/>
-              </a:rPr>
-              <a:t>-z]\w*'</a:t>
-            </a:r>
-          </a:p>
-          <a:p>
-            <a:pPr marL="0" indent="0">
-              <a:buNone/>
-            </a:pPr>
-            <a:r>
-              <a:rPr lang="en-US" dirty="0">
-                <a:latin typeface="Andale Mono" panose="020B0509000000000004" pitchFamily="49" charset="0"/>
-              </a:rPr>
-              <a:t>%</a:t>
-            </a:r>
-            <a:br>
-              <a:rPr lang="en-US" dirty="0">
-                <a:latin typeface="Andale Mono" panose="020B0509000000000004" pitchFamily="49" charset="0"/>
-              </a:rPr>
-            </a:br>
-            <a:r>
-              <a:rPr lang="en-US" dirty="0">
-                <a:latin typeface="Andale Mono" panose="020B0509000000000004" pitchFamily="49" charset="0"/>
-              </a:rPr>
-              <a:t>%</a:t>
-            </a:r>
-          </a:p>
-          <a:p>
-            <a:pPr marL="0" indent="0">
-              <a:buNone/>
-            </a:pPr>
-            <a:r>
-              <a:rPr lang="en-US" dirty="0"/>
-              <a:t>…OK this can work.</a:t>
-            </a:r>
-          </a:p>
-          <a:p>
-            <a:pPr marL="0" indent="0">
-              <a:buNone/>
-            </a:pPr>
-            <a:endParaRPr lang="en-US" dirty="0"/>
-          </a:p>
-        </p:txBody>
-      </p:sp>
-      <p:sp>
-        <p:nvSpPr>
-          <p:cNvPr id="4" name="Date Placeholder 3">
-            <a:extLst>
-              <a:ext uri="{FF2B5EF4-FFF2-40B4-BE49-F238E27FC236}">
-                <a16:creationId xmlns:a16="http://schemas.microsoft.com/office/drawing/2014/main" id="{1F6CE700-D0E0-4349-83DE-4B9A0C13E228}"/>
-              </a:ext>
-            </a:extLst>
-          </p:cNvPr>
-          <p:cNvSpPr>
-            <a:spLocks noGrp="1"/>
-          </p:cNvSpPr>
-          <p:nvPr>
-            <p:ph type="dt" sz="half" idx="10"/>
-          </p:nvPr>
-        </p:nvSpPr>
-        <p:spPr/>
-        <p:txBody>
-          <a:bodyPr/>
-          <a:lstStyle/>
-          <a:p>
-            <a:r>
-              <a:rPr lang="en-US"/>
-              <a:t>Spring 2020</a:t>
-            </a:r>
-          </a:p>
-        </p:txBody>
-      </p:sp>
-      <p:sp>
-        <p:nvSpPr>
-          <p:cNvPr id="5" name="Footer Placeholder 4">
-            <a:extLst>
-              <a:ext uri="{FF2B5EF4-FFF2-40B4-BE49-F238E27FC236}">
-                <a16:creationId xmlns:a16="http://schemas.microsoft.com/office/drawing/2014/main" id="{2A1A20DA-F955-5646-B1DE-EB1B3DA14C34}"/>
-              </a:ext>
-            </a:extLst>
-          </p:cNvPr>
-          <p:cNvSpPr>
-            <a:spLocks noGrp="1"/>
-          </p:cNvSpPr>
-          <p:nvPr>
-            <p:ph type="ftr" sz="quarter" idx="11"/>
-          </p:nvPr>
-        </p:nvSpPr>
-        <p:spPr/>
-        <p:txBody>
-          <a:bodyPr/>
-          <a:lstStyle/>
-          <a:p>
-            <a:r>
-              <a:rPr lang="en-US"/>
-              <a:t>CSCI 344</a:t>
-            </a:r>
-          </a:p>
-        </p:txBody>
-      </p:sp>
-    </p:spTree>
-    <p:extLst>
-      <p:ext uri="{BB962C8B-B14F-4D97-AF65-F5344CB8AC3E}">
-        <p14:creationId xmlns:p14="http://schemas.microsoft.com/office/powerpoint/2010/main" val="3785554493"/>
-      </p:ext>
-    </p:extLst>
-  </p:cSld>
-  <p:clrMapOvr>
-    <a:masterClrMapping/>
-  </p:clrMapOvr>
-</p:sld>
-</file>
-
-<file path=ppt/slides/slide12.xml><?xml version="1.0" encoding="utf-8"?>
-<p:sld xmlns:a="http://schemas.openxmlformats.org/drawingml/2006/main" xmlns:r="http://schemas.openxmlformats.org/officeDocument/2006/relationships" xmlns:p="http://schemas.openxmlformats.org/presentationml/2006/main">
-  <p:cSld>
-    <p:spTree>
-      <p:nvGrpSpPr>
-        <p:cNvPr id="1" name=""/>
-        <p:cNvGrpSpPr/>
-        <p:nvPr/>
-      </p:nvGrpSpPr>
-      <p:grpSpPr>
-        <a:xfrm>
-          <a:off x="0" y="0"/>
-          <a:ext cx="0" cy="0"/>
-          <a:chOff x="0" y="0"/>
-          <a:chExt cx="0" cy="0"/>
-        </a:xfrm>
-      </p:grpSpPr>
-      <p:sp>
-        <p:nvSpPr>
-          <p:cNvPr id="2" name="Title 1">
-            <a:extLst>
-              <a:ext uri="{FF2B5EF4-FFF2-40B4-BE49-F238E27FC236}">
-                <a16:creationId xmlns:a16="http://schemas.microsoft.com/office/drawing/2014/main" id="{C8EBC0A0-0100-624B-A5F1-297F0DC4C3C1}"/>
-              </a:ext>
-            </a:extLst>
-          </p:cNvPr>
-          <p:cNvSpPr>
-            <a:spLocks noGrp="1"/>
-          </p:cNvSpPr>
-          <p:nvPr>
-            <p:ph type="title"/>
-          </p:nvPr>
-        </p:nvSpPr>
-        <p:spPr/>
-        <p:txBody>
-          <a:bodyPr/>
-          <a:lstStyle/>
-          <a:p>
-            <a:r>
-              <a:rPr lang="en-US" dirty="0"/>
-              <a:t>A Tease for What's Ahead</a:t>
-            </a:r>
-          </a:p>
-        </p:txBody>
-      </p:sp>
-      <p:sp>
-        <p:nvSpPr>
-          <p:cNvPr id="3" name="Content Placeholder 2">
-            <a:extLst>
-              <a:ext uri="{FF2B5EF4-FFF2-40B4-BE49-F238E27FC236}">
-                <a16:creationId xmlns:a16="http://schemas.microsoft.com/office/drawing/2014/main" id="{B3AE2200-3EC0-3246-9F73-928F2F33F739}"/>
-              </a:ext>
-            </a:extLst>
-          </p:cNvPr>
-          <p:cNvSpPr>
-            <a:spLocks noGrp="1"/>
-          </p:cNvSpPr>
-          <p:nvPr>
-            <p:ph idx="1"/>
-          </p:nvPr>
-        </p:nvSpPr>
-        <p:spPr/>
-        <p:txBody>
-          <a:bodyPr/>
-          <a:lstStyle/>
-          <a:p>
-            <a:r>
-              <a:rPr lang="en-US" dirty="0"/>
-              <a:t>Let's look at the TEST_PLCC example</a:t>
-            </a:r>
-          </a:p>
-          <a:p>
-            <a:r>
-              <a:rPr lang="en-US" dirty="0"/>
-              <a:t>Used to verify a successful installation of PLCC</a:t>
-            </a:r>
-          </a:p>
-        </p:txBody>
-      </p:sp>
-      <p:sp>
-        <p:nvSpPr>
-          <p:cNvPr id="4" name="Date Placeholder 3">
-            <a:extLst>
-              <a:ext uri="{FF2B5EF4-FFF2-40B4-BE49-F238E27FC236}">
-                <a16:creationId xmlns:a16="http://schemas.microsoft.com/office/drawing/2014/main" id="{460E0953-7269-224E-BF22-7B9BD9B82836}"/>
-              </a:ext>
-            </a:extLst>
-          </p:cNvPr>
-          <p:cNvSpPr>
-            <a:spLocks noGrp="1"/>
-          </p:cNvSpPr>
-          <p:nvPr>
-            <p:ph type="dt" sz="half" idx="10"/>
-          </p:nvPr>
-        </p:nvSpPr>
-        <p:spPr/>
-        <p:txBody>
-          <a:bodyPr/>
-          <a:lstStyle/>
-          <a:p>
-            <a:r>
-              <a:rPr lang="en-US"/>
-              <a:t>Spring 2020</a:t>
-            </a:r>
-          </a:p>
-        </p:txBody>
-      </p:sp>
-      <p:sp>
-        <p:nvSpPr>
-          <p:cNvPr id="5" name="Footer Placeholder 4">
-            <a:extLst>
-              <a:ext uri="{FF2B5EF4-FFF2-40B4-BE49-F238E27FC236}">
-                <a16:creationId xmlns:a16="http://schemas.microsoft.com/office/drawing/2014/main" id="{DE82D89D-1EDC-FB4B-A4DB-E8DFBF43C303}"/>
-              </a:ext>
-            </a:extLst>
-          </p:cNvPr>
-          <p:cNvSpPr>
-            <a:spLocks noGrp="1"/>
-          </p:cNvSpPr>
-          <p:nvPr>
-            <p:ph type="ftr" sz="quarter" idx="11"/>
-          </p:nvPr>
-        </p:nvSpPr>
-        <p:spPr/>
-        <p:txBody>
-          <a:bodyPr/>
-          <a:lstStyle/>
-          <a:p>
-            <a:r>
-              <a:rPr lang="en-US"/>
-              <a:t>CSCI 344</a:t>
-            </a:r>
-          </a:p>
-        </p:txBody>
-      </p:sp>
-    </p:spTree>
-    <p:extLst>
-      <p:ext uri="{BB962C8B-B14F-4D97-AF65-F5344CB8AC3E}">
-        <p14:creationId xmlns:p14="http://schemas.microsoft.com/office/powerpoint/2010/main" val="610876999"/>
-      </p:ext>
-    </p:extLst>
-  </p:cSld>
-  <p:clrMapOvr>
-    <a:masterClrMapping/>
-  </p:clrMapOvr>
-</p:sld>
-</file>
-
-<file path=ppt/slides/slide13.xml><?xml version="1.0" encoding="utf-8"?>
-<p:sld xmlns:a="http://schemas.openxmlformats.org/drawingml/2006/main" xmlns:r="http://schemas.openxmlformats.org/officeDocument/2006/relationships" xmlns:p="http://schemas.openxmlformats.org/presentationml/2006/main">
-  <p:cSld>
-    <p:spTree>
-      <p:nvGrpSpPr>
-        <p:cNvPr id="1" name=""/>
-        <p:cNvGrpSpPr/>
-        <p:nvPr/>
-      </p:nvGrpSpPr>
-      <p:grpSpPr>
-        <a:xfrm>
-          <a:off x="0" y="0"/>
-          <a:ext cx="0" cy="0"/>
-          <a:chOff x="0" y="0"/>
-          <a:chExt cx="0" cy="0"/>
-        </a:xfrm>
-      </p:grpSpPr>
-      <p:sp>
-        <p:nvSpPr>
-          <p:cNvPr id="2" name="Title 1">
-            <a:extLst>
-              <a:ext uri="{FF2B5EF4-FFF2-40B4-BE49-F238E27FC236}">
                 <a16:creationId xmlns:a16="http://schemas.microsoft.com/office/drawing/2014/main" id="{997BC775-3297-2D47-834C-929223A93E2B}"/>
               </a:ext>
             </a:extLst>
@@ -9423,7 +8723,7 @@
 </p:sld>
 </file>
 
-<file path=ppt/slides/slide14.xml><?xml version="1.0" encoding="utf-8"?>
+<file path=ppt/slides/slide11.xml><?xml version="1.0" encoding="utf-8"?>
 <p:sld xmlns:a="http://schemas.openxmlformats.org/drawingml/2006/main" xmlns:r="http://schemas.openxmlformats.org/officeDocument/2006/relationships" xmlns:p="http://schemas.openxmlformats.org/presentationml/2006/main">
   <p:cSld>
     <p:spTree>
@@ -10109,7 +9409,7 @@
 </p:sld>
 </file>
 
-<file path=ppt/slides/slide15.xml><?xml version="1.0" encoding="utf-8"?>
+<file path=ppt/slides/slide12.xml><?xml version="1.0" encoding="utf-8"?>
 <p:sld xmlns:a="http://schemas.openxmlformats.org/drawingml/2006/main" xmlns:r="http://schemas.openxmlformats.org/officeDocument/2006/relationships" xmlns:p="http://schemas.openxmlformats.org/presentationml/2006/main">
   <p:cSld>
     <p:spTree>
@@ -11036,7 +10336,7 @@
 </p:sld>
 </file>
 
-<file path=ppt/slides/slide16.xml><?xml version="1.0" encoding="utf-8"?>
+<file path=ppt/slides/slide13.xml><?xml version="1.0" encoding="utf-8"?>
 <p:sld xmlns:a="http://schemas.openxmlformats.org/drawingml/2006/main" xmlns:r="http://schemas.openxmlformats.org/officeDocument/2006/relationships" xmlns:p="http://schemas.openxmlformats.org/presentationml/2006/main">
   <p:cSld>
     <p:spTree>
@@ -11230,7 +10530,7 @@
 </p:sld>
 </file>
 
-<file path=ppt/slides/slide17.xml><?xml version="1.0" encoding="utf-8"?>
+<file path=ppt/slides/slide14.xml><?xml version="1.0" encoding="utf-8"?>
 <p:sld xmlns:a="http://schemas.openxmlformats.org/drawingml/2006/main" xmlns:r="http://schemas.openxmlformats.org/officeDocument/2006/relationships" xmlns:p="http://schemas.openxmlformats.org/presentationml/2006/main">
   <p:cSld>
     <p:spTree>
@@ -11420,7 +10720,7 @@
 </p:sld>
 </file>
 
-<file path=ppt/slides/slide18.xml><?xml version="1.0" encoding="utf-8"?>
+<file path=ppt/slides/slide15.xml><?xml version="1.0" encoding="utf-8"?>
 <p:sld xmlns:a="http://schemas.openxmlformats.org/drawingml/2006/main" xmlns:r="http://schemas.openxmlformats.org/officeDocument/2006/relationships" xmlns:p="http://schemas.openxmlformats.org/presentationml/2006/main">
   <p:cSld>
     <p:spTree>
@@ -11554,7 +10854,7 @@
 </p:sld>
 </file>
 
-<file path=ppt/slides/slide19.xml><?xml version="1.0" encoding="utf-8"?>
+<file path=ppt/slides/slide16.xml><?xml version="1.0" encoding="utf-8"?>
 <p:sld xmlns:a="http://schemas.openxmlformats.org/drawingml/2006/main" xmlns:r="http://schemas.openxmlformats.org/officeDocument/2006/relationships" xmlns:p="http://schemas.openxmlformats.org/presentationml/2006/main">
   <p:cSld>
     <p:spTree>
@@ -12291,6 +11591,863 @@
 </p:sld>
 </file>
 
+<file path=ppt/slides/slide17.xml><?xml version="1.0" encoding="utf-8"?>
+<p:sld xmlns:a="http://schemas.openxmlformats.org/drawingml/2006/main" xmlns:r="http://schemas.openxmlformats.org/officeDocument/2006/relationships" xmlns:p="http://schemas.openxmlformats.org/presentationml/2006/main">
+  <p:cSld>
+    <p:spTree>
+      <p:nvGrpSpPr>
+        <p:cNvPr id="1" name=""/>
+        <p:cNvGrpSpPr/>
+        <p:nvPr/>
+      </p:nvGrpSpPr>
+      <p:grpSpPr>
+        <a:xfrm>
+          <a:off x="0" y="0"/>
+          <a:ext cx="0" cy="0"/>
+          <a:chOff x="0" y="0"/>
+          <a:chExt cx="0" cy="0"/>
+        </a:xfrm>
+      </p:grpSpPr>
+      <p:sp>
+        <p:nvSpPr>
+          <p:cNvPr id="2" name="Title 1">
+            <a:extLst>
+              <a:ext uri="{FF2B5EF4-FFF2-40B4-BE49-F238E27FC236}">
+                <a16:creationId xmlns:a16="http://schemas.microsoft.com/office/drawing/2014/main" id="{16556601-B9C0-8942-8CD5-BE420071D086}"/>
+              </a:ext>
+            </a:extLst>
+          </p:cNvPr>
+          <p:cNvSpPr>
+            <a:spLocks noGrp="1"/>
+          </p:cNvSpPr>
+          <p:nvPr>
+            <p:ph type="title"/>
+          </p:nvPr>
+        </p:nvSpPr>
+        <p:spPr/>
+        <p:txBody>
+          <a:bodyPr/>
+          <a:lstStyle/>
+          <a:p>
+            <a:r>
+              <a:rPr lang="en-US" dirty="0"/>
+              <a:t>Stepping Back: The Big Picture</a:t>
+            </a:r>
+          </a:p>
+        </p:txBody>
+      </p:sp>
+      <p:sp>
+        <p:nvSpPr>
+          <p:cNvPr id="3" name="Content Placeholder 2">
+            <a:extLst>
+              <a:ext uri="{FF2B5EF4-FFF2-40B4-BE49-F238E27FC236}">
+                <a16:creationId xmlns:a16="http://schemas.microsoft.com/office/drawing/2014/main" id="{50A65CEC-4CA0-EE40-B6CB-8489EBD38AE6}"/>
+              </a:ext>
+            </a:extLst>
+          </p:cNvPr>
+          <p:cNvSpPr>
+            <a:spLocks noGrp="1"/>
+          </p:cNvSpPr>
+          <p:nvPr>
+            <p:ph idx="1"/>
+          </p:nvPr>
+        </p:nvSpPr>
+        <p:spPr>
+          <a:xfrm>
+            <a:off x="680321" y="2336873"/>
+            <a:ext cx="10268728" cy="3599316"/>
+          </a:xfrm>
+        </p:spPr>
+        <p:txBody>
+          <a:bodyPr>
+            <a:normAutofit/>
+          </a:bodyPr>
+          <a:lstStyle/>
+          <a:p>
+            <a:r>
+              <a:rPr lang="en-US" dirty="0"/>
+              <a:t>PLCC syntax</a:t>
+            </a:r>
+          </a:p>
+          <a:p>
+            <a:pPr marL="457200" lvl="1" indent="0">
+              <a:buNone/>
+            </a:pPr>
+            <a:r>
+              <a:rPr lang="en-US" dirty="0">
+                <a:latin typeface="Andale Mono" panose="020B0509000000000004" pitchFamily="49" charset="0"/>
+              </a:rPr>
+              <a:t>token OP '[+\-]'</a:t>
+            </a:r>
+          </a:p>
+          <a:p>
+            <a:pPr marL="457200" lvl="1" indent="0">
+              <a:buNone/>
+            </a:pPr>
+            <a:r>
+              <a:rPr lang="en-US" dirty="0">
+                <a:latin typeface="Andale Mono" panose="020B0509000000000004" pitchFamily="49" charset="0"/>
+              </a:rPr>
+              <a:t>token COLON ':'</a:t>
+            </a:r>
+          </a:p>
+          <a:p>
+            <a:pPr marL="457200" lvl="1" indent="0">
+              <a:buNone/>
+            </a:pPr>
+            <a:r>
+              <a:rPr lang="en-US" dirty="0">
+                <a:latin typeface="Andale Mono" panose="020B0509000000000004" pitchFamily="49" charset="0"/>
+              </a:rPr>
+              <a:t>%</a:t>
+            </a:r>
+          </a:p>
+          <a:p>
+            <a:pPr marL="457200" lvl="1" indent="0">
+              <a:buNone/>
+            </a:pPr>
+            <a:r>
+              <a:rPr lang="en-US" dirty="0">
+                <a:latin typeface="Andale Mono" panose="020B0509000000000004" pitchFamily="49" charset="0"/>
+              </a:rPr>
+              <a:t>&lt;foo&gt; ::= . . .</a:t>
+            </a:r>
+          </a:p>
+          <a:p>
+            <a:pPr marL="457200" lvl="1" indent="0">
+              <a:buNone/>
+            </a:pPr>
+            <a:r>
+              <a:rPr lang="en-US">
+                <a:latin typeface="Andale Mono" panose="020B0509000000000004" pitchFamily="49" charset="0"/>
+              </a:rPr>
+              <a:t>&lt;bar</a:t>
+            </a:r>
+            <a:r>
+              <a:rPr lang="en-US" dirty="0">
+                <a:latin typeface="Andale Mono" panose="020B0509000000000004" pitchFamily="49" charset="0"/>
+              </a:rPr>
+              <a:t>&gt; </a:t>
+            </a:r>
+            <a:r>
+              <a:rPr lang="en-US">
+                <a:latin typeface="Andale Mono" panose="020B0509000000000004" pitchFamily="49" charset="0"/>
+              </a:rPr>
+              <a:t>::= &lt;foo</a:t>
+            </a:r>
+            <a:r>
+              <a:rPr lang="en-US" dirty="0">
+                <a:latin typeface="Andale Mono" panose="020B0509000000000004" pitchFamily="49" charset="0"/>
+              </a:rPr>
+              <a:t>&gt;prim &lt;OP</a:t>
+            </a:r>
+            <a:r>
+              <a:rPr lang="en-US">
+                <a:latin typeface="Andale Mono" panose="020B0509000000000004" pitchFamily="49" charset="0"/>
+              </a:rPr>
+              <a:t>&gt; &lt;foo</a:t>
+            </a:r>
+            <a:r>
+              <a:rPr lang="en-US" dirty="0">
+                <a:latin typeface="Andale Mono" panose="020B0509000000000004" pitchFamily="49" charset="0"/>
+              </a:rPr>
+              <a:t>&gt;sec </a:t>
+            </a:r>
+            <a:r>
+              <a:rPr lang="en-US">
+                <a:latin typeface="Andale Mono" panose="020B0509000000000004" pitchFamily="49" charset="0"/>
+              </a:rPr>
+              <a:t>COLON &lt;bar</a:t>
+            </a:r>
+            <a:r>
+              <a:rPr lang="en-US" dirty="0">
+                <a:latin typeface="Andale Mono" panose="020B0509000000000004" pitchFamily="49" charset="0"/>
+              </a:rPr>
+              <a:t>&gt;</a:t>
+            </a:r>
+          </a:p>
+          <a:p>
+            <a:endParaRPr lang="en-US" dirty="0"/>
+          </a:p>
+          <a:p>
+            <a:r>
+              <a:rPr lang="en-US" dirty="0"/>
+              <a:t>Resulting constructor:</a:t>
+            </a:r>
+          </a:p>
+          <a:p>
+            <a:pPr lvl="1"/>
+            <a:r>
+              <a:rPr lang="en-US" dirty="0">
+                <a:latin typeface="Andale Mono" panose="020B0509000000000004" pitchFamily="49" charset="0"/>
+              </a:rPr>
+              <a:t>Bar( Foo prim, Token op, Foo sec, Bar bar )</a:t>
+            </a:r>
+          </a:p>
+        </p:txBody>
+      </p:sp>
+      <p:sp>
+        <p:nvSpPr>
+          <p:cNvPr id="4" name="Date Placeholder 3">
+            <a:extLst>
+              <a:ext uri="{FF2B5EF4-FFF2-40B4-BE49-F238E27FC236}">
+                <a16:creationId xmlns:a16="http://schemas.microsoft.com/office/drawing/2014/main" id="{0E788A6E-7FBF-7B46-9D4E-825E5294645F}"/>
+              </a:ext>
+            </a:extLst>
+          </p:cNvPr>
+          <p:cNvSpPr>
+            <a:spLocks noGrp="1"/>
+          </p:cNvSpPr>
+          <p:nvPr>
+            <p:ph type="dt" sz="half" idx="10"/>
+          </p:nvPr>
+        </p:nvSpPr>
+        <p:spPr/>
+        <p:txBody>
+          <a:bodyPr/>
+          <a:lstStyle/>
+          <a:p>
+            <a:r>
+              <a:rPr lang="en-US"/>
+              <a:t>Spring 2020</a:t>
+            </a:r>
+          </a:p>
+        </p:txBody>
+      </p:sp>
+      <p:sp>
+        <p:nvSpPr>
+          <p:cNvPr id="5" name="Footer Placeholder 4">
+            <a:extLst>
+              <a:ext uri="{FF2B5EF4-FFF2-40B4-BE49-F238E27FC236}">
+                <a16:creationId xmlns:a16="http://schemas.microsoft.com/office/drawing/2014/main" id="{E57AF1BD-74D4-5B4F-A47C-F1E2C9CC2B8E}"/>
+              </a:ext>
+            </a:extLst>
+          </p:cNvPr>
+          <p:cNvSpPr>
+            <a:spLocks noGrp="1"/>
+          </p:cNvSpPr>
+          <p:nvPr>
+            <p:ph type="ftr" sz="quarter" idx="11"/>
+          </p:nvPr>
+        </p:nvSpPr>
+        <p:spPr/>
+        <p:txBody>
+          <a:bodyPr/>
+          <a:lstStyle/>
+          <a:p>
+            <a:r>
+              <a:rPr lang="en-US"/>
+              <a:t>CSCI 344</a:t>
+            </a:r>
+          </a:p>
+        </p:txBody>
+      </p:sp>
+      <p:sp>
+        <p:nvSpPr>
+          <p:cNvPr id="13" name="TextBox 12">
+            <a:extLst>
+              <a:ext uri="{FF2B5EF4-FFF2-40B4-BE49-F238E27FC236}">
+                <a16:creationId xmlns:a16="http://schemas.microsoft.com/office/drawing/2014/main" id="{254C3538-2A0F-414A-A997-C1859363E7E9}"/>
+              </a:ext>
+            </a:extLst>
+          </p:cNvPr>
+          <p:cNvSpPr txBox="1"/>
+          <p:nvPr/>
+        </p:nvSpPr>
+        <p:spPr>
+          <a:xfrm>
+            <a:off x="11079678" y="1258784"/>
+            <a:ext cx="550151" cy="369332"/>
+          </a:xfrm>
+          <a:prstGeom prst="rect">
+            <a:avLst/>
+          </a:prstGeom>
+          <a:noFill/>
+        </p:spPr>
+        <p:txBody>
+          <a:bodyPr wrap="none" rtlCol="0">
+            <a:spAutoFit/>
+          </a:bodyPr>
+          <a:lstStyle/>
+          <a:p>
+            <a:r>
+              <a:rPr lang="en-US" dirty="0"/>
+              <a:t>2/3</a:t>
+            </a:r>
+          </a:p>
+        </p:txBody>
+      </p:sp>
+    </p:spTree>
+    <p:extLst>
+      <p:ext uri="{BB962C8B-B14F-4D97-AF65-F5344CB8AC3E}">
+        <p14:creationId xmlns:p14="http://schemas.microsoft.com/office/powerpoint/2010/main" val="2783452028"/>
+      </p:ext>
+    </p:extLst>
+  </p:cSld>
+  <p:clrMapOvr>
+    <a:masterClrMapping/>
+  </p:clrMapOvr>
+</p:sld>
+</file>
+
+<file path=ppt/slides/slide18.xml><?xml version="1.0" encoding="utf-8"?>
+<p:sld xmlns:a="http://schemas.openxmlformats.org/drawingml/2006/main" xmlns:r="http://schemas.openxmlformats.org/officeDocument/2006/relationships" xmlns:p="http://schemas.openxmlformats.org/presentationml/2006/main">
+  <p:cSld>
+    <p:spTree>
+      <p:nvGrpSpPr>
+        <p:cNvPr id="1" name=""/>
+        <p:cNvGrpSpPr/>
+        <p:nvPr/>
+      </p:nvGrpSpPr>
+      <p:grpSpPr>
+        <a:xfrm>
+          <a:off x="0" y="0"/>
+          <a:ext cx="0" cy="0"/>
+          <a:chOff x="0" y="0"/>
+          <a:chExt cx="0" cy="0"/>
+        </a:xfrm>
+      </p:grpSpPr>
+      <p:sp>
+        <p:nvSpPr>
+          <p:cNvPr id="2" name="Title 1">
+            <a:extLst>
+              <a:ext uri="{FF2B5EF4-FFF2-40B4-BE49-F238E27FC236}">
+                <a16:creationId xmlns:a16="http://schemas.microsoft.com/office/drawing/2014/main" id="{16556601-B9C0-8942-8CD5-BE420071D086}"/>
+              </a:ext>
+            </a:extLst>
+          </p:cNvPr>
+          <p:cNvSpPr>
+            <a:spLocks noGrp="1"/>
+          </p:cNvSpPr>
+          <p:nvPr>
+            <p:ph type="title"/>
+          </p:nvPr>
+        </p:nvSpPr>
+        <p:spPr/>
+        <p:txBody>
+          <a:bodyPr/>
+          <a:lstStyle/>
+          <a:p>
+            <a:r>
+              <a:rPr lang="en-US" dirty="0"/>
+              <a:t>Stepping Back: The Big Picture</a:t>
+            </a:r>
+          </a:p>
+        </p:txBody>
+      </p:sp>
+      <p:sp>
+        <p:nvSpPr>
+          <p:cNvPr id="3" name="Content Placeholder 2">
+            <a:extLst>
+              <a:ext uri="{FF2B5EF4-FFF2-40B4-BE49-F238E27FC236}">
+                <a16:creationId xmlns:a16="http://schemas.microsoft.com/office/drawing/2014/main" id="{50A65CEC-4CA0-EE40-B6CB-8489EBD38AE6}"/>
+              </a:ext>
+            </a:extLst>
+          </p:cNvPr>
+          <p:cNvSpPr>
+            <a:spLocks noGrp="1"/>
+          </p:cNvSpPr>
+          <p:nvPr>
+            <p:ph idx="1"/>
+          </p:nvPr>
+        </p:nvSpPr>
+        <p:spPr>
+          <a:xfrm>
+            <a:off x="680321" y="2336873"/>
+            <a:ext cx="10268728" cy="3599316"/>
+          </a:xfrm>
+        </p:spPr>
+        <p:txBody>
+          <a:bodyPr>
+            <a:normAutofit/>
+          </a:bodyPr>
+          <a:lstStyle/>
+          <a:p>
+            <a:r>
+              <a:rPr lang="en-US" dirty="0"/>
+              <a:t>If you need to save some piece of information for semantic analysis,</a:t>
+            </a:r>
+            <a:br>
+              <a:rPr lang="en-US" dirty="0"/>
+            </a:br>
+            <a:r>
+              <a:rPr lang="en-US" dirty="0"/>
+              <a:t>wrap that thing's grammar name in angle brackets!</a:t>
+            </a:r>
+          </a:p>
+          <a:p>
+            <a:r>
+              <a:rPr lang="en-US" dirty="0"/>
+              <a:t>Smaller but important rules for sections 1 &amp; 2</a:t>
+            </a:r>
+          </a:p>
+          <a:p>
+            <a:pPr lvl="1"/>
+            <a:r>
+              <a:rPr lang="en-US" dirty="0"/>
+              <a:t>Token names are all upper-case.</a:t>
+            </a:r>
+          </a:p>
+          <a:p>
+            <a:pPr lvl="1"/>
+            <a:r>
+              <a:rPr lang="en-US" dirty="0"/>
+              <a:t>Grammar rule names start with lower case. (except for rule choice names, TBD)</a:t>
+            </a:r>
+          </a:p>
+          <a:p>
+            <a:pPr lvl="2"/>
+            <a:r>
+              <a:rPr lang="en-US" dirty="0"/>
+              <a:t>They turn into classes with the first letter capitalized.</a:t>
+            </a:r>
+          </a:p>
+          <a:p>
+            <a:pPr marL="0" indent="0">
+              <a:buNone/>
+            </a:pPr>
+            <a:r>
+              <a:rPr lang="en-US" dirty="0">
+                <a:solidFill>
+                  <a:srgbClr val="FFFF00"/>
+                </a:solidFill>
+                <a:latin typeface="Andale Mono" panose="020B0509000000000004" pitchFamily="49" charset="0"/>
+              </a:rPr>
+              <a:t>&lt;</a:t>
+            </a:r>
+            <a:r>
+              <a:rPr lang="en-US" dirty="0" err="1">
+                <a:solidFill>
+                  <a:srgbClr val="FFFF00"/>
+                </a:solidFill>
+                <a:latin typeface="Andale Mono" panose="020B0509000000000004" pitchFamily="49" charset="0"/>
+              </a:rPr>
+              <a:t>classHeader</a:t>
+            </a:r>
+            <a:r>
+              <a:rPr lang="en-US" dirty="0">
+                <a:solidFill>
+                  <a:srgbClr val="FFFF00"/>
+                </a:solidFill>
+                <a:latin typeface="Andale Mono" panose="020B0509000000000004" pitchFamily="49" charset="0"/>
+              </a:rPr>
+              <a:t>&gt; ::= CLASS &lt;ID&gt; LBRACE &lt;</a:t>
+            </a:r>
+            <a:r>
+              <a:rPr lang="en-US" dirty="0" err="1">
+                <a:solidFill>
+                  <a:srgbClr val="FFFF00"/>
+                </a:solidFill>
+                <a:latin typeface="Andale Mono" panose="020B0509000000000004" pitchFamily="49" charset="0"/>
+              </a:rPr>
+              <a:t>classBody</a:t>
+            </a:r>
+            <a:r>
+              <a:rPr lang="en-US" dirty="0">
+                <a:solidFill>
+                  <a:srgbClr val="FFFF00"/>
+                </a:solidFill>
+                <a:latin typeface="Andale Mono" panose="020B0509000000000004" pitchFamily="49" charset="0"/>
+              </a:rPr>
+              <a:t>&gt; RBRACE</a:t>
+            </a:r>
+          </a:p>
+          <a:p>
+            <a:r>
+              <a:rPr lang="en-US" dirty="0"/>
+              <a:t>In the above rule, the </a:t>
+            </a:r>
+            <a:r>
+              <a:rPr lang="en-US" dirty="0" err="1"/>
+              <a:t>IDentifier</a:t>
+            </a:r>
+            <a:r>
+              <a:rPr lang="en-US" dirty="0"/>
+              <a:t> token is kept as a </a:t>
+            </a:r>
+            <a:r>
+              <a:rPr lang="en-US" dirty="0" err="1"/>
+              <a:t>ClassHeader</a:t>
+            </a:r>
+            <a:r>
+              <a:rPr lang="en-US" dirty="0"/>
+              <a:t> constructor parameter, but the other tokens are not.</a:t>
+            </a:r>
+          </a:p>
+        </p:txBody>
+      </p:sp>
+      <p:sp>
+        <p:nvSpPr>
+          <p:cNvPr id="4" name="Date Placeholder 3">
+            <a:extLst>
+              <a:ext uri="{FF2B5EF4-FFF2-40B4-BE49-F238E27FC236}">
+                <a16:creationId xmlns:a16="http://schemas.microsoft.com/office/drawing/2014/main" id="{0E788A6E-7FBF-7B46-9D4E-825E5294645F}"/>
+              </a:ext>
+            </a:extLst>
+          </p:cNvPr>
+          <p:cNvSpPr>
+            <a:spLocks noGrp="1"/>
+          </p:cNvSpPr>
+          <p:nvPr>
+            <p:ph type="dt" sz="half" idx="10"/>
+          </p:nvPr>
+        </p:nvSpPr>
+        <p:spPr/>
+        <p:txBody>
+          <a:bodyPr/>
+          <a:lstStyle/>
+          <a:p>
+            <a:r>
+              <a:rPr lang="en-US"/>
+              <a:t>Spring 2020</a:t>
+            </a:r>
+          </a:p>
+        </p:txBody>
+      </p:sp>
+      <p:sp>
+        <p:nvSpPr>
+          <p:cNvPr id="5" name="Footer Placeholder 4">
+            <a:extLst>
+              <a:ext uri="{FF2B5EF4-FFF2-40B4-BE49-F238E27FC236}">
+                <a16:creationId xmlns:a16="http://schemas.microsoft.com/office/drawing/2014/main" id="{E57AF1BD-74D4-5B4F-A47C-F1E2C9CC2B8E}"/>
+              </a:ext>
+            </a:extLst>
+          </p:cNvPr>
+          <p:cNvSpPr>
+            <a:spLocks noGrp="1"/>
+          </p:cNvSpPr>
+          <p:nvPr>
+            <p:ph type="ftr" sz="quarter" idx="11"/>
+          </p:nvPr>
+        </p:nvSpPr>
+        <p:spPr/>
+        <p:txBody>
+          <a:bodyPr/>
+          <a:lstStyle/>
+          <a:p>
+            <a:r>
+              <a:rPr lang="en-US"/>
+              <a:t>CSCI 344</a:t>
+            </a:r>
+          </a:p>
+        </p:txBody>
+      </p:sp>
+      <p:sp>
+        <p:nvSpPr>
+          <p:cNvPr id="13" name="TextBox 12">
+            <a:extLst>
+              <a:ext uri="{FF2B5EF4-FFF2-40B4-BE49-F238E27FC236}">
+                <a16:creationId xmlns:a16="http://schemas.microsoft.com/office/drawing/2014/main" id="{254C3538-2A0F-414A-A997-C1859363E7E9}"/>
+              </a:ext>
+            </a:extLst>
+          </p:cNvPr>
+          <p:cNvSpPr txBox="1"/>
+          <p:nvPr/>
+        </p:nvSpPr>
+        <p:spPr>
+          <a:xfrm>
+            <a:off x="11079678" y="1258784"/>
+            <a:ext cx="550151" cy="369332"/>
+          </a:xfrm>
+          <a:prstGeom prst="rect">
+            <a:avLst/>
+          </a:prstGeom>
+          <a:noFill/>
+        </p:spPr>
+        <p:txBody>
+          <a:bodyPr wrap="none" rtlCol="0">
+            <a:spAutoFit/>
+          </a:bodyPr>
+          <a:lstStyle/>
+          <a:p>
+            <a:r>
+              <a:rPr lang="en-US" dirty="0"/>
+              <a:t>3/3</a:t>
+            </a:r>
+          </a:p>
+        </p:txBody>
+      </p:sp>
+    </p:spTree>
+    <p:extLst>
+      <p:ext uri="{BB962C8B-B14F-4D97-AF65-F5344CB8AC3E}">
+        <p14:creationId xmlns:p14="http://schemas.microsoft.com/office/powerpoint/2010/main" val="3442034442"/>
+      </p:ext>
+    </p:extLst>
+  </p:cSld>
+  <p:clrMapOvr>
+    <a:masterClrMapping/>
+  </p:clrMapOvr>
+</p:sld>
+</file>
+
+<file path=ppt/slides/slide19.xml><?xml version="1.0" encoding="utf-8"?>
+<p:sld xmlns:a="http://schemas.openxmlformats.org/drawingml/2006/main" xmlns:r="http://schemas.openxmlformats.org/officeDocument/2006/relationships" xmlns:p="http://schemas.openxmlformats.org/presentationml/2006/main">
+  <p:cSld>
+    <p:spTree>
+      <p:nvGrpSpPr>
+        <p:cNvPr id="1" name=""/>
+        <p:cNvGrpSpPr/>
+        <p:nvPr/>
+      </p:nvGrpSpPr>
+      <p:grpSpPr>
+        <a:xfrm>
+          <a:off x="0" y="0"/>
+          <a:ext cx="0" cy="0"/>
+          <a:chOff x="0" y="0"/>
+          <a:chExt cx="0" cy="0"/>
+        </a:xfrm>
+      </p:grpSpPr>
+      <p:sp>
+        <p:nvSpPr>
+          <p:cNvPr id="2" name="Title 1">
+            <a:extLst>
+              <a:ext uri="{FF2B5EF4-FFF2-40B4-BE49-F238E27FC236}">
+                <a16:creationId xmlns:a16="http://schemas.microsoft.com/office/drawing/2014/main" id="{06AAD369-965F-4648-BCC0-0EB3A191DDC2}"/>
+              </a:ext>
+            </a:extLst>
+          </p:cNvPr>
+          <p:cNvSpPr>
+            <a:spLocks noGrp="1"/>
+          </p:cNvSpPr>
+          <p:nvPr>
+            <p:ph type="title"/>
+          </p:nvPr>
+        </p:nvSpPr>
+        <p:spPr/>
+        <p:txBody>
+          <a:bodyPr/>
+          <a:lstStyle/>
+          <a:p>
+            <a:r>
+              <a:rPr lang="en-US" dirty="0"/>
+              <a:t>More Formally</a:t>
+            </a:r>
+          </a:p>
+        </p:txBody>
+      </p:sp>
+      <p:sp>
+        <p:nvSpPr>
+          <p:cNvPr id="3" name="Content Placeholder 2">
+            <a:extLst>
+              <a:ext uri="{FF2B5EF4-FFF2-40B4-BE49-F238E27FC236}">
+                <a16:creationId xmlns:a16="http://schemas.microsoft.com/office/drawing/2014/main" id="{C46CABC3-0C40-5B41-9851-755925205C2D}"/>
+              </a:ext>
+            </a:extLst>
+          </p:cNvPr>
+          <p:cNvSpPr>
+            <a:spLocks noGrp="1"/>
+          </p:cNvSpPr>
+          <p:nvPr>
+            <p:ph idx="1"/>
+          </p:nvPr>
+        </p:nvSpPr>
+        <p:spPr>
+          <a:xfrm>
+            <a:off x="680321" y="2336873"/>
+            <a:ext cx="9613861" cy="3873922"/>
+          </a:xfrm>
+        </p:spPr>
+        <p:txBody>
+          <a:bodyPr>
+            <a:normAutofit/>
+          </a:bodyPr>
+          <a:lstStyle/>
+          <a:p>
+            <a:r>
+              <a:rPr lang="en-US" dirty="0"/>
+              <a:t>Terminal</a:t>
+            </a:r>
+          </a:p>
+          <a:p>
+            <a:pPr lvl="1"/>
+            <a:r>
+              <a:rPr lang="en-US" dirty="0"/>
+              <a:t>An identifier defined in the token section (section 1)</a:t>
+            </a:r>
+          </a:p>
+          <a:p>
+            <a:pPr lvl="1"/>
+            <a:r>
+              <a:rPr lang="en-US" dirty="0"/>
+              <a:t>possibly surrounded by "&lt;…&gt;"</a:t>
+            </a:r>
+          </a:p>
+          <a:p>
+            <a:r>
+              <a:rPr lang="en-US" dirty="0"/>
+              <a:t>Non-terminal, right-hand side</a:t>
+            </a:r>
+          </a:p>
+          <a:p>
+            <a:pPr lvl="1"/>
+            <a:r>
+              <a:rPr lang="en-US" dirty="0"/>
+              <a:t>&lt;</a:t>
+            </a:r>
+            <a:r>
+              <a:rPr lang="en-US" i="1" dirty="0"/>
+              <a:t>id</a:t>
+            </a:r>
+            <a:r>
+              <a:rPr lang="en-US" dirty="0"/>
+              <a:t>&gt;</a:t>
+            </a:r>
+          </a:p>
+          <a:p>
+            <a:pPr lvl="1"/>
+            <a:r>
+              <a:rPr lang="en-US" dirty="0"/>
+              <a:t>&lt;</a:t>
+            </a:r>
+            <a:r>
+              <a:rPr lang="en-US" i="1" dirty="0"/>
+              <a:t>id</a:t>
+            </a:r>
+            <a:r>
+              <a:rPr lang="en-US" dirty="0"/>
+              <a:t>&gt;</a:t>
+            </a:r>
+            <a:r>
+              <a:rPr lang="en-US" i="1" dirty="0"/>
+              <a:t>alt</a:t>
+            </a:r>
+            <a:r>
+              <a:rPr lang="en-US" dirty="0"/>
+              <a:t> – required if &lt;</a:t>
+            </a:r>
+            <a:r>
+              <a:rPr lang="en-US" i="1" dirty="0"/>
+              <a:t>id</a:t>
+            </a:r>
+            <a:r>
+              <a:rPr lang="en-US" dirty="0"/>
+              <a:t>&gt; appears multiple times on right-hand side</a:t>
+            </a:r>
+          </a:p>
+          <a:p>
+            <a:r>
+              <a:rPr lang="en-US" dirty="0"/>
+              <a:t>Non-terminal, left hand side</a:t>
+            </a:r>
+          </a:p>
+          <a:p>
+            <a:pPr lvl="1"/>
+            <a:r>
+              <a:rPr lang="en-US" dirty="0"/>
+              <a:t>&lt;</a:t>
+            </a:r>
+            <a:r>
+              <a:rPr lang="en-US" i="1" dirty="0"/>
+              <a:t>id</a:t>
+            </a:r>
+            <a:r>
+              <a:rPr lang="en-US" dirty="0"/>
+              <a:t>&gt; as above, or</a:t>
+            </a:r>
+          </a:p>
+          <a:p>
+            <a:pPr lvl="1"/>
+            <a:r>
+              <a:rPr lang="en-US" dirty="0"/>
+              <a:t>&lt;</a:t>
+            </a:r>
+            <a:r>
+              <a:rPr lang="en-US" i="1" dirty="0"/>
+              <a:t>id</a:t>
+            </a:r>
+            <a:r>
+              <a:rPr lang="en-US" dirty="0"/>
+              <a:t>&gt;:</a:t>
+            </a:r>
+            <a:r>
+              <a:rPr lang="en-US" i="1" dirty="0" err="1"/>
+              <a:t>sub_id</a:t>
+            </a:r>
+            <a:r>
+              <a:rPr lang="en-US" dirty="0"/>
+              <a:t> for multiple choices of rules for &lt;</a:t>
+            </a:r>
+            <a:r>
+              <a:rPr lang="en-US" i="1" dirty="0"/>
+              <a:t>id</a:t>
+            </a:r>
+            <a:r>
+              <a:rPr lang="en-US" dirty="0"/>
+              <a:t>&gt;</a:t>
+            </a:r>
+            <a:endParaRPr lang="en-US" i="1" dirty="0"/>
+          </a:p>
+        </p:txBody>
+      </p:sp>
+      <p:sp>
+        <p:nvSpPr>
+          <p:cNvPr id="4" name="Date Placeholder 3">
+            <a:extLst>
+              <a:ext uri="{FF2B5EF4-FFF2-40B4-BE49-F238E27FC236}">
+                <a16:creationId xmlns:a16="http://schemas.microsoft.com/office/drawing/2014/main" id="{8EF1EC47-3DCC-ED40-8195-6B2D15BCC93A}"/>
+              </a:ext>
+            </a:extLst>
+          </p:cNvPr>
+          <p:cNvSpPr>
+            <a:spLocks noGrp="1"/>
+          </p:cNvSpPr>
+          <p:nvPr>
+            <p:ph type="dt" sz="half" idx="10"/>
+          </p:nvPr>
+        </p:nvSpPr>
+        <p:spPr/>
+        <p:txBody>
+          <a:bodyPr/>
+          <a:lstStyle/>
+          <a:p>
+            <a:r>
+              <a:rPr lang="en-US"/>
+              <a:t>Spring 2020</a:t>
+            </a:r>
+          </a:p>
+        </p:txBody>
+      </p:sp>
+      <p:sp>
+        <p:nvSpPr>
+          <p:cNvPr id="5" name="Footer Placeholder 4">
+            <a:extLst>
+              <a:ext uri="{FF2B5EF4-FFF2-40B4-BE49-F238E27FC236}">
+                <a16:creationId xmlns:a16="http://schemas.microsoft.com/office/drawing/2014/main" id="{6872415A-2CF3-604B-8619-8075273A8141}"/>
+              </a:ext>
+            </a:extLst>
+          </p:cNvPr>
+          <p:cNvSpPr>
+            <a:spLocks noGrp="1"/>
+          </p:cNvSpPr>
+          <p:nvPr>
+            <p:ph type="ftr" sz="quarter" idx="11"/>
+          </p:nvPr>
+        </p:nvSpPr>
+        <p:spPr/>
+        <p:txBody>
+          <a:bodyPr/>
+          <a:lstStyle/>
+          <a:p>
+            <a:r>
+              <a:rPr lang="en-US"/>
+              <a:t>CSCI 344</a:t>
+            </a:r>
+          </a:p>
+        </p:txBody>
+      </p:sp>
+    </p:spTree>
+    <p:extLst>
+      <p:ext uri="{BB962C8B-B14F-4D97-AF65-F5344CB8AC3E}">
+        <p14:creationId xmlns:p14="http://schemas.microsoft.com/office/powerpoint/2010/main" val="2593338143"/>
+      </p:ext>
+    </p:extLst>
+  </p:cSld>
+  <p:clrMapOvr>
+    <a:masterClrMapping/>
+  </p:clrMapOvr>
+</p:sld>
+</file>
+
 <file path=ppt/slides/slide2.xml><?xml version="1.0" encoding="utf-8"?>
 <p:sld xmlns:a="http://schemas.openxmlformats.org/drawingml/2006/main" xmlns:r="http://schemas.openxmlformats.org/officeDocument/2006/relationships" xmlns:p="http://schemas.openxmlformats.org/presentationml/2006/main">
   <p:cSld>
@@ -12310,10 +12467,10 @@
       </p:grpSpPr>
       <p:sp>
         <p:nvSpPr>
-          <p:cNvPr id="4" name="Title 3">
+          <p:cNvPr id="2" name="Title 1">
             <a:extLst>
               <a:ext uri="{FF2B5EF4-FFF2-40B4-BE49-F238E27FC236}">
-                <a16:creationId xmlns:a16="http://schemas.microsoft.com/office/drawing/2014/main" id="{48B6C404-CB0D-5E4B-BBBC-556C6E9649DC}"/>
+                <a16:creationId xmlns:a16="http://schemas.microsoft.com/office/drawing/2014/main" id="{56B0ED28-D492-6742-80DD-2B1D719B2F2C}"/>
               </a:ext>
             </a:extLst>
           </p:cNvPr>
@@ -12331,17 +12488,17 @@
           <a:p>
             <a:r>
               <a:rPr lang="en-US" dirty="0"/>
-              <a:t>Homework 2 is Out</a:t>
-            </a:r>
-          </a:p>
-        </p:txBody>
-      </p:sp>
-      <p:sp>
-        <p:nvSpPr>
-          <p:cNvPr id="5" name="Content Placeholder 4">
+              <a:t>PLCC File Syntax</a:t>
+            </a:r>
+          </a:p>
+        </p:txBody>
+      </p:sp>
+      <p:sp>
+        <p:nvSpPr>
+          <p:cNvPr id="3" name="Content Placeholder 2">
             <a:extLst>
               <a:ext uri="{FF2B5EF4-FFF2-40B4-BE49-F238E27FC236}">
-                <a16:creationId xmlns:a16="http://schemas.microsoft.com/office/drawing/2014/main" id="{83198A09-2899-5A46-B096-3DF72DFB53F8}"/>
+                <a16:creationId xmlns:a16="http://schemas.microsoft.com/office/drawing/2014/main" id="{6B112A3C-0B6C-B143-AF61-F1F85CB8B2D7}"/>
               </a:ext>
             </a:extLst>
           </p:cNvPr>
@@ -12354,37 +12511,124 @@
         </p:nvSpPr>
         <p:spPr/>
         <p:txBody>
-          <a:bodyPr/>
-          <a:lstStyle/>
-          <a:p>
+          <a:bodyPr>
+            <a:normAutofit/>
+          </a:bodyPr>
+          <a:lstStyle/>
+          <a:p>
+            <a:r>
+              <a:rPr lang="en-US" b="1" dirty="0" err="1"/>
+              <a:t>plcc.</a:t>
+            </a:r>
+            <a:r>
+              <a:rPr lang="en-US" dirty="0" err="1"/>
+              <a:t>py</a:t>
+            </a:r>
             <a:r>
               <a:rPr lang="en-US" dirty="0"/>
-              <a:t>Due Tuesday 8 September</a:t>
-            </a:r>
-          </a:p>
-          <a:p>
+              <a:t> (</a:t>
+            </a:r>
+            <a:r>
+              <a:rPr lang="en-US" dirty="0" err="1"/>
+              <a:t>plcc</a:t>
+            </a:r>
             <a:r>
               <a:rPr lang="en-US" dirty="0"/>
-              <a:t>Review early to make sure your questions get answered.</a:t>
-            </a:r>
-          </a:p>
-          <a:p>
+              <a:t> and </a:t>
+            </a:r>
+            <a:r>
+              <a:rPr lang="en-US" dirty="0" err="1"/>
+              <a:t>plccmk</a:t>
+            </a:r>
+            <a:r>
+              <a:rPr lang="en-US" dirty="0"/>
+              <a:t>) is used to create </a:t>
+            </a:r>
+            <a:r>
+              <a:rPr lang="en-US" i="1" dirty="0"/>
+              <a:t>language processors.</a:t>
+            </a:r>
+          </a:p>
+          <a:p>
+            <a:r>
+              <a:rPr lang="en-US" dirty="0"/>
+              <a:t>It reads a file containing a specification of</a:t>
+            </a:r>
+          </a:p>
+          <a:p>
+            <a:pPr lvl="1"/>
+            <a:r>
+              <a:rPr lang="en-US" dirty="0"/>
+              <a:t>The tokens of your language</a:t>
+            </a:r>
+          </a:p>
+          <a:p>
+            <a:pPr lvl="1"/>
+            <a:r>
+              <a:rPr lang="en-US" dirty="0"/>
+              <a:t>The grammar of your language</a:t>
+            </a:r>
+          </a:p>
+          <a:p>
+            <a:pPr lvl="1"/>
+            <a:r>
+              <a:rPr lang="en-US" dirty="0"/>
+              <a:t>Additional support code (Java) to help process the resulting </a:t>
+            </a:r>
+            <a:r>
+              <a:rPr lang="en-US" i="1" dirty="0"/>
+              <a:t>abstract syntax tree</a:t>
+            </a:r>
             <a:endParaRPr lang="en-US" dirty="0"/>
           </a:p>
           <a:p>
             <a:r>
               <a:rPr lang="en-US" dirty="0"/>
-              <a:t>Lingering questions on Homework #1?</a:t>
-            </a:r>
-          </a:p>
-        </p:txBody>
-      </p:sp>
-      <p:sp>
-        <p:nvSpPr>
-          <p:cNvPr id="2" name="Date Placeholder 1">
+              <a:t>By default the </a:t>
+            </a:r>
+            <a:r>
+              <a:rPr lang="en-US" dirty="0" err="1"/>
+              <a:t>plcc</a:t>
+            </a:r>
+            <a:r>
+              <a:rPr lang="en-US" dirty="0"/>
+              <a:t> expects the specification file to be named </a:t>
+            </a:r>
+            <a:r>
+              <a:rPr lang="en-US" b="1" dirty="0"/>
+              <a:t>grammar</a:t>
+            </a:r>
+            <a:r>
+              <a:rPr lang="en-US" dirty="0"/>
+              <a:t>.</a:t>
+            </a:r>
+          </a:p>
+          <a:p>
+            <a:r>
+              <a:rPr lang="en-US" b="1" u="sng" dirty="0"/>
+              <a:t>Our</a:t>
+            </a:r>
+            <a:r>
+              <a:rPr lang="en-US" b="1" dirty="0"/>
+              <a:t> files will have distinct names and will end in ".</a:t>
+            </a:r>
+            <a:r>
+              <a:rPr lang="en-US" b="1" dirty="0" err="1"/>
+              <a:t>plcc</a:t>
+            </a:r>
+            <a:r>
+              <a:rPr lang="en-US" b="1" dirty="0"/>
+              <a:t>".</a:t>
+            </a:r>
+          </a:p>
+        </p:txBody>
+      </p:sp>
+      <p:sp>
+        <p:nvSpPr>
+          <p:cNvPr id="4" name="Date Placeholder 3">
             <a:extLst>
               <a:ext uri="{FF2B5EF4-FFF2-40B4-BE49-F238E27FC236}">
-                <a16:creationId xmlns:a16="http://schemas.microsoft.com/office/drawing/2014/main" id="{D1133E6A-695A-7F47-AB75-8F1D4B32A823}"/>
+                <a16:creationId xmlns:a16="http://schemas.microsoft.com/office/drawing/2014/main" id="{01688948-5D5D-D244-A520-A36AEF36B7DB}"/>
               </a:ext>
             </a:extLst>
           </p:cNvPr>
@@ -12409,10 +12653,10 @@
       </p:sp>
       <p:sp>
         <p:nvSpPr>
-          <p:cNvPr id="3" name="Footer Placeholder 2">
+          <p:cNvPr id="5" name="Footer Placeholder 4">
             <a:extLst>
               <a:ext uri="{FF2B5EF4-FFF2-40B4-BE49-F238E27FC236}">
-                <a16:creationId xmlns:a16="http://schemas.microsoft.com/office/drawing/2014/main" id="{0EF734AE-03C6-AE4C-B14F-8E25000339B7}"/>
+                <a16:creationId xmlns:a16="http://schemas.microsoft.com/office/drawing/2014/main" id="{BDAC04BA-AE4E-2E45-AF4C-192696622F57}"/>
               </a:ext>
             </a:extLst>
           </p:cNvPr>
@@ -12438,7 +12682,7 @@
     </p:spTree>
     <p:extLst>
       <p:ext uri="{BB962C8B-B14F-4D97-AF65-F5344CB8AC3E}">
-        <p14:creationId xmlns:p14="http://schemas.microsoft.com/office/powerpoint/2010/main" val="1358576535"/>
+        <p14:creationId xmlns:p14="http://schemas.microsoft.com/office/powerpoint/2010/main" val="4014877136"/>
       </p:ext>
     </p:extLst>
   </p:cSld>
@@ -12449,863 +12693,6 @@
 </file>
 
 <file path=ppt/slides/slide20.xml><?xml version="1.0" encoding="utf-8"?>
-<p:sld xmlns:a="http://schemas.openxmlformats.org/drawingml/2006/main" xmlns:r="http://schemas.openxmlformats.org/officeDocument/2006/relationships" xmlns:p="http://schemas.openxmlformats.org/presentationml/2006/main">
-  <p:cSld>
-    <p:spTree>
-      <p:nvGrpSpPr>
-        <p:cNvPr id="1" name=""/>
-        <p:cNvGrpSpPr/>
-        <p:nvPr/>
-      </p:nvGrpSpPr>
-      <p:grpSpPr>
-        <a:xfrm>
-          <a:off x="0" y="0"/>
-          <a:ext cx="0" cy="0"/>
-          <a:chOff x="0" y="0"/>
-          <a:chExt cx="0" cy="0"/>
-        </a:xfrm>
-      </p:grpSpPr>
-      <p:sp>
-        <p:nvSpPr>
-          <p:cNvPr id="2" name="Title 1">
-            <a:extLst>
-              <a:ext uri="{FF2B5EF4-FFF2-40B4-BE49-F238E27FC236}">
-                <a16:creationId xmlns:a16="http://schemas.microsoft.com/office/drawing/2014/main" id="{16556601-B9C0-8942-8CD5-BE420071D086}"/>
-              </a:ext>
-            </a:extLst>
-          </p:cNvPr>
-          <p:cNvSpPr>
-            <a:spLocks noGrp="1"/>
-          </p:cNvSpPr>
-          <p:nvPr>
-            <p:ph type="title"/>
-          </p:nvPr>
-        </p:nvSpPr>
-        <p:spPr/>
-        <p:txBody>
-          <a:bodyPr/>
-          <a:lstStyle/>
-          <a:p>
-            <a:r>
-              <a:rPr lang="en-US" dirty="0"/>
-              <a:t>Stepping Back: The Big Picture</a:t>
-            </a:r>
-          </a:p>
-        </p:txBody>
-      </p:sp>
-      <p:sp>
-        <p:nvSpPr>
-          <p:cNvPr id="3" name="Content Placeholder 2">
-            <a:extLst>
-              <a:ext uri="{FF2B5EF4-FFF2-40B4-BE49-F238E27FC236}">
-                <a16:creationId xmlns:a16="http://schemas.microsoft.com/office/drawing/2014/main" id="{50A65CEC-4CA0-EE40-B6CB-8489EBD38AE6}"/>
-              </a:ext>
-            </a:extLst>
-          </p:cNvPr>
-          <p:cNvSpPr>
-            <a:spLocks noGrp="1"/>
-          </p:cNvSpPr>
-          <p:nvPr>
-            <p:ph idx="1"/>
-          </p:nvPr>
-        </p:nvSpPr>
-        <p:spPr>
-          <a:xfrm>
-            <a:off x="680321" y="2336873"/>
-            <a:ext cx="10268728" cy="3599316"/>
-          </a:xfrm>
-        </p:spPr>
-        <p:txBody>
-          <a:bodyPr>
-            <a:normAutofit/>
-          </a:bodyPr>
-          <a:lstStyle/>
-          <a:p>
-            <a:r>
-              <a:rPr lang="en-US" dirty="0"/>
-              <a:t>PLCC syntax</a:t>
-            </a:r>
-          </a:p>
-          <a:p>
-            <a:pPr marL="457200" lvl="1" indent="0">
-              <a:buNone/>
-            </a:pPr>
-            <a:r>
-              <a:rPr lang="en-US" dirty="0">
-                <a:latin typeface="Andale Mono" panose="020B0509000000000004" pitchFamily="49" charset="0"/>
-              </a:rPr>
-              <a:t>token OP '[+\-]'</a:t>
-            </a:r>
-          </a:p>
-          <a:p>
-            <a:pPr marL="457200" lvl="1" indent="0">
-              <a:buNone/>
-            </a:pPr>
-            <a:r>
-              <a:rPr lang="en-US" dirty="0">
-                <a:latin typeface="Andale Mono" panose="020B0509000000000004" pitchFamily="49" charset="0"/>
-              </a:rPr>
-              <a:t>token COLON ':'</a:t>
-            </a:r>
-          </a:p>
-          <a:p>
-            <a:pPr marL="457200" lvl="1" indent="0">
-              <a:buNone/>
-            </a:pPr>
-            <a:r>
-              <a:rPr lang="en-US" dirty="0">
-                <a:latin typeface="Andale Mono" panose="020B0509000000000004" pitchFamily="49" charset="0"/>
-              </a:rPr>
-              <a:t>%</a:t>
-            </a:r>
-          </a:p>
-          <a:p>
-            <a:pPr marL="457200" lvl="1" indent="0">
-              <a:buNone/>
-            </a:pPr>
-            <a:r>
-              <a:rPr lang="en-US" dirty="0">
-                <a:latin typeface="Andale Mono" panose="020B0509000000000004" pitchFamily="49" charset="0"/>
-              </a:rPr>
-              <a:t>&lt;foo&gt; ::= . . .</a:t>
-            </a:r>
-          </a:p>
-          <a:p>
-            <a:pPr marL="457200" lvl="1" indent="0">
-              <a:buNone/>
-            </a:pPr>
-            <a:r>
-              <a:rPr lang="en-US">
-                <a:latin typeface="Andale Mono" panose="020B0509000000000004" pitchFamily="49" charset="0"/>
-              </a:rPr>
-              <a:t>&lt;bar</a:t>
-            </a:r>
-            <a:r>
-              <a:rPr lang="en-US" dirty="0">
-                <a:latin typeface="Andale Mono" panose="020B0509000000000004" pitchFamily="49" charset="0"/>
-              </a:rPr>
-              <a:t>&gt; </a:t>
-            </a:r>
-            <a:r>
-              <a:rPr lang="en-US">
-                <a:latin typeface="Andale Mono" panose="020B0509000000000004" pitchFamily="49" charset="0"/>
-              </a:rPr>
-              <a:t>::= &lt;foo</a:t>
-            </a:r>
-            <a:r>
-              <a:rPr lang="en-US" dirty="0">
-                <a:latin typeface="Andale Mono" panose="020B0509000000000004" pitchFamily="49" charset="0"/>
-              </a:rPr>
-              <a:t>&gt;prim &lt;OP</a:t>
-            </a:r>
-            <a:r>
-              <a:rPr lang="en-US">
-                <a:latin typeface="Andale Mono" panose="020B0509000000000004" pitchFamily="49" charset="0"/>
-              </a:rPr>
-              <a:t>&gt; &lt;foo</a:t>
-            </a:r>
-            <a:r>
-              <a:rPr lang="en-US" dirty="0">
-                <a:latin typeface="Andale Mono" panose="020B0509000000000004" pitchFamily="49" charset="0"/>
-              </a:rPr>
-              <a:t>&gt;sec </a:t>
-            </a:r>
-            <a:r>
-              <a:rPr lang="en-US">
-                <a:latin typeface="Andale Mono" panose="020B0509000000000004" pitchFamily="49" charset="0"/>
-              </a:rPr>
-              <a:t>COLON &lt;bar</a:t>
-            </a:r>
-            <a:r>
-              <a:rPr lang="en-US" dirty="0">
-                <a:latin typeface="Andale Mono" panose="020B0509000000000004" pitchFamily="49" charset="0"/>
-              </a:rPr>
-              <a:t>&gt;</a:t>
-            </a:r>
-          </a:p>
-          <a:p>
-            <a:endParaRPr lang="en-US" dirty="0"/>
-          </a:p>
-          <a:p>
-            <a:r>
-              <a:rPr lang="en-US" dirty="0"/>
-              <a:t>Resulting constructor:</a:t>
-            </a:r>
-          </a:p>
-          <a:p>
-            <a:pPr lvl="1"/>
-            <a:r>
-              <a:rPr lang="en-US" dirty="0">
-                <a:latin typeface="Andale Mono" panose="020B0509000000000004" pitchFamily="49" charset="0"/>
-              </a:rPr>
-              <a:t>Bar( Foo prim, Token op, Foo sec, Bar bar )</a:t>
-            </a:r>
-          </a:p>
-        </p:txBody>
-      </p:sp>
-      <p:sp>
-        <p:nvSpPr>
-          <p:cNvPr id="4" name="Date Placeholder 3">
-            <a:extLst>
-              <a:ext uri="{FF2B5EF4-FFF2-40B4-BE49-F238E27FC236}">
-                <a16:creationId xmlns:a16="http://schemas.microsoft.com/office/drawing/2014/main" id="{0E788A6E-7FBF-7B46-9D4E-825E5294645F}"/>
-              </a:ext>
-            </a:extLst>
-          </p:cNvPr>
-          <p:cNvSpPr>
-            <a:spLocks noGrp="1"/>
-          </p:cNvSpPr>
-          <p:nvPr>
-            <p:ph type="dt" sz="half" idx="10"/>
-          </p:nvPr>
-        </p:nvSpPr>
-        <p:spPr/>
-        <p:txBody>
-          <a:bodyPr/>
-          <a:lstStyle/>
-          <a:p>
-            <a:r>
-              <a:rPr lang="en-US"/>
-              <a:t>Spring 2020</a:t>
-            </a:r>
-          </a:p>
-        </p:txBody>
-      </p:sp>
-      <p:sp>
-        <p:nvSpPr>
-          <p:cNvPr id="5" name="Footer Placeholder 4">
-            <a:extLst>
-              <a:ext uri="{FF2B5EF4-FFF2-40B4-BE49-F238E27FC236}">
-                <a16:creationId xmlns:a16="http://schemas.microsoft.com/office/drawing/2014/main" id="{E57AF1BD-74D4-5B4F-A47C-F1E2C9CC2B8E}"/>
-              </a:ext>
-            </a:extLst>
-          </p:cNvPr>
-          <p:cNvSpPr>
-            <a:spLocks noGrp="1"/>
-          </p:cNvSpPr>
-          <p:nvPr>
-            <p:ph type="ftr" sz="quarter" idx="11"/>
-          </p:nvPr>
-        </p:nvSpPr>
-        <p:spPr/>
-        <p:txBody>
-          <a:bodyPr/>
-          <a:lstStyle/>
-          <a:p>
-            <a:r>
-              <a:rPr lang="en-US"/>
-              <a:t>CSCI 344</a:t>
-            </a:r>
-          </a:p>
-        </p:txBody>
-      </p:sp>
-      <p:sp>
-        <p:nvSpPr>
-          <p:cNvPr id="13" name="TextBox 12">
-            <a:extLst>
-              <a:ext uri="{FF2B5EF4-FFF2-40B4-BE49-F238E27FC236}">
-                <a16:creationId xmlns:a16="http://schemas.microsoft.com/office/drawing/2014/main" id="{254C3538-2A0F-414A-A997-C1859363E7E9}"/>
-              </a:ext>
-            </a:extLst>
-          </p:cNvPr>
-          <p:cNvSpPr txBox="1"/>
-          <p:nvPr/>
-        </p:nvSpPr>
-        <p:spPr>
-          <a:xfrm>
-            <a:off x="11079678" y="1258784"/>
-            <a:ext cx="550151" cy="369332"/>
-          </a:xfrm>
-          <a:prstGeom prst="rect">
-            <a:avLst/>
-          </a:prstGeom>
-          <a:noFill/>
-        </p:spPr>
-        <p:txBody>
-          <a:bodyPr wrap="none" rtlCol="0">
-            <a:spAutoFit/>
-          </a:bodyPr>
-          <a:lstStyle/>
-          <a:p>
-            <a:r>
-              <a:rPr lang="en-US" dirty="0"/>
-              <a:t>2/3</a:t>
-            </a:r>
-          </a:p>
-        </p:txBody>
-      </p:sp>
-    </p:spTree>
-    <p:extLst>
-      <p:ext uri="{BB962C8B-B14F-4D97-AF65-F5344CB8AC3E}">
-        <p14:creationId xmlns:p14="http://schemas.microsoft.com/office/powerpoint/2010/main" val="2783452028"/>
-      </p:ext>
-    </p:extLst>
-  </p:cSld>
-  <p:clrMapOvr>
-    <a:masterClrMapping/>
-  </p:clrMapOvr>
-</p:sld>
-</file>
-
-<file path=ppt/slides/slide21.xml><?xml version="1.0" encoding="utf-8"?>
-<p:sld xmlns:a="http://schemas.openxmlformats.org/drawingml/2006/main" xmlns:r="http://schemas.openxmlformats.org/officeDocument/2006/relationships" xmlns:p="http://schemas.openxmlformats.org/presentationml/2006/main">
-  <p:cSld>
-    <p:spTree>
-      <p:nvGrpSpPr>
-        <p:cNvPr id="1" name=""/>
-        <p:cNvGrpSpPr/>
-        <p:nvPr/>
-      </p:nvGrpSpPr>
-      <p:grpSpPr>
-        <a:xfrm>
-          <a:off x="0" y="0"/>
-          <a:ext cx="0" cy="0"/>
-          <a:chOff x="0" y="0"/>
-          <a:chExt cx="0" cy="0"/>
-        </a:xfrm>
-      </p:grpSpPr>
-      <p:sp>
-        <p:nvSpPr>
-          <p:cNvPr id="2" name="Title 1">
-            <a:extLst>
-              <a:ext uri="{FF2B5EF4-FFF2-40B4-BE49-F238E27FC236}">
-                <a16:creationId xmlns:a16="http://schemas.microsoft.com/office/drawing/2014/main" id="{16556601-B9C0-8942-8CD5-BE420071D086}"/>
-              </a:ext>
-            </a:extLst>
-          </p:cNvPr>
-          <p:cNvSpPr>
-            <a:spLocks noGrp="1"/>
-          </p:cNvSpPr>
-          <p:nvPr>
-            <p:ph type="title"/>
-          </p:nvPr>
-        </p:nvSpPr>
-        <p:spPr/>
-        <p:txBody>
-          <a:bodyPr/>
-          <a:lstStyle/>
-          <a:p>
-            <a:r>
-              <a:rPr lang="en-US" dirty="0"/>
-              <a:t>Stepping Back: The Big Picture</a:t>
-            </a:r>
-          </a:p>
-        </p:txBody>
-      </p:sp>
-      <p:sp>
-        <p:nvSpPr>
-          <p:cNvPr id="3" name="Content Placeholder 2">
-            <a:extLst>
-              <a:ext uri="{FF2B5EF4-FFF2-40B4-BE49-F238E27FC236}">
-                <a16:creationId xmlns:a16="http://schemas.microsoft.com/office/drawing/2014/main" id="{50A65CEC-4CA0-EE40-B6CB-8489EBD38AE6}"/>
-              </a:ext>
-            </a:extLst>
-          </p:cNvPr>
-          <p:cNvSpPr>
-            <a:spLocks noGrp="1"/>
-          </p:cNvSpPr>
-          <p:nvPr>
-            <p:ph idx="1"/>
-          </p:nvPr>
-        </p:nvSpPr>
-        <p:spPr>
-          <a:xfrm>
-            <a:off x="680321" y="2336873"/>
-            <a:ext cx="10268728" cy="3599316"/>
-          </a:xfrm>
-        </p:spPr>
-        <p:txBody>
-          <a:bodyPr>
-            <a:normAutofit/>
-          </a:bodyPr>
-          <a:lstStyle/>
-          <a:p>
-            <a:r>
-              <a:rPr lang="en-US" dirty="0"/>
-              <a:t>If you need to save some piece of information for semantic analysis,</a:t>
-            </a:r>
-            <a:br>
-              <a:rPr lang="en-US" dirty="0"/>
-            </a:br>
-            <a:r>
-              <a:rPr lang="en-US" dirty="0"/>
-              <a:t>wrap that thing's grammar name in angle brackets!</a:t>
-            </a:r>
-          </a:p>
-          <a:p>
-            <a:r>
-              <a:rPr lang="en-US" dirty="0"/>
-              <a:t>Smaller but important rules for sections 1 &amp; 2</a:t>
-            </a:r>
-          </a:p>
-          <a:p>
-            <a:pPr lvl="1"/>
-            <a:r>
-              <a:rPr lang="en-US" dirty="0"/>
-              <a:t>Token names are all upper-case.</a:t>
-            </a:r>
-          </a:p>
-          <a:p>
-            <a:pPr lvl="1"/>
-            <a:r>
-              <a:rPr lang="en-US" dirty="0"/>
-              <a:t>Grammar rule names start with lower case. (except for rule choice names, TBD)</a:t>
-            </a:r>
-          </a:p>
-          <a:p>
-            <a:pPr lvl="2"/>
-            <a:r>
-              <a:rPr lang="en-US" dirty="0"/>
-              <a:t>They turn into classes with the first letter capitalized.</a:t>
-            </a:r>
-          </a:p>
-          <a:p>
-            <a:pPr marL="0" indent="0">
-              <a:buNone/>
-            </a:pPr>
-            <a:r>
-              <a:rPr lang="en-US" dirty="0">
-                <a:solidFill>
-                  <a:srgbClr val="FFFF00"/>
-                </a:solidFill>
-                <a:latin typeface="Andale Mono" panose="020B0509000000000004" pitchFamily="49" charset="0"/>
-              </a:rPr>
-              <a:t>&lt;</a:t>
-            </a:r>
-            <a:r>
-              <a:rPr lang="en-US" dirty="0" err="1">
-                <a:solidFill>
-                  <a:srgbClr val="FFFF00"/>
-                </a:solidFill>
-                <a:latin typeface="Andale Mono" panose="020B0509000000000004" pitchFamily="49" charset="0"/>
-              </a:rPr>
-              <a:t>classHeader</a:t>
-            </a:r>
-            <a:r>
-              <a:rPr lang="en-US" dirty="0">
-                <a:solidFill>
-                  <a:srgbClr val="FFFF00"/>
-                </a:solidFill>
-                <a:latin typeface="Andale Mono" panose="020B0509000000000004" pitchFamily="49" charset="0"/>
-              </a:rPr>
-              <a:t>&gt; ::= CLASS &lt;ID&gt; LBRACE &lt;</a:t>
-            </a:r>
-            <a:r>
-              <a:rPr lang="en-US" dirty="0" err="1">
-                <a:solidFill>
-                  <a:srgbClr val="FFFF00"/>
-                </a:solidFill>
-                <a:latin typeface="Andale Mono" panose="020B0509000000000004" pitchFamily="49" charset="0"/>
-              </a:rPr>
-              <a:t>classBody</a:t>
-            </a:r>
-            <a:r>
-              <a:rPr lang="en-US" dirty="0">
-                <a:solidFill>
-                  <a:srgbClr val="FFFF00"/>
-                </a:solidFill>
-                <a:latin typeface="Andale Mono" panose="020B0509000000000004" pitchFamily="49" charset="0"/>
-              </a:rPr>
-              <a:t>&gt; RBRACE</a:t>
-            </a:r>
-          </a:p>
-          <a:p>
-            <a:r>
-              <a:rPr lang="en-US" dirty="0"/>
-              <a:t>In the above rule, the </a:t>
-            </a:r>
-            <a:r>
-              <a:rPr lang="en-US" dirty="0" err="1"/>
-              <a:t>IDentifier</a:t>
-            </a:r>
-            <a:r>
-              <a:rPr lang="en-US" dirty="0"/>
-              <a:t> token is kept as a </a:t>
-            </a:r>
-            <a:r>
-              <a:rPr lang="en-US" dirty="0" err="1"/>
-              <a:t>ClassHeader</a:t>
-            </a:r>
-            <a:r>
-              <a:rPr lang="en-US" dirty="0"/>
-              <a:t> constructor parameter, but the other tokens are not.</a:t>
-            </a:r>
-          </a:p>
-        </p:txBody>
-      </p:sp>
-      <p:sp>
-        <p:nvSpPr>
-          <p:cNvPr id="4" name="Date Placeholder 3">
-            <a:extLst>
-              <a:ext uri="{FF2B5EF4-FFF2-40B4-BE49-F238E27FC236}">
-                <a16:creationId xmlns:a16="http://schemas.microsoft.com/office/drawing/2014/main" id="{0E788A6E-7FBF-7B46-9D4E-825E5294645F}"/>
-              </a:ext>
-            </a:extLst>
-          </p:cNvPr>
-          <p:cNvSpPr>
-            <a:spLocks noGrp="1"/>
-          </p:cNvSpPr>
-          <p:nvPr>
-            <p:ph type="dt" sz="half" idx="10"/>
-          </p:nvPr>
-        </p:nvSpPr>
-        <p:spPr/>
-        <p:txBody>
-          <a:bodyPr/>
-          <a:lstStyle/>
-          <a:p>
-            <a:r>
-              <a:rPr lang="en-US"/>
-              <a:t>Spring 2020</a:t>
-            </a:r>
-          </a:p>
-        </p:txBody>
-      </p:sp>
-      <p:sp>
-        <p:nvSpPr>
-          <p:cNvPr id="5" name="Footer Placeholder 4">
-            <a:extLst>
-              <a:ext uri="{FF2B5EF4-FFF2-40B4-BE49-F238E27FC236}">
-                <a16:creationId xmlns:a16="http://schemas.microsoft.com/office/drawing/2014/main" id="{E57AF1BD-74D4-5B4F-A47C-F1E2C9CC2B8E}"/>
-              </a:ext>
-            </a:extLst>
-          </p:cNvPr>
-          <p:cNvSpPr>
-            <a:spLocks noGrp="1"/>
-          </p:cNvSpPr>
-          <p:nvPr>
-            <p:ph type="ftr" sz="quarter" idx="11"/>
-          </p:nvPr>
-        </p:nvSpPr>
-        <p:spPr/>
-        <p:txBody>
-          <a:bodyPr/>
-          <a:lstStyle/>
-          <a:p>
-            <a:r>
-              <a:rPr lang="en-US"/>
-              <a:t>CSCI 344</a:t>
-            </a:r>
-          </a:p>
-        </p:txBody>
-      </p:sp>
-      <p:sp>
-        <p:nvSpPr>
-          <p:cNvPr id="13" name="TextBox 12">
-            <a:extLst>
-              <a:ext uri="{FF2B5EF4-FFF2-40B4-BE49-F238E27FC236}">
-                <a16:creationId xmlns:a16="http://schemas.microsoft.com/office/drawing/2014/main" id="{254C3538-2A0F-414A-A997-C1859363E7E9}"/>
-              </a:ext>
-            </a:extLst>
-          </p:cNvPr>
-          <p:cNvSpPr txBox="1"/>
-          <p:nvPr/>
-        </p:nvSpPr>
-        <p:spPr>
-          <a:xfrm>
-            <a:off x="11079678" y="1258784"/>
-            <a:ext cx="550151" cy="369332"/>
-          </a:xfrm>
-          <a:prstGeom prst="rect">
-            <a:avLst/>
-          </a:prstGeom>
-          <a:noFill/>
-        </p:spPr>
-        <p:txBody>
-          <a:bodyPr wrap="none" rtlCol="0">
-            <a:spAutoFit/>
-          </a:bodyPr>
-          <a:lstStyle/>
-          <a:p>
-            <a:r>
-              <a:rPr lang="en-US" dirty="0"/>
-              <a:t>3/3</a:t>
-            </a:r>
-          </a:p>
-        </p:txBody>
-      </p:sp>
-    </p:spTree>
-    <p:extLst>
-      <p:ext uri="{BB962C8B-B14F-4D97-AF65-F5344CB8AC3E}">
-        <p14:creationId xmlns:p14="http://schemas.microsoft.com/office/powerpoint/2010/main" val="3442034442"/>
-      </p:ext>
-    </p:extLst>
-  </p:cSld>
-  <p:clrMapOvr>
-    <a:masterClrMapping/>
-  </p:clrMapOvr>
-</p:sld>
-</file>
-
-<file path=ppt/slides/slide22.xml><?xml version="1.0" encoding="utf-8"?>
-<p:sld xmlns:a="http://schemas.openxmlformats.org/drawingml/2006/main" xmlns:r="http://schemas.openxmlformats.org/officeDocument/2006/relationships" xmlns:p="http://schemas.openxmlformats.org/presentationml/2006/main">
-  <p:cSld>
-    <p:spTree>
-      <p:nvGrpSpPr>
-        <p:cNvPr id="1" name=""/>
-        <p:cNvGrpSpPr/>
-        <p:nvPr/>
-      </p:nvGrpSpPr>
-      <p:grpSpPr>
-        <a:xfrm>
-          <a:off x="0" y="0"/>
-          <a:ext cx="0" cy="0"/>
-          <a:chOff x="0" y="0"/>
-          <a:chExt cx="0" cy="0"/>
-        </a:xfrm>
-      </p:grpSpPr>
-      <p:sp>
-        <p:nvSpPr>
-          <p:cNvPr id="2" name="Title 1">
-            <a:extLst>
-              <a:ext uri="{FF2B5EF4-FFF2-40B4-BE49-F238E27FC236}">
-                <a16:creationId xmlns:a16="http://schemas.microsoft.com/office/drawing/2014/main" id="{06AAD369-965F-4648-BCC0-0EB3A191DDC2}"/>
-              </a:ext>
-            </a:extLst>
-          </p:cNvPr>
-          <p:cNvSpPr>
-            <a:spLocks noGrp="1"/>
-          </p:cNvSpPr>
-          <p:nvPr>
-            <p:ph type="title"/>
-          </p:nvPr>
-        </p:nvSpPr>
-        <p:spPr/>
-        <p:txBody>
-          <a:bodyPr/>
-          <a:lstStyle/>
-          <a:p>
-            <a:r>
-              <a:rPr lang="en-US" dirty="0"/>
-              <a:t>More Formally</a:t>
-            </a:r>
-          </a:p>
-        </p:txBody>
-      </p:sp>
-      <p:sp>
-        <p:nvSpPr>
-          <p:cNvPr id="3" name="Content Placeholder 2">
-            <a:extLst>
-              <a:ext uri="{FF2B5EF4-FFF2-40B4-BE49-F238E27FC236}">
-                <a16:creationId xmlns:a16="http://schemas.microsoft.com/office/drawing/2014/main" id="{C46CABC3-0C40-5B41-9851-755925205C2D}"/>
-              </a:ext>
-            </a:extLst>
-          </p:cNvPr>
-          <p:cNvSpPr>
-            <a:spLocks noGrp="1"/>
-          </p:cNvSpPr>
-          <p:nvPr>
-            <p:ph idx="1"/>
-          </p:nvPr>
-        </p:nvSpPr>
-        <p:spPr>
-          <a:xfrm>
-            <a:off x="680321" y="2336873"/>
-            <a:ext cx="9613861" cy="3873922"/>
-          </a:xfrm>
-        </p:spPr>
-        <p:txBody>
-          <a:bodyPr>
-            <a:normAutofit/>
-          </a:bodyPr>
-          <a:lstStyle/>
-          <a:p>
-            <a:r>
-              <a:rPr lang="en-US" dirty="0"/>
-              <a:t>Terminal</a:t>
-            </a:r>
-          </a:p>
-          <a:p>
-            <a:pPr lvl="1"/>
-            <a:r>
-              <a:rPr lang="en-US" dirty="0"/>
-              <a:t>An identifier defined in the token section (section 1)</a:t>
-            </a:r>
-          </a:p>
-          <a:p>
-            <a:pPr lvl="1"/>
-            <a:r>
-              <a:rPr lang="en-US" dirty="0"/>
-              <a:t>possibly surrounded by "&lt;…&gt;"</a:t>
-            </a:r>
-          </a:p>
-          <a:p>
-            <a:r>
-              <a:rPr lang="en-US" dirty="0"/>
-              <a:t>Non-terminal, right-hand side</a:t>
-            </a:r>
-          </a:p>
-          <a:p>
-            <a:pPr lvl="1"/>
-            <a:r>
-              <a:rPr lang="en-US" dirty="0"/>
-              <a:t>&lt;</a:t>
-            </a:r>
-            <a:r>
-              <a:rPr lang="en-US" i="1" dirty="0"/>
-              <a:t>id</a:t>
-            </a:r>
-            <a:r>
-              <a:rPr lang="en-US" dirty="0"/>
-              <a:t>&gt;</a:t>
-            </a:r>
-          </a:p>
-          <a:p>
-            <a:pPr lvl="1"/>
-            <a:r>
-              <a:rPr lang="en-US" dirty="0"/>
-              <a:t>&lt;</a:t>
-            </a:r>
-            <a:r>
-              <a:rPr lang="en-US" i="1" dirty="0"/>
-              <a:t>id</a:t>
-            </a:r>
-            <a:r>
-              <a:rPr lang="en-US" dirty="0"/>
-              <a:t>&gt;</a:t>
-            </a:r>
-            <a:r>
-              <a:rPr lang="en-US" i="1" dirty="0"/>
-              <a:t>alt</a:t>
-            </a:r>
-            <a:r>
-              <a:rPr lang="en-US" dirty="0"/>
-              <a:t> – required if &lt;</a:t>
-            </a:r>
-            <a:r>
-              <a:rPr lang="en-US" i="1" dirty="0"/>
-              <a:t>id</a:t>
-            </a:r>
-            <a:r>
-              <a:rPr lang="en-US" dirty="0"/>
-              <a:t>&gt; appears multiple times on right-hand side</a:t>
-            </a:r>
-          </a:p>
-          <a:p>
-            <a:r>
-              <a:rPr lang="en-US" dirty="0"/>
-              <a:t>Non-terminal, left hand side</a:t>
-            </a:r>
-          </a:p>
-          <a:p>
-            <a:pPr lvl="1"/>
-            <a:r>
-              <a:rPr lang="en-US" dirty="0"/>
-              <a:t>&lt;</a:t>
-            </a:r>
-            <a:r>
-              <a:rPr lang="en-US" i="1" dirty="0"/>
-              <a:t>id</a:t>
-            </a:r>
-            <a:r>
-              <a:rPr lang="en-US" dirty="0"/>
-              <a:t>&gt; as above, or</a:t>
-            </a:r>
-          </a:p>
-          <a:p>
-            <a:pPr lvl="1"/>
-            <a:r>
-              <a:rPr lang="en-US" dirty="0"/>
-              <a:t>&lt;</a:t>
-            </a:r>
-            <a:r>
-              <a:rPr lang="en-US" i="1" dirty="0"/>
-              <a:t>id</a:t>
-            </a:r>
-            <a:r>
-              <a:rPr lang="en-US" dirty="0"/>
-              <a:t>&gt;:</a:t>
-            </a:r>
-            <a:r>
-              <a:rPr lang="en-US" i="1" dirty="0" err="1"/>
-              <a:t>sub_id</a:t>
-            </a:r>
-            <a:r>
-              <a:rPr lang="en-US" dirty="0"/>
-              <a:t> for multiple choices of rules for &lt;</a:t>
-            </a:r>
-            <a:r>
-              <a:rPr lang="en-US" i="1" dirty="0"/>
-              <a:t>id</a:t>
-            </a:r>
-            <a:r>
-              <a:rPr lang="en-US" dirty="0"/>
-              <a:t>&gt;</a:t>
-            </a:r>
-            <a:endParaRPr lang="en-US" i="1" dirty="0"/>
-          </a:p>
-        </p:txBody>
-      </p:sp>
-      <p:sp>
-        <p:nvSpPr>
-          <p:cNvPr id="4" name="Date Placeholder 3">
-            <a:extLst>
-              <a:ext uri="{FF2B5EF4-FFF2-40B4-BE49-F238E27FC236}">
-                <a16:creationId xmlns:a16="http://schemas.microsoft.com/office/drawing/2014/main" id="{8EF1EC47-3DCC-ED40-8195-6B2D15BCC93A}"/>
-              </a:ext>
-            </a:extLst>
-          </p:cNvPr>
-          <p:cNvSpPr>
-            <a:spLocks noGrp="1"/>
-          </p:cNvSpPr>
-          <p:nvPr>
-            <p:ph type="dt" sz="half" idx="10"/>
-          </p:nvPr>
-        </p:nvSpPr>
-        <p:spPr/>
-        <p:txBody>
-          <a:bodyPr/>
-          <a:lstStyle/>
-          <a:p>
-            <a:r>
-              <a:rPr lang="en-US"/>
-              <a:t>Spring 2020</a:t>
-            </a:r>
-          </a:p>
-        </p:txBody>
-      </p:sp>
-      <p:sp>
-        <p:nvSpPr>
-          <p:cNvPr id="5" name="Footer Placeholder 4">
-            <a:extLst>
-              <a:ext uri="{FF2B5EF4-FFF2-40B4-BE49-F238E27FC236}">
-                <a16:creationId xmlns:a16="http://schemas.microsoft.com/office/drawing/2014/main" id="{6872415A-2CF3-604B-8619-8075273A8141}"/>
-              </a:ext>
-            </a:extLst>
-          </p:cNvPr>
-          <p:cNvSpPr>
-            <a:spLocks noGrp="1"/>
-          </p:cNvSpPr>
-          <p:nvPr>
-            <p:ph type="ftr" sz="quarter" idx="11"/>
-          </p:nvPr>
-        </p:nvSpPr>
-        <p:spPr/>
-        <p:txBody>
-          <a:bodyPr/>
-          <a:lstStyle/>
-          <a:p>
-            <a:r>
-              <a:rPr lang="en-US"/>
-              <a:t>CSCI 344</a:t>
-            </a:r>
-          </a:p>
-        </p:txBody>
-      </p:sp>
-    </p:spTree>
-    <p:extLst>
-      <p:ext uri="{BB962C8B-B14F-4D97-AF65-F5344CB8AC3E}">
-        <p14:creationId xmlns:p14="http://schemas.microsoft.com/office/powerpoint/2010/main" val="2593338143"/>
-      </p:ext>
-    </p:extLst>
-  </p:cSld>
-  <p:clrMapOvr>
-    <a:masterClrMapping/>
-  </p:clrMapOvr>
-</p:sld>
-</file>
-
-<file path=ppt/slides/slide23.xml><?xml version="1.0" encoding="utf-8"?>
 <p:sld xmlns:a="http://schemas.openxmlformats.org/drawingml/2006/main" xmlns:r="http://schemas.openxmlformats.org/officeDocument/2006/relationships" xmlns:p="http://schemas.openxmlformats.org/presentationml/2006/main">
   <p:cSld>
     <p:spTree>
@@ -14274,7 +13661,7 @@
 </p:sld>
 </file>
 
-<file path=ppt/slides/slide24.xml><?xml version="1.0" encoding="utf-8"?>
+<file path=ppt/slides/slide21.xml><?xml version="1.0" encoding="utf-8"?>
 <p:sld xmlns:a="http://schemas.openxmlformats.org/drawingml/2006/main" xmlns:r="http://schemas.openxmlformats.org/officeDocument/2006/relationships" xmlns:p="http://schemas.openxmlformats.org/presentationml/2006/main">
   <p:cSld>
     <p:spTree>
@@ -14598,7 +13985,7 @@
 </p:sld>
 </file>
 
-<file path=ppt/slides/slide25.xml><?xml version="1.0" encoding="utf-8"?>
+<file path=ppt/slides/slide22.xml><?xml version="1.0" encoding="utf-8"?>
 <p:sld xmlns:a="http://schemas.openxmlformats.org/drawingml/2006/main" xmlns:r="http://schemas.openxmlformats.org/officeDocument/2006/relationships" xmlns:p="http://schemas.openxmlformats.org/presentationml/2006/main">
   <p:cSld>
     <p:spTree>
@@ -14848,7 +14235,7 @@
 </p:sld>
 </file>
 
-<file path=ppt/slides/slide26.xml><?xml version="1.0" encoding="utf-8"?>
+<file path=ppt/slides/slide23.xml><?xml version="1.0" encoding="utf-8"?>
 <p:sld xmlns:a="http://schemas.openxmlformats.org/drawingml/2006/main" xmlns:r="http://schemas.openxmlformats.org/officeDocument/2006/relationships" xmlns:p="http://schemas.openxmlformats.org/presentationml/2006/main">
   <p:cSld>
     <p:spTree>
@@ -15011,7 +14398,7 @@
 </p:sld>
 </file>
 
-<file path=ppt/slides/slide27.xml><?xml version="1.0" encoding="utf-8"?>
+<file path=ppt/slides/slide24.xml><?xml version="1.0" encoding="utf-8"?>
 <p:sld xmlns:a="http://schemas.openxmlformats.org/drawingml/2006/main" xmlns:r="http://schemas.openxmlformats.org/officeDocument/2006/relationships" xmlns:p="http://schemas.openxmlformats.org/presentationml/2006/main">
   <p:cSld>
     <p:spTree>
@@ -15253,7 +14640,7 @@
 </p:sld>
 </file>
 
-<file path=ppt/slides/slide28.xml><?xml version="1.0" encoding="utf-8"?>
+<file path=ppt/slides/slide25.xml><?xml version="1.0" encoding="utf-8"?>
 <p:sld xmlns:a="http://schemas.openxmlformats.org/drawingml/2006/main" xmlns:r="http://schemas.openxmlformats.org/officeDocument/2006/relationships" xmlns:p="http://schemas.openxmlformats.org/presentationml/2006/main">
   <p:cSld>
     <p:spTree>
@@ -15484,7 +14871,7 @@
 </p:sld>
 </file>
 
-<file path=ppt/slides/slide29.xml><?xml version="1.0" encoding="utf-8"?>
+<file path=ppt/slides/slide26.xml><?xml version="1.0" encoding="utf-8"?>
 <p:sld xmlns:a="http://schemas.openxmlformats.org/drawingml/2006/main" xmlns:r="http://schemas.openxmlformats.org/officeDocument/2006/relationships" xmlns:p="http://schemas.openxmlformats.org/presentationml/2006/main">
   <p:cSld>
     <p:spTree>
@@ -15855,158 +15242,7 @@
 </p:sld>
 </file>
 
-<file path=ppt/slides/slide3.xml><?xml version="1.0" encoding="utf-8"?>
-<p:sld xmlns:a="http://schemas.openxmlformats.org/drawingml/2006/main" xmlns:r="http://schemas.openxmlformats.org/officeDocument/2006/relationships" xmlns:p="http://schemas.openxmlformats.org/presentationml/2006/main">
-  <p:cSld>
-    <p:spTree>
-      <p:nvGrpSpPr>
-        <p:cNvPr id="1" name=""/>
-        <p:cNvGrpSpPr/>
-        <p:nvPr/>
-      </p:nvGrpSpPr>
-      <p:grpSpPr>
-        <a:xfrm>
-          <a:off x="0" y="0"/>
-          <a:ext cx="0" cy="0"/>
-          <a:chOff x="0" y="0"/>
-          <a:chExt cx="0" cy="0"/>
-        </a:xfrm>
-      </p:grpSpPr>
-      <p:sp>
-        <p:nvSpPr>
-          <p:cNvPr id="2" name="Date Placeholder 1">
-            <a:extLst>
-              <a:ext uri="{FF2B5EF4-FFF2-40B4-BE49-F238E27FC236}">
-                <a16:creationId xmlns:a16="http://schemas.microsoft.com/office/drawing/2014/main" id="{ED0EAA67-7B6A-DB48-8CBC-28DBF19862B3}"/>
-              </a:ext>
-            </a:extLst>
-          </p:cNvPr>
-          <p:cNvSpPr>
-            <a:spLocks noGrp="1"/>
-          </p:cNvSpPr>
-          <p:nvPr>
-            <p:ph type="dt" sz="half" idx="10"/>
-          </p:nvPr>
-        </p:nvSpPr>
-        <p:spPr/>
-        <p:txBody>
-          <a:bodyPr/>
-          <a:lstStyle/>
-          <a:p>
-            <a:r>
-              <a:rPr lang="en-US"/>
-              <a:t>Spring 2020</a:t>
-            </a:r>
-          </a:p>
-        </p:txBody>
-      </p:sp>
-      <p:sp>
-        <p:nvSpPr>
-          <p:cNvPr id="3" name="Footer Placeholder 2">
-            <a:extLst>
-              <a:ext uri="{FF2B5EF4-FFF2-40B4-BE49-F238E27FC236}">
-                <a16:creationId xmlns:a16="http://schemas.microsoft.com/office/drawing/2014/main" id="{EFD74D21-1780-714A-80FA-558DECB738AC}"/>
-              </a:ext>
-            </a:extLst>
-          </p:cNvPr>
-          <p:cNvSpPr>
-            <a:spLocks noGrp="1"/>
-          </p:cNvSpPr>
-          <p:nvPr>
-            <p:ph type="ftr" sz="quarter" idx="11"/>
-          </p:nvPr>
-        </p:nvSpPr>
-        <p:spPr/>
-        <p:txBody>
-          <a:bodyPr/>
-          <a:lstStyle/>
-          <a:p>
-            <a:r>
-              <a:rPr lang="en-US"/>
-              <a:t>CSCI 344</a:t>
-            </a:r>
-          </a:p>
-        </p:txBody>
-      </p:sp>
-      <p:pic>
-        <p:nvPicPr>
-          <p:cNvPr id="4" name="Picture 3">
-            <a:extLst>
-              <a:ext uri="{FF2B5EF4-FFF2-40B4-BE49-F238E27FC236}">
-                <a16:creationId xmlns:a16="http://schemas.microsoft.com/office/drawing/2014/main" id="{7FCB73F4-EEFB-9D4C-A7B0-2E268D762C65}"/>
-              </a:ext>
-            </a:extLst>
-          </p:cNvPr>
-          <p:cNvPicPr>
-            <a:picLocks noChangeAspect="1"/>
-          </p:cNvPicPr>
-          <p:nvPr/>
-        </p:nvPicPr>
-        <p:blipFill>
-          <a:blip r:embed="rId2"/>
-          <a:stretch>
-            <a:fillRect/>
-          </a:stretch>
-        </p:blipFill>
-        <p:spPr>
-          <a:xfrm>
-            <a:off x="2377257" y="0"/>
-            <a:ext cx="9814743" cy="6858000"/>
-          </a:xfrm>
-          <a:prstGeom prst="rect">
-            <a:avLst/>
-          </a:prstGeom>
-        </p:spPr>
-      </p:pic>
-      <p:sp>
-        <p:nvSpPr>
-          <p:cNvPr id="5" name="TextBox 4">
-            <a:extLst>
-              <a:ext uri="{FF2B5EF4-FFF2-40B4-BE49-F238E27FC236}">
-                <a16:creationId xmlns:a16="http://schemas.microsoft.com/office/drawing/2014/main" id="{35B0E6EB-675B-8640-BD40-4E73853BC13E}"/>
-              </a:ext>
-            </a:extLst>
-          </p:cNvPr>
-          <p:cNvSpPr txBox="1"/>
-          <p:nvPr/>
-        </p:nvSpPr>
-        <p:spPr>
-          <a:xfrm rot="16200000">
-            <a:off x="-257830" y="3123210"/>
-            <a:ext cx="2470548" cy="369332"/>
-          </a:xfrm>
-          <a:prstGeom prst="rect">
-            <a:avLst/>
-          </a:prstGeom>
-          <a:noFill/>
-        </p:spPr>
-        <p:txBody>
-          <a:bodyPr wrap="none" rtlCol="0">
-            <a:spAutoFit/>
-          </a:bodyPr>
-          <a:lstStyle/>
-          <a:p>
-            <a:r>
-              <a:rPr lang="en-US" dirty="0"/>
-              <a:t>Let's talk "Discussions"</a:t>
-            </a:r>
-          </a:p>
-        </p:txBody>
-      </p:sp>
-    </p:spTree>
-    <p:extLst>
-      <p:ext uri="{BB962C8B-B14F-4D97-AF65-F5344CB8AC3E}">
-        <p14:creationId xmlns:p14="http://schemas.microsoft.com/office/powerpoint/2010/main" val="25982220"/>
-      </p:ext>
-    </p:extLst>
-  </p:cSld>
-  <p:clrMapOvr>
-    <a:masterClrMapping/>
-  </p:clrMapOvr>
-</p:sld>
-</file>
-
-<file path=ppt/slides/slide30.xml><?xml version="1.0" encoding="utf-8"?>
+<file path=ppt/slides/slide27.xml><?xml version="1.0" encoding="utf-8"?>
 <p:sld xmlns:a="http://schemas.openxmlformats.org/drawingml/2006/main" xmlns:r="http://schemas.openxmlformats.org/officeDocument/2006/relationships" xmlns:p="http://schemas.openxmlformats.org/presentationml/2006/main">
   <p:cSld>
     <p:spTree>
@@ -16701,7 +15937,7 @@
 </p:sld>
 </file>
 
-<file path=ppt/slides/slide31.xml><?xml version="1.0" encoding="utf-8"?>
+<file path=ppt/slides/slide28.xml><?xml version="1.0" encoding="utf-8"?>
 <p:sld xmlns:a="http://schemas.openxmlformats.org/drawingml/2006/main" xmlns:r="http://schemas.openxmlformats.org/officeDocument/2006/relationships" xmlns:p="http://schemas.openxmlformats.org/presentationml/2006/main">
   <p:cSld>
     <p:spTree>
@@ -17054,7 +16290,7 @@
 </p:sld>
 </file>
 
-<file path=ppt/slides/slide32.xml><?xml version="1.0" encoding="utf-8"?>
+<file path=ppt/slides/slide29.xml><?xml version="1.0" encoding="utf-8"?>
 <p:sld xmlns:a="http://schemas.openxmlformats.org/drawingml/2006/main" xmlns:r="http://schemas.openxmlformats.org/officeDocument/2006/relationships" xmlns:p="http://schemas.openxmlformats.org/presentationml/2006/main">
   <p:cSld>
     <p:spTree>
@@ -17226,7 +16462,483 @@
 </p:sld>
 </file>
 
-<file path=ppt/slides/slide33.xml><?xml version="1.0" encoding="utf-8"?>
+<file path=ppt/slides/slide3.xml><?xml version="1.0" encoding="utf-8"?>
+<p:sld xmlns:a="http://schemas.openxmlformats.org/drawingml/2006/main" xmlns:r="http://schemas.openxmlformats.org/officeDocument/2006/relationships" xmlns:p="http://schemas.openxmlformats.org/presentationml/2006/main">
+  <p:cSld>
+    <p:spTree>
+      <p:nvGrpSpPr>
+        <p:cNvPr id="1" name=""/>
+        <p:cNvGrpSpPr/>
+        <p:nvPr/>
+      </p:nvGrpSpPr>
+      <p:grpSpPr>
+        <a:xfrm>
+          <a:off x="0" y="0"/>
+          <a:ext cx="0" cy="0"/>
+          <a:chOff x="0" y="0"/>
+          <a:chExt cx="0" cy="0"/>
+        </a:xfrm>
+      </p:grpSpPr>
+      <p:sp>
+        <p:nvSpPr>
+          <p:cNvPr id="2" name="Title 1">
+            <a:extLst>
+              <a:ext uri="{FF2B5EF4-FFF2-40B4-BE49-F238E27FC236}">
+                <a16:creationId xmlns:a16="http://schemas.microsoft.com/office/drawing/2014/main" id="{474718D6-B580-5244-98A0-FFF485B9ED3E}"/>
+              </a:ext>
+            </a:extLst>
+          </p:cNvPr>
+          <p:cNvSpPr>
+            <a:spLocks noGrp="1"/>
+          </p:cNvSpPr>
+          <p:nvPr>
+            <p:ph type="title"/>
+          </p:nvPr>
+        </p:nvSpPr>
+        <p:spPr/>
+        <p:txBody>
+          <a:bodyPr/>
+          <a:lstStyle/>
+          <a:p>
+            <a:r>
+              <a:rPr lang="en-US" dirty="0"/>
+              <a:t>PLCC Use Quick Start</a:t>
+            </a:r>
+          </a:p>
+        </p:txBody>
+      </p:sp>
+      <p:sp>
+        <p:nvSpPr>
+          <p:cNvPr id="3" name="Content Placeholder 2">
+            <a:extLst>
+              <a:ext uri="{FF2B5EF4-FFF2-40B4-BE49-F238E27FC236}">
+                <a16:creationId xmlns:a16="http://schemas.microsoft.com/office/drawing/2014/main" id="{65FAC588-FB86-634A-913E-5A19DB5CE5CA}"/>
+              </a:ext>
+            </a:extLst>
+          </p:cNvPr>
+          <p:cNvSpPr>
+            <a:spLocks noGrp="1"/>
+          </p:cNvSpPr>
+          <p:nvPr>
+            <p:ph idx="1"/>
+          </p:nvPr>
+        </p:nvSpPr>
+        <p:spPr/>
+        <p:txBody>
+          <a:bodyPr>
+            <a:normAutofit fontScale="92500" lnSpcReduction="10000"/>
+          </a:bodyPr>
+          <a:lstStyle/>
+          <a:p>
+            <a:pPr marL="0" indent="0">
+              <a:buNone/>
+            </a:pPr>
+            <a:r>
+              <a:rPr lang="en-US" dirty="0">
+                <a:latin typeface="Andale Mono" panose="020B0509000000000004" pitchFamily="49" charset="0"/>
+              </a:rPr>
+              <a:t>$ </a:t>
+            </a:r>
+            <a:r>
+              <a:rPr lang="en-US" dirty="0" err="1">
+                <a:latin typeface="Andale Mono" panose="020B0509000000000004" pitchFamily="49" charset="0"/>
+              </a:rPr>
+              <a:t>plcc</a:t>
+            </a:r>
+            <a:r>
+              <a:rPr lang="en-US" dirty="0">
+                <a:latin typeface="Andale Mono" panose="020B0509000000000004" pitchFamily="49" charset="0"/>
+              </a:rPr>
+              <a:t> </a:t>
+            </a:r>
+            <a:r>
+              <a:rPr lang="en-US" dirty="0" err="1">
+                <a:latin typeface="Andale Mono" panose="020B0509000000000004" pitchFamily="49" charset="0"/>
+              </a:rPr>
+              <a:t>lang_spec.plcc</a:t>
+            </a:r>
+            <a:endParaRPr lang="en-US" dirty="0">
+              <a:latin typeface="Andale Mono" panose="020B0509000000000004" pitchFamily="49" charset="0"/>
+            </a:endParaRPr>
+          </a:p>
+          <a:p>
+            <a:pPr marL="457200" lvl="1" indent="0">
+              <a:buNone/>
+            </a:pPr>
+            <a:r>
+              <a:rPr lang="en-US" dirty="0">
+                <a:latin typeface="Andale Mono" panose="020B0509000000000004" pitchFamily="49" charset="0"/>
+              </a:rPr>
+              <a:t># Runs </a:t>
+            </a:r>
+            <a:r>
+              <a:rPr lang="en-US" dirty="0" err="1">
+                <a:latin typeface="Andale Mono" panose="020B0509000000000004" pitchFamily="49" charset="0"/>
+              </a:rPr>
+              <a:t>plcc.py</a:t>
+            </a:r>
+            <a:r>
+              <a:rPr lang="en-US" dirty="0">
+                <a:latin typeface="Andale Mono" panose="020B0509000000000004" pitchFamily="49" charset="0"/>
+              </a:rPr>
+              <a:t>, which</a:t>
+            </a:r>
+          </a:p>
+          <a:p>
+            <a:pPr marL="914400" lvl="2" indent="0">
+              <a:buNone/>
+            </a:pPr>
+            <a:r>
+              <a:rPr lang="en-US" dirty="0">
+                <a:latin typeface="Andale Mono" panose="020B0509000000000004" pitchFamily="49" charset="0"/>
+              </a:rPr>
+              <a:t># reads your file, named on the command line;</a:t>
+            </a:r>
+          </a:p>
+          <a:p>
+            <a:pPr marL="914400" lvl="2" indent="0">
+              <a:buNone/>
+            </a:pPr>
+            <a:r>
+              <a:rPr lang="en-US" dirty="0">
+                <a:latin typeface="Andale Mono" panose="020B0509000000000004" pitchFamily="49" charset="0"/>
+              </a:rPr>
+              <a:t># generates Java class files based on your file;</a:t>
+            </a:r>
+          </a:p>
+          <a:p>
+            <a:pPr marL="914400" lvl="2" indent="0">
+              <a:buNone/>
+            </a:pPr>
+            <a:r>
+              <a:rPr lang="en-US" dirty="0">
+                <a:latin typeface="Andale Mono" panose="020B0509000000000004" pitchFamily="49" charset="0"/>
+              </a:rPr>
+              <a:t># adds some standard PLCC library classes (</a:t>
+            </a:r>
+            <a:r>
+              <a:rPr lang="en-US" b="1" dirty="0" err="1">
+                <a:latin typeface="Andale Mono" panose="020B0509000000000004" pitchFamily="49" charset="0"/>
+              </a:rPr>
+              <a:t>Std</a:t>
+            </a:r>
+            <a:r>
+              <a:rPr lang="en-US" dirty="0">
+                <a:latin typeface="Andale Mono" panose="020B0509000000000004" pitchFamily="49" charset="0"/>
+              </a:rPr>
+              <a:t> directory).</a:t>
+            </a:r>
+          </a:p>
+          <a:p>
+            <a:pPr marL="0" indent="0">
+              <a:buNone/>
+            </a:pPr>
+            <a:r>
+              <a:rPr lang="en-US" dirty="0">
+                <a:latin typeface="Andale Mono" panose="020B0509000000000004" pitchFamily="49" charset="0"/>
+              </a:rPr>
+              <a:t>$ cd Java</a:t>
+            </a:r>
+          </a:p>
+          <a:p>
+            <a:pPr marL="0" indent="0">
+              <a:buNone/>
+            </a:pPr>
+            <a:r>
+              <a:rPr lang="en-US" dirty="0">
+                <a:latin typeface="Andale Mono" panose="020B0509000000000004" pitchFamily="49" charset="0"/>
+              </a:rPr>
+              <a:t>$ </a:t>
+            </a:r>
+            <a:r>
+              <a:rPr lang="en-US" dirty="0" err="1">
+                <a:latin typeface="Andale Mono" panose="020B0509000000000004" pitchFamily="49" charset="0"/>
+              </a:rPr>
+              <a:t>javac</a:t>
+            </a:r>
+            <a:r>
+              <a:rPr lang="en-US" dirty="0">
+                <a:latin typeface="Andale Mono" panose="020B0509000000000004" pitchFamily="49" charset="0"/>
+              </a:rPr>
+              <a:t> *.java</a:t>
+            </a:r>
+          </a:p>
+          <a:p>
+            <a:pPr marL="0" indent="0">
+              <a:buNone/>
+            </a:pPr>
+            <a:r>
+              <a:rPr lang="en-US" dirty="0">
+                <a:latin typeface="Andale Mono" panose="020B0509000000000004" pitchFamily="49" charset="0"/>
+              </a:rPr>
+              <a:t># Scan class only runs the lexical scanner.</a:t>
+            </a:r>
+          </a:p>
+          <a:p>
+            <a:pPr marL="0" indent="0">
+              <a:buNone/>
+            </a:pPr>
+            <a:r>
+              <a:rPr lang="en-US" dirty="0">
+                <a:latin typeface="Andale Mono" panose="020B0509000000000004" pitchFamily="49" charset="0"/>
+              </a:rPr>
+              <a:t># Parser class runs all code generated by </a:t>
+            </a:r>
+            <a:r>
+              <a:rPr lang="en-US" dirty="0" err="1">
+                <a:latin typeface="Andale Mono" panose="020B0509000000000004" pitchFamily="49" charset="0"/>
+              </a:rPr>
+              <a:t>plcc</a:t>
+            </a:r>
+            <a:r>
+              <a:rPr lang="en-US" dirty="0">
+                <a:latin typeface="Andale Mono" panose="020B0509000000000004" pitchFamily="49" charset="0"/>
+              </a:rPr>
+              <a:t>.</a:t>
+            </a:r>
+          </a:p>
+          <a:p>
+            <a:pPr marL="0" indent="0">
+              <a:buNone/>
+            </a:pPr>
+            <a:r>
+              <a:rPr lang="en-US" dirty="0">
+                <a:latin typeface="Andale Mono" panose="020B0509000000000004" pitchFamily="49" charset="0"/>
+              </a:rPr>
+              <a:t># Rep class repeatedly prompts you for new "programs".</a:t>
+            </a:r>
+          </a:p>
+        </p:txBody>
+      </p:sp>
+      <p:sp>
+        <p:nvSpPr>
+          <p:cNvPr id="4" name="Date Placeholder 3">
+            <a:extLst>
+              <a:ext uri="{FF2B5EF4-FFF2-40B4-BE49-F238E27FC236}">
+                <a16:creationId xmlns:a16="http://schemas.microsoft.com/office/drawing/2014/main" id="{A65264FE-9834-D24E-81A1-EF35F244F4C8}"/>
+              </a:ext>
+            </a:extLst>
+          </p:cNvPr>
+          <p:cNvSpPr>
+            <a:spLocks noGrp="1"/>
+          </p:cNvSpPr>
+          <p:nvPr>
+            <p:ph type="dt" sz="half" idx="10"/>
+          </p:nvPr>
+        </p:nvSpPr>
+        <p:spPr/>
+        <p:txBody>
+          <a:bodyPr/>
+          <a:lstStyle/>
+          <a:p>
+            <a:r>
+              <a:rPr lang="en-US"/>
+              <a:t>Spring 2020</a:t>
+            </a:r>
+          </a:p>
+        </p:txBody>
+      </p:sp>
+      <p:sp>
+        <p:nvSpPr>
+          <p:cNvPr id="5" name="Footer Placeholder 4">
+            <a:extLst>
+              <a:ext uri="{FF2B5EF4-FFF2-40B4-BE49-F238E27FC236}">
+                <a16:creationId xmlns:a16="http://schemas.microsoft.com/office/drawing/2014/main" id="{168B9681-F1D5-6248-BBDF-3810F57A6514}"/>
+              </a:ext>
+            </a:extLst>
+          </p:cNvPr>
+          <p:cNvSpPr>
+            <a:spLocks noGrp="1"/>
+          </p:cNvSpPr>
+          <p:nvPr>
+            <p:ph type="ftr" sz="quarter" idx="11"/>
+          </p:nvPr>
+        </p:nvSpPr>
+        <p:spPr/>
+        <p:txBody>
+          <a:bodyPr/>
+          <a:lstStyle/>
+          <a:p>
+            <a:r>
+              <a:rPr lang="en-US"/>
+              <a:t>CSCI 344</a:t>
+            </a:r>
+          </a:p>
+        </p:txBody>
+      </p:sp>
+      <p:sp>
+        <p:nvSpPr>
+          <p:cNvPr id="6" name="TextBox 5">
+            <a:extLst>
+              <a:ext uri="{FF2B5EF4-FFF2-40B4-BE49-F238E27FC236}">
+                <a16:creationId xmlns:a16="http://schemas.microsoft.com/office/drawing/2014/main" id="{E808B4EB-877E-2A4F-8A20-847273A02AF3}"/>
+              </a:ext>
+            </a:extLst>
+          </p:cNvPr>
+          <p:cNvSpPr txBox="1"/>
+          <p:nvPr/>
+        </p:nvSpPr>
+        <p:spPr>
+          <a:xfrm>
+            <a:off x="6020790" y="6543304"/>
+            <a:ext cx="3254417" cy="369332"/>
+          </a:xfrm>
+          <a:prstGeom prst="rect">
+            <a:avLst/>
+          </a:prstGeom>
+          <a:noFill/>
+        </p:spPr>
+        <p:txBody>
+          <a:bodyPr wrap="none" rtlCol="0">
+            <a:spAutoFit/>
+          </a:bodyPr>
+          <a:lstStyle/>
+          <a:p>
+            <a:r>
+              <a:rPr lang="en-US" dirty="0"/>
+              <a:t>Now for some useful extras…</a:t>
+            </a:r>
+          </a:p>
+        </p:txBody>
+      </p:sp>
+    </p:spTree>
+    <p:extLst>
+      <p:ext uri="{BB962C8B-B14F-4D97-AF65-F5344CB8AC3E}">
+        <p14:creationId xmlns:p14="http://schemas.microsoft.com/office/powerpoint/2010/main" val="2960998724"/>
+      </p:ext>
+    </p:extLst>
+  </p:cSld>
+  <p:clrMapOvr>
+    <a:masterClrMapping/>
+  </p:clrMapOvr>
+  <p:timing>
+    <p:tnLst>
+      <p:par>
+        <p:cTn id="1" dur="indefinite" restart="never" nodeType="tmRoot">
+          <p:childTnLst>
+            <p:seq concurrent="1" nextAc="seek">
+              <p:cTn id="2" dur="indefinite" nodeType="mainSeq">
+                <p:childTnLst>
+                  <p:par>
+                    <p:cTn id="3" fill="hold">
+                      <p:stCondLst>
+                        <p:cond delay="indefinite"/>
+                      </p:stCondLst>
+                      <p:childTnLst>
+                        <p:par>
+                          <p:cTn id="4" fill="hold">
+                            <p:stCondLst>
+                              <p:cond delay="0"/>
+                            </p:stCondLst>
+                            <p:childTnLst>
+                              <p:par>
+                                <p:cTn id="5" presetID="2" presetClass="entr" presetSubtype="2" fill="hold" grpId="0" nodeType="clickEffect">
+                                  <p:stCondLst>
+                                    <p:cond delay="0"/>
+                                  </p:stCondLst>
+                                  <p:childTnLst>
+                                    <p:set>
+                                      <p:cBhvr>
+                                        <p:cTn id="6" dur="1" fill="hold">
+                                          <p:stCondLst>
+                                            <p:cond delay="0"/>
+                                          </p:stCondLst>
+                                        </p:cTn>
+                                        <p:tgtEl>
+                                          <p:spTgt spid="6"/>
+                                        </p:tgtEl>
+                                        <p:attrNameLst>
+                                          <p:attrName>style.visibility</p:attrName>
+                                        </p:attrNameLst>
+                                      </p:cBhvr>
+                                      <p:to>
+                                        <p:strVal val="visible"/>
+                                      </p:to>
+                                    </p:set>
+                                    <p:anim calcmode="lin" valueType="num">
+                                      <p:cBhvr additive="base">
+                                        <p:cTn id="7" dur="500" fill="hold"/>
+                                        <p:tgtEl>
+                                          <p:spTgt spid="6"/>
+                                        </p:tgtEl>
+                                        <p:attrNameLst>
+                                          <p:attrName>ppt_x</p:attrName>
+                                        </p:attrNameLst>
+                                      </p:cBhvr>
+                                      <p:tavLst>
+                                        <p:tav tm="0">
+                                          <p:val>
+                                            <p:strVal val="1+#ppt_w/2"/>
+                                          </p:val>
+                                        </p:tav>
+                                        <p:tav tm="100000">
+                                          <p:val>
+                                            <p:strVal val="#ppt_x"/>
+                                          </p:val>
+                                        </p:tav>
+                                      </p:tavLst>
+                                    </p:anim>
+                                    <p:anim calcmode="lin" valueType="num">
+                                      <p:cBhvr additive="base">
+                                        <p:cTn id="8" dur="500" fill="hold"/>
+                                        <p:tgtEl>
+                                          <p:spTgt spid="6"/>
+                                        </p:tgtEl>
+                                        <p:attrNameLst>
+                                          <p:attrName>ppt_y</p:attrName>
+                                        </p:attrNameLst>
+                                      </p:cBhvr>
+                                      <p:tavLst>
+                                        <p:tav tm="0">
+                                          <p:val>
+                                            <p:strVal val="#ppt_y"/>
+                                          </p:val>
+                                        </p:tav>
+                                        <p:tav tm="100000">
+                                          <p:val>
+                                            <p:strVal val="#ppt_y"/>
+                                          </p:val>
+                                        </p:tav>
+                                      </p:tavLst>
+                                    </p:anim>
+                                  </p:childTnLst>
+                                </p:cTn>
+                              </p:par>
+                            </p:childTnLst>
+                          </p:cTn>
+                        </p:par>
+                      </p:childTnLst>
+                    </p:cTn>
+                  </p:par>
+                </p:childTnLst>
+              </p:cTn>
+              <p:prevCondLst>
+                <p:cond evt="onPrev" delay="0">
+                  <p:tgtEl>
+                    <p:sldTgt/>
+                  </p:tgtEl>
+                </p:cond>
+              </p:prevCondLst>
+              <p:nextCondLst>
+                <p:cond evt="onNext" delay="0">
+                  <p:tgtEl>
+                    <p:sldTgt/>
+                  </p:tgtEl>
+                </p:cond>
+              </p:nextCondLst>
+            </p:seq>
+          </p:childTnLst>
+        </p:cTn>
+      </p:par>
+    </p:tnLst>
+    <p:bldLst>
+      <p:bldP spid="6" grpId="0"/>
+    </p:bldLst>
+  </p:timing>
+</p:sld>
+</file>
+
+<file path=ppt/slides/slide30.xml><?xml version="1.0" encoding="utf-8"?>
 <p:sld xmlns:a="http://schemas.openxmlformats.org/drawingml/2006/main" xmlns:r="http://schemas.openxmlformats.org/officeDocument/2006/relationships" xmlns:p="http://schemas.openxmlformats.org/presentationml/2006/main">
   <p:cSld>
     <p:spTree>
@@ -17544,7 +17256,832 @@
 </p:sld>
 </file>
 
-<file path=ppt/slides/slide34.xml><?xml version="1.0" encoding="utf-8"?>
+<file path=ppt/slides/slide31.xml><?xml version="1.0" encoding="utf-8"?>
+<p:sld xmlns:a="http://schemas.openxmlformats.org/drawingml/2006/main" xmlns:r="http://schemas.openxmlformats.org/officeDocument/2006/relationships" xmlns:p="http://schemas.openxmlformats.org/presentationml/2006/main">
+  <p:cSld>
+    <p:spTree>
+      <p:nvGrpSpPr>
+        <p:cNvPr id="1" name=""/>
+        <p:cNvGrpSpPr/>
+        <p:nvPr/>
+      </p:nvGrpSpPr>
+      <p:grpSpPr>
+        <a:xfrm>
+          <a:off x="0" y="0"/>
+          <a:ext cx="0" cy="0"/>
+          <a:chOff x="0" y="0"/>
+          <a:chExt cx="0" cy="0"/>
+        </a:xfrm>
+      </p:grpSpPr>
+      <p:sp>
+        <p:nvSpPr>
+          <p:cNvPr id="2" name="Title 1">
+            <a:extLst>
+              <a:ext uri="{FF2B5EF4-FFF2-40B4-BE49-F238E27FC236}">
+                <a16:creationId xmlns:a16="http://schemas.microsoft.com/office/drawing/2014/main" id="{73006776-FF76-944F-A4F3-86C53F34E253}"/>
+              </a:ext>
+            </a:extLst>
+          </p:cNvPr>
+          <p:cNvSpPr>
+            <a:spLocks noGrp="1"/>
+          </p:cNvSpPr>
+          <p:nvPr>
+            <p:ph type="title"/>
+          </p:nvPr>
+        </p:nvSpPr>
+        <p:spPr/>
+        <p:txBody>
+          <a:bodyPr/>
+          <a:lstStyle/>
+          <a:p>
+            <a:r>
+              <a:rPr lang="en-US" dirty="0"/>
+              <a:t>Exercise</a:t>
+            </a:r>
+          </a:p>
+        </p:txBody>
+      </p:sp>
+      <p:sp>
+        <p:nvSpPr>
+          <p:cNvPr id="3" name="Content Placeholder 2">
+            <a:extLst>
+              <a:ext uri="{FF2B5EF4-FFF2-40B4-BE49-F238E27FC236}">
+                <a16:creationId xmlns:a16="http://schemas.microsoft.com/office/drawing/2014/main" id="{12266FD6-2AED-F346-8DAF-CE7ABB7740AF}"/>
+              </a:ext>
+            </a:extLst>
+          </p:cNvPr>
+          <p:cNvSpPr>
+            <a:spLocks noGrp="1"/>
+          </p:cNvSpPr>
+          <p:nvPr>
+            <p:ph idx="1"/>
+          </p:nvPr>
+        </p:nvSpPr>
+        <p:spPr>
+          <a:xfrm>
+            <a:off x="680321" y="2336873"/>
+            <a:ext cx="9613861" cy="2060466"/>
+          </a:xfrm>
+        </p:spPr>
+        <p:txBody>
+          <a:bodyPr>
+            <a:normAutofit/>
+          </a:bodyPr>
+          <a:lstStyle/>
+          <a:p>
+            <a:r>
+              <a:rPr lang="en-US" dirty="0"/>
+              <a:t>Given that</a:t>
+            </a:r>
+          </a:p>
+          <a:p>
+            <a:pPr lvl="1"/>
+            <a:r>
+              <a:rPr lang="en-US" dirty="0"/>
+              <a:t>the tokens {LPAREN,RPAREN,IF,ELSE,SEMI} and</a:t>
+            </a:r>
+          </a:p>
+          <a:p>
+            <a:pPr lvl="1"/>
+            <a:r>
+              <a:rPr lang="en-US" dirty="0"/>
+              <a:t>the grammar variables {&lt;expr&gt;,&lt;</a:t>
+            </a:r>
+            <a:r>
+              <a:rPr lang="en-US" dirty="0" err="1"/>
+              <a:t>stmt</a:t>
+            </a:r>
+            <a:r>
+              <a:rPr lang="en-US" dirty="0"/>
+              <a:t>&gt;}</a:t>
+            </a:r>
+          </a:p>
+          <a:p>
+            <a:pPr marL="457200" lvl="1" indent="0">
+              <a:buNone/>
+            </a:pPr>
+            <a:r>
+              <a:rPr lang="en-US" dirty="0"/>
+              <a:t>are already defined,</a:t>
+            </a:r>
+          </a:p>
+          <a:p>
+            <a:r>
+              <a:rPr lang="en-US" dirty="0"/>
+              <a:t>Write grammar rules for the classic C/Java </a:t>
+            </a:r>
+            <a:r>
+              <a:rPr lang="en-US" dirty="0">
+                <a:latin typeface="Andale Mono" panose="020B0509000000000004" pitchFamily="49" charset="0"/>
+              </a:rPr>
+              <a:t>if</a:t>
+            </a:r>
+            <a:r>
+              <a:rPr lang="en-US" dirty="0"/>
+              <a:t> statement.</a:t>
+            </a:r>
+          </a:p>
+        </p:txBody>
+      </p:sp>
+      <p:sp>
+        <p:nvSpPr>
+          <p:cNvPr id="4" name="Date Placeholder 3">
+            <a:extLst>
+              <a:ext uri="{FF2B5EF4-FFF2-40B4-BE49-F238E27FC236}">
+                <a16:creationId xmlns:a16="http://schemas.microsoft.com/office/drawing/2014/main" id="{F0A9F8FB-BDE5-3947-AAAA-F403438B891D}"/>
+              </a:ext>
+            </a:extLst>
+          </p:cNvPr>
+          <p:cNvSpPr>
+            <a:spLocks noGrp="1"/>
+          </p:cNvSpPr>
+          <p:nvPr>
+            <p:ph type="dt" sz="half" idx="10"/>
+          </p:nvPr>
+        </p:nvSpPr>
+        <p:spPr/>
+        <p:txBody>
+          <a:bodyPr/>
+          <a:lstStyle/>
+          <a:p>
+            <a:r>
+              <a:rPr lang="en-US"/>
+              <a:t>Spring 2020</a:t>
+            </a:r>
+          </a:p>
+        </p:txBody>
+      </p:sp>
+      <p:sp>
+        <p:nvSpPr>
+          <p:cNvPr id="5" name="Footer Placeholder 4">
+            <a:extLst>
+              <a:ext uri="{FF2B5EF4-FFF2-40B4-BE49-F238E27FC236}">
+                <a16:creationId xmlns:a16="http://schemas.microsoft.com/office/drawing/2014/main" id="{BB26CC89-FDC4-584A-A6D0-1464992B356A}"/>
+              </a:ext>
+            </a:extLst>
+          </p:cNvPr>
+          <p:cNvSpPr>
+            <a:spLocks noGrp="1"/>
+          </p:cNvSpPr>
+          <p:nvPr>
+            <p:ph type="ftr" sz="quarter" idx="11"/>
+          </p:nvPr>
+        </p:nvSpPr>
+        <p:spPr/>
+        <p:txBody>
+          <a:bodyPr/>
+          <a:lstStyle/>
+          <a:p>
+            <a:r>
+              <a:rPr lang="en-US"/>
+              <a:t>CSCI 344</a:t>
+            </a:r>
+          </a:p>
+        </p:txBody>
+      </p:sp>
+      <p:sp>
+        <p:nvSpPr>
+          <p:cNvPr id="6" name="TextBox 5">
+            <a:extLst>
+              <a:ext uri="{FF2B5EF4-FFF2-40B4-BE49-F238E27FC236}">
+                <a16:creationId xmlns:a16="http://schemas.microsoft.com/office/drawing/2014/main" id="{2696C675-F64B-6744-964C-25588DB1DD70}"/>
+              </a:ext>
+            </a:extLst>
+          </p:cNvPr>
+          <p:cNvSpPr txBox="1"/>
+          <p:nvPr/>
+        </p:nvSpPr>
+        <p:spPr>
+          <a:xfrm>
+            <a:off x="1335640" y="4623371"/>
+            <a:ext cx="8318303" cy="923330"/>
+          </a:xfrm>
+          <a:prstGeom prst="rect">
+            <a:avLst/>
+          </a:prstGeom>
+          <a:noFill/>
+        </p:spPr>
+        <p:txBody>
+          <a:bodyPr wrap="none" rtlCol="0">
+            <a:spAutoFit/>
+          </a:bodyPr>
+          <a:lstStyle/>
+          <a:p>
+            <a:r>
+              <a:rPr lang="en-US" dirty="0">
+                <a:latin typeface="Andale Mono" panose="020B0509000000000004" pitchFamily="49" charset="0"/>
+              </a:rPr>
+              <a:t>&lt;</a:t>
+            </a:r>
+            <a:r>
+              <a:rPr lang="en-US" dirty="0" err="1">
+                <a:latin typeface="Andale Mono" panose="020B0509000000000004" pitchFamily="49" charset="0"/>
+              </a:rPr>
+              <a:t>stmt</a:t>
+            </a:r>
+            <a:r>
+              <a:rPr lang="en-US" dirty="0">
+                <a:latin typeface="Andale Mono" panose="020B0509000000000004" pitchFamily="49" charset="0"/>
+              </a:rPr>
+              <a:t>&gt;:</a:t>
+            </a:r>
+            <a:r>
+              <a:rPr lang="en-US" dirty="0" err="1">
+                <a:latin typeface="Andale Mono" panose="020B0509000000000004" pitchFamily="49" charset="0"/>
+              </a:rPr>
+              <a:t>IfStmt</a:t>
+            </a:r>
+            <a:r>
+              <a:rPr lang="en-US" dirty="0">
+                <a:latin typeface="Andale Mono" panose="020B0509000000000004" pitchFamily="49" charset="0"/>
+              </a:rPr>
+              <a:t> ::= IF LPAREN &lt;expr&gt; RPAREN &lt;</a:t>
+            </a:r>
+            <a:r>
+              <a:rPr lang="en-US" dirty="0" err="1">
+                <a:latin typeface="Andale Mono" panose="020B0509000000000004" pitchFamily="49" charset="0"/>
+              </a:rPr>
+              <a:t>stmt</a:t>
+            </a:r>
+            <a:r>
+              <a:rPr lang="en-US" dirty="0">
+                <a:latin typeface="Andale Mono" panose="020B0509000000000004" pitchFamily="49" charset="0"/>
+              </a:rPr>
+              <a:t>&gt; &lt;</a:t>
+            </a:r>
+            <a:r>
+              <a:rPr lang="en-US" dirty="0" err="1">
+                <a:latin typeface="Andale Mono" panose="020B0509000000000004" pitchFamily="49" charset="0"/>
+              </a:rPr>
+              <a:t>elsePart</a:t>
+            </a:r>
+            <a:r>
+              <a:rPr lang="en-US" dirty="0">
+                <a:latin typeface="Andale Mono" panose="020B0509000000000004" pitchFamily="49" charset="0"/>
+              </a:rPr>
+              <a:t>&gt;</a:t>
+            </a:r>
+          </a:p>
+          <a:p>
+            <a:r>
+              <a:rPr lang="en-US" dirty="0">
+                <a:latin typeface="Andale Mono" panose="020B0509000000000004" pitchFamily="49" charset="0"/>
+              </a:rPr>
+              <a:t>&lt;</a:t>
+            </a:r>
+            <a:r>
+              <a:rPr lang="en-US" dirty="0" err="1">
+                <a:latin typeface="Andale Mono" panose="020B0509000000000004" pitchFamily="49" charset="0"/>
+              </a:rPr>
+              <a:t>elsePart</a:t>
+            </a:r>
+            <a:r>
+              <a:rPr lang="en-US" dirty="0">
+                <a:latin typeface="Andale Mono" panose="020B0509000000000004" pitchFamily="49" charset="0"/>
+              </a:rPr>
+              <a:t>&gt;:</a:t>
+            </a:r>
+            <a:r>
+              <a:rPr lang="en-US" dirty="0" err="1">
+                <a:latin typeface="Andale Mono" panose="020B0509000000000004" pitchFamily="49" charset="0"/>
+              </a:rPr>
+              <a:t>RealElse</a:t>
+            </a:r>
+            <a:r>
+              <a:rPr lang="en-US" dirty="0">
+                <a:latin typeface="Andale Mono" panose="020B0509000000000004" pitchFamily="49" charset="0"/>
+              </a:rPr>
+              <a:t> ::= ELSE &lt;</a:t>
+            </a:r>
+            <a:r>
+              <a:rPr lang="en-US" dirty="0" err="1">
+                <a:latin typeface="Andale Mono" panose="020B0509000000000004" pitchFamily="49" charset="0"/>
+              </a:rPr>
+              <a:t>stmt</a:t>
+            </a:r>
+            <a:r>
+              <a:rPr lang="en-US" dirty="0">
+                <a:latin typeface="Andale Mono" panose="020B0509000000000004" pitchFamily="49" charset="0"/>
+              </a:rPr>
+              <a:t>&gt;</a:t>
+            </a:r>
+          </a:p>
+          <a:p>
+            <a:r>
+              <a:rPr lang="en-US" dirty="0">
+                <a:latin typeface="Andale Mono" panose="020B0509000000000004" pitchFamily="49" charset="0"/>
+              </a:rPr>
+              <a:t>&lt;</a:t>
+            </a:r>
+            <a:r>
+              <a:rPr lang="en-US" dirty="0" err="1">
+                <a:latin typeface="Andale Mono" panose="020B0509000000000004" pitchFamily="49" charset="0"/>
+              </a:rPr>
+              <a:t>elsePart</a:t>
+            </a:r>
+            <a:r>
+              <a:rPr lang="en-US" dirty="0">
+                <a:latin typeface="Andale Mono" panose="020B0509000000000004" pitchFamily="49" charset="0"/>
+              </a:rPr>
+              <a:t>&gt;:</a:t>
+            </a:r>
+            <a:r>
+              <a:rPr lang="en-US" dirty="0" err="1">
+                <a:latin typeface="Andale Mono" panose="020B0509000000000004" pitchFamily="49" charset="0"/>
+              </a:rPr>
+              <a:t>NoElse</a:t>
+            </a:r>
+            <a:r>
+              <a:rPr lang="en-US" dirty="0">
+                <a:latin typeface="Andale Mono" panose="020B0509000000000004" pitchFamily="49" charset="0"/>
+              </a:rPr>
+              <a:t> ::=</a:t>
+            </a:r>
+          </a:p>
+        </p:txBody>
+      </p:sp>
+      <p:sp>
+        <p:nvSpPr>
+          <p:cNvPr id="7" name="Rectangle 6">
+            <a:extLst>
+              <a:ext uri="{FF2B5EF4-FFF2-40B4-BE49-F238E27FC236}">
+                <a16:creationId xmlns:a16="http://schemas.microsoft.com/office/drawing/2014/main" id="{74D02067-E2EC-2244-B248-9775606528AF}"/>
+              </a:ext>
+            </a:extLst>
+          </p:cNvPr>
+          <p:cNvSpPr/>
+          <p:nvPr/>
+        </p:nvSpPr>
+        <p:spPr>
+          <a:xfrm>
+            <a:off x="460121" y="4180424"/>
+            <a:ext cx="10508721" cy="1859133"/>
+          </a:xfrm>
+          <a:prstGeom prst="rect">
+            <a:avLst/>
+          </a:prstGeom>
+          <a:solidFill>
+            <a:schemeClr val="bg2">
+              <a:lumMod val="60000"/>
+              <a:lumOff val="40000"/>
+            </a:schemeClr>
+          </a:solidFill>
+          <a:ln>
+            <a:noFill/>
+          </a:ln>
+        </p:spPr>
+        <p:style>
+          <a:lnRef idx="2">
+            <a:schemeClr val="accent1">
+              <a:shade val="50000"/>
+            </a:schemeClr>
+          </a:lnRef>
+          <a:fillRef idx="1">
+            <a:schemeClr val="accent1"/>
+          </a:fillRef>
+          <a:effectRef idx="0">
+            <a:schemeClr val="accent1"/>
+          </a:effectRef>
+          <a:fontRef idx="minor">
+            <a:schemeClr val="lt1"/>
+          </a:fontRef>
+        </p:style>
+        <p:txBody>
+          <a:bodyPr rtlCol="0" anchor="ctr"/>
+          <a:lstStyle/>
+          <a:p>
+            <a:pPr algn="ctr"/>
+            <a:endParaRPr lang="en-US"/>
+          </a:p>
+        </p:txBody>
+      </p:sp>
+      <p:cxnSp>
+        <p:nvCxnSpPr>
+          <p:cNvPr id="9" name="Straight Connector 8">
+            <a:extLst>
+              <a:ext uri="{FF2B5EF4-FFF2-40B4-BE49-F238E27FC236}">
+                <a16:creationId xmlns:a16="http://schemas.microsoft.com/office/drawing/2014/main" id="{82472ED6-2B8F-9845-B00C-B3C4897C84C8}"/>
+              </a:ext>
+            </a:extLst>
+          </p:cNvPr>
+          <p:cNvCxnSpPr/>
+          <p:nvPr/>
+        </p:nvCxnSpPr>
+        <p:spPr>
+          <a:xfrm flipV="1">
+            <a:off x="680321" y="4233884"/>
+            <a:ext cx="9464576" cy="1538849"/>
+          </a:xfrm>
+          <a:prstGeom prst="line">
+            <a:avLst/>
+          </a:prstGeom>
+          <a:ln w="101600">
+            <a:solidFill>
+              <a:srgbClr val="FF0000"/>
+            </a:solidFill>
+          </a:ln>
+        </p:spPr>
+        <p:style>
+          <a:lnRef idx="1">
+            <a:schemeClr val="accent1"/>
+          </a:lnRef>
+          <a:fillRef idx="0">
+            <a:schemeClr val="accent1"/>
+          </a:fillRef>
+          <a:effectRef idx="0">
+            <a:schemeClr val="accent1"/>
+          </a:effectRef>
+          <a:fontRef idx="minor">
+            <a:schemeClr val="tx1"/>
+          </a:fontRef>
+        </p:style>
+      </p:cxnSp>
+      <p:sp>
+        <p:nvSpPr>
+          <p:cNvPr id="10" name="TextBox 9">
+            <a:extLst>
+              <a:ext uri="{FF2B5EF4-FFF2-40B4-BE49-F238E27FC236}">
+                <a16:creationId xmlns:a16="http://schemas.microsoft.com/office/drawing/2014/main" id="{9DABAF62-4DEE-9C4D-9FF8-B396325D51D0}"/>
+              </a:ext>
+            </a:extLst>
+          </p:cNvPr>
+          <p:cNvSpPr txBox="1"/>
+          <p:nvPr/>
+        </p:nvSpPr>
+        <p:spPr>
+          <a:xfrm>
+            <a:off x="9749481" y="4786826"/>
+            <a:ext cx="1712328" cy="646331"/>
+          </a:xfrm>
+          <a:prstGeom prst="rect">
+            <a:avLst/>
+          </a:prstGeom>
+          <a:solidFill>
+            <a:schemeClr val="tx1"/>
+          </a:solidFill>
+        </p:spPr>
+        <p:txBody>
+          <a:bodyPr wrap="none" rtlCol="0">
+            <a:spAutoFit/>
+          </a:bodyPr>
+          <a:lstStyle/>
+          <a:p>
+            <a:r>
+              <a:rPr lang="en-US" dirty="0">
+                <a:solidFill>
+                  <a:srgbClr val="FF0000"/>
+                </a:solidFill>
+              </a:rPr>
+              <a:t>Ambiguous—</a:t>
+            </a:r>
+          </a:p>
+          <a:p>
+            <a:r>
+              <a:rPr lang="en-US" dirty="0">
+                <a:solidFill>
+                  <a:srgbClr val="FF0000"/>
+                </a:solidFill>
+              </a:rPr>
+              <a:t>Doesn’t work!!</a:t>
+            </a:r>
+          </a:p>
+        </p:txBody>
+      </p:sp>
+    </p:spTree>
+    <p:extLst>
+      <p:ext uri="{BB962C8B-B14F-4D97-AF65-F5344CB8AC3E}">
+        <p14:creationId xmlns:p14="http://schemas.microsoft.com/office/powerpoint/2010/main" val="1415759923"/>
+      </p:ext>
+    </p:extLst>
+  </p:cSld>
+  <p:clrMapOvr>
+    <a:masterClrMapping/>
+  </p:clrMapOvr>
+  <p:timing>
+    <p:tnLst>
+      <p:par>
+        <p:cTn id="1" dur="indefinite" restart="never" nodeType="tmRoot">
+          <p:childTnLst>
+            <p:seq concurrent="1" nextAc="seek">
+              <p:cTn id="2" dur="indefinite" nodeType="mainSeq">
+                <p:childTnLst>
+                  <p:par>
+                    <p:cTn id="3" fill="hold">
+                      <p:stCondLst>
+                        <p:cond delay="indefinite"/>
+                      </p:stCondLst>
+                      <p:childTnLst>
+                        <p:par>
+                          <p:cTn id="4" fill="hold">
+                            <p:stCondLst>
+                              <p:cond delay="0"/>
+                            </p:stCondLst>
+                            <p:childTnLst>
+                              <p:par>
+                                <p:cTn id="5" presetID="9" presetClass="entr" presetSubtype="0" fill="hold" grpId="0" nodeType="clickEffect">
+                                  <p:stCondLst>
+                                    <p:cond delay="2000"/>
+                                  </p:stCondLst>
+                                  <p:childTnLst>
+                                    <p:set>
+                                      <p:cBhvr>
+                                        <p:cTn id="6" dur="1" fill="hold">
+                                          <p:stCondLst>
+                                            <p:cond delay="0"/>
+                                          </p:stCondLst>
+                                        </p:cTn>
+                                        <p:tgtEl>
+                                          <p:spTgt spid="6"/>
+                                        </p:tgtEl>
+                                        <p:attrNameLst>
+                                          <p:attrName>style.visibility</p:attrName>
+                                        </p:attrNameLst>
+                                      </p:cBhvr>
+                                      <p:to>
+                                        <p:strVal val="visible"/>
+                                      </p:to>
+                                    </p:set>
+                                    <p:animEffect transition="in" filter="dissolve">
+                                      <p:cBhvr>
+                                        <p:cTn id="7" dur="10000"/>
+                                        <p:tgtEl>
+                                          <p:spTgt spid="6"/>
+                                        </p:tgtEl>
+                                      </p:cBhvr>
+                                    </p:animEffect>
+                                  </p:childTnLst>
+                                </p:cTn>
+                              </p:par>
+                            </p:childTnLst>
+                          </p:cTn>
+                        </p:par>
+                      </p:childTnLst>
+                    </p:cTn>
+                  </p:par>
+                  <p:par>
+                    <p:cTn id="8" fill="hold">
+                      <p:stCondLst>
+                        <p:cond delay="indefinite"/>
+                      </p:stCondLst>
+                      <p:childTnLst>
+                        <p:par>
+                          <p:cTn id="9" fill="hold">
+                            <p:stCondLst>
+                              <p:cond delay="0"/>
+                            </p:stCondLst>
+                            <p:childTnLst>
+                              <p:par>
+                                <p:cTn id="10" presetID="55" presetClass="entr" presetSubtype="0" fill="hold" nodeType="clickEffect">
+                                  <p:stCondLst>
+                                    <p:cond delay="0"/>
+                                  </p:stCondLst>
+                                  <p:childTnLst>
+                                    <p:set>
+                                      <p:cBhvr>
+                                        <p:cTn id="11" dur="1" fill="hold">
+                                          <p:stCondLst>
+                                            <p:cond delay="0"/>
+                                          </p:stCondLst>
+                                        </p:cTn>
+                                        <p:tgtEl>
+                                          <p:spTgt spid="9"/>
+                                        </p:tgtEl>
+                                        <p:attrNameLst>
+                                          <p:attrName>style.visibility</p:attrName>
+                                        </p:attrNameLst>
+                                      </p:cBhvr>
+                                      <p:to>
+                                        <p:strVal val="visible"/>
+                                      </p:to>
+                                    </p:set>
+                                    <p:anim calcmode="lin" valueType="num">
+                                      <p:cBhvr>
+                                        <p:cTn id="12" dur="1000" fill="hold"/>
+                                        <p:tgtEl>
+                                          <p:spTgt spid="9"/>
+                                        </p:tgtEl>
+                                        <p:attrNameLst>
+                                          <p:attrName>ppt_w</p:attrName>
+                                        </p:attrNameLst>
+                                      </p:cBhvr>
+                                      <p:tavLst>
+                                        <p:tav tm="0">
+                                          <p:val>
+                                            <p:strVal val="#ppt_w*0.70"/>
+                                          </p:val>
+                                        </p:tav>
+                                        <p:tav tm="100000">
+                                          <p:val>
+                                            <p:strVal val="#ppt_w"/>
+                                          </p:val>
+                                        </p:tav>
+                                      </p:tavLst>
+                                    </p:anim>
+                                    <p:anim calcmode="lin" valueType="num">
+                                      <p:cBhvr>
+                                        <p:cTn id="13" dur="1000" fill="hold"/>
+                                        <p:tgtEl>
+                                          <p:spTgt spid="9"/>
+                                        </p:tgtEl>
+                                        <p:attrNameLst>
+                                          <p:attrName>ppt_h</p:attrName>
+                                        </p:attrNameLst>
+                                      </p:cBhvr>
+                                      <p:tavLst>
+                                        <p:tav tm="0">
+                                          <p:val>
+                                            <p:strVal val="#ppt_h"/>
+                                          </p:val>
+                                        </p:tav>
+                                        <p:tav tm="100000">
+                                          <p:val>
+                                            <p:strVal val="#ppt_h"/>
+                                          </p:val>
+                                        </p:tav>
+                                      </p:tavLst>
+                                    </p:anim>
+                                    <p:animEffect transition="in" filter="fade">
+                                      <p:cBhvr>
+                                        <p:cTn id="14" dur="1000"/>
+                                        <p:tgtEl>
+                                          <p:spTgt spid="9"/>
+                                        </p:tgtEl>
+                                      </p:cBhvr>
+                                    </p:animEffect>
+                                  </p:childTnLst>
+                                </p:cTn>
+                              </p:par>
+                              <p:par>
+                                <p:cTn id="15" presetID="55" presetClass="entr" presetSubtype="0" fill="hold" grpId="0" nodeType="withEffect">
+                                  <p:stCondLst>
+                                    <p:cond delay="0"/>
+                                  </p:stCondLst>
+                                  <p:childTnLst>
+                                    <p:set>
+                                      <p:cBhvr>
+                                        <p:cTn id="16" dur="1" fill="hold">
+                                          <p:stCondLst>
+                                            <p:cond delay="0"/>
+                                          </p:stCondLst>
+                                        </p:cTn>
+                                        <p:tgtEl>
+                                          <p:spTgt spid="10"/>
+                                        </p:tgtEl>
+                                        <p:attrNameLst>
+                                          <p:attrName>style.visibility</p:attrName>
+                                        </p:attrNameLst>
+                                      </p:cBhvr>
+                                      <p:to>
+                                        <p:strVal val="visible"/>
+                                      </p:to>
+                                    </p:set>
+                                    <p:anim calcmode="lin" valueType="num">
+                                      <p:cBhvr>
+                                        <p:cTn id="17" dur="1000" fill="hold"/>
+                                        <p:tgtEl>
+                                          <p:spTgt spid="10"/>
+                                        </p:tgtEl>
+                                        <p:attrNameLst>
+                                          <p:attrName>ppt_w</p:attrName>
+                                        </p:attrNameLst>
+                                      </p:cBhvr>
+                                      <p:tavLst>
+                                        <p:tav tm="0">
+                                          <p:val>
+                                            <p:strVal val="#ppt_w*0.70"/>
+                                          </p:val>
+                                        </p:tav>
+                                        <p:tav tm="100000">
+                                          <p:val>
+                                            <p:strVal val="#ppt_w"/>
+                                          </p:val>
+                                        </p:tav>
+                                      </p:tavLst>
+                                    </p:anim>
+                                    <p:anim calcmode="lin" valueType="num">
+                                      <p:cBhvr>
+                                        <p:cTn id="18" dur="1000" fill="hold"/>
+                                        <p:tgtEl>
+                                          <p:spTgt spid="10"/>
+                                        </p:tgtEl>
+                                        <p:attrNameLst>
+                                          <p:attrName>ppt_h</p:attrName>
+                                        </p:attrNameLst>
+                                      </p:cBhvr>
+                                      <p:tavLst>
+                                        <p:tav tm="0">
+                                          <p:val>
+                                            <p:strVal val="#ppt_h"/>
+                                          </p:val>
+                                        </p:tav>
+                                        <p:tav tm="100000">
+                                          <p:val>
+                                            <p:strVal val="#ppt_h"/>
+                                          </p:val>
+                                        </p:tav>
+                                      </p:tavLst>
+                                    </p:anim>
+                                    <p:animEffect transition="in" filter="fade">
+                                      <p:cBhvr>
+                                        <p:cTn id="19" dur="1000"/>
+                                        <p:tgtEl>
+                                          <p:spTgt spid="10"/>
+                                        </p:tgtEl>
+                                      </p:cBhvr>
+                                    </p:animEffect>
+                                  </p:childTnLst>
+                                </p:cTn>
+                              </p:par>
+                            </p:childTnLst>
+                          </p:cTn>
+                        </p:par>
+                      </p:childTnLst>
+                    </p:cTn>
+                  </p:par>
+                  <p:par>
+                    <p:cTn id="20" fill="hold">
+                      <p:stCondLst>
+                        <p:cond delay="indefinite"/>
+                      </p:stCondLst>
+                      <p:childTnLst>
+                        <p:par>
+                          <p:cTn id="21" fill="hold">
+                            <p:stCondLst>
+                              <p:cond delay="0"/>
+                            </p:stCondLst>
+                            <p:childTnLst>
+                              <p:par>
+                                <p:cTn id="22" presetID="9" presetClass="entr" presetSubtype="0" fill="hold" grpId="0" nodeType="clickEffect">
+                                  <p:stCondLst>
+                                    <p:cond delay="0"/>
+                                  </p:stCondLst>
+                                  <p:childTnLst>
+                                    <p:set>
+                                      <p:cBhvr>
+                                        <p:cTn id="23" dur="1" fill="hold">
+                                          <p:stCondLst>
+                                            <p:cond delay="0"/>
+                                          </p:stCondLst>
+                                        </p:cTn>
+                                        <p:tgtEl>
+                                          <p:spTgt spid="7"/>
+                                        </p:tgtEl>
+                                        <p:attrNameLst>
+                                          <p:attrName>style.visibility</p:attrName>
+                                        </p:attrNameLst>
+                                      </p:cBhvr>
+                                      <p:to>
+                                        <p:strVal val="visible"/>
+                                      </p:to>
+                                    </p:set>
+                                    <p:animEffect transition="in" filter="dissolve">
+                                      <p:cBhvr>
+                                        <p:cTn id="24" dur="500"/>
+                                        <p:tgtEl>
+                                          <p:spTgt spid="7"/>
+                                        </p:tgtEl>
+                                      </p:cBhvr>
+                                    </p:animEffect>
+                                  </p:childTnLst>
+                                </p:cTn>
+                              </p:par>
+                            </p:childTnLst>
+                          </p:cTn>
+                        </p:par>
+                      </p:childTnLst>
+                    </p:cTn>
+                  </p:par>
+                </p:childTnLst>
+              </p:cTn>
+              <p:prevCondLst>
+                <p:cond evt="onPrev" delay="0">
+                  <p:tgtEl>
+                    <p:sldTgt/>
+                  </p:tgtEl>
+                </p:cond>
+              </p:prevCondLst>
+              <p:nextCondLst>
+                <p:cond evt="onNext" delay="0">
+                  <p:tgtEl>
+                    <p:sldTgt/>
+                  </p:tgtEl>
+                </p:cond>
+              </p:nextCondLst>
+            </p:seq>
+          </p:childTnLst>
+        </p:cTn>
+      </p:par>
+    </p:tnLst>
+    <p:bldLst>
+      <p:bldP spid="6" grpId="0"/>
+      <p:bldP spid="7" grpId="0" animBg="1"/>
+      <p:bldP spid="10" grpId="0" animBg="1"/>
+    </p:bldLst>
+  </p:timing>
+</p:sld>
+</file>
+
+<file path=ppt/slides/slide32.xml><?xml version="1.0" encoding="utf-8"?>
 <p:sld xmlns:a="http://schemas.openxmlformats.org/drawingml/2006/main" xmlns:r="http://schemas.openxmlformats.org/officeDocument/2006/relationships" xmlns:p="http://schemas.openxmlformats.org/presentationml/2006/main">
   <p:cSld>
     <p:spTree>
@@ -18599,7 +19136,7 @@
 </p:sld>
 </file>
 
-<file path=ppt/slides/slide35.xml><?xml version="1.0" encoding="utf-8"?>
+<file path=ppt/slides/slide33.xml><?xml version="1.0" encoding="utf-8"?>
 <p:sld xmlns:a="http://schemas.openxmlformats.org/drawingml/2006/main" xmlns:r="http://schemas.openxmlformats.org/officeDocument/2006/relationships" xmlns:p="http://schemas.openxmlformats.org/presentationml/2006/main">
   <p:cSld>
     <p:spTree>
@@ -18618,6 +19155,215 @@
       </p:grpSpPr>
       <p:sp>
         <p:nvSpPr>
+          <p:cNvPr id="9" name="TextBox 8">
+            <a:extLst>
+              <a:ext uri="{FF2B5EF4-FFF2-40B4-BE49-F238E27FC236}">
+                <a16:creationId xmlns:a16="http://schemas.microsoft.com/office/drawing/2014/main" id="{185E3DF5-060B-DF43-988C-A1B4BE84736D}"/>
+              </a:ext>
+            </a:extLst>
+          </p:cNvPr>
+          <p:cNvSpPr txBox="1"/>
+          <p:nvPr/>
+        </p:nvSpPr>
+        <p:spPr>
+          <a:xfrm>
+            <a:off x="76465" y="5103674"/>
+            <a:ext cx="12005944" cy="1754326"/>
+          </a:xfrm>
+          <a:prstGeom prst="rect">
+            <a:avLst/>
+          </a:prstGeom>
+          <a:noFill/>
+        </p:spPr>
+        <p:txBody>
+          <a:bodyPr wrap="square" rtlCol="0">
+            <a:spAutoFit/>
+          </a:bodyPr>
+          <a:lstStyle/>
+          <a:p>
+            <a:r>
+              <a:rPr lang="en-US" dirty="0">
+                <a:latin typeface="Andale Mono" panose="020B0509000000000004" pitchFamily="49" charset="0"/>
+              </a:rPr>
+              <a:t>&lt;</a:t>
+            </a:r>
+            <a:r>
+              <a:rPr lang="en-US" dirty="0" err="1">
+                <a:latin typeface="Andale Mono" panose="020B0509000000000004" pitchFamily="49" charset="0"/>
+              </a:rPr>
+              <a:t>stmt</a:t>
+            </a:r>
+            <a:r>
+              <a:rPr lang="en-US" dirty="0">
+                <a:latin typeface="Andale Mono" panose="020B0509000000000004" pitchFamily="49" charset="0"/>
+              </a:rPr>
+              <a:t>&gt;:Simple ::= &lt;</a:t>
+            </a:r>
+            <a:r>
+              <a:rPr lang="en-US" dirty="0" err="1">
+                <a:latin typeface="Andale Mono" panose="020B0509000000000004" pitchFamily="49" charset="0"/>
+              </a:rPr>
+              <a:t>simpleStmt</a:t>
+            </a:r>
+            <a:r>
+              <a:rPr lang="en-US" dirty="0">
+                <a:latin typeface="Andale Mono" panose="020B0509000000000004" pitchFamily="49" charset="0"/>
+              </a:rPr>
+              <a:t>&gt; SEMI</a:t>
+            </a:r>
+          </a:p>
+          <a:p>
+            <a:r>
+              <a:rPr lang="en-US" dirty="0">
+                <a:latin typeface="Andale Mono" panose="020B0509000000000004" pitchFamily="49" charset="0"/>
+              </a:rPr>
+              <a:t>&lt;</a:t>
+            </a:r>
+            <a:r>
+              <a:rPr lang="en-US" dirty="0" err="1">
+                <a:latin typeface="Andale Mono" panose="020B0509000000000004" pitchFamily="49" charset="0"/>
+              </a:rPr>
+              <a:t>stmt</a:t>
+            </a:r>
+            <a:r>
+              <a:rPr lang="en-US" dirty="0">
+                <a:latin typeface="Andale Mono" panose="020B0509000000000004" pitchFamily="49" charset="0"/>
+              </a:rPr>
+              <a:t>&gt;:While ::= WHILE LPAREN &lt;expr&gt; RPAREN LBRACE &lt;</a:t>
+            </a:r>
+            <a:r>
+              <a:rPr lang="en-US" dirty="0" err="1">
+                <a:latin typeface="Andale Mono" panose="020B0509000000000004" pitchFamily="49" charset="0"/>
+              </a:rPr>
+              <a:t>stmts</a:t>
+            </a:r>
+            <a:r>
+              <a:rPr lang="en-US" dirty="0">
+                <a:latin typeface="Andale Mono" panose="020B0509000000000004" pitchFamily="49" charset="0"/>
+              </a:rPr>
+              <a:t>&gt; RBRACE</a:t>
+            </a:r>
+          </a:p>
+          <a:p>
+            <a:r>
+              <a:rPr lang="en-US" dirty="0">
+                <a:latin typeface="Andale Mono" panose="020B0509000000000004" pitchFamily="49" charset="0"/>
+              </a:rPr>
+              <a:t>&lt;</a:t>
+            </a:r>
+            <a:r>
+              <a:rPr lang="en-US" dirty="0" err="1">
+                <a:latin typeface="Andale Mono" panose="020B0509000000000004" pitchFamily="49" charset="0"/>
+              </a:rPr>
+              <a:t>stmt</a:t>
+            </a:r>
+            <a:r>
+              <a:rPr lang="en-US" dirty="0">
+                <a:latin typeface="Andale Mono" panose="020B0509000000000004" pitchFamily="49" charset="0"/>
+              </a:rPr>
+              <a:t>&gt;:If ::= IF LPAREN &lt;expr&gt; RPAREN LBRACE &lt;</a:t>
+            </a:r>
+            <a:r>
+              <a:rPr lang="en-US" dirty="0" err="1">
+                <a:latin typeface="Andale Mono" panose="020B0509000000000004" pitchFamily="49" charset="0"/>
+              </a:rPr>
+              <a:t>stmts</a:t>
+            </a:r>
+            <a:r>
+              <a:rPr lang="en-US" dirty="0">
+                <a:latin typeface="Andale Mono" panose="020B0509000000000004" pitchFamily="49" charset="0"/>
+              </a:rPr>
+              <a:t>&gt; RBRACE ELSE LBRACE &lt;</a:t>
+            </a:r>
+            <a:r>
+              <a:rPr lang="en-US" dirty="0" err="1">
+                <a:latin typeface="Andale Mono" panose="020B0509000000000004" pitchFamily="49" charset="0"/>
+              </a:rPr>
+              <a:t>stmts</a:t>
+            </a:r>
+            <a:r>
+              <a:rPr lang="en-US" dirty="0">
+                <a:latin typeface="Andale Mono" panose="020B0509000000000004" pitchFamily="49" charset="0"/>
+              </a:rPr>
+              <a:t>&gt; RBRACE</a:t>
+            </a:r>
+          </a:p>
+          <a:p>
+            <a:r>
+              <a:rPr lang="en-US" dirty="0">
+                <a:latin typeface="Andale Mono" panose="020B0509000000000004" pitchFamily="49" charset="0"/>
+              </a:rPr>
+              <a:t>&lt;</a:t>
+            </a:r>
+            <a:r>
+              <a:rPr lang="en-US" dirty="0" err="1">
+                <a:latin typeface="Andale Mono" panose="020B0509000000000004" pitchFamily="49" charset="0"/>
+              </a:rPr>
+              <a:t>stmts</a:t>
+            </a:r>
+            <a:r>
+              <a:rPr lang="en-US" dirty="0">
+                <a:latin typeface="Andale Mono" panose="020B0509000000000004" pitchFamily="49" charset="0"/>
+              </a:rPr>
+              <a:t>&gt;:None ::= </a:t>
+            </a:r>
+          </a:p>
+          <a:p>
+            <a:r>
+              <a:rPr lang="en-US" dirty="0">
+                <a:latin typeface="Andale Mono" panose="020B0509000000000004" pitchFamily="49" charset="0"/>
+              </a:rPr>
+              <a:t>&lt;</a:t>
+            </a:r>
+            <a:r>
+              <a:rPr lang="en-US" dirty="0" err="1">
+                <a:latin typeface="Andale Mono" panose="020B0509000000000004" pitchFamily="49" charset="0"/>
+              </a:rPr>
+              <a:t>stmts</a:t>
+            </a:r>
+            <a:r>
+              <a:rPr lang="en-US" dirty="0">
+                <a:latin typeface="Andale Mono" panose="020B0509000000000004" pitchFamily="49" charset="0"/>
+              </a:rPr>
+              <a:t>&gt;:More ::= &lt;</a:t>
+            </a:r>
+            <a:r>
+              <a:rPr lang="en-US" dirty="0" err="1">
+                <a:latin typeface="Andale Mono" panose="020B0509000000000004" pitchFamily="49" charset="0"/>
+              </a:rPr>
+              <a:t>stmt</a:t>
+            </a:r>
+            <a:r>
+              <a:rPr lang="en-US" dirty="0">
+                <a:latin typeface="Andale Mono" panose="020B0509000000000004" pitchFamily="49" charset="0"/>
+              </a:rPr>
+              <a:t>&gt; &lt;</a:t>
+            </a:r>
+            <a:r>
+              <a:rPr lang="en-US" dirty="0" err="1">
+                <a:latin typeface="Andale Mono" panose="020B0509000000000004" pitchFamily="49" charset="0"/>
+              </a:rPr>
+              <a:t>stmts</a:t>
+            </a:r>
+            <a:r>
+              <a:rPr lang="en-US" dirty="0">
+                <a:latin typeface="Andale Mono" panose="020B0509000000000004" pitchFamily="49" charset="0"/>
+              </a:rPr>
+              <a:t>&gt;</a:t>
+            </a:r>
+          </a:p>
+          <a:p>
+            <a:r>
+              <a:rPr lang="en-US" dirty="0">
+                <a:latin typeface="Andale Mono" panose="020B0509000000000004" pitchFamily="49" charset="0"/>
+              </a:rPr>
+              <a:t>&lt;expr&gt; ::= …</a:t>
+            </a:r>
+          </a:p>
+        </p:txBody>
+      </p:sp>
+      <p:sp>
+        <p:nvSpPr>
           <p:cNvPr id="2" name="Title 1">
             <a:extLst>
               <a:ext uri="{FF2B5EF4-FFF2-40B4-BE49-F238E27FC236}">
@@ -18662,8 +19408,8 @@
         </p:nvSpPr>
         <p:spPr>
           <a:xfrm>
-            <a:off x="680321" y="2336873"/>
-            <a:ext cx="9613861" cy="2060466"/>
+            <a:off x="824368" y="1992195"/>
+            <a:ext cx="9613861" cy="521618"/>
           </a:xfrm>
         </p:spPr>
         <p:txBody>
@@ -18674,50 +19420,13 @@
           <a:p>
             <a:r>
               <a:rPr lang="en-US" dirty="0"/>
-              <a:t>Given that</a:t>
-            </a:r>
-          </a:p>
-          <a:p>
-            <a:pPr lvl="1"/>
-            <a:r>
-              <a:rPr lang="en-US" dirty="0"/>
-              <a:t>the tokens {LPAREN,RPAREN,IF,ELSE,SEMI} and</a:t>
-            </a:r>
-          </a:p>
-          <a:p>
-            <a:pPr lvl="1"/>
-            <a:r>
-              <a:rPr lang="en-US" dirty="0"/>
-              <a:t>the grammar variables {&lt;expr&gt;,&lt;</a:t>
-            </a:r>
-            <a:r>
-              <a:rPr lang="en-US" dirty="0" err="1"/>
-              <a:t>stmt</a:t>
-            </a:r>
-            <a:r>
-              <a:rPr lang="en-US" dirty="0"/>
-              <a:t>&gt;}</a:t>
-            </a:r>
-          </a:p>
-          <a:p>
-            <a:pPr marL="457200" lvl="1" indent="0">
-              <a:buNone/>
-            </a:pPr>
-            <a:r>
-              <a:rPr lang="en-US" dirty="0"/>
-              <a:t>are already defined,</a:t>
-            </a:r>
-          </a:p>
-          <a:p>
-            <a:r>
-              <a:rPr lang="en-US" dirty="0"/>
               <a:t>Write grammar rules for the classic C/Java </a:t>
             </a:r>
             <a:r>
               <a:rPr lang="en-US" dirty="0">
                 <a:latin typeface="Andale Mono" panose="020B0509000000000004" pitchFamily="49" charset="0"/>
               </a:rPr>
-              <a:t>if</a:t>
+              <a:t>while</a:t>
             </a:r>
             <a:r>
               <a:rPr lang="en-US" dirty="0"/>
@@ -18728,66 +19437,10 @@
       </p:sp>
       <p:sp>
         <p:nvSpPr>
-          <p:cNvPr id="4" name="Date Placeholder 3">
+          <p:cNvPr id="7" name="TextBox 6">
             <a:extLst>
               <a:ext uri="{FF2B5EF4-FFF2-40B4-BE49-F238E27FC236}">
-                <a16:creationId xmlns:a16="http://schemas.microsoft.com/office/drawing/2014/main" id="{F0A9F8FB-BDE5-3947-AAAA-F403438B891D}"/>
-              </a:ext>
-            </a:extLst>
-          </p:cNvPr>
-          <p:cNvSpPr>
-            <a:spLocks noGrp="1"/>
-          </p:cNvSpPr>
-          <p:nvPr>
-            <p:ph type="dt" sz="half" idx="10"/>
-          </p:nvPr>
-        </p:nvSpPr>
-        <p:spPr/>
-        <p:txBody>
-          <a:bodyPr/>
-          <a:lstStyle/>
-          <a:p>
-            <a:r>
-              <a:rPr lang="en-US"/>
-              <a:t>Spring 2020</a:t>
-            </a:r>
-          </a:p>
-        </p:txBody>
-      </p:sp>
-      <p:sp>
-        <p:nvSpPr>
-          <p:cNvPr id="5" name="Footer Placeholder 4">
-            <a:extLst>
-              <a:ext uri="{FF2B5EF4-FFF2-40B4-BE49-F238E27FC236}">
-                <a16:creationId xmlns:a16="http://schemas.microsoft.com/office/drawing/2014/main" id="{BB26CC89-FDC4-584A-A6D0-1464992B356A}"/>
-              </a:ext>
-            </a:extLst>
-          </p:cNvPr>
-          <p:cNvSpPr>
-            <a:spLocks noGrp="1"/>
-          </p:cNvSpPr>
-          <p:nvPr>
-            <p:ph type="ftr" sz="quarter" idx="11"/>
-          </p:nvPr>
-        </p:nvSpPr>
-        <p:spPr/>
-        <p:txBody>
-          <a:bodyPr/>
-          <a:lstStyle/>
-          <a:p>
-            <a:r>
-              <a:rPr lang="en-US"/>
-              <a:t>CSCI 344</a:t>
-            </a:r>
-          </a:p>
-        </p:txBody>
-      </p:sp>
-      <p:sp>
-        <p:nvSpPr>
-          <p:cNvPr id="6" name="TextBox 5">
-            <a:extLst>
-              <a:ext uri="{FF2B5EF4-FFF2-40B4-BE49-F238E27FC236}">
-                <a16:creationId xmlns:a16="http://schemas.microsoft.com/office/drawing/2014/main" id="{2696C675-F64B-6744-964C-25588DB1DD70}"/>
+                <a16:creationId xmlns:a16="http://schemas.microsoft.com/office/drawing/2014/main" id="{36C89BF5-61B2-2D4D-8791-24F3A9BD7858}"/>
               </a:ext>
             </a:extLst>
           </p:cNvPr>
@@ -18796,8 +19449,132 @@
         </p:nvSpPr>
         <p:spPr>
           <a:xfrm>
-            <a:off x="1335640" y="4623371"/>
-            <a:ext cx="8318303" cy="923330"/>
+            <a:off x="5865503" y="3322509"/>
+            <a:ext cx="6112571" cy="1754326"/>
+          </a:xfrm>
+          <a:prstGeom prst="rect">
+            <a:avLst/>
+          </a:prstGeom>
+          <a:noFill/>
+          <a:ln>
+            <a:solidFill>
+              <a:srgbClr val="FFFF00"/>
+            </a:solidFill>
+          </a:ln>
+        </p:spPr>
+        <p:txBody>
+          <a:bodyPr wrap="none" rtlCol="0">
+            <a:spAutoFit/>
+          </a:bodyPr>
+          <a:lstStyle/>
+          <a:p>
+            <a:r>
+              <a:rPr lang="en-US" dirty="0">
+                <a:latin typeface="Andale Mono" panose="020B0509000000000004" pitchFamily="49" charset="0"/>
+              </a:rPr>
+              <a:t>while ( EXPR ) {</a:t>
+            </a:r>
+          </a:p>
+          <a:p>
+            <a:r>
+              <a:rPr lang="en-US" dirty="0">
+                <a:latin typeface="Andale Mono" panose="020B0509000000000004" pitchFamily="49" charset="0"/>
+              </a:rPr>
+              <a:t>    STMT ;</a:t>
+            </a:r>
+          </a:p>
+          <a:p>
+            <a:r>
+              <a:rPr lang="en-US" dirty="0">
+                <a:latin typeface="Andale Mono" panose="020B0509000000000004" pitchFamily="49" charset="0"/>
+              </a:rPr>
+              <a:t>    while ( EXPR ) { STMT ; STMT ; STMT ; }</a:t>
+            </a:r>
+          </a:p>
+          <a:p>
+            <a:r>
+              <a:rPr lang="en-US" dirty="0">
+                <a:latin typeface="Andale Mono" panose="020B0509000000000004" pitchFamily="49" charset="0"/>
+              </a:rPr>
+              <a:t>    STMT ;</a:t>
+            </a:r>
+          </a:p>
+          <a:p>
+            <a:r>
+              <a:rPr lang="en-US" dirty="0">
+                <a:latin typeface="Andale Mono" panose="020B0509000000000004" pitchFamily="49" charset="0"/>
+              </a:rPr>
+              <a:t>    STMT ;</a:t>
+            </a:r>
+          </a:p>
+          <a:p>
+            <a:r>
+              <a:rPr lang="en-US" dirty="0">
+                <a:latin typeface="Andale Mono" panose="020B0509000000000004" pitchFamily="49" charset="0"/>
+              </a:rPr>
+              <a:t>}</a:t>
+            </a:r>
+          </a:p>
+        </p:txBody>
+      </p:sp>
+      <p:sp>
+        <p:nvSpPr>
+          <p:cNvPr id="8" name="TextBox 7">
+            <a:extLst>
+              <a:ext uri="{FF2B5EF4-FFF2-40B4-BE49-F238E27FC236}">
+                <a16:creationId xmlns:a16="http://schemas.microsoft.com/office/drawing/2014/main" id="{F3E0575E-A11E-044D-929C-317B9D867DD6}"/>
+              </a:ext>
+            </a:extLst>
+          </p:cNvPr>
+          <p:cNvSpPr txBox="1"/>
+          <p:nvPr/>
+        </p:nvSpPr>
+        <p:spPr>
+          <a:xfrm>
+            <a:off x="7187999" y="2628923"/>
+            <a:ext cx="2666114" cy="369332"/>
+          </a:xfrm>
+          <a:prstGeom prst="rect">
+            <a:avLst/>
+          </a:prstGeom>
+          <a:noFill/>
+          <a:ln>
+            <a:solidFill>
+              <a:srgbClr val="FFFF00"/>
+            </a:solidFill>
+          </a:ln>
+        </p:spPr>
+        <p:txBody>
+          <a:bodyPr wrap="none" rtlCol="0">
+            <a:spAutoFit/>
+          </a:bodyPr>
+          <a:lstStyle/>
+          <a:p>
+            <a:r>
+              <a:rPr lang="en-US" dirty="0">
+                <a:latin typeface="Andale Mono" panose="020B0509000000000004" pitchFamily="49" charset="0"/>
+              </a:rPr>
+              <a:t>while(EXPR){STMT;}</a:t>
+            </a:r>
+          </a:p>
+        </p:txBody>
+      </p:sp>
+      <p:sp>
+        <p:nvSpPr>
+          <p:cNvPr id="11" name="TextBox 10">
+            <a:extLst>
+              <a:ext uri="{FF2B5EF4-FFF2-40B4-BE49-F238E27FC236}">
+                <a16:creationId xmlns:a16="http://schemas.microsoft.com/office/drawing/2014/main" id="{E9DF214C-AAF0-4647-95FD-AABA22FB6EB7}"/>
+              </a:ext>
+            </a:extLst>
+          </p:cNvPr>
+          <p:cNvSpPr txBox="1"/>
+          <p:nvPr/>
+        </p:nvSpPr>
+        <p:spPr>
+          <a:xfrm>
+            <a:off x="2232561" y="3550722"/>
+            <a:ext cx="2848857" cy="923330"/>
           </a:xfrm>
           <a:prstGeom prst="rect">
             <a:avLst/>
@@ -18811,217 +19588,58 @@
           <a:lstStyle/>
           <a:p>
             <a:r>
-              <a:rPr lang="en-US" dirty="0">
-                <a:latin typeface="Andale Mono" panose="020B0509000000000004" pitchFamily="49" charset="0"/>
-              </a:rPr>
-              <a:t>&lt;</a:t>
-            </a:r>
-            <a:r>
-              <a:rPr lang="en-US" dirty="0" err="1">
-                <a:latin typeface="Andale Mono" panose="020B0509000000000004" pitchFamily="49" charset="0"/>
-              </a:rPr>
-              <a:t>stmt</a:t>
-            </a:r>
-            <a:r>
-              <a:rPr lang="en-US" dirty="0">
-                <a:latin typeface="Andale Mono" panose="020B0509000000000004" pitchFamily="49" charset="0"/>
-              </a:rPr>
-              <a:t>&gt;:</a:t>
-            </a:r>
-            <a:r>
-              <a:rPr lang="en-US" dirty="0" err="1">
-                <a:latin typeface="Andale Mono" panose="020B0509000000000004" pitchFamily="49" charset="0"/>
-              </a:rPr>
-              <a:t>ifStmt</a:t>
-            </a:r>
-            <a:r>
-              <a:rPr lang="en-US" dirty="0">
-                <a:latin typeface="Andale Mono" panose="020B0509000000000004" pitchFamily="49" charset="0"/>
-              </a:rPr>
-              <a:t> ::= IF LPAREN &lt;expr&gt; RPAREN &lt;</a:t>
-            </a:r>
-            <a:r>
-              <a:rPr lang="en-US" dirty="0" err="1">
-                <a:latin typeface="Andale Mono" panose="020B0509000000000004" pitchFamily="49" charset="0"/>
-              </a:rPr>
-              <a:t>stmt</a:t>
-            </a:r>
-            <a:r>
-              <a:rPr lang="en-US" dirty="0">
-                <a:latin typeface="Andale Mono" panose="020B0509000000000004" pitchFamily="49" charset="0"/>
-              </a:rPr>
-              <a:t>&gt; &lt;</a:t>
-            </a:r>
-            <a:r>
-              <a:rPr lang="en-US" dirty="0" err="1">
-                <a:latin typeface="Andale Mono" panose="020B0509000000000004" pitchFamily="49" charset="0"/>
-              </a:rPr>
-              <a:t>elsePart</a:t>
-            </a:r>
-            <a:r>
-              <a:rPr lang="en-US" dirty="0">
-                <a:latin typeface="Andale Mono" panose="020B0509000000000004" pitchFamily="49" charset="0"/>
-              </a:rPr>
-              <a:t>&gt;</a:t>
-            </a:r>
-          </a:p>
-          <a:p>
-            <a:r>
-              <a:rPr lang="en-US" dirty="0">
-                <a:latin typeface="Andale Mono" panose="020B0509000000000004" pitchFamily="49" charset="0"/>
-              </a:rPr>
-              <a:t>&lt;</a:t>
-            </a:r>
-            <a:r>
-              <a:rPr lang="en-US" dirty="0" err="1">
-                <a:latin typeface="Andale Mono" panose="020B0509000000000004" pitchFamily="49" charset="0"/>
-              </a:rPr>
-              <a:t>elsePart</a:t>
-            </a:r>
-            <a:r>
-              <a:rPr lang="en-US" dirty="0">
-                <a:latin typeface="Andale Mono" panose="020B0509000000000004" pitchFamily="49" charset="0"/>
-              </a:rPr>
-              <a:t>&gt;:</a:t>
-            </a:r>
-            <a:r>
-              <a:rPr lang="en-US" dirty="0" err="1">
-                <a:latin typeface="Andale Mono" panose="020B0509000000000004" pitchFamily="49" charset="0"/>
-              </a:rPr>
-              <a:t>RealElse</a:t>
-            </a:r>
-            <a:r>
-              <a:rPr lang="en-US" dirty="0">
-                <a:latin typeface="Andale Mono" panose="020B0509000000000004" pitchFamily="49" charset="0"/>
-              </a:rPr>
-              <a:t> ::= ELSE &lt;</a:t>
-            </a:r>
-            <a:r>
-              <a:rPr lang="en-US" dirty="0" err="1">
-                <a:latin typeface="Andale Mono" panose="020B0509000000000004" pitchFamily="49" charset="0"/>
-              </a:rPr>
-              <a:t>stmt</a:t>
-            </a:r>
-            <a:r>
-              <a:rPr lang="en-US" dirty="0">
-                <a:latin typeface="Andale Mono" panose="020B0509000000000004" pitchFamily="49" charset="0"/>
-              </a:rPr>
-              <a:t>&gt;</a:t>
-            </a:r>
-          </a:p>
-          <a:p>
-            <a:r>
-              <a:rPr lang="en-US" dirty="0">
-                <a:latin typeface="Andale Mono" panose="020B0509000000000004" pitchFamily="49" charset="0"/>
-              </a:rPr>
-              <a:t>&lt;</a:t>
-            </a:r>
-            <a:r>
-              <a:rPr lang="en-US" dirty="0" err="1">
-                <a:latin typeface="Andale Mono" panose="020B0509000000000004" pitchFamily="49" charset="0"/>
-              </a:rPr>
-              <a:t>elsePart</a:t>
-            </a:r>
-            <a:r>
-              <a:rPr lang="en-US" dirty="0">
-                <a:latin typeface="Andale Mono" panose="020B0509000000000004" pitchFamily="49" charset="0"/>
-              </a:rPr>
-              <a:t>&gt;:</a:t>
-            </a:r>
-            <a:r>
-              <a:rPr lang="en-US" dirty="0" err="1">
-                <a:latin typeface="Andale Mono" panose="020B0509000000000004" pitchFamily="49" charset="0"/>
-              </a:rPr>
-              <a:t>NoElse</a:t>
-            </a:r>
-            <a:r>
-              <a:rPr lang="en-US" dirty="0">
-                <a:latin typeface="Andale Mono" panose="020B0509000000000004" pitchFamily="49" charset="0"/>
-              </a:rPr>
-              <a:t> ::=</a:t>
-            </a:r>
-          </a:p>
-        </p:txBody>
-      </p:sp>
-      <p:sp>
-        <p:nvSpPr>
-          <p:cNvPr id="7" name="Rectangle 6">
+              <a:rPr lang="en-US" dirty="0"/>
+              <a:t>Examples:</a:t>
+            </a:r>
+          </a:p>
+          <a:p>
+            <a:pPr marL="285750" indent="-285750">
+              <a:buFont typeface="Arial" panose="020B0604020202020204" pitchFamily="34" charset="0"/>
+              <a:buChar char="•"/>
+            </a:pPr>
+            <a:r>
+              <a:rPr lang="en-US" dirty="0"/>
+              <a:t>assignment statements</a:t>
+            </a:r>
+          </a:p>
+          <a:p>
+            <a:pPr marL="285750" indent="-285750">
+              <a:buFont typeface="Arial" panose="020B0604020202020204" pitchFamily="34" charset="0"/>
+              <a:buChar char="•"/>
+            </a:pPr>
+            <a:r>
+              <a:rPr lang="en-US" dirty="0"/>
+              <a:t>function/method calls</a:t>
+            </a:r>
+          </a:p>
+        </p:txBody>
+      </p:sp>
+      <p:cxnSp>
+        <p:nvCxnSpPr>
+          <p:cNvPr id="13" name="Curved Connector 12">
             <a:extLst>
               <a:ext uri="{FF2B5EF4-FFF2-40B4-BE49-F238E27FC236}">
-                <a16:creationId xmlns:a16="http://schemas.microsoft.com/office/drawing/2014/main" id="{74D02067-E2EC-2244-B248-9775606528AF}"/>
+                <a16:creationId xmlns:a16="http://schemas.microsoft.com/office/drawing/2014/main" id="{EB12FCE2-4297-764A-BAAF-79FEF1C10C1F}"/>
               </a:ext>
             </a:extLst>
           </p:cNvPr>
-          <p:cNvSpPr/>
-          <p:nvPr/>
-        </p:nvSpPr>
-        <p:spPr>
-          <a:xfrm>
-            <a:off x="1094274" y="4180424"/>
-            <a:ext cx="10508721" cy="1859133"/>
-          </a:xfrm>
-          <a:prstGeom prst="rect">
-            <a:avLst/>
-          </a:prstGeom>
-          <a:solidFill>
-            <a:schemeClr val="bg2">
-              <a:lumMod val="60000"/>
-              <a:lumOff val="40000"/>
-            </a:schemeClr>
-          </a:solidFill>
-          <a:ln>
-            <a:noFill/>
-          </a:ln>
-        </p:spPr>
-        <p:style>
-          <a:lnRef idx="2">
-            <a:schemeClr val="accent1">
-              <a:shade val="50000"/>
-            </a:schemeClr>
-          </a:lnRef>
-          <a:fillRef idx="1">
-            <a:schemeClr val="accent1"/>
-          </a:fillRef>
-          <a:effectRef idx="0">
-            <a:schemeClr val="accent1"/>
-          </a:effectRef>
-          <a:fontRef idx="minor">
-            <a:schemeClr val="lt1"/>
-          </a:fontRef>
-        </p:style>
-        <p:txBody>
-          <a:bodyPr rtlCol="0" anchor="ctr"/>
-          <a:lstStyle/>
-          <a:p>
-            <a:pPr algn="ctr"/>
-            <a:endParaRPr lang="en-US"/>
-          </a:p>
-        </p:txBody>
-      </p:sp>
-      <p:cxnSp>
-        <p:nvCxnSpPr>
-          <p:cNvPr id="9" name="Straight Connector 8">
-            <a:extLst>
-              <a:ext uri="{FF2B5EF4-FFF2-40B4-BE49-F238E27FC236}">
-                <a16:creationId xmlns:a16="http://schemas.microsoft.com/office/drawing/2014/main" id="{82472ED6-2B8F-9845-B00C-B3C4897C84C8}"/>
-              </a:ext>
-            </a:extLst>
-          </p:cNvPr>
-          <p:cNvCxnSpPr/>
+          <p:cNvCxnSpPr>
+            <a:cxnSpLocks/>
+          </p:cNvCxnSpPr>
           <p:nvPr/>
         </p:nvCxnSpPr>
         <p:spPr>
-          <a:xfrm flipV="1">
-            <a:off x="680321" y="4233884"/>
-            <a:ext cx="9464576" cy="1538849"/>
+          <a:xfrm rot="16200000" flipH="1">
+            <a:off x="4347801" y="4579502"/>
+            <a:ext cx="602780" cy="391883"/>
           </a:xfrm>
-          <a:prstGeom prst="line">
-            <a:avLst/>
+          <a:prstGeom prst="curvedConnector3">
+            <a:avLst>
+              <a:gd name="adj1" fmla="val 50000"/>
+            </a:avLst>
           </a:prstGeom>
-          <a:ln w="101600">
-            <a:solidFill>
-              <a:srgbClr val="FF0000"/>
-            </a:solidFill>
+          <a:ln w="28575">
+            <a:tailEnd type="triangle"/>
           </a:ln>
         </p:spPr>
         <p:style>
@@ -19039,61 +19657,10 @@
           </a:fontRef>
         </p:style>
       </p:cxnSp>
-      <p:sp>
-        <p:nvSpPr>
-          <p:cNvPr id="10" name="TextBox 9">
-            <a:extLst>
-              <a:ext uri="{FF2B5EF4-FFF2-40B4-BE49-F238E27FC236}">
-                <a16:creationId xmlns:a16="http://schemas.microsoft.com/office/drawing/2014/main" id="{9DABAF62-4DEE-9C4D-9FF8-B396325D51D0}"/>
-              </a:ext>
-            </a:extLst>
-          </p:cNvPr>
-          <p:cNvSpPr txBox="1"/>
-          <p:nvPr/>
-        </p:nvSpPr>
-        <p:spPr>
-          <a:xfrm>
-            <a:off x="9749481" y="4786826"/>
-            <a:ext cx="1712328" cy="646331"/>
-          </a:xfrm>
-          <a:prstGeom prst="rect">
-            <a:avLst/>
-          </a:prstGeom>
-          <a:solidFill>
-            <a:schemeClr val="tx1"/>
-          </a:solidFill>
-        </p:spPr>
-        <p:txBody>
-          <a:bodyPr wrap="none" rtlCol="0">
-            <a:spAutoFit/>
-          </a:bodyPr>
-          <a:lstStyle/>
-          <a:p>
-            <a:r>
-              <a:rPr lang="en-US" dirty="0">
-                <a:solidFill>
-                  <a:srgbClr val="FF0000"/>
-                </a:solidFill>
-              </a:rPr>
-              <a:t>Ambiguous—</a:t>
-            </a:r>
-          </a:p>
-          <a:p>
-            <a:r>
-              <a:rPr lang="en-US" dirty="0">
-                <a:solidFill>
-                  <a:srgbClr val="FF0000"/>
-                </a:solidFill>
-              </a:rPr>
-              <a:t>Doesn’t work!!</a:t>
-            </a:r>
-          </a:p>
-        </p:txBody>
-      </p:sp>
     </p:spTree>
     <p:extLst>
       <p:ext uri="{BB962C8B-B14F-4D97-AF65-F5344CB8AC3E}">
-        <p14:creationId xmlns:p14="http://schemas.microsoft.com/office/powerpoint/2010/main" val="1415759923"/>
+        <p14:creationId xmlns:p14="http://schemas.microsoft.com/office/powerpoint/2010/main" val="3754929204"/>
       </p:ext>
     </p:extLst>
   </p:cSld>
@@ -19123,7 +19690,7 @@
                               <p:par>
                                 <p:cTn id="5" presetID="9" presetClass="entr" presetSubtype="0" fill="hold" grpId="0" nodeType="clickEffect">
                                   <p:stCondLst>
-                                    <p:cond delay="2000"/>
+                                    <p:cond delay="0"/>
                                   </p:stCondLst>
                                   <p:childTnLst>
                                     <p:set>
@@ -19134,7 +19701,7 @@
                                           </p:stCondLst>
                                         </p:cTn>
                                         <p:tgtEl>
-                                          <p:spTgt spid="6"/>
+                                          <p:spTgt spid="11"/>
                                         </p:tgtEl>
                                         <p:attrNameLst>
                                           <p:attrName>style.visibility</p:attrName>
@@ -19146,108 +19713,9 @@
                                     </p:set>
                                     <p:animEffect transition="in" filter="dissolve">
                                       <p:cBhvr>
-                                        <p:cTn id="7" dur="10000"/>
+                                        <p:cTn id="7" dur="500"/>
                                         <p:tgtEl>
-                                          <p:spTgt spid="6"/>
-                                        </p:tgtEl>
-                                      </p:cBhvr>
-                                    </p:animEffect>
-                                  </p:childTnLst>
-                                </p:cTn>
-                              </p:par>
-                            </p:childTnLst>
-                          </p:cTn>
-                        </p:par>
-                      </p:childTnLst>
-                    </p:cTn>
-                  </p:par>
-                  <p:par>
-                    <p:cTn id="8" fill="hold">
-                      <p:stCondLst>
-                        <p:cond delay="indefinite"/>
-                      </p:stCondLst>
-                      <p:childTnLst>
-                        <p:par>
-                          <p:cTn id="9" fill="hold">
-                            <p:stCondLst>
-                              <p:cond delay="0"/>
-                            </p:stCondLst>
-                            <p:childTnLst>
-                              <p:par>
-                                <p:cTn id="10" presetID="55" presetClass="entr" presetSubtype="0" fill="hold" nodeType="clickEffect">
-                                  <p:stCondLst>
-                                    <p:cond delay="0"/>
-                                  </p:stCondLst>
-                                  <p:childTnLst>
-                                    <p:set>
-                                      <p:cBhvr>
-                                        <p:cTn id="11" dur="1" fill="hold">
-                                          <p:stCondLst>
-                                            <p:cond delay="0"/>
-                                          </p:stCondLst>
-                                        </p:cTn>
-                                        <p:tgtEl>
-                                          <p:spTgt spid="9"/>
-                                        </p:tgtEl>
-                                        <p:attrNameLst>
-                                          <p:attrName>style.visibility</p:attrName>
-                                        </p:attrNameLst>
-                                      </p:cBhvr>
-                                      <p:to>
-                                        <p:strVal val="visible"/>
-                                      </p:to>
-                                    </p:set>
-                                    <p:anim calcmode="lin" valueType="num">
-                                      <p:cBhvr>
-                                        <p:cTn id="12" dur="1000" fill="hold"/>
-                                        <p:tgtEl>
-                                          <p:spTgt spid="9"/>
-                                        </p:tgtEl>
-                                        <p:attrNameLst>
-                                          <p:attrName>ppt_w</p:attrName>
-                                        </p:attrNameLst>
-                                      </p:cBhvr>
-                                      <p:tavLst>
-                                        <p:tav tm="0">
-                                          <p:val>
-                                            <p:strVal val="#ppt_w*0.70"/>
-                                          </p:val>
-                                        </p:tav>
-                                        <p:tav tm="100000">
-                                          <p:val>
-                                            <p:strVal val="#ppt_w"/>
-                                          </p:val>
-                                        </p:tav>
-                                      </p:tavLst>
-                                    </p:anim>
-                                    <p:anim calcmode="lin" valueType="num">
-                                      <p:cBhvr>
-                                        <p:cTn id="13" dur="1000" fill="hold"/>
-                                        <p:tgtEl>
-                                          <p:spTgt spid="9"/>
-                                        </p:tgtEl>
-                                        <p:attrNameLst>
-                                          <p:attrName>ppt_h</p:attrName>
-                                        </p:attrNameLst>
-                                      </p:cBhvr>
-                                      <p:tavLst>
-                                        <p:tav tm="0">
-                                          <p:val>
-                                            <p:strVal val="#ppt_h"/>
-                                          </p:val>
-                                        </p:tav>
-                                        <p:tav tm="100000">
-                                          <p:val>
-                                            <p:strVal val="#ppt_h"/>
-                                          </p:val>
-                                        </p:tav>
-                                      </p:tavLst>
-                                    </p:anim>
-                                    <p:animEffect transition="in" filter="fade">
-                                      <p:cBhvr>
-                                        <p:cTn id="14" dur="1000"/>
-                                        <p:tgtEl>
-                                          <p:spTgt spid="9"/>
+                                          <p:spTgt spid="11"/>
                                         </p:tgtEl>
                                       </p:cBhvr>
                                     </p:animEffect>
@@ -19255,119 +19723,20 @@
                                 </p:cTn>
                               </p:par>
                               <p:par>
-                                <p:cTn id="15" presetID="55" presetClass="entr" presetSubtype="0" fill="hold" grpId="0" nodeType="withEffect">
+                                <p:cTn id="8" presetID="9" presetClass="entr" presetSubtype="0" fill="hold" nodeType="withEffect">
                                   <p:stCondLst>
                                     <p:cond delay="0"/>
                                   </p:stCondLst>
                                   <p:childTnLst>
                                     <p:set>
                                       <p:cBhvr>
-                                        <p:cTn id="16" dur="1" fill="hold">
+                                        <p:cTn id="9" dur="1" fill="hold">
                                           <p:stCondLst>
                                             <p:cond delay="0"/>
                                           </p:stCondLst>
                                         </p:cTn>
                                         <p:tgtEl>
-                                          <p:spTgt spid="10"/>
-                                        </p:tgtEl>
-                                        <p:attrNameLst>
-                                          <p:attrName>style.visibility</p:attrName>
-                                        </p:attrNameLst>
-                                      </p:cBhvr>
-                                      <p:to>
-                                        <p:strVal val="visible"/>
-                                      </p:to>
-                                    </p:set>
-                                    <p:anim calcmode="lin" valueType="num">
-                                      <p:cBhvr>
-                                        <p:cTn id="17" dur="1000" fill="hold"/>
-                                        <p:tgtEl>
-                                          <p:spTgt spid="10"/>
-                                        </p:tgtEl>
-                                        <p:attrNameLst>
-                                          <p:attrName>ppt_w</p:attrName>
-                                        </p:attrNameLst>
-                                      </p:cBhvr>
-                                      <p:tavLst>
-                                        <p:tav tm="0">
-                                          <p:val>
-                                            <p:strVal val="#ppt_w*0.70"/>
-                                          </p:val>
-                                        </p:tav>
-                                        <p:tav tm="100000">
-                                          <p:val>
-                                            <p:strVal val="#ppt_w"/>
-                                          </p:val>
-                                        </p:tav>
-                                      </p:tavLst>
-                                    </p:anim>
-                                    <p:anim calcmode="lin" valueType="num">
-                                      <p:cBhvr>
-                                        <p:cTn id="18" dur="1000" fill="hold"/>
-                                        <p:tgtEl>
-                                          <p:spTgt spid="10"/>
-                                        </p:tgtEl>
-                                        <p:attrNameLst>
-                                          <p:attrName>ppt_h</p:attrName>
-                                        </p:attrNameLst>
-                                      </p:cBhvr>
-                                      <p:tavLst>
-                                        <p:tav tm="0">
-                                          <p:val>
-                                            <p:strVal val="#ppt_h"/>
-                                          </p:val>
-                                        </p:tav>
-                                        <p:tav tm="100000">
-                                          <p:val>
-                                            <p:strVal val="#ppt_h"/>
-                                          </p:val>
-                                        </p:tav>
-                                      </p:tavLst>
-                                    </p:anim>
-                                    <p:animEffect transition="in" filter="fade">
-                                      <p:cBhvr>
-                                        <p:cTn id="19" dur="1000"/>
-                                        <p:tgtEl>
-                                          <p:spTgt spid="10"/>
-                                        </p:tgtEl>
-                                      </p:cBhvr>
-                                    </p:animEffect>
-                                  </p:childTnLst>
-                                </p:cTn>
-                              </p:par>
-                            </p:childTnLst>
-                          </p:cTn>
-                        </p:par>
-                      </p:childTnLst>
-                    </p:cTn>
-                  </p:par>
-                  <p:par>
-                    <p:cTn id="20" fill="hold">
-                      <p:stCondLst>
-                        <p:cond delay="indefinite"/>
-                      </p:stCondLst>
-                      <p:childTnLst>
-                        <p:par>
-                          <p:cTn id="21" fill="hold">
-                            <p:stCondLst>
-                              <p:cond delay="0"/>
-                            </p:stCondLst>
-                            <p:childTnLst>
-                              <p:par>
-                                <p:cTn id="22" presetID="9" presetClass="entr" presetSubtype="0" fill="hold" grpId="0" nodeType="clickEffect">
-                                  <p:stCondLst>
-                                    <p:cond delay="0"/>
-                                  </p:stCondLst>
-                                  <p:childTnLst>
-                                    <p:set>
-                                      <p:cBhvr>
-                                        <p:cTn id="23" dur="1" fill="hold">
-                                          <p:stCondLst>
-                                            <p:cond delay="0"/>
-                                          </p:stCondLst>
-                                        </p:cTn>
-                                        <p:tgtEl>
-                                          <p:spTgt spid="7"/>
+                                          <p:spTgt spid="13"/>
                                         </p:tgtEl>
                                         <p:attrNameLst>
                                           <p:attrName>style.visibility</p:attrName>
@@ -19379,9 +19748,9 @@
                                     </p:set>
                                     <p:animEffect transition="in" filter="dissolve">
                                       <p:cBhvr>
-                                        <p:cTn id="24" dur="500"/>
+                                        <p:cTn id="10" dur="500"/>
                                         <p:tgtEl>
-                                          <p:spTgt spid="7"/>
+                                          <p:spTgt spid="13"/>
                                         </p:tgtEl>
                                       </p:cBhvr>
                                     </p:animEffect>
@@ -19416,827 +19785,13 @@
       </p:par>
     </p:tnLst>
     <p:bldLst>
-      <p:bldP spid="6" grpId="0"/>
-      <p:bldP spid="7" grpId="0" animBg="1"/>
-      <p:bldP spid="10" grpId="0" animBg="1"/>
+      <p:bldP spid="11" grpId="0"/>
     </p:bldLst>
   </p:timing>
 </p:sld>
 </file>
 
 <file path=ppt/slides/slide4.xml><?xml version="1.0" encoding="utf-8"?>
-<p:sld xmlns:a="http://schemas.openxmlformats.org/drawingml/2006/main" xmlns:r="http://schemas.openxmlformats.org/officeDocument/2006/relationships" xmlns:p="http://schemas.openxmlformats.org/presentationml/2006/main">
-  <p:cSld>
-    <p:spTree>
-      <p:nvGrpSpPr>
-        <p:cNvPr id="1" name=""/>
-        <p:cNvGrpSpPr/>
-        <p:nvPr/>
-      </p:nvGrpSpPr>
-      <p:grpSpPr>
-        <a:xfrm>
-          <a:off x="0" y="0"/>
-          <a:ext cx="0" cy="0"/>
-          <a:chOff x="0" y="0"/>
-          <a:chExt cx="0" cy="0"/>
-        </a:xfrm>
-      </p:grpSpPr>
-      <p:sp>
-        <p:nvSpPr>
-          <p:cNvPr id="2" name="Title 1">
-            <a:extLst>
-              <a:ext uri="{FF2B5EF4-FFF2-40B4-BE49-F238E27FC236}">
-                <a16:creationId xmlns:a16="http://schemas.microsoft.com/office/drawing/2014/main" id="{33164C76-1BCD-3E4D-B9CF-284BE4960D17}"/>
-              </a:ext>
-            </a:extLst>
-          </p:cNvPr>
-          <p:cNvSpPr>
-            <a:spLocks noGrp="1"/>
-          </p:cNvSpPr>
-          <p:nvPr>
-            <p:ph type="ctrTitle"/>
-          </p:nvPr>
-        </p:nvSpPr>
-        <p:spPr/>
-        <p:txBody>
-          <a:bodyPr/>
-          <a:lstStyle/>
-          <a:p>
-            <a:r>
-              <a:rPr lang="en-US" dirty="0"/>
-              <a:t>Beginners’ PLCC</a:t>
-            </a:r>
-          </a:p>
-        </p:txBody>
-      </p:sp>
-      <p:sp>
-        <p:nvSpPr>
-          <p:cNvPr id="3" name="Subtitle 2">
-            <a:extLst>
-              <a:ext uri="{FF2B5EF4-FFF2-40B4-BE49-F238E27FC236}">
-                <a16:creationId xmlns:a16="http://schemas.microsoft.com/office/drawing/2014/main" id="{B3D1FB68-F2F8-C747-876D-CC860699228D}"/>
-              </a:ext>
-            </a:extLst>
-          </p:cNvPr>
-          <p:cNvSpPr>
-            <a:spLocks noGrp="1"/>
-          </p:cNvSpPr>
-          <p:nvPr>
-            <p:ph type="subTitle" idx="1"/>
-          </p:nvPr>
-        </p:nvSpPr>
-        <p:spPr/>
-        <p:txBody>
-          <a:bodyPr/>
-          <a:lstStyle/>
-          <a:p>
-            <a:r>
-              <a:rPr lang="en-US" dirty="0"/>
-              <a:t>Getting started using the tool</a:t>
-            </a:r>
-          </a:p>
-          <a:p>
-            <a:r>
-              <a:rPr lang="en-US" dirty="0"/>
-              <a:t>Spring 2020</a:t>
-            </a:r>
-          </a:p>
-        </p:txBody>
-      </p:sp>
-    </p:spTree>
-    <p:extLst>
-      <p:ext uri="{BB962C8B-B14F-4D97-AF65-F5344CB8AC3E}">
-        <p14:creationId xmlns:p14="http://schemas.microsoft.com/office/powerpoint/2010/main" val="2205601836"/>
-      </p:ext>
-    </p:extLst>
-  </p:cSld>
-  <p:clrMapOvr>
-    <a:masterClrMapping/>
-  </p:clrMapOvr>
-</p:sld>
-</file>
-
-<file path=ppt/slides/slide5.xml><?xml version="1.0" encoding="utf-8"?>
-<p:sld xmlns:a="http://schemas.openxmlformats.org/drawingml/2006/main" xmlns:r="http://schemas.openxmlformats.org/officeDocument/2006/relationships" xmlns:p="http://schemas.openxmlformats.org/presentationml/2006/main">
-  <p:cSld>
-    <p:spTree>
-      <p:nvGrpSpPr>
-        <p:cNvPr id="1" name=""/>
-        <p:cNvGrpSpPr/>
-        <p:nvPr/>
-      </p:nvGrpSpPr>
-      <p:grpSpPr>
-        <a:xfrm>
-          <a:off x="0" y="0"/>
-          <a:ext cx="0" cy="0"/>
-          <a:chOff x="0" y="0"/>
-          <a:chExt cx="0" cy="0"/>
-        </a:xfrm>
-      </p:grpSpPr>
-      <p:sp>
-        <p:nvSpPr>
-          <p:cNvPr id="2" name="Title 1">
-            <a:extLst>
-              <a:ext uri="{FF2B5EF4-FFF2-40B4-BE49-F238E27FC236}">
-                <a16:creationId xmlns:a16="http://schemas.microsoft.com/office/drawing/2014/main" id="{56B0ED28-D492-6742-80DD-2B1D719B2F2C}"/>
-              </a:ext>
-            </a:extLst>
-          </p:cNvPr>
-          <p:cNvSpPr>
-            <a:spLocks noGrp="1"/>
-          </p:cNvSpPr>
-          <p:nvPr>
-            <p:ph type="title"/>
-          </p:nvPr>
-        </p:nvSpPr>
-        <p:spPr/>
-        <p:txBody>
-          <a:bodyPr/>
-          <a:lstStyle/>
-          <a:p>
-            <a:r>
-              <a:rPr lang="en-US" dirty="0"/>
-              <a:t>PLCC File Syntax</a:t>
-            </a:r>
-          </a:p>
-        </p:txBody>
-      </p:sp>
-      <p:sp>
-        <p:nvSpPr>
-          <p:cNvPr id="3" name="Content Placeholder 2">
-            <a:extLst>
-              <a:ext uri="{FF2B5EF4-FFF2-40B4-BE49-F238E27FC236}">
-                <a16:creationId xmlns:a16="http://schemas.microsoft.com/office/drawing/2014/main" id="{6B112A3C-0B6C-B143-AF61-F1F85CB8B2D7}"/>
-              </a:ext>
-            </a:extLst>
-          </p:cNvPr>
-          <p:cNvSpPr>
-            <a:spLocks noGrp="1"/>
-          </p:cNvSpPr>
-          <p:nvPr>
-            <p:ph idx="1"/>
-          </p:nvPr>
-        </p:nvSpPr>
-        <p:spPr/>
-        <p:txBody>
-          <a:bodyPr>
-            <a:normAutofit/>
-          </a:bodyPr>
-          <a:lstStyle/>
-          <a:p>
-            <a:r>
-              <a:rPr lang="en-US" b="1" dirty="0" err="1"/>
-              <a:t>plcc.</a:t>
-            </a:r>
-            <a:r>
-              <a:rPr lang="en-US" dirty="0" err="1"/>
-              <a:t>py</a:t>
-            </a:r>
-            <a:r>
-              <a:rPr lang="en-US" dirty="0"/>
-              <a:t> (</a:t>
-            </a:r>
-            <a:r>
-              <a:rPr lang="en-US" dirty="0" err="1"/>
-              <a:t>plcc</a:t>
-            </a:r>
-            <a:r>
-              <a:rPr lang="en-US" dirty="0"/>
-              <a:t> and </a:t>
-            </a:r>
-            <a:r>
-              <a:rPr lang="en-US" dirty="0" err="1"/>
-              <a:t>plccmk</a:t>
-            </a:r>
-            <a:r>
-              <a:rPr lang="en-US" dirty="0"/>
-              <a:t>) is used to create </a:t>
-            </a:r>
-            <a:r>
-              <a:rPr lang="en-US" i="1" dirty="0"/>
-              <a:t>language processors.</a:t>
-            </a:r>
-          </a:p>
-          <a:p>
-            <a:r>
-              <a:rPr lang="en-US" dirty="0"/>
-              <a:t>It reads a file containing a specification of</a:t>
-            </a:r>
-          </a:p>
-          <a:p>
-            <a:pPr lvl="1"/>
-            <a:r>
-              <a:rPr lang="en-US" dirty="0"/>
-              <a:t>The tokens of your language</a:t>
-            </a:r>
-          </a:p>
-          <a:p>
-            <a:pPr lvl="1"/>
-            <a:r>
-              <a:rPr lang="en-US" dirty="0"/>
-              <a:t>The grammar of your language</a:t>
-            </a:r>
-          </a:p>
-          <a:p>
-            <a:pPr lvl="1"/>
-            <a:r>
-              <a:rPr lang="en-US" dirty="0"/>
-              <a:t>Additional support code (Java) to help process the resulting </a:t>
-            </a:r>
-            <a:r>
-              <a:rPr lang="en-US" i="1" dirty="0"/>
-              <a:t>abstract syntax tree</a:t>
-            </a:r>
-            <a:endParaRPr lang="en-US" dirty="0"/>
-          </a:p>
-          <a:p>
-            <a:r>
-              <a:rPr lang="en-US" dirty="0"/>
-              <a:t>By default the </a:t>
-            </a:r>
-            <a:r>
-              <a:rPr lang="en-US" dirty="0" err="1"/>
-              <a:t>plcc</a:t>
-            </a:r>
-            <a:r>
-              <a:rPr lang="en-US" dirty="0"/>
-              <a:t> expects the specification file to be named </a:t>
-            </a:r>
-            <a:r>
-              <a:rPr lang="en-US" b="1" dirty="0"/>
-              <a:t>grammar</a:t>
-            </a:r>
-            <a:r>
-              <a:rPr lang="en-US" dirty="0"/>
-              <a:t>.</a:t>
-            </a:r>
-          </a:p>
-          <a:p>
-            <a:r>
-              <a:rPr lang="en-US" b="1" u="sng" dirty="0"/>
-              <a:t>Our</a:t>
-            </a:r>
-            <a:r>
-              <a:rPr lang="en-US" b="1" dirty="0"/>
-              <a:t> files will have distinct names and will end in ".</a:t>
-            </a:r>
-            <a:r>
-              <a:rPr lang="en-US" b="1" dirty="0" err="1"/>
-              <a:t>plcc</a:t>
-            </a:r>
-            <a:r>
-              <a:rPr lang="en-US" b="1" dirty="0"/>
-              <a:t>".</a:t>
-            </a:r>
-          </a:p>
-        </p:txBody>
-      </p:sp>
-      <p:sp>
-        <p:nvSpPr>
-          <p:cNvPr id="4" name="Date Placeholder 3">
-            <a:extLst>
-              <a:ext uri="{FF2B5EF4-FFF2-40B4-BE49-F238E27FC236}">
-                <a16:creationId xmlns:a16="http://schemas.microsoft.com/office/drawing/2014/main" id="{01688948-5D5D-D244-A520-A36AEF36B7DB}"/>
-              </a:ext>
-            </a:extLst>
-          </p:cNvPr>
-          <p:cNvSpPr>
-            <a:spLocks noGrp="1"/>
-          </p:cNvSpPr>
-          <p:nvPr>
-            <p:ph type="dt" sz="half" idx="10"/>
-          </p:nvPr>
-        </p:nvSpPr>
-        <p:spPr/>
-        <p:txBody>
-          <a:bodyPr/>
-          <a:lstStyle/>
-          <a:p>
-            <a:r>
-              <a:rPr lang="en-US"/>
-              <a:t>Spring 2020</a:t>
-            </a:r>
-          </a:p>
-        </p:txBody>
-      </p:sp>
-      <p:sp>
-        <p:nvSpPr>
-          <p:cNvPr id="5" name="Footer Placeholder 4">
-            <a:extLst>
-              <a:ext uri="{FF2B5EF4-FFF2-40B4-BE49-F238E27FC236}">
-                <a16:creationId xmlns:a16="http://schemas.microsoft.com/office/drawing/2014/main" id="{BDAC04BA-AE4E-2E45-AF4C-192696622F57}"/>
-              </a:ext>
-            </a:extLst>
-          </p:cNvPr>
-          <p:cNvSpPr>
-            <a:spLocks noGrp="1"/>
-          </p:cNvSpPr>
-          <p:nvPr>
-            <p:ph type="ftr" sz="quarter" idx="11"/>
-          </p:nvPr>
-        </p:nvSpPr>
-        <p:spPr/>
-        <p:txBody>
-          <a:bodyPr/>
-          <a:lstStyle/>
-          <a:p>
-            <a:r>
-              <a:rPr lang="en-US"/>
-              <a:t>CSCI 344</a:t>
-            </a:r>
-          </a:p>
-        </p:txBody>
-      </p:sp>
-    </p:spTree>
-    <p:extLst>
-      <p:ext uri="{BB962C8B-B14F-4D97-AF65-F5344CB8AC3E}">
-        <p14:creationId xmlns:p14="http://schemas.microsoft.com/office/powerpoint/2010/main" val="4014877136"/>
-      </p:ext>
-    </p:extLst>
-  </p:cSld>
-  <p:clrMapOvr>
-    <a:masterClrMapping/>
-  </p:clrMapOvr>
-</p:sld>
-</file>
-
-<file path=ppt/slides/slide6.xml><?xml version="1.0" encoding="utf-8"?>
-<p:sld xmlns:a="http://schemas.openxmlformats.org/drawingml/2006/main" xmlns:r="http://schemas.openxmlformats.org/officeDocument/2006/relationships" xmlns:p="http://schemas.openxmlformats.org/presentationml/2006/main">
-  <p:cSld>
-    <p:spTree>
-      <p:nvGrpSpPr>
-        <p:cNvPr id="1" name=""/>
-        <p:cNvGrpSpPr/>
-        <p:nvPr/>
-      </p:nvGrpSpPr>
-      <p:grpSpPr>
-        <a:xfrm>
-          <a:off x="0" y="0"/>
-          <a:ext cx="0" cy="0"/>
-          <a:chOff x="0" y="0"/>
-          <a:chExt cx="0" cy="0"/>
-        </a:xfrm>
-      </p:grpSpPr>
-      <p:sp>
-        <p:nvSpPr>
-          <p:cNvPr id="2" name="Title 1">
-            <a:extLst>
-              <a:ext uri="{FF2B5EF4-FFF2-40B4-BE49-F238E27FC236}">
-                <a16:creationId xmlns:a16="http://schemas.microsoft.com/office/drawing/2014/main" id="{474718D6-B580-5244-98A0-FFF485B9ED3E}"/>
-              </a:ext>
-            </a:extLst>
-          </p:cNvPr>
-          <p:cNvSpPr>
-            <a:spLocks noGrp="1"/>
-          </p:cNvSpPr>
-          <p:nvPr>
-            <p:ph type="title"/>
-          </p:nvPr>
-        </p:nvSpPr>
-        <p:spPr/>
-        <p:txBody>
-          <a:bodyPr/>
-          <a:lstStyle/>
-          <a:p>
-            <a:r>
-              <a:rPr lang="en-US" dirty="0"/>
-              <a:t>PLCC Use Quick Start</a:t>
-            </a:r>
-          </a:p>
-        </p:txBody>
-      </p:sp>
-      <p:sp>
-        <p:nvSpPr>
-          <p:cNvPr id="3" name="Content Placeholder 2">
-            <a:extLst>
-              <a:ext uri="{FF2B5EF4-FFF2-40B4-BE49-F238E27FC236}">
-                <a16:creationId xmlns:a16="http://schemas.microsoft.com/office/drawing/2014/main" id="{65FAC588-FB86-634A-913E-5A19DB5CE5CA}"/>
-              </a:ext>
-            </a:extLst>
-          </p:cNvPr>
-          <p:cNvSpPr>
-            <a:spLocks noGrp="1"/>
-          </p:cNvSpPr>
-          <p:nvPr>
-            <p:ph idx="1"/>
-          </p:nvPr>
-        </p:nvSpPr>
-        <p:spPr/>
-        <p:txBody>
-          <a:bodyPr>
-            <a:normAutofit fontScale="92500" lnSpcReduction="10000"/>
-          </a:bodyPr>
-          <a:lstStyle/>
-          <a:p>
-            <a:pPr marL="0" indent="0">
-              <a:buNone/>
-            </a:pPr>
-            <a:r>
-              <a:rPr lang="en-US" dirty="0">
-                <a:latin typeface="Andale Mono" panose="020B0509000000000004" pitchFamily="49" charset="0"/>
-              </a:rPr>
-              <a:t>$ </a:t>
-            </a:r>
-            <a:r>
-              <a:rPr lang="en-US" dirty="0" err="1">
-                <a:latin typeface="Andale Mono" panose="020B0509000000000004" pitchFamily="49" charset="0"/>
-              </a:rPr>
-              <a:t>plcc</a:t>
-            </a:r>
-            <a:r>
-              <a:rPr lang="en-US" dirty="0">
-                <a:latin typeface="Andale Mono" panose="020B0509000000000004" pitchFamily="49" charset="0"/>
-              </a:rPr>
-              <a:t> </a:t>
-            </a:r>
-            <a:r>
-              <a:rPr lang="en-US" dirty="0" err="1">
-                <a:latin typeface="Andale Mono" panose="020B0509000000000004" pitchFamily="49" charset="0"/>
-              </a:rPr>
-              <a:t>lang_spec.plcc</a:t>
-            </a:r>
-            <a:endParaRPr lang="en-US" dirty="0">
-              <a:latin typeface="Andale Mono" panose="020B0509000000000004" pitchFamily="49" charset="0"/>
-            </a:endParaRPr>
-          </a:p>
-          <a:p>
-            <a:pPr marL="457200" lvl="1" indent="0">
-              <a:buNone/>
-            </a:pPr>
-            <a:r>
-              <a:rPr lang="en-US" dirty="0">
-                <a:latin typeface="Andale Mono" panose="020B0509000000000004" pitchFamily="49" charset="0"/>
-              </a:rPr>
-              <a:t># Runs </a:t>
-            </a:r>
-            <a:r>
-              <a:rPr lang="en-US" dirty="0" err="1">
-                <a:latin typeface="Andale Mono" panose="020B0509000000000004" pitchFamily="49" charset="0"/>
-              </a:rPr>
-              <a:t>plcc.py</a:t>
-            </a:r>
-            <a:r>
-              <a:rPr lang="en-US" dirty="0">
-                <a:latin typeface="Andale Mono" panose="020B0509000000000004" pitchFamily="49" charset="0"/>
-              </a:rPr>
-              <a:t>, which</a:t>
-            </a:r>
-          </a:p>
-          <a:p>
-            <a:pPr marL="914400" lvl="2" indent="0">
-              <a:buNone/>
-            </a:pPr>
-            <a:r>
-              <a:rPr lang="en-US" dirty="0">
-                <a:latin typeface="Andale Mono" panose="020B0509000000000004" pitchFamily="49" charset="0"/>
-              </a:rPr>
-              <a:t># reads your file, named on the command line;</a:t>
-            </a:r>
-          </a:p>
-          <a:p>
-            <a:pPr marL="914400" lvl="2" indent="0">
-              <a:buNone/>
-            </a:pPr>
-            <a:r>
-              <a:rPr lang="en-US" dirty="0">
-                <a:latin typeface="Andale Mono" panose="020B0509000000000004" pitchFamily="49" charset="0"/>
-              </a:rPr>
-              <a:t># generates Java class files based on your file;</a:t>
-            </a:r>
-          </a:p>
-          <a:p>
-            <a:pPr marL="914400" lvl="2" indent="0">
-              <a:buNone/>
-            </a:pPr>
-            <a:r>
-              <a:rPr lang="en-US" dirty="0">
-                <a:latin typeface="Andale Mono" panose="020B0509000000000004" pitchFamily="49" charset="0"/>
-              </a:rPr>
-              <a:t># adds some standard PLCC library classes (</a:t>
-            </a:r>
-            <a:r>
-              <a:rPr lang="en-US" b="1" dirty="0" err="1">
-                <a:latin typeface="Andale Mono" panose="020B0509000000000004" pitchFamily="49" charset="0"/>
-              </a:rPr>
-              <a:t>Std</a:t>
-            </a:r>
-            <a:r>
-              <a:rPr lang="en-US" dirty="0">
-                <a:latin typeface="Andale Mono" panose="020B0509000000000004" pitchFamily="49" charset="0"/>
-              </a:rPr>
-              <a:t> directory).</a:t>
-            </a:r>
-          </a:p>
-          <a:p>
-            <a:pPr marL="0" indent="0">
-              <a:buNone/>
-            </a:pPr>
-            <a:r>
-              <a:rPr lang="en-US" dirty="0">
-                <a:latin typeface="Andale Mono" panose="020B0509000000000004" pitchFamily="49" charset="0"/>
-              </a:rPr>
-              <a:t>$ cd Java</a:t>
-            </a:r>
-          </a:p>
-          <a:p>
-            <a:pPr marL="0" indent="0">
-              <a:buNone/>
-            </a:pPr>
-            <a:r>
-              <a:rPr lang="en-US" dirty="0">
-                <a:latin typeface="Andale Mono" panose="020B0509000000000004" pitchFamily="49" charset="0"/>
-              </a:rPr>
-              <a:t>$ </a:t>
-            </a:r>
-            <a:r>
-              <a:rPr lang="en-US" dirty="0" err="1">
-                <a:latin typeface="Andale Mono" panose="020B0509000000000004" pitchFamily="49" charset="0"/>
-              </a:rPr>
-              <a:t>javac</a:t>
-            </a:r>
-            <a:r>
-              <a:rPr lang="en-US" dirty="0">
-                <a:latin typeface="Andale Mono" panose="020B0509000000000004" pitchFamily="49" charset="0"/>
-              </a:rPr>
-              <a:t> *.java</a:t>
-            </a:r>
-          </a:p>
-          <a:p>
-            <a:pPr marL="0" indent="0">
-              <a:buNone/>
-            </a:pPr>
-            <a:r>
-              <a:rPr lang="en-US" dirty="0">
-                <a:latin typeface="Andale Mono" panose="020B0509000000000004" pitchFamily="49" charset="0"/>
-              </a:rPr>
-              <a:t># Scan class only runs the lexical scanner.</a:t>
-            </a:r>
-          </a:p>
-          <a:p>
-            <a:pPr marL="0" indent="0">
-              <a:buNone/>
-            </a:pPr>
-            <a:r>
-              <a:rPr lang="en-US" dirty="0">
-                <a:latin typeface="Andale Mono" panose="020B0509000000000004" pitchFamily="49" charset="0"/>
-              </a:rPr>
-              <a:t># Parser class runs all code generated by </a:t>
-            </a:r>
-            <a:r>
-              <a:rPr lang="en-US" dirty="0" err="1">
-                <a:latin typeface="Andale Mono" panose="020B0509000000000004" pitchFamily="49" charset="0"/>
-              </a:rPr>
-              <a:t>plcc</a:t>
-            </a:r>
-            <a:r>
-              <a:rPr lang="en-US" dirty="0">
-                <a:latin typeface="Andale Mono" panose="020B0509000000000004" pitchFamily="49" charset="0"/>
-              </a:rPr>
-              <a:t>.</a:t>
-            </a:r>
-          </a:p>
-          <a:p>
-            <a:pPr marL="0" indent="0">
-              <a:buNone/>
-            </a:pPr>
-            <a:r>
-              <a:rPr lang="en-US" dirty="0">
-                <a:latin typeface="Andale Mono" panose="020B0509000000000004" pitchFamily="49" charset="0"/>
-              </a:rPr>
-              <a:t># Rep class repeatedly prompts you for new "programs".</a:t>
-            </a:r>
-          </a:p>
-        </p:txBody>
-      </p:sp>
-      <p:sp>
-        <p:nvSpPr>
-          <p:cNvPr id="4" name="Date Placeholder 3">
-            <a:extLst>
-              <a:ext uri="{FF2B5EF4-FFF2-40B4-BE49-F238E27FC236}">
-                <a16:creationId xmlns:a16="http://schemas.microsoft.com/office/drawing/2014/main" id="{A65264FE-9834-D24E-81A1-EF35F244F4C8}"/>
-              </a:ext>
-            </a:extLst>
-          </p:cNvPr>
-          <p:cNvSpPr>
-            <a:spLocks noGrp="1"/>
-          </p:cNvSpPr>
-          <p:nvPr>
-            <p:ph type="dt" sz="half" idx="10"/>
-          </p:nvPr>
-        </p:nvSpPr>
-        <p:spPr/>
-        <p:txBody>
-          <a:bodyPr/>
-          <a:lstStyle/>
-          <a:p>
-            <a:r>
-              <a:rPr lang="en-US"/>
-              <a:t>Spring 2020</a:t>
-            </a:r>
-          </a:p>
-        </p:txBody>
-      </p:sp>
-      <p:sp>
-        <p:nvSpPr>
-          <p:cNvPr id="5" name="Footer Placeholder 4">
-            <a:extLst>
-              <a:ext uri="{FF2B5EF4-FFF2-40B4-BE49-F238E27FC236}">
-                <a16:creationId xmlns:a16="http://schemas.microsoft.com/office/drawing/2014/main" id="{168B9681-F1D5-6248-BBDF-3810F57A6514}"/>
-              </a:ext>
-            </a:extLst>
-          </p:cNvPr>
-          <p:cNvSpPr>
-            <a:spLocks noGrp="1"/>
-          </p:cNvSpPr>
-          <p:nvPr>
-            <p:ph type="ftr" sz="quarter" idx="11"/>
-          </p:nvPr>
-        </p:nvSpPr>
-        <p:spPr/>
-        <p:txBody>
-          <a:bodyPr/>
-          <a:lstStyle/>
-          <a:p>
-            <a:r>
-              <a:rPr lang="en-US"/>
-              <a:t>CSCI 344</a:t>
-            </a:r>
-          </a:p>
-        </p:txBody>
-      </p:sp>
-      <p:sp>
-        <p:nvSpPr>
-          <p:cNvPr id="6" name="TextBox 5">
-            <a:extLst>
-              <a:ext uri="{FF2B5EF4-FFF2-40B4-BE49-F238E27FC236}">
-                <a16:creationId xmlns:a16="http://schemas.microsoft.com/office/drawing/2014/main" id="{E808B4EB-877E-2A4F-8A20-847273A02AF3}"/>
-              </a:ext>
-            </a:extLst>
-          </p:cNvPr>
-          <p:cNvSpPr txBox="1"/>
-          <p:nvPr/>
-        </p:nvSpPr>
-        <p:spPr>
-          <a:xfrm>
-            <a:off x="6020790" y="6543304"/>
-            <a:ext cx="3254417" cy="369332"/>
-          </a:xfrm>
-          <a:prstGeom prst="rect">
-            <a:avLst/>
-          </a:prstGeom>
-          <a:noFill/>
-        </p:spPr>
-        <p:txBody>
-          <a:bodyPr wrap="none" rtlCol="0">
-            <a:spAutoFit/>
-          </a:bodyPr>
-          <a:lstStyle/>
-          <a:p>
-            <a:r>
-              <a:rPr lang="en-US" dirty="0"/>
-              <a:t>Now for some useful extras…</a:t>
-            </a:r>
-          </a:p>
-        </p:txBody>
-      </p:sp>
-    </p:spTree>
-    <p:extLst>
-      <p:ext uri="{BB962C8B-B14F-4D97-AF65-F5344CB8AC3E}">
-        <p14:creationId xmlns:p14="http://schemas.microsoft.com/office/powerpoint/2010/main" val="2960998724"/>
-      </p:ext>
-    </p:extLst>
-  </p:cSld>
-  <p:clrMapOvr>
-    <a:masterClrMapping/>
-  </p:clrMapOvr>
-  <p:timing>
-    <p:tnLst>
-      <p:par>
-        <p:cTn id="1" dur="indefinite" restart="never" nodeType="tmRoot">
-          <p:childTnLst>
-            <p:seq concurrent="1" nextAc="seek">
-              <p:cTn id="2" dur="indefinite" nodeType="mainSeq">
-                <p:childTnLst>
-                  <p:par>
-                    <p:cTn id="3" fill="hold">
-                      <p:stCondLst>
-                        <p:cond delay="indefinite"/>
-                      </p:stCondLst>
-                      <p:childTnLst>
-                        <p:par>
-                          <p:cTn id="4" fill="hold">
-                            <p:stCondLst>
-                              <p:cond delay="0"/>
-                            </p:stCondLst>
-                            <p:childTnLst>
-                              <p:par>
-                                <p:cTn id="5" presetID="2" presetClass="entr" presetSubtype="2" fill="hold" grpId="0" nodeType="clickEffect">
-                                  <p:stCondLst>
-                                    <p:cond delay="0"/>
-                                  </p:stCondLst>
-                                  <p:childTnLst>
-                                    <p:set>
-                                      <p:cBhvr>
-                                        <p:cTn id="6" dur="1" fill="hold">
-                                          <p:stCondLst>
-                                            <p:cond delay="0"/>
-                                          </p:stCondLst>
-                                        </p:cTn>
-                                        <p:tgtEl>
-                                          <p:spTgt spid="6"/>
-                                        </p:tgtEl>
-                                        <p:attrNameLst>
-                                          <p:attrName>style.visibility</p:attrName>
-                                        </p:attrNameLst>
-                                      </p:cBhvr>
-                                      <p:to>
-                                        <p:strVal val="visible"/>
-                                      </p:to>
-                                    </p:set>
-                                    <p:anim calcmode="lin" valueType="num">
-                                      <p:cBhvr additive="base">
-                                        <p:cTn id="7" dur="500" fill="hold"/>
-                                        <p:tgtEl>
-                                          <p:spTgt spid="6"/>
-                                        </p:tgtEl>
-                                        <p:attrNameLst>
-                                          <p:attrName>ppt_x</p:attrName>
-                                        </p:attrNameLst>
-                                      </p:cBhvr>
-                                      <p:tavLst>
-                                        <p:tav tm="0">
-                                          <p:val>
-                                            <p:strVal val="1+#ppt_w/2"/>
-                                          </p:val>
-                                        </p:tav>
-                                        <p:tav tm="100000">
-                                          <p:val>
-                                            <p:strVal val="#ppt_x"/>
-                                          </p:val>
-                                        </p:tav>
-                                      </p:tavLst>
-                                    </p:anim>
-                                    <p:anim calcmode="lin" valueType="num">
-                                      <p:cBhvr additive="base">
-                                        <p:cTn id="8" dur="500" fill="hold"/>
-                                        <p:tgtEl>
-                                          <p:spTgt spid="6"/>
-                                        </p:tgtEl>
-                                        <p:attrNameLst>
-                                          <p:attrName>ppt_y</p:attrName>
-                                        </p:attrNameLst>
-                                      </p:cBhvr>
-                                      <p:tavLst>
-                                        <p:tav tm="0">
-                                          <p:val>
-                                            <p:strVal val="#ppt_y"/>
-                                          </p:val>
-                                        </p:tav>
-                                        <p:tav tm="100000">
-                                          <p:val>
-                                            <p:strVal val="#ppt_y"/>
-                                          </p:val>
-                                        </p:tav>
-                                      </p:tavLst>
-                                    </p:anim>
-                                  </p:childTnLst>
-                                </p:cTn>
-                              </p:par>
-                            </p:childTnLst>
-                          </p:cTn>
-                        </p:par>
-                      </p:childTnLst>
-                    </p:cTn>
-                  </p:par>
-                </p:childTnLst>
-              </p:cTn>
-              <p:prevCondLst>
-                <p:cond evt="onPrev" delay="0">
-                  <p:tgtEl>
-                    <p:sldTgt/>
-                  </p:tgtEl>
-                </p:cond>
-              </p:prevCondLst>
-              <p:nextCondLst>
-                <p:cond evt="onNext" delay="0">
-                  <p:tgtEl>
-                    <p:sldTgt/>
-                  </p:tgtEl>
-                </p:cond>
-              </p:nextCondLst>
-            </p:seq>
-          </p:childTnLst>
-        </p:cTn>
-      </p:par>
-    </p:tnLst>
-    <p:bldLst>
-      <p:bldP spid="6" grpId="0"/>
-    </p:bldLst>
-  </p:timing>
-</p:sld>
-</file>
-
-<file path=ppt/slides/slide7.xml><?xml version="1.0" encoding="utf-8"?>
 <p:sld xmlns:a="http://schemas.openxmlformats.org/drawingml/2006/main" xmlns:r="http://schemas.openxmlformats.org/officeDocument/2006/relationships" xmlns:p="http://schemas.openxmlformats.org/presentationml/2006/main">
   <p:cSld>
     <p:spTree>
@@ -20732,7 +20287,7 @@
 </p:sld>
 </file>
 
-<file path=ppt/slides/slide8.xml><?xml version="1.0" encoding="utf-8"?>
+<file path=ppt/slides/slide5.xml><?xml version="1.0" encoding="utf-8"?>
 <p:sld xmlns:a="http://schemas.openxmlformats.org/drawingml/2006/main" xmlns:r="http://schemas.openxmlformats.org/officeDocument/2006/relationships" xmlns:p="http://schemas.openxmlformats.org/presentationml/2006/main">
   <p:cSld>
     <p:spTree>
@@ -21149,6 +20704,716 @@
 </p:sld>
 </file>
 
+<file path=ppt/slides/slide6.xml><?xml version="1.0" encoding="utf-8"?>
+<p:sld xmlns:a="http://schemas.openxmlformats.org/drawingml/2006/main" xmlns:r="http://schemas.openxmlformats.org/officeDocument/2006/relationships" xmlns:p="http://schemas.openxmlformats.org/presentationml/2006/main">
+  <p:cSld>
+    <p:spTree>
+      <p:nvGrpSpPr>
+        <p:cNvPr id="1" name=""/>
+        <p:cNvGrpSpPr/>
+        <p:nvPr/>
+      </p:nvGrpSpPr>
+      <p:grpSpPr>
+        <a:xfrm>
+          <a:off x="0" y="0"/>
+          <a:ext cx="0" cy="0"/>
+          <a:chOff x="0" y="0"/>
+          <a:chExt cx="0" cy="0"/>
+        </a:xfrm>
+      </p:grpSpPr>
+      <p:sp>
+        <p:nvSpPr>
+          <p:cNvPr id="2" name="Title 1">
+            <a:extLst>
+              <a:ext uri="{FF2B5EF4-FFF2-40B4-BE49-F238E27FC236}">
+                <a16:creationId xmlns:a16="http://schemas.microsoft.com/office/drawing/2014/main" id="{577E4225-4BD3-2D48-9B27-916ACED3F402}"/>
+              </a:ext>
+            </a:extLst>
+          </p:cNvPr>
+          <p:cNvSpPr>
+            <a:spLocks noGrp="1"/>
+          </p:cNvSpPr>
+          <p:nvPr>
+            <p:ph type="title"/>
+          </p:nvPr>
+        </p:nvSpPr>
+        <p:spPr/>
+        <p:txBody>
+          <a:bodyPr/>
+          <a:lstStyle/>
+          <a:p>
+            <a:r>
+              <a:rPr lang="en-US" dirty="0"/>
+              <a:t>Learning By Example: </a:t>
+            </a:r>
+            <a:r>
+              <a:rPr lang="en-US" b="1" dirty="0"/>
+              <a:t>1_nos+ids.plcc</a:t>
+            </a:r>
+          </a:p>
+        </p:txBody>
+      </p:sp>
+      <p:sp>
+        <p:nvSpPr>
+          <p:cNvPr id="3" name="Content Placeholder 2">
+            <a:extLst>
+              <a:ext uri="{FF2B5EF4-FFF2-40B4-BE49-F238E27FC236}">
+                <a16:creationId xmlns:a16="http://schemas.microsoft.com/office/drawing/2014/main" id="{AB186F40-574B-8C49-9C69-D28A5B7387FF}"/>
+              </a:ext>
+            </a:extLst>
+          </p:cNvPr>
+          <p:cNvSpPr>
+            <a:spLocks noGrp="1"/>
+          </p:cNvSpPr>
+          <p:nvPr>
+            <p:ph idx="1"/>
+          </p:nvPr>
+        </p:nvSpPr>
+        <p:spPr/>
+        <p:txBody>
+          <a:bodyPr/>
+          <a:lstStyle/>
+          <a:p>
+            <a:pPr marL="0" indent="0">
+              <a:buNone/>
+            </a:pPr>
+            <a:r>
+              <a:rPr lang="en-US" dirty="0">
+                <a:latin typeface="Andale Mono" panose="020B0509000000000004" pitchFamily="49" charset="0"/>
+              </a:rPr>
+              <a:t>token NUM '\d+'</a:t>
+            </a:r>
+          </a:p>
+          <a:p>
+            <a:pPr marL="0" indent="0">
+              <a:buNone/>
+            </a:pPr>
+            <a:r>
+              <a:rPr lang="en-US" dirty="0">
+                <a:latin typeface="Andale Mono" panose="020B0509000000000004" pitchFamily="49" charset="0"/>
+              </a:rPr>
+              <a:t>token ID '[A-</a:t>
+            </a:r>
+            <a:r>
+              <a:rPr lang="en-US" dirty="0" err="1">
+                <a:latin typeface="Andale Mono" panose="020B0509000000000004" pitchFamily="49" charset="0"/>
+              </a:rPr>
+              <a:t>Za</a:t>
+            </a:r>
+            <a:r>
+              <a:rPr lang="en-US" dirty="0">
+                <a:latin typeface="Andale Mono" panose="020B0509000000000004" pitchFamily="49" charset="0"/>
+              </a:rPr>
+              <a:t>-z]\w*'</a:t>
+            </a:r>
+          </a:p>
+          <a:p>
+            <a:pPr marL="0" indent="0">
+              <a:buNone/>
+            </a:pPr>
+            <a:r>
+              <a:rPr lang="en-US" dirty="0">
+                <a:latin typeface="Andale Mono" panose="020B0509000000000004" pitchFamily="49" charset="0"/>
+              </a:rPr>
+              <a:t>%</a:t>
+            </a:r>
+          </a:p>
+          <a:p>
+            <a:pPr marL="0" indent="0">
+              <a:buNone/>
+            </a:pPr>
+            <a:r>
+              <a:rPr lang="en-US" dirty="0">
+                <a:latin typeface="Andale Mono" panose="020B0509000000000004" pitchFamily="49" charset="0"/>
+              </a:rPr>
+              <a:t>%</a:t>
+            </a:r>
+          </a:p>
+          <a:p>
+            <a:pPr marL="0" indent="0">
+              <a:buNone/>
+            </a:pPr>
+            <a:endParaRPr lang="en-US" dirty="0"/>
+          </a:p>
+          <a:p>
+            <a:r>
+              <a:rPr lang="en-US" dirty="0"/>
+              <a:t>This recognizes decimal integers and identifiers … sort of.</a:t>
+            </a:r>
+          </a:p>
+          <a:p>
+            <a:pPr marL="0" indent="0">
+              <a:buNone/>
+            </a:pPr>
+            <a:endParaRPr lang="en-US" dirty="0"/>
+          </a:p>
+          <a:p>
+            <a:pPr marL="0" indent="0">
+              <a:buNone/>
+            </a:pPr>
+            <a:endParaRPr lang="en-US" dirty="0"/>
+          </a:p>
+        </p:txBody>
+      </p:sp>
+      <p:sp>
+        <p:nvSpPr>
+          <p:cNvPr id="4" name="Date Placeholder 3">
+            <a:extLst>
+              <a:ext uri="{FF2B5EF4-FFF2-40B4-BE49-F238E27FC236}">
+                <a16:creationId xmlns:a16="http://schemas.microsoft.com/office/drawing/2014/main" id="{3462E747-ECDE-5640-956F-F8894FB648E2}"/>
+              </a:ext>
+            </a:extLst>
+          </p:cNvPr>
+          <p:cNvSpPr>
+            <a:spLocks noGrp="1"/>
+          </p:cNvSpPr>
+          <p:nvPr>
+            <p:ph type="dt" sz="half" idx="10"/>
+          </p:nvPr>
+        </p:nvSpPr>
+        <p:spPr/>
+        <p:txBody>
+          <a:bodyPr/>
+          <a:lstStyle/>
+          <a:p>
+            <a:r>
+              <a:rPr lang="en-US"/>
+              <a:t>Spring 2020</a:t>
+            </a:r>
+          </a:p>
+        </p:txBody>
+      </p:sp>
+      <p:sp>
+        <p:nvSpPr>
+          <p:cNvPr id="5" name="Footer Placeholder 4">
+            <a:extLst>
+              <a:ext uri="{FF2B5EF4-FFF2-40B4-BE49-F238E27FC236}">
+                <a16:creationId xmlns:a16="http://schemas.microsoft.com/office/drawing/2014/main" id="{EEB48A0A-9999-3947-97BA-093887DE3EFB}"/>
+              </a:ext>
+            </a:extLst>
+          </p:cNvPr>
+          <p:cNvSpPr>
+            <a:spLocks noGrp="1"/>
+          </p:cNvSpPr>
+          <p:nvPr>
+            <p:ph type="ftr" sz="quarter" idx="11"/>
+          </p:nvPr>
+        </p:nvSpPr>
+        <p:spPr/>
+        <p:txBody>
+          <a:bodyPr/>
+          <a:lstStyle/>
+          <a:p>
+            <a:r>
+              <a:rPr lang="en-US"/>
+              <a:t>CSCI 344</a:t>
+            </a:r>
+          </a:p>
+        </p:txBody>
+      </p:sp>
+    </p:spTree>
+    <p:extLst>
+      <p:ext uri="{BB962C8B-B14F-4D97-AF65-F5344CB8AC3E}">
+        <p14:creationId xmlns:p14="http://schemas.microsoft.com/office/powerpoint/2010/main" val="2091748087"/>
+      </p:ext>
+    </p:extLst>
+  </p:cSld>
+  <p:clrMapOvr>
+    <a:masterClrMapping/>
+  </p:clrMapOvr>
+</p:sld>
+</file>
+
+<file path=ppt/slides/slide7.xml><?xml version="1.0" encoding="utf-8"?>
+<p:sld xmlns:a="http://schemas.openxmlformats.org/drawingml/2006/main" xmlns:r="http://schemas.openxmlformats.org/officeDocument/2006/relationships" xmlns:p="http://schemas.openxmlformats.org/presentationml/2006/main">
+  <p:cSld>
+    <p:spTree>
+      <p:nvGrpSpPr>
+        <p:cNvPr id="1" name=""/>
+        <p:cNvGrpSpPr/>
+        <p:nvPr/>
+      </p:nvGrpSpPr>
+      <p:grpSpPr>
+        <a:xfrm>
+          <a:off x="0" y="0"/>
+          <a:ext cx="0" cy="0"/>
+          <a:chOff x="0" y="0"/>
+          <a:chExt cx="0" cy="0"/>
+        </a:xfrm>
+      </p:grpSpPr>
+      <p:sp>
+        <p:nvSpPr>
+          <p:cNvPr id="2" name="Title 1">
+            <a:extLst>
+              <a:ext uri="{FF2B5EF4-FFF2-40B4-BE49-F238E27FC236}">
+                <a16:creationId xmlns:a16="http://schemas.microsoft.com/office/drawing/2014/main" id="{577E4225-4BD3-2D48-9B27-916ACED3F402}"/>
+              </a:ext>
+            </a:extLst>
+          </p:cNvPr>
+          <p:cNvSpPr>
+            <a:spLocks noGrp="1"/>
+          </p:cNvSpPr>
+          <p:nvPr>
+            <p:ph type="title"/>
+          </p:nvPr>
+        </p:nvSpPr>
+        <p:spPr/>
+        <p:txBody>
+          <a:bodyPr/>
+          <a:lstStyle/>
+          <a:p>
+            <a:r>
+              <a:rPr lang="en-US" dirty="0"/>
+              <a:t>Learning By Example: </a:t>
+            </a:r>
+            <a:r>
+              <a:rPr lang="en-US" b="1" dirty="0"/>
+              <a:t>2_nos+ids+nl.plcc</a:t>
+            </a:r>
+          </a:p>
+        </p:txBody>
+      </p:sp>
+      <p:sp>
+        <p:nvSpPr>
+          <p:cNvPr id="3" name="Content Placeholder 2">
+            <a:extLst>
+              <a:ext uri="{FF2B5EF4-FFF2-40B4-BE49-F238E27FC236}">
+                <a16:creationId xmlns:a16="http://schemas.microsoft.com/office/drawing/2014/main" id="{AB186F40-574B-8C49-9C69-D28A5B7387FF}"/>
+              </a:ext>
+            </a:extLst>
+          </p:cNvPr>
+          <p:cNvSpPr>
+            <a:spLocks noGrp="1"/>
+          </p:cNvSpPr>
+          <p:nvPr>
+            <p:ph idx="1"/>
+          </p:nvPr>
+        </p:nvSpPr>
+        <p:spPr/>
+        <p:txBody>
+          <a:bodyPr/>
+          <a:lstStyle/>
+          <a:p>
+            <a:pPr marL="0" indent="0">
+              <a:buNone/>
+            </a:pPr>
+            <a:r>
+              <a:rPr lang="en-US" dirty="0">
+                <a:latin typeface="Andale Mono" panose="020B0509000000000004" pitchFamily="49" charset="0"/>
+              </a:rPr>
+              <a:t>token NEWLINE '\n'</a:t>
+            </a:r>
+          </a:p>
+          <a:p>
+            <a:pPr marL="0" indent="0">
+              <a:buNone/>
+            </a:pPr>
+            <a:r>
+              <a:rPr lang="en-US" dirty="0">
+                <a:latin typeface="Andale Mono" panose="020B0509000000000004" pitchFamily="49" charset="0"/>
+              </a:rPr>
+              <a:t>token NUMBER '\d+'</a:t>
+            </a:r>
+          </a:p>
+          <a:p>
+            <a:pPr marL="0" indent="0">
+              <a:buNone/>
+            </a:pPr>
+            <a:r>
+              <a:rPr lang="en-US" dirty="0">
+                <a:latin typeface="Andale Mono" panose="020B0509000000000004" pitchFamily="49" charset="0"/>
+              </a:rPr>
+              <a:t>token IDENT '[A-</a:t>
+            </a:r>
+            <a:r>
+              <a:rPr lang="en-US" dirty="0" err="1">
+                <a:latin typeface="Andale Mono" panose="020B0509000000000004" pitchFamily="49" charset="0"/>
+              </a:rPr>
+              <a:t>Za</a:t>
+            </a:r>
+            <a:r>
+              <a:rPr lang="en-US" dirty="0">
+                <a:latin typeface="Andale Mono" panose="020B0509000000000004" pitchFamily="49" charset="0"/>
+              </a:rPr>
+              <a:t>-z]\w*'</a:t>
+            </a:r>
+          </a:p>
+          <a:p>
+            <a:pPr marL="0" indent="0">
+              <a:buNone/>
+            </a:pPr>
+            <a:r>
+              <a:rPr lang="en-US" dirty="0">
+                <a:latin typeface="Andale Mono" panose="020B0509000000000004" pitchFamily="49" charset="0"/>
+              </a:rPr>
+              <a:t>%</a:t>
+            </a:r>
+            <a:br>
+              <a:rPr lang="en-US" dirty="0">
+                <a:latin typeface="Andale Mono" panose="020B0509000000000004" pitchFamily="49" charset="0"/>
+              </a:rPr>
+            </a:br>
+            <a:r>
+              <a:rPr lang="en-US" dirty="0">
+                <a:latin typeface="Andale Mono" panose="020B0509000000000004" pitchFamily="49" charset="0"/>
+              </a:rPr>
+              <a:t>%</a:t>
+            </a:r>
+          </a:p>
+          <a:p>
+            <a:pPr marL="0" indent="0">
+              <a:buNone/>
+            </a:pPr>
+            <a:endParaRPr lang="en-US" dirty="0"/>
+          </a:p>
+          <a:p>
+            <a:pPr marL="0" indent="0">
+              <a:buNone/>
+            </a:pPr>
+            <a:r>
+              <a:rPr lang="en-US" dirty="0"/>
+              <a:t>…better</a:t>
+            </a:r>
+          </a:p>
+          <a:p>
+            <a:pPr marL="0" indent="0">
+              <a:buNone/>
+            </a:pPr>
+            <a:endParaRPr lang="en-US" dirty="0"/>
+          </a:p>
+        </p:txBody>
+      </p:sp>
+      <p:sp>
+        <p:nvSpPr>
+          <p:cNvPr id="4" name="Date Placeholder 3">
+            <a:extLst>
+              <a:ext uri="{FF2B5EF4-FFF2-40B4-BE49-F238E27FC236}">
+                <a16:creationId xmlns:a16="http://schemas.microsoft.com/office/drawing/2014/main" id="{1ADA9FE3-F468-FC48-A060-E7914CFC612C}"/>
+              </a:ext>
+            </a:extLst>
+          </p:cNvPr>
+          <p:cNvSpPr>
+            <a:spLocks noGrp="1"/>
+          </p:cNvSpPr>
+          <p:nvPr>
+            <p:ph type="dt" sz="half" idx="10"/>
+          </p:nvPr>
+        </p:nvSpPr>
+        <p:spPr/>
+        <p:txBody>
+          <a:bodyPr/>
+          <a:lstStyle/>
+          <a:p>
+            <a:r>
+              <a:rPr lang="en-US"/>
+              <a:t>Spring 2020</a:t>
+            </a:r>
+          </a:p>
+        </p:txBody>
+      </p:sp>
+      <p:sp>
+        <p:nvSpPr>
+          <p:cNvPr id="5" name="Footer Placeholder 4">
+            <a:extLst>
+              <a:ext uri="{FF2B5EF4-FFF2-40B4-BE49-F238E27FC236}">
+                <a16:creationId xmlns:a16="http://schemas.microsoft.com/office/drawing/2014/main" id="{629F4188-D257-934A-A08A-3159D227D079}"/>
+              </a:ext>
+            </a:extLst>
+          </p:cNvPr>
+          <p:cNvSpPr>
+            <a:spLocks noGrp="1"/>
+          </p:cNvSpPr>
+          <p:nvPr>
+            <p:ph type="ftr" sz="quarter" idx="11"/>
+          </p:nvPr>
+        </p:nvSpPr>
+        <p:spPr/>
+        <p:txBody>
+          <a:bodyPr/>
+          <a:lstStyle/>
+          <a:p>
+            <a:r>
+              <a:rPr lang="en-US"/>
+              <a:t>CSCI 344</a:t>
+            </a:r>
+          </a:p>
+        </p:txBody>
+      </p:sp>
+    </p:spTree>
+    <p:extLst>
+      <p:ext uri="{BB962C8B-B14F-4D97-AF65-F5344CB8AC3E}">
+        <p14:creationId xmlns:p14="http://schemas.microsoft.com/office/powerpoint/2010/main" val="2380343618"/>
+      </p:ext>
+    </p:extLst>
+  </p:cSld>
+  <p:clrMapOvr>
+    <a:masterClrMapping/>
+  </p:clrMapOvr>
+</p:sld>
+</file>
+
+<file path=ppt/slides/slide8.xml><?xml version="1.0" encoding="utf-8"?>
+<p:sld xmlns:a="http://schemas.openxmlformats.org/drawingml/2006/main" xmlns:r="http://schemas.openxmlformats.org/officeDocument/2006/relationships" xmlns:p="http://schemas.openxmlformats.org/presentationml/2006/main">
+  <p:cSld>
+    <p:spTree>
+      <p:nvGrpSpPr>
+        <p:cNvPr id="1" name=""/>
+        <p:cNvGrpSpPr/>
+        <p:nvPr/>
+      </p:nvGrpSpPr>
+      <p:grpSpPr>
+        <a:xfrm>
+          <a:off x="0" y="0"/>
+          <a:ext cx="0" cy="0"/>
+          <a:chOff x="0" y="0"/>
+          <a:chExt cx="0" cy="0"/>
+        </a:xfrm>
+      </p:grpSpPr>
+      <p:sp>
+        <p:nvSpPr>
+          <p:cNvPr id="2" name="Title 1">
+            <a:extLst>
+              <a:ext uri="{FF2B5EF4-FFF2-40B4-BE49-F238E27FC236}">
+                <a16:creationId xmlns:a16="http://schemas.microsoft.com/office/drawing/2014/main" id="{577E4225-4BD3-2D48-9B27-916ACED3F402}"/>
+              </a:ext>
+            </a:extLst>
+          </p:cNvPr>
+          <p:cNvSpPr>
+            <a:spLocks noGrp="1"/>
+          </p:cNvSpPr>
+          <p:nvPr>
+            <p:ph type="title"/>
+          </p:nvPr>
+        </p:nvSpPr>
+        <p:spPr/>
+        <p:txBody>
+          <a:bodyPr/>
+          <a:lstStyle/>
+          <a:p>
+            <a:r>
+              <a:rPr lang="en-US" dirty="0"/>
+              <a:t>Learning By Example: </a:t>
+            </a:r>
+            <a:r>
+              <a:rPr lang="en-US" b="1" dirty="0"/>
+              <a:t>3_nos+ids.plcc</a:t>
+            </a:r>
+          </a:p>
+        </p:txBody>
+      </p:sp>
+      <p:sp>
+        <p:nvSpPr>
+          <p:cNvPr id="3" name="Content Placeholder 2">
+            <a:extLst>
+              <a:ext uri="{FF2B5EF4-FFF2-40B4-BE49-F238E27FC236}">
+                <a16:creationId xmlns:a16="http://schemas.microsoft.com/office/drawing/2014/main" id="{AB186F40-574B-8C49-9C69-D28A5B7387FF}"/>
+              </a:ext>
+            </a:extLst>
+          </p:cNvPr>
+          <p:cNvSpPr>
+            <a:spLocks noGrp="1"/>
+          </p:cNvSpPr>
+          <p:nvPr>
+            <p:ph idx="1"/>
+          </p:nvPr>
+        </p:nvSpPr>
+        <p:spPr/>
+        <p:txBody>
+          <a:bodyPr>
+            <a:normAutofit fontScale="92500" lnSpcReduction="20000"/>
+          </a:bodyPr>
+          <a:lstStyle/>
+          <a:p>
+            <a:pPr marL="0" indent="0">
+              <a:buNone/>
+            </a:pPr>
+            <a:r>
+              <a:rPr lang="en-US" dirty="0">
+                <a:latin typeface="Andale Mono" panose="020B0509000000000004" pitchFamily="49" charset="0"/>
+              </a:rPr>
+              <a:t># Recognize number literals and identifiers as tokens.</a:t>
+            </a:r>
+          </a:p>
+          <a:p>
+            <a:pPr marL="0" indent="0">
+              <a:buNone/>
+            </a:pPr>
+            <a:r>
+              <a:rPr lang="en-US" dirty="0">
+                <a:latin typeface="Andale Mono" panose="020B0509000000000004" pitchFamily="49" charset="0"/>
+              </a:rPr>
+              <a:t># Skip over whitespace</a:t>
+            </a:r>
+          </a:p>
+          <a:p>
+            <a:pPr marL="0" indent="0">
+              <a:buNone/>
+            </a:pPr>
+            <a:endParaRPr lang="en-US" dirty="0">
+              <a:latin typeface="Andale Mono" panose="020B0509000000000004" pitchFamily="49" charset="0"/>
+            </a:endParaRPr>
+          </a:p>
+          <a:p>
+            <a:pPr marL="0" indent="0">
+              <a:buNone/>
+            </a:pPr>
+            <a:r>
+              <a:rPr lang="en-US" dirty="0">
+                <a:latin typeface="Andale Mono" panose="020B0509000000000004" pitchFamily="49" charset="0"/>
+              </a:rPr>
+              <a:t>skip WHITESPACE '\s+'</a:t>
+            </a:r>
+          </a:p>
+          <a:p>
+            <a:pPr marL="0" indent="0">
+              <a:buNone/>
+            </a:pPr>
+            <a:endParaRPr lang="en-US" dirty="0">
+              <a:latin typeface="Andale Mono" panose="020B0509000000000004" pitchFamily="49" charset="0"/>
+            </a:endParaRPr>
+          </a:p>
+          <a:p>
+            <a:pPr marL="0" indent="0">
+              <a:buNone/>
+            </a:pPr>
+            <a:r>
+              <a:rPr lang="en-US" dirty="0">
+                <a:latin typeface="Andale Mono" panose="020B0509000000000004" pitchFamily="49" charset="0"/>
+              </a:rPr>
+              <a:t>token NUMBER '\d+'</a:t>
+            </a:r>
+          </a:p>
+          <a:p>
+            <a:pPr marL="0" indent="0">
+              <a:buNone/>
+            </a:pPr>
+            <a:r>
+              <a:rPr lang="en-US" dirty="0">
+                <a:latin typeface="Andale Mono" panose="020B0509000000000004" pitchFamily="49" charset="0"/>
+              </a:rPr>
+              <a:t>token IDENT '[A-</a:t>
+            </a:r>
+            <a:r>
+              <a:rPr lang="en-US" dirty="0" err="1">
+                <a:latin typeface="Andale Mono" panose="020B0509000000000004" pitchFamily="49" charset="0"/>
+              </a:rPr>
+              <a:t>Za</a:t>
+            </a:r>
+            <a:r>
+              <a:rPr lang="en-US" dirty="0">
+                <a:latin typeface="Andale Mono" panose="020B0509000000000004" pitchFamily="49" charset="0"/>
+              </a:rPr>
+              <a:t>-z]\w*'</a:t>
+            </a:r>
+          </a:p>
+          <a:p>
+            <a:pPr marL="0" indent="0">
+              <a:buNone/>
+            </a:pPr>
+            <a:r>
+              <a:rPr lang="en-US" dirty="0">
+                <a:latin typeface="Andale Mono" panose="020B0509000000000004" pitchFamily="49" charset="0"/>
+              </a:rPr>
+              <a:t>%</a:t>
+            </a:r>
+            <a:br>
+              <a:rPr lang="en-US" dirty="0">
+                <a:latin typeface="Andale Mono" panose="020B0509000000000004" pitchFamily="49" charset="0"/>
+              </a:rPr>
+            </a:br>
+            <a:r>
+              <a:rPr lang="en-US" dirty="0">
+                <a:latin typeface="Andale Mono" panose="020B0509000000000004" pitchFamily="49" charset="0"/>
+              </a:rPr>
+              <a:t>%</a:t>
+            </a:r>
+          </a:p>
+          <a:p>
+            <a:pPr marL="0" indent="0">
+              <a:buNone/>
+            </a:pPr>
+            <a:r>
+              <a:rPr lang="en-US" dirty="0"/>
+              <a:t>…OK this can work.</a:t>
+            </a:r>
+          </a:p>
+          <a:p>
+            <a:pPr marL="0" indent="0">
+              <a:buNone/>
+            </a:pPr>
+            <a:endParaRPr lang="en-US" dirty="0"/>
+          </a:p>
+        </p:txBody>
+      </p:sp>
+      <p:sp>
+        <p:nvSpPr>
+          <p:cNvPr id="4" name="Date Placeholder 3">
+            <a:extLst>
+              <a:ext uri="{FF2B5EF4-FFF2-40B4-BE49-F238E27FC236}">
+                <a16:creationId xmlns:a16="http://schemas.microsoft.com/office/drawing/2014/main" id="{1F6CE700-D0E0-4349-83DE-4B9A0C13E228}"/>
+              </a:ext>
+            </a:extLst>
+          </p:cNvPr>
+          <p:cNvSpPr>
+            <a:spLocks noGrp="1"/>
+          </p:cNvSpPr>
+          <p:nvPr>
+            <p:ph type="dt" sz="half" idx="10"/>
+          </p:nvPr>
+        </p:nvSpPr>
+        <p:spPr/>
+        <p:txBody>
+          <a:bodyPr/>
+          <a:lstStyle/>
+          <a:p>
+            <a:r>
+              <a:rPr lang="en-US"/>
+              <a:t>Spring 2020</a:t>
+            </a:r>
+          </a:p>
+        </p:txBody>
+      </p:sp>
+      <p:sp>
+        <p:nvSpPr>
+          <p:cNvPr id="5" name="Footer Placeholder 4">
+            <a:extLst>
+              <a:ext uri="{FF2B5EF4-FFF2-40B4-BE49-F238E27FC236}">
+                <a16:creationId xmlns:a16="http://schemas.microsoft.com/office/drawing/2014/main" id="{2A1A20DA-F955-5646-B1DE-EB1B3DA14C34}"/>
+              </a:ext>
+            </a:extLst>
+          </p:cNvPr>
+          <p:cNvSpPr>
+            <a:spLocks noGrp="1"/>
+          </p:cNvSpPr>
+          <p:nvPr>
+            <p:ph type="ftr" sz="quarter" idx="11"/>
+          </p:nvPr>
+        </p:nvSpPr>
+        <p:spPr/>
+        <p:txBody>
+          <a:bodyPr/>
+          <a:lstStyle/>
+          <a:p>
+            <a:r>
+              <a:rPr lang="en-US"/>
+              <a:t>CSCI 344</a:t>
+            </a:r>
+          </a:p>
+        </p:txBody>
+      </p:sp>
+    </p:spTree>
+    <p:extLst>
+      <p:ext uri="{BB962C8B-B14F-4D97-AF65-F5344CB8AC3E}">
+        <p14:creationId xmlns:p14="http://schemas.microsoft.com/office/powerpoint/2010/main" val="3785554493"/>
+      </p:ext>
+    </p:extLst>
+  </p:cSld>
+  <p:clrMapOvr>
+    <a:masterClrMapping/>
+  </p:clrMapOvr>
+</p:sld>
+</file>
+
 <file path=ppt/slides/slide9.xml><?xml version="1.0" encoding="utf-8"?>
 <p:sld xmlns:a="http://schemas.openxmlformats.org/drawingml/2006/main" xmlns:r="http://schemas.openxmlformats.org/officeDocument/2006/relationships" xmlns:p="http://schemas.openxmlformats.org/presentationml/2006/main">
   <p:cSld>
@@ -21171,7 +21436,7 @@
           <p:cNvPr id="2" name="Title 1">
             <a:extLst>
               <a:ext uri="{FF2B5EF4-FFF2-40B4-BE49-F238E27FC236}">
-                <a16:creationId xmlns:a16="http://schemas.microsoft.com/office/drawing/2014/main" id="{577E4225-4BD3-2D48-9B27-916ACED3F402}"/>
+                <a16:creationId xmlns:a16="http://schemas.microsoft.com/office/drawing/2014/main" id="{C8EBC0A0-0100-624B-A5F1-297F0DC4C3C1}"/>
               </a:ext>
             </a:extLst>
           </p:cNvPr>
@@ -21189,11 +21454,7 @@
           <a:p>
             <a:r>
               <a:rPr lang="en-US" dirty="0"/>
-              <a:t>Learning By Example: </a:t>
-            </a:r>
-            <a:r>
-              <a:rPr lang="en-US" b="1" dirty="0"/>
-              <a:t>1_nos+ids.plcc</a:t>
+              <a:t>A Tease for What's Ahead</a:t>
             </a:r>
           </a:p>
         </p:txBody>
@@ -21203,7 +21464,7 @@
           <p:cNvPr id="3" name="Content Placeholder 2">
             <a:extLst>
               <a:ext uri="{FF2B5EF4-FFF2-40B4-BE49-F238E27FC236}">
-                <a16:creationId xmlns:a16="http://schemas.microsoft.com/office/drawing/2014/main" id="{AB186F40-574B-8C49-9C69-D28A5B7387FF}"/>
+                <a16:creationId xmlns:a16="http://schemas.microsoft.com/office/drawing/2014/main" id="{B3AE2200-3EC0-3246-9F73-928F2F33F739}"/>
               </a:ext>
             </a:extLst>
           </p:cNvPr>
@@ -21219,84 +21480,16 @@
           <a:bodyPr/>
           <a:lstStyle/>
           <a:p>
-            <a:pPr marL="0" indent="0">
-              <a:buNone/>
-            </a:pPr>
-            <a:r>
-              <a:rPr lang="en-US" dirty="0">
-                <a:latin typeface="Andale Mono" panose="020B0509000000000004" pitchFamily="49" charset="0"/>
-              </a:rPr>
-              <a:t>token NUM '\d+'</a:t>
-            </a:r>
-          </a:p>
-          <a:p>
-            <a:pPr marL="0" indent="0">
-              <a:buNone/>
-            </a:pPr>
-            <a:r>
-              <a:rPr lang="en-US" dirty="0">
-                <a:latin typeface="Andale Mono" panose="020B0509000000000004" pitchFamily="49" charset="0"/>
-              </a:rPr>
-              <a:t>token ID '[A-</a:t>
-            </a:r>
-            <a:r>
-              <a:rPr lang="en-US" dirty="0" err="1">
-                <a:latin typeface="Andale Mono" panose="020B0509000000000004" pitchFamily="49" charset="0"/>
-              </a:rPr>
-              <a:t>Za</a:t>
-            </a:r>
-            <a:r>
-              <a:rPr lang="en-US" dirty="0">
-                <a:latin typeface="Andale Mono" panose="020B0509000000000004" pitchFamily="49" charset="0"/>
-              </a:rPr>
-              <a:t>-z]\w*'</a:t>
-            </a:r>
-          </a:p>
-          <a:p>
-            <a:pPr marL="0" indent="0">
-              <a:buNone/>
-            </a:pPr>
-            <a:r>
-              <a:rPr lang="en-US" dirty="0">
-                <a:latin typeface="Andale Mono" panose="020B0509000000000004" pitchFamily="49" charset="0"/>
-              </a:rPr>
-              <a:t>%</a:t>
-            </a:r>
-          </a:p>
-          <a:p>
-            <a:pPr marL="0" indent="0">
-              <a:buNone/>
-            </a:pPr>
-            <a:r>
-              <a:rPr lang="en-US" dirty="0">
-                <a:latin typeface="Andale Mono" panose="020B0509000000000004" pitchFamily="49" charset="0"/>
-              </a:rPr>
-              <a:t>%</a:t>
-            </a:r>
-          </a:p>
-          <a:p>
-            <a:pPr marL="0" indent="0">
-              <a:buNone/>
-            </a:pPr>
-            <a:endParaRPr lang="en-US" dirty="0"/>
-          </a:p>
-          <a:p>
             <a:r>
               <a:rPr lang="en-US" dirty="0"/>
-              <a:t>This recognizes decimal integers and identifiers … sort of.</a:t>
-            </a:r>
-          </a:p>
-          <a:p>
-            <a:pPr marL="0" indent="0">
-              <a:buNone/>
-            </a:pPr>
-            <a:endParaRPr lang="en-US" dirty="0"/>
-          </a:p>
-          <a:p>
-            <a:pPr marL="0" indent="0">
-              <a:buNone/>
-            </a:pPr>
-            <a:endParaRPr lang="en-US" dirty="0"/>
+              <a:t>Let's look at the TEST_PLCC example</a:t>
+            </a:r>
+          </a:p>
+          <a:p>
+            <a:r>
+              <a:rPr lang="en-US" dirty="0"/>
+              <a:t>Used to verify a successful installation of PLCC</a:t>
+            </a:r>
           </a:p>
         </p:txBody>
       </p:sp>
@@ -21305,7 +21498,7 @@
           <p:cNvPr id="4" name="Date Placeholder 3">
             <a:extLst>
               <a:ext uri="{FF2B5EF4-FFF2-40B4-BE49-F238E27FC236}">
-                <a16:creationId xmlns:a16="http://schemas.microsoft.com/office/drawing/2014/main" id="{3462E747-ECDE-5640-956F-F8894FB648E2}"/>
+                <a16:creationId xmlns:a16="http://schemas.microsoft.com/office/drawing/2014/main" id="{460E0953-7269-224E-BF22-7B9BD9B82836}"/>
               </a:ext>
             </a:extLst>
           </p:cNvPr>
@@ -21333,7 +21526,7 @@
           <p:cNvPr id="5" name="Footer Placeholder 4">
             <a:extLst>
               <a:ext uri="{FF2B5EF4-FFF2-40B4-BE49-F238E27FC236}">
-                <a16:creationId xmlns:a16="http://schemas.microsoft.com/office/drawing/2014/main" id="{EEB48A0A-9999-3947-97BA-093887DE3EFB}"/>
+                <a16:creationId xmlns:a16="http://schemas.microsoft.com/office/drawing/2014/main" id="{DE82D89D-1EDC-FB4B-A4DB-E8DFBF43C303}"/>
               </a:ext>
             </a:extLst>
           </p:cNvPr>
@@ -21359,7 +21552,7 @@
     </p:spTree>
     <p:extLst>
       <p:ext uri="{BB962C8B-B14F-4D97-AF65-F5344CB8AC3E}">
-        <p14:creationId xmlns:p14="http://schemas.microsoft.com/office/powerpoint/2010/main" val="2091748087"/>
+        <p14:creationId xmlns:p14="http://schemas.microsoft.com/office/powerpoint/2010/main" val="610876999"/>
       </p:ext>
     </p:extLst>
   </p:cSld>

--- a/Heliotis_Slides/B_PLCC/B_PLCC.pptx
+++ b/Heliotis_Slides/B_PLCC/B_PLCC.pptx
@@ -5,7 +5,7 @@
     <p:sldMasterId id="2147483660" r:id="rId1"/>
   </p:sldMasterIdLst>
   <p:notesMasterIdLst>
-    <p:notesMasterId r:id="rId35"/>
+    <p:notesMasterId r:id="rId36"/>
   </p:notesMasterIdLst>
   <p:sldIdLst>
     <p:sldId id="256" r:id="rId2"/>
@@ -26,9 +26,9 @@
     <p:sldId id="287" r:id="rId17"/>
     <p:sldId id="288" r:id="rId18"/>
     <p:sldId id="289" r:id="rId19"/>
-    <p:sldId id="267" r:id="rId20"/>
-    <p:sldId id="268" r:id="rId21"/>
-    <p:sldId id="269" r:id="rId22"/>
+    <p:sldId id="269" r:id="rId20"/>
+    <p:sldId id="267" r:id="rId21"/>
+    <p:sldId id="268" r:id="rId22"/>
     <p:sldId id="270" r:id="rId23"/>
     <p:sldId id="278" r:id="rId24"/>
     <p:sldId id="271" r:id="rId25"/>
@@ -40,7 +40,8 @@
     <p:sldId id="277" r:id="rId31"/>
     <p:sldId id="280" r:id="rId32"/>
     <p:sldId id="279" r:id="rId33"/>
-    <p:sldId id="291" r:id="rId34"/>
+    <p:sldId id="292" r:id="rId34"/>
+    <p:sldId id="291" r:id="rId35"/>
   </p:sldIdLst>
   <p:sldSz cx="12192000" cy="6858000"/>
   <p:notesSz cx="6858000" cy="9144000"/>
@@ -229,7 +230,7 @@
           <a:p>
             <a:fld id="{9601DF97-034B-874D-8303-F78DE0F6FC76}" type="datetimeFigureOut">
               <a:rPr lang="en-US" smtClean="0"/>
-              <a:t>9/15/20</a:t>
+              <a:t>3/9/21</a:t>
             </a:fld>
             <a:endParaRPr lang="en-US"/>
           </a:p>
@@ -961,7 +962,7 @@
           <a:p>
             <a:r>
               <a:rPr lang="en-US"/>
-              <a:t>Spring 2020</a:t>
+              <a:t>Spring 2021</a:t>
             </a:r>
           </a:p>
         </p:txBody>
@@ -1377,7 +1378,7 @@
           <a:p>
             <a:r>
               <a:rPr lang="en-US"/>
-              <a:t>Spring 2020</a:t>
+              <a:t>Spring 2021</a:t>
             </a:r>
           </a:p>
         </p:txBody>
@@ -1715,7 +1716,7 @@
           <a:p>
             <a:r>
               <a:rPr lang="en-US"/>
-              <a:t>Spring 2020</a:t>
+              <a:t>Spring 2021</a:t>
             </a:r>
           </a:p>
         </p:txBody>
@@ -2122,7 +2123,7 @@
           <a:p>
             <a:r>
               <a:rPr lang="en-US"/>
-              <a:t>Spring 2020</a:t>
+              <a:t>Spring 2021</a:t>
             </a:r>
           </a:p>
         </p:txBody>
@@ -2692,7 +2693,7 @@
           <a:p>
             <a:r>
               <a:rPr lang="en-US"/>
-              <a:t>Spring 2020</a:t>
+              <a:t>Spring 2021</a:t>
             </a:r>
           </a:p>
         </p:txBody>
@@ -3375,7 +3376,7 @@
           <a:p>
             <a:r>
               <a:rPr lang="en-US"/>
-              <a:t>Spring 2020</a:t>
+              <a:t>Spring 2021</a:t>
             </a:r>
           </a:p>
         </p:txBody>
@@ -4290,7 +4291,7 @@
           <a:p>
             <a:r>
               <a:rPr lang="en-US"/>
-              <a:t>Spring 2020</a:t>
+              <a:t>Spring 2021</a:t>
             </a:r>
           </a:p>
         </p:txBody>
@@ -4605,7 +4606,7 @@
           <a:p>
             <a:r>
               <a:rPr lang="en-US"/>
-              <a:t>Spring 2020</a:t>
+              <a:t>Spring 2021</a:t>
             </a:r>
           </a:p>
         </p:txBody>
@@ -4871,7 +4872,7 @@
           <a:p>
             <a:r>
               <a:rPr lang="en-US"/>
-              <a:t>Spring 2020</a:t>
+              <a:t>Spring 2021</a:t>
             </a:r>
           </a:p>
         </p:txBody>
@@ -5196,7 +5197,7 @@
           <a:p>
             <a:r>
               <a:rPr lang="en-US"/>
-              <a:t>Spring 2020</a:t>
+              <a:t>Spring 2021</a:t>
             </a:r>
           </a:p>
         </p:txBody>
@@ -5587,7 +5588,7 @@
           <a:p>
             <a:r>
               <a:rPr lang="en-US"/>
-              <a:t>Spring 2020</a:t>
+              <a:t>Spring 2021</a:t>
             </a:r>
           </a:p>
         </p:txBody>
@@ -5965,7 +5966,7 @@
           <a:p>
             <a:r>
               <a:rPr lang="en-US"/>
-              <a:t>Spring 2020</a:t>
+              <a:t>Spring 2021</a:t>
             </a:r>
           </a:p>
         </p:txBody>
@@ -6473,7 +6474,7 @@
           <a:p>
             <a:r>
               <a:rPr lang="en-US"/>
-              <a:t>Spring 2020</a:t>
+              <a:t>Spring 2021</a:t>
             </a:r>
           </a:p>
         </p:txBody>
@@ -6732,7 +6733,7 @@
           <a:p>
             <a:r>
               <a:rPr lang="en-US"/>
-              <a:t>Spring 2020</a:t>
+              <a:t>Spring 2021</a:t>
             </a:r>
           </a:p>
         </p:txBody>
@@ -6897,7 +6898,7 @@
           <a:p>
             <a:r>
               <a:rPr lang="en-US"/>
-              <a:t>Spring 2020</a:t>
+              <a:t>Spring 2021</a:t>
             </a:r>
           </a:p>
         </p:txBody>
@@ -7289,7 +7290,7 @@
           <a:p>
             <a:r>
               <a:rPr lang="en-US"/>
-              <a:t>Spring 2020</a:t>
+              <a:t>Spring 2021</a:t>
             </a:r>
           </a:p>
         </p:txBody>
@@ -7700,7 +7701,7 @@
           <a:p>
             <a:r>
               <a:rPr lang="en-US"/>
-              <a:t>Spring 2020</a:t>
+              <a:t>Spring 2021</a:t>
             </a:r>
           </a:p>
         </p:txBody>
@@ -7946,7 +7947,7 @@
           <a:p>
             <a:r>
               <a:rPr lang="en-US"/>
-              <a:t>Spring 2020</a:t>
+              <a:t>Spring 2021</a:t>
             </a:r>
           </a:p>
         </p:txBody>
@@ -8417,7 +8418,7 @@
           <a:p>
             <a:r>
               <a:rPr lang="en-US" dirty="0"/>
-              <a:t>Spring 2020</a:t>
+              <a:t>Spring 2021</a:t>
             </a:r>
           </a:p>
         </p:txBody>
@@ -8536,8 +8537,30 @@
               <a:t> ::= </a:t>
             </a:r>
             <a:r>
+              <a:rPr lang="en-US" i="1" dirty="0">
+                <a:latin typeface="Bradley Hand" pitchFamily="2" charset="77"/>
+              </a:rPr>
+              <a:t>TERM</a:t>
+            </a:r>
+            <a:r>
               <a:rPr lang="en-US" i="1" dirty="0"/>
-              <a:t>TERM TERM TERM</a:t>
+              <a:t> </a:t>
+            </a:r>
+            <a:r>
+              <a:rPr lang="en-US" i="1" dirty="0">
+                <a:latin typeface="Bradley Hand" pitchFamily="2" charset="77"/>
+              </a:rPr>
+              <a:t>TERM</a:t>
+            </a:r>
+            <a:r>
+              <a:rPr lang="en-US" i="1" dirty="0"/>
+              <a:t> </a:t>
+            </a:r>
+            <a:r>
+              <a:rPr lang="en-US" i="1" dirty="0">
+                <a:latin typeface="Bradley Hand" pitchFamily="2" charset="77"/>
+              </a:rPr>
+              <a:t>TERM</a:t>
             </a:r>
             <a:r>
               <a:rPr lang="en-US" dirty="0"/>
@@ -8551,7 +8574,9 @@
               <a:t>Where </a:t>
             </a:r>
             <a:r>
-              <a:rPr lang="en-US" i="1" dirty="0"/>
+              <a:rPr lang="en-US" i="1" dirty="0">
+                <a:latin typeface="Bradley Hand" pitchFamily="2" charset="77"/>
+              </a:rPr>
               <a:t>TERM</a:t>
             </a:r>
             <a:r>
@@ -8677,7 +8702,7 @@
           <a:p>
             <a:r>
               <a:rPr lang="en-US"/>
-              <a:t>Spring 2020</a:t>
+              <a:t>Spring 2021</a:t>
             </a:r>
           </a:p>
         </p:txBody>
@@ -8710,6 +8735,102 @@
           </a:p>
         </p:txBody>
       </p:sp>
+      <p:sp>
+        <p:nvSpPr>
+          <p:cNvPr id="6" name="TextBox 5">
+            <a:extLst>
+              <a:ext uri="{FF2B5EF4-FFF2-40B4-BE49-F238E27FC236}">
+                <a16:creationId xmlns:a16="http://schemas.microsoft.com/office/drawing/2014/main" id="{B30007AF-72A7-3F4E-9B64-F410D1BD3C46}"/>
+              </a:ext>
+            </a:extLst>
+          </p:cNvPr>
+          <p:cNvSpPr txBox="1"/>
+          <p:nvPr/>
+        </p:nvSpPr>
+        <p:spPr>
+          <a:xfrm>
+            <a:off x="9988952" y="2453833"/>
+            <a:ext cx="1116011" cy="646331"/>
+          </a:xfrm>
+          <a:prstGeom prst="rect">
+            <a:avLst/>
+          </a:prstGeom>
+          <a:noFill/>
+          <a:ln w="19050">
+            <a:solidFill>
+              <a:schemeClr val="bg2">
+                <a:lumMod val="50000"/>
+              </a:schemeClr>
+            </a:solidFill>
+          </a:ln>
+        </p:spPr>
+        <p:txBody>
+          <a:bodyPr wrap="none" rtlCol="0">
+            <a:spAutoFit/>
+          </a:bodyPr>
+          <a:lstStyle/>
+          <a:p>
+            <a:r>
+              <a:rPr lang="en-US" u="sng" dirty="0"/>
+              <a:t>not</a:t>
+            </a:r>
+            <a:r>
+              <a:rPr lang="en-US" dirty="0"/>
+              <a:t> PLCC</a:t>
+            </a:r>
+          </a:p>
+          <a:p>
+            <a:r>
+              <a:rPr lang="en-US" dirty="0"/>
+              <a:t>syntax!</a:t>
+            </a:r>
+          </a:p>
+        </p:txBody>
+      </p:sp>
+      <p:cxnSp>
+        <p:nvCxnSpPr>
+          <p:cNvPr id="8" name="Curved Connector 7">
+            <a:extLst>
+              <a:ext uri="{FF2B5EF4-FFF2-40B4-BE49-F238E27FC236}">
+                <a16:creationId xmlns:a16="http://schemas.microsoft.com/office/drawing/2014/main" id="{EA2D5D9E-B6BB-E448-9B4C-70C1E8839D2B}"/>
+              </a:ext>
+            </a:extLst>
+          </p:cNvPr>
+          <p:cNvCxnSpPr>
+            <a:stCxn id="6" idx="1"/>
+          </p:cNvCxnSpPr>
+          <p:nvPr/>
+        </p:nvCxnSpPr>
+        <p:spPr>
+          <a:xfrm rot="10800000">
+            <a:off x="5497976" y="1261641"/>
+            <a:ext cx="4490977" cy="1515358"/>
+          </a:xfrm>
+          <a:prstGeom prst="curvedConnector3">
+            <a:avLst/>
+          </a:prstGeom>
+          <a:ln w="12700">
+            <a:solidFill>
+              <a:schemeClr val="tx1"/>
+            </a:solidFill>
+            <a:tailEnd type="triangle" w="lg" len="lg"/>
+          </a:ln>
+        </p:spPr>
+        <p:style>
+          <a:lnRef idx="1">
+            <a:schemeClr val="accent1"/>
+          </a:lnRef>
+          <a:fillRef idx="0">
+            <a:schemeClr val="accent1"/>
+          </a:fillRef>
+          <a:effectRef idx="0">
+            <a:schemeClr val="accent1"/>
+          </a:effectRef>
+          <a:fontRef idx="minor">
+            <a:schemeClr val="tx1"/>
+          </a:fontRef>
+        </p:style>
+      </p:cxnSp>
     </p:spTree>
     <p:extLst>
       <p:ext uri="{BB962C8B-B14F-4D97-AF65-F5344CB8AC3E}">
@@ -8720,6 +8841,111 @@
   <p:clrMapOvr>
     <a:masterClrMapping/>
   </p:clrMapOvr>
+  <p:timing>
+    <p:tnLst>
+      <p:par>
+        <p:cTn id="1" dur="indefinite" restart="never" nodeType="tmRoot">
+          <p:childTnLst>
+            <p:seq concurrent="1" nextAc="seek">
+              <p:cTn id="2" dur="indefinite" nodeType="mainSeq">
+                <p:childTnLst>
+                  <p:par>
+                    <p:cTn id="3" fill="hold">
+                      <p:stCondLst>
+                        <p:cond delay="indefinite"/>
+                      </p:stCondLst>
+                      <p:childTnLst>
+                        <p:par>
+                          <p:cTn id="4" fill="hold">
+                            <p:stCondLst>
+                              <p:cond delay="0"/>
+                            </p:stCondLst>
+                            <p:childTnLst>
+                              <p:par>
+                                <p:cTn id="5" presetID="1" presetClass="entr" presetSubtype="0" fill="hold" nodeType="clickEffect">
+                                  <p:stCondLst>
+                                    <p:cond delay="0"/>
+                                  </p:stCondLst>
+                                  <p:childTnLst>
+                                    <p:set>
+                                      <p:cBhvr>
+                                        <p:cTn id="6" dur="1" fill="hold">
+                                          <p:stCondLst>
+                                            <p:cond delay="0"/>
+                                          </p:stCondLst>
+                                        </p:cTn>
+                                        <p:tgtEl>
+                                          <p:spTgt spid="8"/>
+                                        </p:tgtEl>
+                                        <p:attrNameLst>
+                                          <p:attrName>style.visibility</p:attrName>
+                                        </p:attrNameLst>
+                                      </p:cBhvr>
+                                      <p:to>
+                                        <p:strVal val="visible"/>
+                                      </p:to>
+                                    </p:set>
+                                  </p:childTnLst>
+                                </p:cTn>
+                              </p:par>
+                              <p:par>
+                                <p:cTn id="7" presetID="1" presetClass="entr" presetSubtype="0" fill="hold" grpId="0" nodeType="withEffect">
+                                  <p:stCondLst>
+                                    <p:cond delay="0"/>
+                                  </p:stCondLst>
+                                  <p:childTnLst>
+                                    <p:set>
+                                      <p:cBhvr>
+                                        <p:cTn id="8" dur="1" fill="hold">
+                                          <p:stCondLst>
+                                            <p:cond delay="0"/>
+                                          </p:stCondLst>
+                                        </p:cTn>
+                                        <p:tgtEl>
+                                          <p:spTgt spid="6"/>
+                                        </p:tgtEl>
+                                        <p:attrNameLst>
+                                          <p:attrName>style.visibility</p:attrName>
+                                        </p:attrNameLst>
+                                      </p:cBhvr>
+                                      <p:to>
+                                        <p:strVal val="visible"/>
+                                      </p:to>
+                                    </p:set>
+                                  </p:childTnLst>
+                                </p:cTn>
+                              </p:par>
+                            </p:childTnLst>
+                          </p:cTn>
+                        </p:par>
+                      </p:childTnLst>
+                    </p:cTn>
+                  </p:par>
+                </p:childTnLst>
+              </p:cTn>
+              <p:prevCondLst>
+                <p:cond evt="onPrev" delay="0">
+                  <p:tgtEl>
+                    <p:sldTgt/>
+                  </p:tgtEl>
+                </p:cond>
+              </p:prevCondLst>
+              <p:nextCondLst>
+                <p:cond evt="onNext" delay="0">
+                  <p:tgtEl>
+                    <p:sldTgt/>
+                  </p:tgtEl>
+                </p:cond>
+              </p:nextCondLst>
+            </p:seq>
+          </p:childTnLst>
+        </p:cTn>
+      </p:par>
+    </p:tnLst>
+    <p:bldLst>
+      <p:bldP spid="6" grpId="0" animBg="1"/>
+    </p:bldLst>
+  </p:timing>
 </p:sld>
 </file>
 
@@ -8891,7 +9117,7 @@
           <a:p>
             <a:r>
               <a:rPr lang="en-US"/>
-              <a:t>Spring 2020</a:t>
+              <a:t>Spring 2021</a:t>
             </a:r>
           </a:p>
         </p:txBody>
@@ -9525,7 +9751,7 @@
               <a:rPr lang="en-US" dirty="0">
                 <a:latin typeface="Andale Mono" panose="020B0509000000000004" pitchFamily="49" charset="0"/>
               </a:rPr>
-              <a:t>M ::= ''</a:t>
+              <a:t>M ::= </a:t>
             </a:r>
           </a:p>
           <a:p>
@@ -9585,7 +9811,7 @@
           <a:p>
             <a:r>
               <a:rPr lang="en-US"/>
-              <a:t>Spring 2020</a:t>
+              <a:t>Spring 2021</a:t>
             </a:r>
           </a:p>
         </p:txBody>
@@ -9893,7 +10119,7 @@
         <p:spPr>
           <a:xfrm>
             <a:off x="8063345" y="3643158"/>
-            <a:ext cx="3255563" cy="2045122"/>
+            <a:ext cx="3255563" cy="1426553"/>
           </a:xfrm>
           <a:prstGeom prst="rect">
             <a:avLst/>
@@ -10087,6 +10313,47 @@
                 <a:latin typeface="Andale Mono" panose="020B0509000000000004" pitchFamily="49" charset="0"/>
               </a:rPr>
               <a:t>S ::= l n* r</a:t>
+            </a:r>
+          </a:p>
+        </p:txBody>
+      </p:sp>
+      <p:sp>
+        <p:nvSpPr>
+          <p:cNvPr id="9" name="TextBox 8">
+            <a:extLst>
+              <a:ext uri="{FF2B5EF4-FFF2-40B4-BE49-F238E27FC236}">
+                <a16:creationId xmlns:a16="http://schemas.microsoft.com/office/drawing/2014/main" id="{14262DD8-1967-ED45-BE32-E38795FD4648}"/>
+              </a:ext>
+            </a:extLst>
+          </p:cNvPr>
+          <p:cNvSpPr txBox="1"/>
+          <p:nvPr/>
+        </p:nvSpPr>
+        <p:spPr>
+          <a:xfrm>
+            <a:off x="8380071" y="5224474"/>
+            <a:ext cx="2802370" cy="646331"/>
+          </a:xfrm>
+          <a:prstGeom prst="rect">
+            <a:avLst/>
+          </a:prstGeom>
+          <a:noFill/>
+        </p:spPr>
+        <p:txBody>
+          <a:bodyPr wrap="none" rtlCol="0">
+            <a:spAutoFit/>
+          </a:bodyPr>
+          <a:lstStyle/>
+          <a:p>
+            <a:r>
+              <a:rPr lang="en-US" dirty="0"/>
+              <a:t>The Kleene star is only in</a:t>
+            </a:r>
+          </a:p>
+          <a:p>
+            <a:r>
+              <a:rPr lang="en-US" dirty="0"/>
+              <a:t>extended BNF (EBNF).</a:t>
             </a:r>
           </a:p>
         </p:txBody>
@@ -10300,6 +10567,79 @@
                                   </p:childTnLst>
                                 </p:cTn>
                               </p:par>
+                              <p:par>
+                                <p:cTn id="19" presetID="2" presetClass="entr" presetSubtype="4" fill="hold" grpId="0" nodeType="withEffect">
+                                  <p:stCondLst>
+                                    <p:cond delay="0"/>
+                                  </p:stCondLst>
+                                  <p:childTnLst>
+                                    <p:set>
+                                      <p:cBhvr>
+                                        <p:cTn id="20" dur="1" fill="hold">
+                                          <p:stCondLst>
+                                            <p:cond delay="0"/>
+                                          </p:stCondLst>
+                                        </p:cTn>
+                                        <p:tgtEl>
+                                          <p:spTgt spid="9"/>
+                                        </p:tgtEl>
+                                        <p:attrNameLst>
+                                          <p:attrName>style.visibility</p:attrName>
+                                        </p:attrNameLst>
+                                      </p:cBhvr>
+                                      <p:to>
+                                        <p:strVal val="visible"/>
+                                      </p:to>
+                                    </p:set>
+                                    <p:anim calcmode="lin" valueType="num">
+                                      <p:cBhvr additive="base">
+                                        <p:cTn id="21" dur="500" fill="hold"/>
+                                        <p:tgtEl>
+                                          <p:spTgt spid="9"/>
+                                        </p:tgtEl>
+                                        <p:attrNameLst>
+                                          <p:attrName>ppt_x</p:attrName>
+                                        </p:attrNameLst>
+                                      </p:cBhvr>
+                                      <p:tavLst>
+                                        <p:tav tm="0">
+                                          <p:val>
+                                            <p:strVal val="#ppt_x"/>
+                                          </p:val>
+                                        </p:tav>
+                                        <p:tav tm="100000">
+                                          <p:val>
+                                            <p:strVal val="#ppt_x"/>
+                                          </p:val>
+                                        </p:tav>
+                                      </p:tavLst>
+                                    </p:anim>
+                                    <p:anim calcmode="lin" valueType="num">
+                                      <p:cBhvr additive="base">
+                                        <p:cTn id="22" dur="500" fill="hold"/>
+                                        <p:tgtEl>
+                                          <p:spTgt spid="9"/>
+                                        </p:tgtEl>
+                                        <p:attrNameLst>
+                                          <p:attrName>ppt_y</p:attrName>
+                                        </p:attrNameLst>
+                                      </p:cBhvr>
+                                      <p:tavLst>
+                                        <p:tav tm="0">
+                                          <p:val>
+                                            <p:strVal val="1+#ppt_h/2"/>
+                                          </p:val>
+                                        </p:tav>
+                                        <p:tav tm="100000">
+                                          <p:val>
+                                            <p:strVal val="#ppt_y"/>
+                                          </p:val>
+                                        </p:tav>
+                                      </p:tavLst>
+                                    </p:anim>
+                                  </p:childTnLst>
+                                </p:cTn>
+                              </p:par>
                             </p:childTnLst>
                           </p:cTn>
                         </p:par>
@@ -10331,6 +10671,7 @@
       <p:bldP spid="6" grpId="0" animBg="1"/>
       <p:bldP spid="7" grpId="0"/>
       <p:bldP spid="8" grpId="0" animBg="1"/>
+      <p:bldP spid="9" grpId="0"/>
     </p:bldLst>
   </p:timing>
 </p:sld>
@@ -10411,7 +10752,7 @@
               <a:rPr lang="en-US" dirty="0">
                 <a:latin typeface="Andale Mono" panose="020B0509000000000004" pitchFamily="49" charset="0"/>
               </a:rPr>
-              <a:t>token LPAREN '('</a:t>
+              <a:t>token LPAREN '\('</a:t>
             </a:r>
           </a:p>
           <a:p>
@@ -10422,7 +10763,7 @@
               <a:rPr lang="en-US" dirty="0">
                 <a:latin typeface="Andale Mono" panose="020B0509000000000004" pitchFamily="49" charset="0"/>
               </a:rPr>
-              <a:t>token RPAREN ')'</a:t>
+              <a:t>token RPAREN '\)'</a:t>
             </a:r>
           </a:p>
           <a:p>
@@ -10484,7 +10825,7 @@
           <a:p>
             <a:r>
               <a:rPr lang="en-US"/>
-              <a:t>Spring 2020</a:t>
+              <a:t>Spring 2021</a:t>
             </a:r>
           </a:p>
         </p:txBody>
@@ -10674,7 +11015,7 @@
           <a:p>
             <a:r>
               <a:rPr lang="en-US"/>
-              <a:t>Spring 2020</a:t>
+              <a:t>Spring 2021</a:t>
             </a:r>
           </a:p>
         </p:txBody>
@@ -10808,7 +11149,7 @@
           <a:p>
             <a:r>
               <a:rPr lang="en-US"/>
-              <a:t>Spring 2020</a:t>
+              <a:t>Spring 2021</a:t>
             </a:r>
           </a:p>
         </p:txBody>
@@ -11009,7 +11350,7 @@
           <a:p>
             <a:r>
               <a:rPr lang="en-US"/>
-              <a:t>Spring 2020</a:t>
+              <a:t>Spring 2021</a:t>
             </a:r>
           </a:p>
         </p:txBody>
@@ -11809,7 +12150,7 @@
           <a:p>
             <a:r>
               <a:rPr lang="en-US"/>
-              <a:t>Spring 2020</a:t>
+              <a:t>Spring 2021</a:t>
             </a:r>
           </a:p>
         </p:txBody>
@@ -12063,10 +12404,22 @@
             </a:r>
             <a:r>
               <a:rPr lang="en-US" dirty="0"/>
-              <a:t> token is kept as a </a:t>
-            </a:r>
-            <a:r>
-              <a:rPr lang="en-US" dirty="0" err="1"/>
+              <a:t>, an instance of class </a:t>
+            </a:r>
+            <a:r>
+              <a:rPr lang="en-US" dirty="0">
+                <a:latin typeface="Andale Mono" panose="020B0509000000000004" pitchFamily="49" charset="0"/>
+              </a:rPr>
+              <a:t>Token</a:t>
+            </a:r>
+            <a:r>
+              <a:rPr lang="en-US" dirty="0"/>
+              <a:t>, is kept as a </a:t>
+            </a:r>
+            <a:r>
+              <a:rPr lang="en-US" dirty="0" err="1">
+                <a:latin typeface="Andale Mono" panose="020B0509000000000004" pitchFamily="49" charset="0"/>
+              </a:rPr>
               <a:t>ClassHeader</a:t>
             </a:r>
             <a:r>
@@ -12099,7 +12452,7 @@
           <a:p>
             <a:r>
               <a:rPr lang="en-US"/>
-              <a:t>Spring 2020</a:t>
+              <a:t>Spring 2021</a:t>
             </a:r>
           </a:p>
         </p:txBody>
@@ -12199,10 +12552,10 @@
       </p:grpSpPr>
       <p:sp>
         <p:nvSpPr>
-          <p:cNvPr id="2" name="Title 1">
+          <p:cNvPr id="7" name="Title 6">
             <a:extLst>
               <a:ext uri="{FF2B5EF4-FFF2-40B4-BE49-F238E27FC236}">
-                <a16:creationId xmlns:a16="http://schemas.microsoft.com/office/drawing/2014/main" id="{06AAD369-965F-4648-BCC0-0EB3A191DDC2}"/>
+                <a16:creationId xmlns:a16="http://schemas.microsoft.com/office/drawing/2014/main" id="{7250BB65-B1AF-EE4E-AC7D-899C9C7460AD}"/>
               </a:ext>
             </a:extLst>
           </p:cNvPr>
@@ -12220,17 +12573,17 @@
           <a:p>
             <a:r>
               <a:rPr lang="en-US" dirty="0"/>
-              <a:t>More Formally</a:t>
-            </a:r>
-          </a:p>
-        </p:txBody>
-      </p:sp>
-      <p:sp>
-        <p:nvSpPr>
-          <p:cNvPr id="3" name="Content Placeholder 2">
+              <a:t>Number List, PLCC Style           (1   23 456 )</a:t>
+            </a:r>
+          </a:p>
+        </p:txBody>
+      </p:sp>
+      <p:sp>
+        <p:nvSpPr>
+          <p:cNvPr id="8" name="Content Placeholder 7">
             <a:extLst>
               <a:ext uri="{FF2B5EF4-FFF2-40B4-BE49-F238E27FC236}">
-                <a16:creationId xmlns:a16="http://schemas.microsoft.com/office/drawing/2014/main" id="{C46CABC3-0C40-5B41-9851-755925205C2D}"/>
+                <a16:creationId xmlns:a16="http://schemas.microsoft.com/office/drawing/2014/main" id="{169DD02C-A4AF-7047-B435-8C024F4A9C22}"/>
               </a:ext>
             </a:extLst>
           </p:cNvPr>
@@ -12241,150 +12594,171 @@
             <p:ph idx="1"/>
           </p:nvPr>
         </p:nvSpPr>
-        <p:spPr>
-          <a:xfrm>
-            <a:off x="680321" y="2336873"/>
-            <a:ext cx="9613861" cy="3873922"/>
-          </a:xfrm>
-        </p:spPr>
+        <p:spPr/>
         <p:txBody>
           <a:bodyPr>
-            <a:normAutofit/>
+            <a:normAutofit fontScale="92500" lnSpcReduction="10000"/>
           </a:bodyPr>
           <a:lstStyle/>
           <a:p>
-            <a:r>
-              <a:rPr lang="en-US" dirty="0"/>
-              <a:t>Terminal</a:t>
-            </a:r>
-          </a:p>
-          <a:p>
-            <a:pPr lvl="1"/>
-            <a:r>
-              <a:rPr lang="en-US" dirty="0"/>
-              <a:t>An identifier defined in the token section (section 1)</a:t>
-            </a:r>
-          </a:p>
-          <a:p>
-            <a:pPr lvl="1"/>
-            <a:r>
-              <a:rPr lang="en-US" dirty="0"/>
-              <a:t>possibly surrounded by "&lt;…&gt;"</a:t>
-            </a:r>
-          </a:p>
-          <a:p>
-            <a:r>
-              <a:rPr lang="en-US" dirty="0"/>
-              <a:t>Non-terminal, right-hand side</a:t>
-            </a:r>
-          </a:p>
-          <a:p>
-            <a:pPr lvl="1"/>
-            <a:r>
-              <a:rPr lang="en-US" dirty="0"/>
+            <a:pPr marL="0" indent="0">
+              <a:buNone/>
+            </a:pPr>
+            <a:r>
+              <a:rPr lang="en-US" dirty="0">
+                <a:latin typeface="Andale Mono" panose="020B0509000000000004" pitchFamily="49" charset="0"/>
+              </a:rPr>
+              <a:t>skip WHITESPACE '\s+'</a:t>
+            </a:r>
+          </a:p>
+          <a:p>
+            <a:pPr marL="0" indent="0">
+              <a:buNone/>
+            </a:pPr>
+            <a:r>
+              <a:rPr lang="en-US" dirty="0">
+                <a:latin typeface="Andale Mono" panose="020B0509000000000004" pitchFamily="49" charset="0"/>
+              </a:rPr>
+              <a:t>NUMBER '\d+'</a:t>
+            </a:r>
+          </a:p>
+          <a:p>
+            <a:pPr marL="0" indent="0">
+              <a:buNone/>
+            </a:pPr>
+            <a:r>
+              <a:rPr lang="en-US" dirty="0">
+                <a:latin typeface="Andale Mono" panose="020B0509000000000004" pitchFamily="49" charset="0"/>
+              </a:rPr>
+              <a:t>LPAREN '\('</a:t>
+            </a:r>
+          </a:p>
+          <a:p>
+            <a:pPr marL="0" indent="0">
+              <a:buNone/>
+            </a:pPr>
+            <a:r>
+              <a:rPr lang="en-US" dirty="0">
+                <a:latin typeface="Andale Mono" panose="020B0509000000000004" pitchFamily="49" charset="0"/>
+              </a:rPr>
+              <a:t>RPAREN '\)'</a:t>
+            </a:r>
+          </a:p>
+          <a:p>
+            <a:pPr marL="0" indent="0">
+              <a:buNone/>
+            </a:pPr>
+            <a:r>
+              <a:rPr lang="en-US" dirty="0">
+                <a:latin typeface="Andale Mono" panose="020B0509000000000004" pitchFamily="49" charset="0"/>
+              </a:rPr>
+              <a:t>%</a:t>
+            </a:r>
+          </a:p>
+          <a:p>
+            <a:pPr marL="0" indent="0">
+              <a:buNone/>
+            </a:pPr>
+            <a:r>
+              <a:rPr lang="en-US" dirty="0">
+                <a:latin typeface="Andale Mono" panose="020B0509000000000004" pitchFamily="49" charset="0"/>
+              </a:rPr>
               <a:t>&lt;</a:t>
             </a:r>
             <a:r>
-              <a:rPr lang="en-US" i="1" dirty="0"/>
-              <a:t>id</a:t>
-            </a:r>
-            <a:r>
-              <a:rPr lang="en-US" dirty="0"/>
-              <a:t>&gt;</a:t>
-            </a:r>
-          </a:p>
-          <a:p>
-            <a:pPr lvl="1"/>
-            <a:r>
-              <a:rPr lang="en-US" dirty="0"/>
-              <a:t>&lt;</a:t>
-            </a:r>
-            <a:r>
-              <a:rPr lang="en-US" i="1" dirty="0"/>
-              <a:t>id</a:t>
-            </a:r>
-            <a:r>
-              <a:rPr lang="en-US" dirty="0"/>
-              <a:t>&gt;</a:t>
-            </a:r>
-            <a:r>
-              <a:rPr lang="en-US" i="1" dirty="0"/>
-              <a:t>alt</a:t>
-            </a:r>
-            <a:r>
-              <a:rPr lang="en-US" dirty="0"/>
-              <a:t> – required if &lt;</a:t>
-            </a:r>
-            <a:r>
-              <a:rPr lang="en-US" i="1" dirty="0"/>
-              <a:t>id</a:t>
-            </a:r>
-            <a:r>
-              <a:rPr lang="en-US" dirty="0"/>
-              <a:t>&gt; appears multiple times on right-hand side</a:t>
-            </a:r>
-          </a:p>
-          <a:p>
-            <a:r>
-              <a:rPr lang="en-US" dirty="0"/>
-              <a:t>Non-terminal, left hand side</a:t>
-            </a:r>
-          </a:p>
-          <a:p>
-            <a:pPr lvl="1"/>
-            <a:r>
-              <a:rPr lang="en-US" dirty="0"/>
-              <a:t>&lt;</a:t>
-            </a:r>
-            <a:r>
-              <a:rPr lang="en-US" i="1" dirty="0"/>
-              <a:t>id</a:t>
-            </a:r>
-            <a:r>
-              <a:rPr lang="en-US" dirty="0"/>
-              <a:t>&gt; as above, or</a:t>
-            </a:r>
-          </a:p>
-          <a:p>
-            <a:pPr lvl="1"/>
-            <a:r>
-              <a:rPr lang="en-US" dirty="0"/>
-              <a:t>&lt;</a:t>
-            </a:r>
-            <a:r>
-              <a:rPr lang="en-US" i="1" dirty="0"/>
-              <a:t>id</a:t>
-            </a:r>
-            <a:r>
-              <a:rPr lang="en-US" dirty="0"/>
-              <a:t>&gt;:</a:t>
-            </a:r>
-            <a:r>
-              <a:rPr lang="en-US" i="1" dirty="0" err="1"/>
-              <a:t>sub_id</a:t>
-            </a:r>
-            <a:r>
-              <a:rPr lang="en-US" dirty="0"/>
-              <a:t> for multiple choices of rules for &lt;</a:t>
-            </a:r>
-            <a:r>
-              <a:rPr lang="en-US" i="1" dirty="0"/>
-              <a:t>id</a:t>
-            </a:r>
-            <a:r>
-              <a:rPr lang="en-US" dirty="0"/>
-              <a:t>&gt;</a:t>
-            </a:r>
-            <a:endParaRPr lang="en-US" i="1" dirty="0"/>
-          </a:p>
-        </p:txBody>
-      </p:sp>
-      <p:sp>
-        <p:nvSpPr>
-          <p:cNvPr id="4" name="Date Placeholder 3">
+              <a:rPr lang="en-US" dirty="0" err="1">
+                <a:latin typeface="Andale Mono" panose="020B0509000000000004" pitchFamily="49" charset="0"/>
+              </a:rPr>
+              <a:t>numSeq</a:t>
+            </a:r>
+            <a:r>
+              <a:rPr lang="en-US" dirty="0">
+                <a:latin typeface="Andale Mono" panose="020B0509000000000004" pitchFamily="49" charset="0"/>
+              </a:rPr>
+              <a:t>&gt; ::= LPAREN &lt;numbers&gt; RPAREN</a:t>
+            </a:r>
+          </a:p>
+          <a:p>
+            <a:pPr marL="0" indent="0">
+              <a:buNone/>
+            </a:pPr>
+            <a:r>
+              <a:rPr lang="en-US" dirty="0">
+                <a:latin typeface="Andale Mono" panose="020B0509000000000004" pitchFamily="49" charset="0"/>
+              </a:rPr>
+              <a:t>&lt;numbers&gt;:</a:t>
+            </a:r>
+            <a:r>
+              <a:rPr lang="en-US" dirty="0" err="1">
+                <a:latin typeface="Andale Mono" panose="020B0509000000000004" pitchFamily="49" charset="0"/>
+              </a:rPr>
+              <a:t>NonEmptyNumbers</a:t>
+            </a:r>
+            <a:r>
+              <a:rPr lang="en-US" dirty="0">
+                <a:latin typeface="Andale Mono" panose="020B0509000000000004" pitchFamily="49" charset="0"/>
+              </a:rPr>
+              <a:t> ::= &lt;NUMBER&gt; &lt;numbers&gt;</a:t>
+            </a:r>
+          </a:p>
+          <a:p>
+            <a:pPr marL="0" indent="0">
+              <a:buNone/>
+            </a:pPr>
+            <a:r>
+              <a:rPr lang="en-US" dirty="0">
+                <a:latin typeface="Andale Mono" panose="020B0509000000000004" pitchFamily="49" charset="0"/>
+              </a:rPr>
+              <a:t>&lt;numbers&gt;:</a:t>
+            </a:r>
+            <a:r>
+              <a:rPr lang="en-US" dirty="0" err="1">
+                <a:latin typeface="Andale Mono" panose="020B0509000000000004" pitchFamily="49" charset="0"/>
+              </a:rPr>
+              <a:t>EmptyNumbers</a:t>
+            </a:r>
+            <a:r>
+              <a:rPr lang="en-US" dirty="0">
+                <a:latin typeface="Andale Mono" panose="020B0509000000000004" pitchFamily="49" charset="0"/>
+              </a:rPr>
+              <a:t> ::=</a:t>
+            </a:r>
+          </a:p>
+          <a:p>
+            <a:pPr marL="0" indent="0">
+              <a:buNone/>
+            </a:pPr>
+            <a:r>
+              <a:rPr lang="en-US" dirty="0">
+                <a:latin typeface="Andale Mono" panose="020B0509000000000004" pitchFamily="49" charset="0"/>
+              </a:rPr>
+              <a:t>%</a:t>
+            </a:r>
+          </a:p>
+          <a:p>
+            <a:pPr marL="0" indent="0">
+              <a:buNone/>
+            </a:pPr>
+            <a:endParaRPr lang="en-US" dirty="0">
+              <a:latin typeface="Andale Mono" panose="020B0509000000000004" pitchFamily="49" charset="0"/>
+            </a:endParaRPr>
+          </a:p>
+          <a:p>
+            <a:pPr marL="0" indent="0">
+              <a:buNone/>
+            </a:pPr>
+            <a:endParaRPr lang="en-US" dirty="0">
+              <a:latin typeface="Andale Mono" panose="020B0509000000000004" pitchFamily="49" charset="0"/>
+            </a:endParaRPr>
+          </a:p>
+        </p:txBody>
+      </p:sp>
+      <p:sp>
+        <p:nvSpPr>
+          <p:cNvPr id="5" name="Date Placeholder 4">
             <a:extLst>
               <a:ext uri="{FF2B5EF4-FFF2-40B4-BE49-F238E27FC236}">
-                <a16:creationId xmlns:a16="http://schemas.microsoft.com/office/drawing/2014/main" id="{8EF1EC47-3DCC-ED40-8195-6B2D15BCC93A}"/>
+                <a16:creationId xmlns:a16="http://schemas.microsoft.com/office/drawing/2014/main" id="{FA9B0C23-E992-D944-A8A7-FBF1E8BAB1C2}"/>
               </a:ext>
             </a:extLst>
           </p:cNvPr>
@@ -12402,17 +12776,17 @@
           <a:p>
             <a:r>
               <a:rPr lang="en-US"/>
-              <a:t>Spring 2020</a:t>
-            </a:r>
-          </a:p>
-        </p:txBody>
-      </p:sp>
-      <p:sp>
-        <p:nvSpPr>
-          <p:cNvPr id="5" name="Footer Placeholder 4">
+              <a:t>Spring 2021</a:t>
+            </a:r>
+          </a:p>
+        </p:txBody>
+      </p:sp>
+      <p:sp>
+        <p:nvSpPr>
+          <p:cNvPr id="6" name="Footer Placeholder 5">
             <a:extLst>
               <a:ext uri="{FF2B5EF4-FFF2-40B4-BE49-F238E27FC236}">
-                <a16:creationId xmlns:a16="http://schemas.microsoft.com/office/drawing/2014/main" id="{6872415A-2CF3-604B-8619-8075273A8141}"/>
+                <a16:creationId xmlns:a16="http://schemas.microsoft.com/office/drawing/2014/main" id="{098DBAC9-1DF2-1544-82B6-BE0D98EC31E4}"/>
               </a:ext>
             </a:extLst>
           </p:cNvPr>
@@ -12435,10 +12809,45 @@
           </a:p>
         </p:txBody>
       </p:sp>
+      <p:sp>
+        <p:nvSpPr>
+          <p:cNvPr id="9" name="TextBox 8">
+            <a:extLst>
+              <a:ext uri="{FF2B5EF4-FFF2-40B4-BE49-F238E27FC236}">
+                <a16:creationId xmlns:a16="http://schemas.microsoft.com/office/drawing/2014/main" id="{CBD678F8-7614-F842-980F-C8696C0DF9E8}"/>
+              </a:ext>
+            </a:extLst>
+          </p:cNvPr>
+          <p:cNvSpPr txBox="1"/>
+          <p:nvPr/>
+        </p:nvSpPr>
+        <p:spPr>
+          <a:xfrm>
+            <a:off x="10141528" y="3767198"/>
+            <a:ext cx="1763624" cy="369332"/>
+          </a:xfrm>
+          <a:prstGeom prst="rect">
+            <a:avLst/>
+          </a:prstGeom>
+          <a:noFill/>
+        </p:spPr>
+        <p:txBody>
+          <a:bodyPr wrap="none" rtlCol="0">
+            <a:spAutoFit/>
+          </a:bodyPr>
+          <a:lstStyle/>
+          <a:p>
+            <a:r>
+              <a:rPr lang="en-US" b="1" dirty="0"/>
+              <a:t>numlistv1.plcc</a:t>
+            </a:r>
+          </a:p>
+        </p:txBody>
+      </p:sp>
     </p:spTree>
     <p:extLst>
       <p:ext uri="{BB962C8B-B14F-4D97-AF65-F5344CB8AC3E}">
-        <p14:creationId xmlns:p14="http://schemas.microsoft.com/office/powerpoint/2010/main" val="2593338143"/>
+        <p14:creationId xmlns:p14="http://schemas.microsoft.com/office/powerpoint/2010/main" val="2541097769"/>
       </p:ext>
     </p:extLst>
   </p:cSld>
@@ -12529,7 +12938,7 @@
               <a:t> (</a:t>
             </a:r>
             <a:r>
-              <a:rPr lang="en-US" dirty="0" err="1"/>
+              <a:rPr lang="en-US" b="1" dirty="0" err="1"/>
               <a:t>plcc</a:t>
             </a:r>
             <a:r>
@@ -12537,7 +12946,7 @@
               <a:t> and </a:t>
             </a:r>
             <a:r>
-              <a:rPr lang="en-US" dirty="0" err="1"/>
+              <a:rPr lang="en-US" b="1" dirty="0" err="1"/>
               <a:t>plccmk</a:t>
             </a:r>
             <a:r>
@@ -12579,15 +12988,34 @@
               <a:rPr lang="en-US" i="1" dirty="0"/>
               <a:t>abstract syntax tree</a:t>
             </a:r>
-            <a:endParaRPr lang="en-US" dirty="0"/>
-          </a:p>
-          <a:p>
             <a:r>
               <a:rPr lang="en-US" dirty="0"/>
-              <a:t>By default the </a:t>
-            </a:r>
-            <a:r>
-              <a:rPr lang="en-US" dirty="0" err="1"/>
+              <a:t> -- We call this </a:t>
+            </a:r>
+            <a:r>
+              <a:rPr lang="en-US" i="1" dirty="0"/>
+              <a:t>semantic analysis</a:t>
+            </a:r>
+            <a:r>
+              <a:rPr lang="en-US" dirty="0"/>
+              <a:t>, and usually it's </a:t>
+            </a:r>
+            <a:r>
+              <a:rPr lang="en-US" u="sng" dirty="0"/>
+              <a:t>interpretation</a:t>
+            </a:r>
+            <a:r>
+              <a:rPr lang="en-US" dirty="0"/>
+              <a:t>.</a:t>
+            </a:r>
+          </a:p>
+          <a:p>
+            <a:r>
+              <a:rPr lang="en-US" dirty="0"/>
+              <a:t>By default </a:t>
+            </a:r>
+            <a:r>
+              <a:rPr lang="en-US" b="1" dirty="0" err="1"/>
               <a:t>plcc</a:t>
             </a:r>
             <a:r>
@@ -12605,19 +13033,23 @@
           </a:p>
           <a:p>
             <a:r>
-              <a:rPr lang="en-US" b="1" u="sng" dirty="0"/>
+              <a:rPr lang="en-US" u="sng" dirty="0"/>
               <a:t>Our</a:t>
             </a:r>
             <a:r>
+              <a:rPr lang="en-US" dirty="0"/>
+              <a:t> files will have distinct names, and they will end in "</a:t>
+            </a:r>
+            <a:r>
               <a:rPr lang="en-US" b="1" dirty="0"/>
-              <a:t> files will have distinct names and will end in ".</a:t>
+              <a:t>.</a:t>
             </a:r>
             <a:r>
               <a:rPr lang="en-US" b="1" dirty="0" err="1"/>
               <a:t>plcc</a:t>
             </a:r>
             <a:r>
-              <a:rPr lang="en-US" b="1" dirty="0"/>
+              <a:rPr lang="en-US" dirty="0"/>
               <a:t>".</a:t>
             </a:r>
           </a:p>
@@ -12646,7 +13078,7 @@
           <a:p>
             <a:r>
               <a:rPr lang="en-US"/>
-              <a:t>Spring 2020</a:t>
+              <a:t>Spring 2021</a:t>
             </a:r>
           </a:p>
         </p:txBody>
@@ -12714,6 +13146,274 @@
           <p:cNvPr id="2" name="Title 1">
             <a:extLst>
               <a:ext uri="{FF2B5EF4-FFF2-40B4-BE49-F238E27FC236}">
+                <a16:creationId xmlns:a16="http://schemas.microsoft.com/office/drawing/2014/main" id="{06AAD369-965F-4648-BCC0-0EB3A191DDC2}"/>
+              </a:ext>
+            </a:extLst>
+          </p:cNvPr>
+          <p:cNvSpPr>
+            <a:spLocks noGrp="1"/>
+          </p:cNvSpPr>
+          <p:nvPr>
+            <p:ph type="title"/>
+          </p:nvPr>
+        </p:nvSpPr>
+        <p:spPr/>
+        <p:txBody>
+          <a:bodyPr/>
+          <a:lstStyle/>
+          <a:p>
+            <a:r>
+              <a:rPr lang="en-US" dirty="0"/>
+              <a:t>PLCC Syntax, More Formally</a:t>
+            </a:r>
+          </a:p>
+        </p:txBody>
+      </p:sp>
+      <p:sp>
+        <p:nvSpPr>
+          <p:cNvPr id="3" name="Content Placeholder 2">
+            <a:extLst>
+              <a:ext uri="{FF2B5EF4-FFF2-40B4-BE49-F238E27FC236}">
+                <a16:creationId xmlns:a16="http://schemas.microsoft.com/office/drawing/2014/main" id="{C46CABC3-0C40-5B41-9851-755925205C2D}"/>
+              </a:ext>
+            </a:extLst>
+          </p:cNvPr>
+          <p:cNvSpPr>
+            <a:spLocks noGrp="1"/>
+          </p:cNvSpPr>
+          <p:nvPr>
+            <p:ph idx="1"/>
+          </p:nvPr>
+        </p:nvSpPr>
+        <p:spPr>
+          <a:xfrm>
+            <a:off x="680321" y="2336873"/>
+            <a:ext cx="9613861" cy="3873922"/>
+          </a:xfrm>
+        </p:spPr>
+        <p:txBody>
+          <a:bodyPr>
+            <a:normAutofit/>
+          </a:bodyPr>
+          <a:lstStyle/>
+          <a:p>
+            <a:r>
+              <a:rPr lang="en-US" dirty="0"/>
+              <a:t>Terminal</a:t>
+            </a:r>
+          </a:p>
+          <a:p>
+            <a:pPr lvl="1"/>
+            <a:r>
+              <a:rPr lang="en-US" dirty="0"/>
+              <a:t>An identifier defined in the token section (section 1)</a:t>
+            </a:r>
+          </a:p>
+          <a:p>
+            <a:pPr lvl="1"/>
+            <a:r>
+              <a:rPr lang="en-US" dirty="0"/>
+              <a:t>possibly surrounded by "&lt;…&gt;" here in the grammar section</a:t>
+            </a:r>
+          </a:p>
+          <a:p>
+            <a:r>
+              <a:rPr lang="en-US" dirty="0"/>
+              <a:t>Non-terminal, right-hand side</a:t>
+            </a:r>
+          </a:p>
+          <a:p>
+            <a:pPr lvl="1"/>
+            <a:r>
+              <a:rPr lang="en-US" dirty="0"/>
+              <a:t>&lt;</a:t>
+            </a:r>
+            <a:r>
+              <a:rPr lang="en-US" i="1" dirty="0"/>
+              <a:t>id</a:t>
+            </a:r>
+            <a:r>
+              <a:rPr lang="en-US" dirty="0"/>
+              <a:t>&gt;</a:t>
+            </a:r>
+          </a:p>
+          <a:p>
+            <a:pPr lvl="1"/>
+            <a:r>
+              <a:rPr lang="en-US" dirty="0"/>
+              <a:t>&lt;</a:t>
+            </a:r>
+            <a:r>
+              <a:rPr lang="en-US" i="1" dirty="0"/>
+              <a:t>id</a:t>
+            </a:r>
+            <a:r>
+              <a:rPr lang="en-US" dirty="0"/>
+              <a:t>&gt;</a:t>
+            </a:r>
+            <a:r>
+              <a:rPr lang="en-US" i="1" dirty="0"/>
+              <a:t>alt</a:t>
+            </a:r>
+            <a:r>
+              <a:rPr lang="en-US" dirty="0"/>
+              <a:t> – required if &lt;</a:t>
+            </a:r>
+            <a:r>
+              <a:rPr lang="en-US" i="1" dirty="0"/>
+              <a:t>id</a:t>
+            </a:r>
+            <a:r>
+              <a:rPr lang="en-US" dirty="0"/>
+              <a:t>&gt; appears multiple times on right-hand side</a:t>
+            </a:r>
+          </a:p>
+          <a:p>
+            <a:r>
+              <a:rPr lang="en-US" dirty="0"/>
+              <a:t>Non-terminal, left hand side</a:t>
+            </a:r>
+          </a:p>
+          <a:p>
+            <a:pPr lvl="1"/>
+            <a:r>
+              <a:rPr lang="en-US" dirty="0"/>
+              <a:t>&lt;</a:t>
+            </a:r>
+            <a:r>
+              <a:rPr lang="en-US" i="1" dirty="0"/>
+              <a:t>id</a:t>
+            </a:r>
+            <a:r>
+              <a:rPr lang="en-US" dirty="0"/>
+              <a:t>&gt; as above, or</a:t>
+            </a:r>
+          </a:p>
+          <a:p>
+            <a:pPr lvl="1"/>
+            <a:r>
+              <a:rPr lang="en-US" dirty="0"/>
+              <a:t>&lt;</a:t>
+            </a:r>
+            <a:r>
+              <a:rPr lang="en-US" i="1" dirty="0"/>
+              <a:t>id</a:t>
+            </a:r>
+            <a:r>
+              <a:rPr lang="en-US" dirty="0"/>
+              <a:t>&gt;:</a:t>
+            </a:r>
+            <a:r>
+              <a:rPr lang="en-US" i="1" dirty="0" err="1"/>
+              <a:t>sub_id</a:t>
+            </a:r>
+            <a:r>
+              <a:rPr lang="en-US" dirty="0"/>
+              <a:t> for multiple choices of rules for &lt;</a:t>
+            </a:r>
+            <a:r>
+              <a:rPr lang="en-US" i="1" dirty="0"/>
+              <a:t>id</a:t>
+            </a:r>
+            <a:r>
+              <a:rPr lang="en-US" dirty="0"/>
+              <a:t>&gt;</a:t>
+            </a:r>
+            <a:endParaRPr lang="en-US" i="1" dirty="0"/>
+          </a:p>
+        </p:txBody>
+      </p:sp>
+      <p:sp>
+        <p:nvSpPr>
+          <p:cNvPr id="4" name="Date Placeholder 3">
+            <a:extLst>
+              <a:ext uri="{FF2B5EF4-FFF2-40B4-BE49-F238E27FC236}">
+                <a16:creationId xmlns:a16="http://schemas.microsoft.com/office/drawing/2014/main" id="{8EF1EC47-3DCC-ED40-8195-6B2D15BCC93A}"/>
+              </a:ext>
+            </a:extLst>
+          </p:cNvPr>
+          <p:cNvSpPr>
+            <a:spLocks noGrp="1"/>
+          </p:cNvSpPr>
+          <p:nvPr>
+            <p:ph type="dt" sz="half" idx="10"/>
+          </p:nvPr>
+        </p:nvSpPr>
+        <p:spPr/>
+        <p:txBody>
+          <a:bodyPr/>
+          <a:lstStyle/>
+          <a:p>
+            <a:r>
+              <a:rPr lang="en-US"/>
+              <a:t>Spring 2021</a:t>
+            </a:r>
+          </a:p>
+        </p:txBody>
+      </p:sp>
+      <p:sp>
+        <p:nvSpPr>
+          <p:cNvPr id="5" name="Footer Placeholder 4">
+            <a:extLst>
+              <a:ext uri="{FF2B5EF4-FFF2-40B4-BE49-F238E27FC236}">
+                <a16:creationId xmlns:a16="http://schemas.microsoft.com/office/drawing/2014/main" id="{6872415A-2CF3-604B-8619-8075273A8141}"/>
+              </a:ext>
+            </a:extLst>
+          </p:cNvPr>
+          <p:cNvSpPr>
+            <a:spLocks noGrp="1"/>
+          </p:cNvSpPr>
+          <p:nvPr>
+            <p:ph type="ftr" sz="quarter" idx="11"/>
+          </p:nvPr>
+        </p:nvSpPr>
+        <p:spPr/>
+        <p:txBody>
+          <a:bodyPr/>
+          <a:lstStyle/>
+          <a:p>
+            <a:r>
+              <a:rPr lang="en-US"/>
+              <a:t>CSCI 344</a:t>
+            </a:r>
+          </a:p>
+        </p:txBody>
+      </p:sp>
+    </p:spTree>
+    <p:extLst>
+      <p:ext uri="{BB962C8B-B14F-4D97-AF65-F5344CB8AC3E}">
+        <p14:creationId xmlns:p14="http://schemas.microsoft.com/office/powerpoint/2010/main" val="2593338143"/>
+      </p:ext>
+    </p:extLst>
+  </p:cSld>
+  <p:clrMapOvr>
+    <a:masterClrMapping/>
+  </p:clrMapOvr>
+</p:sld>
+</file>
+
+<file path=ppt/slides/slide21.xml><?xml version="1.0" encoding="utf-8"?>
+<p:sld xmlns:a="http://schemas.openxmlformats.org/drawingml/2006/main" xmlns:r="http://schemas.openxmlformats.org/officeDocument/2006/relationships" xmlns:p="http://schemas.openxmlformats.org/presentationml/2006/main">
+  <p:cSld>
+    <p:spTree>
+      <p:nvGrpSpPr>
+        <p:cNvPr id="1" name=""/>
+        <p:cNvGrpSpPr/>
+        <p:nvPr/>
+      </p:nvGrpSpPr>
+      <p:grpSpPr>
+        <a:xfrm>
+          <a:off x="0" y="0"/>
+          <a:ext cx="0" cy="0"/>
+          <a:chOff x="0" y="0"/>
+          <a:chExt cx="0" cy="0"/>
+        </a:xfrm>
+      </p:grpSpPr>
+      <p:sp>
+        <p:nvSpPr>
+          <p:cNvPr id="2" name="Title 1">
+            <a:extLst>
+              <a:ext uri="{FF2B5EF4-FFF2-40B4-BE49-F238E27FC236}">
                 <a16:creationId xmlns:a16="http://schemas.microsoft.com/office/drawing/2014/main" id="{1AA36546-10A1-EE47-8B0D-EFDA354F6610}"/>
               </a:ext>
             </a:extLst>
@@ -12898,6 +13598,10 @@
               <a:rPr lang="en-US" dirty="0"/>
               <a:t>&gt;</a:t>
             </a:r>
+            <a:br>
+              <a:rPr lang="en-US" dirty="0"/>
+            </a:br>
+            <a:endParaRPr lang="en-US" dirty="0"/>
           </a:p>
           <a:p>
             <a:pPr lvl="1"/>
@@ -13008,7 +13712,7 @@
             </a:pPr>
             <a:r>
               <a:rPr lang="en-US" dirty="0"/>
-              <a:t>a class name whose identifier has the name = </a:t>
+              <a:t>a class name whose instance has the name </a:t>
             </a:r>
             <a:r>
               <a:rPr lang="en-US" i="1" dirty="0"/>
@@ -13023,7 +13727,15 @@
             </a:pPr>
             <a:r>
               <a:rPr lang="en-US" dirty="0"/>
-              <a:t>a class name with an identifier name for the instance</a:t>
+              <a:t>a class name with </a:t>
+            </a:r>
+            <a:r>
+              <a:rPr lang="en-US" i="1" dirty="0"/>
+              <a:t>id2</a:t>
+            </a:r>
+            <a:r>
+              <a:rPr lang="en-US" dirty="0"/>
+              <a:t> as the name for the instance</a:t>
             </a:r>
           </a:p>
           <a:p>
@@ -13051,6 +13763,13 @@
               </a:rPr>
               <a:t>Token</a:t>
             </a:r>
+            <a:r>
+              <a:rPr lang="en-US" dirty="0"/>
+              <a:t> and whose name is the token name, but in lower case</a:t>
+            </a:r>
+            <a:endParaRPr lang="en-US" dirty="0">
+              <a:latin typeface="Andale Mono" panose="020B0509000000000004" pitchFamily="49" charset="0"/>
+            </a:endParaRPr>
           </a:p>
           <a:p>
             <a:pPr lvl="1">
@@ -13069,7 +13788,11 @@
             </a:r>
             <a:r>
               <a:rPr lang="en-US" dirty="0"/>
-              <a:t>  but in another variable</a:t>
+              <a:t>  but in a variable named </a:t>
+            </a:r>
+            <a:r>
+              <a:rPr lang="en-US" i="1" dirty="0"/>
+              <a:t>id2</a:t>
             </a:r>
           </a:p>
         </p:txBody>
@@ -13097,7 +13820,7 @@
           <a:p>
             <a:r>
               <a:rPr lang="en-US"/>
-              <a:t>Spring 2020</a:t>
+              <a:t>Spring 2021</a:t>
             </a:r>
           </a:p>
         </p:txBody>
@@ -13194,71 +13917,6 @@
       </p:sp>
       <p:sp>
         <p:nvSpPr>
-          <p:cNvPr id="8" name="TextBox 7">
-            <a:extLst>
-              <a:ext uri="{FF2B5EF4-FFF2-40B4-BE49-F238E27FC236}">
-                <a16:creationId xmlns:a16="http://schemas.microsoft.com/office/drawing/2014/main" id="{530699AB-65E3-E842-B807-480142FA8C00}"/>
-              </a:ext>
-            </a:extLst>
-          </p:cNvPr>
-          <p:cNvSpPr txBox="1"/>
-          <p:nvPr/>
-        </p:nvSpPr>
-        <p:spPr>
-          <a:xfrm>
-            <a:off x="10177153" y="4458858"/>
-            <a:ext cx="1911928" cy="1477328"/>
-          </a:xfrm>
-          <a:prstGeom prst="rect">
-            <a:avLst/>
-          </a:prstGeom>
-          <a:solidFill>
-            <a:schemeClr val="accent2">
-              <a:lumMod val="40000"/>
-              <a:lumOff val="60000"/>
-            </a:schemeClr>
-          </a:solidFill>
-          <a:ln w="19050">
-            <a:solidFill>
-              <a:srgbClr val="FF0000"/>
-            </a:solidFill>
-          </a:ln>
-        </p:spPr>
-        <p:txBody>
-          <a:bodyPr wrap="square" rtlCol="0">
-            <a:spAutoFit/>
-          </a:bodyPr>
-          <a:lstStyle/>
-          <a:p>
-            <a:r>
-              <a:rPr lang="en-US" dirty="0">
-                <a:solidFill>
-                  <a:srgbClr val="FF0000"/>
-                </a:solidFill>
-              </a:rPr>
-              <a:t>If a token is saved without an </a:t>
-            </a:r>
-            <a:r>
-              <a:rPr lang="en-US" i="1" dirty="0">
-                <a:solidFill>
-                  <a:srgbClr val="FF0000"/>
-                </a:solidFill>
-              </a:rPr>
-              <a:t>id2</a:t>
-            </a:r>
-            <a:r>
-              <a:rPr lang="en-US" dirty="0">
-                <a:solidFill>
-                  <a:srgbClr val="FF0000"/>
-                </a:solidFill>
-              </a:rPr>
-              <a:t>, its variable's name is all lower case.</a:t>
-            </a:r>
-          </a:p>
-        </p:txBody>
-      </p:sp>
-      <p:sp>
-        <p:nvSpPr>
           <p:cNvPr id="9" name="Oval 8">
             <a:extLst>
               <a:ext uri="{FF2B5EF4-FFF2-40B4-BE49-F238E27FC236}">
@@ -13278,7 +13936,7 @@
             <a:avLst/>
           </a:prstGeom>
           <a:noFill/>
-          <a:ln w="19050">
+          <a:ln w="28575">
             <a:solidFill>
               <a:srgbClr val="FFFF00"/>
             </a:solidFill>
@@ -13431,7 +14089,7 @@
                             </p:stCondLst>
                             <p:childTnLst>
                               <p:par>
-                                <p:cTn id="11" presetID="2" presetClass="entr" presetSubtype="4" fill="hold" grpId="0" nodeType="clickEffect">
+                                <p:cTn id="11" presetID="43" presetClass="entr" presetSubtype="0" fill="hold" grpId="0" nodeType="clickEffect">
                                   <p:stCondLst>
                                     <p:cond delay="0"/>
                                   </p:stCondLst>
@@ -13444,7 +14102,7 @@
                                           </p:stCondLst>
                                         </p:cTn>
                                         <p:tgtEl>
-                                          <p:spTgt spid="8"/>
+                                          <p:spTgt spid="9"/>
                                         </p:tgtEl>
                                         <p:attrNameLst>
                                           <p:attrName>style.visibility</p:attrName>
@@ -13454,11 +14112,19 @@
                                         <p:strVal val="visible"/>
                                       </p:to>
                                     </p:set>
+                                    <p:animEffect transition="in" filter="fade">
+                                      <p:cBhvr>
+                                        <p:cTn id="13" dur="100"/>
+                                        <p:tgtEl>
+                                          <p:spTgt spid="9"/>
+                                        </p:tgtEl>
+                                      </p:cBhvr>
+                                    </p:animEffect>
                                     <p:anim calcmode="lin" valueType="num">
-                                      <p:cBhvr additive="base">
-                                        <p:cTn id="13" dur="500" fill="hold"/>
+                                      <p:cBhvr>
+                                        <p:cTn id="14" dur="400" fill="hold"/>
                                         <p:tgtEl>
-                                          <p:spTgt spid="8"/>
+                                          <p:spTgt spid="9"/>
                                         </p:tgtEl>
                                         <p:attrNameLst>
                                           <p:attrName>ppt_x</p:attrName>
@@ -13478,10 +14144,10 @@
                                       </p:tavLst>
                                     </p:anim>
                                     <p:anim calcmode="lin" valueType="num">
-                                      <p:cBhvr additive="base">
-                                        <p:cTn id="14" dur="500" fill="hold"/>
+                                      <p:cBhvr>
+                                        <p:cTn id="15" dur="400" fill="hold"/>
                                         <p:tgtEl>
-                                          <p:spTgt spid="8"/>
+                                          <p:spTgt spid="9"/>
                                         </p:tgtEl>
                                         <p:attrNameLst>
                                           <p:attrName>ppt_y</p:attrName>
@@ -13490,111 +14156,256 @@
                                       <p:tavLst>
                                         <p:tav tm="0">
                                           <p:val>
-                                            <p:strVal val="1+#ppt_h/2"/>
+                                            <p:strVal val="#ppt_y+0.31"/>
                                           </p:val>
                                         </p:tav>
                                         <p:tav tm="100000">
                                           <p:val>
-                                            <p:strVal val="#ppt_y"/>
+                                            <p:strVal val="#ppt_y+0.31"/>
                                           </p:val>
                                         </p:tav>
                                       </p:tavLst>
                                     </p:anim>
-                                  </p:childTnLst>
-                                </p:cTn>
-                              </p:par>
-                            </p:childTnLst>
-                          </p:cTn>
-                        </p:par>
-                      </p:childTnLst>
-                    </p:cTn>
-                  </p:par>
-                  <p:par>
-                    <p:cTn id="15" fill="hold">
-                      <p:stCondLst>
-                        <p:cond delay="indefinite"/>
-                      </p:stCondLst>
-                      <p:childTnLst>
-                        <p:par>
-                          <p:cTn id="16" fill="hold">
-                            <p:stCondLst>
-                              <p:cond delay="0"/>
-                            </p:stCondLst>
-                            <p:childTnLst>
-                              <p:par>
-                                <p:cTn id="17" presetID="45" presetClass="entr" presetSubtype="0" fill="hold" grpId="0" nodeType="clickEffect">
-                                  <p:stCondLst>
-                                    <p:cond delay="0"/>
-                                  </p:stCondLst>
-                                  <p:childTnLst>
-                                    <p:set>
+                                    <p:anim calcmode="lin" valueType="num">
                                       <p:cBhvr>
-                                        <p:cTn id="18" dur="1" fill="hold">
+                                        <p:cTn id="16" dur="600" decel="50000" fill="hold">
                                           <p:stCondLst>
-                                            <p:cond delay="0"/>
+                                            <p:cond delay="400"/>
                                           </p:stCondLst>
                                         </p:cTn>
                                         <p:tgtEl>
                                           <p:spTgt spid="9"/>
                                         </p:tgtEl>
                                         <p:attrNameLst>
-                                          <p:attrName>style.visibility</p:attrName>
-                                        </p:attrNameLst>
-                                      </p:cBhvr>
-                                      <p:to>
-                                        <p:strVal val="visible"/>
-                                      </p:to>
-                                    </p:set>
-                                    <p:animEffect transition="in" filter="fade">
-                                      <p:cBhvr>
-                                        <p:cTn id="19" dur="2000"/>
-                                        <p:tgtEl>
-                                          <p:spTgt spid="9"/>
-                                        </p:tgtEl>
-                                      </p:cBhvr>
-                                    </p:animEffect>
-                                    <p:anim calcmode="lin" valueType="num">
-                                      <p:cBhvr>
-                                        <p:cTn id="20" dur="2000" fill="hold"/>
-                                        <p:tgtEl>
-                                          <p:spTgt spid="9"/>
-                                        </p:tgtEl>
-                                        <p:attrNameLst>
-                                          <p:attrName>ppt_w</p:attrName>
+                                          <p:attrName>ppt_x</p:attrName>
                                         </p:attrNameLst>
                                       </p:cBhvr>
                                       <p:tavLst>
-                                        <p:tav tm="0" fmla="#ppt_w*sin(2.5*pi*$)">
+                                        <p:tav tm="0">
                                           <p:val>
-                                            <p:fltVal val="0"/>
+                                            <p:strVal val="#ppt_x"/>
+                                          </p:val>
+                                        </p:tav>
+                                        <p:tav tm="5000">
+                                          <p:val>
+                                            <p:strVal val="#ppt_x+0.0242"/>
+                                          </p:val>
+                                        </p:tav>
+                                        <p:tav tm="10000">
+                                          <p:val>
+                                            <p:strVal val="#ppt_x+0.0479"/>
+                                          </p:val>
+                                        </p:tav>
+                                        <p:tav tm="15000">
+                                          <p:val>
+                                            <p:strVal val="#ppt_x+0.0704"/>
+                                          </p:val>
+                                        </p:tav>
+                                        <p:tav tm="20000">
+                                          <p:val>
+                                            <p:strVal val="#ppt_x+0.0911"/>
+                                          </p:val>
+                                        </p:tav>
+                                        <p:tav tm="25000">
+                                          <p:val>
+                                            <p:strVal val="#ppt_x+0.1096"/>
+                                          </p:val>
+                                        </p:tav>
+                                        <p:tav tm="30000">
+                                          <p:val>
+                                            <p:strVal val="#ppt_x+0.1254"/>
+                                          </p:val>
+                                        </p:tav>
+                                        <p:tav tm="35000">
+                                          <p:val>
+                                            <p:strVal val="#ppt_x+0.1381"/>
+                                          </p:val>
+                                        </p:tav>
+                                        <p:tav tm="40000">
+                                          <p:val>
+                                            <p:strVal val="#ppt_x+0.1474"/>
+                                          </p:val>
+                                        </p:tav>
+                                        <p:tav tm="45000">
+                                          <p:val>
+                                            <p:strVal val="#ppt_x+0.1531"/>
+                                          </p:val>
+                                        </p:tav>
+                                        <p:tav tm="50000">
+                                          <p:val>
+                                            <p:strVal val="#ppt_x+0.1550"/>
+                                          </p:val>
+                                        </p:tav>
+                                        <p:tav tm="55000">
+                                          <p:val>
+                                            <p:strVal val="#ppt_x+0.1531"/>
+                                          </p:val>
+                                        </p:tav>
+                                        <p:tav tm="60000">
+                                          <p:val>
+                                            <p:strVal val="#ppt_x+0.1474"/>
+                                          </p:val>
+                                        </p:tav>
+                                        <p:tav tm="65000">
+                                          <p:val>
+                                            <p:strVal val="#ppt_x+0.1381"/>
+                                          </p:val>
+                                        </p:tav>
+                                        <p:tav tm="70000">
+                                          <p:val>
+                                            <p:strVal val="#ppt_x+0.1254"/>
+                                          </p:val>
+                                        </p:tav>
+                                        <p:tav tm="75000">
+                                          <p:val>
+                                            <p:strVal val="#ppt_x+0.1096"/>
+                                          </p:val>
+                                        </p:tav>
+                                        <p:tav tm="80000">
+                                          <p:val>
+                                            <p:strVal val="#ppt_x+0.0911"/>
+                                          </p:val>
+                                        </p:tav>
+                                        <p:tav tm="85000">
+                                          <p:val>
+                                            <p:strVal val="#ppt_x+0.0704"/>
+                                          </p:val>
+                                        </p:tav>
+                                        <p:tav tm="90000">
+                                          <p:val>
+                                            <p:strVal val="#ppt_x+0.0479"/>
+                                          </p:val>
+                                        </p:tav>
+                                        <p:tav tm="95000">
+                                          <p:val>
+                                            <p:strVal val="#ppt_x+0.0242"/>
                                           </p:val>
                                         </p:tav>
                                         <p:tav tm="100000">
                                           <p:val>
-                                            <p:fltVal val="1"/>
+                                            <p:strVal val="#ppt_x"/>
                                           </p:val>
                                         </p:tav>
                                       </p:tavLst>
                                     </p:anim>
                                     <p:anim calcmode="lin" valueType="num">
                                       <p:cBhvr>
-                                        <p:cTn id="21" dur="2000" fill="hold"/>
+                                        <p:cTn id="17" dur="600" decel="50000" fill="hold">
+                                          <p:stCondLst>
+                                            <p:cond delay="400"/>
+                                          </p:stCondLst>
+                                        </p:cTn>
                                         <p:tgtEl>
                                           <p:spTgt spid="9"/>
                                         </p:tgtEl>
                                         <p:attrNameLst>
-                                          <p:attrName>ppt_h</p:attrName>
+                                          <p:attrName>ppt_y</p:attrName>
                                         </p:attrNameLst>
                                       </p:cBhvr>
                                       <p:tavLst>
                                         <p:tav tm="0">
                                           <p:val>
-                                            <p:strVal val="#ppt_h"/>
+                                            <p:strVal val="#ppt_y+0.31"/>
+                                          </p:val>
+                                        </p:tav>
+                                        <p:tav tm="5000">
+                                          <p:val>
+                                            <p:strVal val="#ppt_y+0.308"/>
+                                          </p:val>
+                                        </p:tav>
+                                        <p:tav tm="10000">
+                                          <p:val>
+                                            <p:strVal val="#ppt_y+0.3024"/>
+                                          </p:val>
+                                        </p:tav>
+                                        <p:tav tm="15000">
+                                          <p:val>
+                                            <p:strVal val="#ppt_y+0.2931"/>
+                                          </p:val>
+                                        </p:tav>
+                                        <p:tav tm="20000">
+                                          <p:val>
+                                            <p:strVal val="#ppt_y+0.2804"/>
+                                          </p:val>
+                                        </p:tav>
+                                        <p:tav tm="25000">
+                                          <p:val>
+                                            <p:strVal val="#ppt_y+0.2646"/>
+                                          </p:val>
+                                        </p:tav>
+                                        <p:tav tm="30000">
+                                          <p:val>
+                                            <p:strVal val="#ppt_y+0.2461"/>
+                                          </p:val>
+                                        </p:tav>
+                                        <p:tav tm="35000">
+                                          <p:val>
+                                            <p:strVal val="#ppt_y+0.2253"/>
+                                          </p:val>
+                                        </p:tav>
+                                        <p:tav tm="40000">
+                                          <p:val>
+                                            <p:strVal val="#ppt_y+0.2029"/>
+                                          </p:val>
+                                        </p:tav>
+                                        <p:tav tm="45000">
+                                          <p:val>
+                                            <p:strVal val="#ppt_y+0.1792"/>
+                                          </p:val>
+                                        </p:tav>
+                                        <p:tav tm="50000">
+                                          <p:val>
+                                            <p:strVal val="#ppt_y+0.155"/>
+                                          </p:val>
+                                        </p:tav>
+                                        <p:tav tm="55000">
+                                          <p:val>
+                                            <p:strVal val="#ppt_y+0.1307"/>
+                                          </p:val>
+                                        </p:tav>
+                                        <p:tav tm="60000">
+                                          <p:val>
+                                            <p:strVal val="#ppt_y+0.1071"/>
+                                          </p:val>
+                                        </p:tav>
+                                        <p:tav tm="65000">
+                                          <p:val>
+                                            <p:strVal val="#ppt_y+0.0846"/>
+                                          </p:val>
+                                        </p:tav>
+                                        <p:tav tm="70000">
+                                          <p:val>
+                                            <p:strVal val="#ppt_y+0.0639"/>
+                                          </p:val>
+                                        </p:tav>
+                                        <p:tav tm="75000">
+                                          <p:val>
+                                            <p:strVal val="#ppt_y+0.0454"/>
+                                          </p:val>
+                                        </p:tav>
+                                        <p:tav tm="80000">
+                                          <p:val>
+                                            <p:strVal val="#ppt_y+0.0296"/>
+                                          </p:val>
+                                        </p:tav>
+                                        <p:tav tm="85000">
+                                          <p:val>
+                                            <p:strVal val="#ppt_y+0.0169"/>
+                                          </p:val>
+                                        </p:tav>
+                                        <p:tav tm="90000">
+                                          <p:val>
+                                            <p:strVal val="#ppt_y+0.0076"/>
+                                          </p:val>
+                                        </p:tav>
+                                        <p:tav tm="95000">
+                                          <p:val>
+                                            <p:strVal val="#ppt_y+0.0019"/>
                                           </p:val>
                                         </p:tav>
                                         <p:tav tm="100000">
                                           <p:val>
-                                            <p:strVal val="#ppt_h"/>
+                                            <p:strVal val="#ppt_y"/>
                                           </p:val>
                                         </p:tav>
                                       </p:tavLst>
@@ -13606,7 +14417,7 @@
                                         <p:cTn display="0" masterRel="sameClick">
                                           <p:stCondLst>
                                             <p:cond evt="begin" delay="0">
-                                              <p:tn val="17"/>
+                                              <p:tn val="11"/>
                                             </p:cond>
                                           </p:stCondLst>
                                           <p:endCondLst>
@@ -13654,334 +14465,9 @@
     </p:tnLst>
     <p:bldLst>
       <p:bldP spid="7" grpId="0" animBg="1"/>
-      <p:bldP spid="8" grpId="0" animBg="1"/>
       <p:bldP spid="9" grpId="0" animBg="1"/>
     </p:bldLst>
   </p:timing>
-</p:sld>
-</file>
-
-<file path=ppt/slides/slide21.xml><?xml version="1.0" encoding="utf-8"?>
-<p:sld xmlns:a="http://schemas.openxmlformats.org/drawingml/2006/main" xmlns:r="http://schemas.openxmlformats.org/officeDocument/2006/relationships" xmlns:p="http://schemas.openxmlformats.org/presentationml/2006/main">
-  <p:cSld>
-    <p:spTree>
-      <p:nvGrpSpPr>
-        <p:cNvPr id="1" name=""/>
-        <p:cNvGrpSpPr/>
-        <p:nvPr/>
-      </p:nvGrpSpPr>
-      <p:grpSpPr>
-        <a:xfrm>
-          <a:off x="0" y="0"/>
-          <a:ext cx="0" cy="0"/>
-          <a:chOff x="0" y="0"/>
-          <a:chExt cx="0" cy="0"/>
-        </a:xfrm>
-      </p:grpSpPr>
-      <p:sp>
-        <p:nvSpPr>
-          <p:cNvPr id="7" name="Title 6">
-            <a:extLst>
-              <a:ext uri="{FF2B5EF4-FFF2-40B4-BE49-F238E27FC236}">
-                <a16:creationId xmlns:a16="http://schemas.microsoft.com/office/drawing/2014/main" id="{7250BB65-B1AF-EE4E-AC7D-899C9C7460AD}"/>
-              </a:ext>
-            </a:extLst>
-          </p:cNvPr>
-          <p:cNvSpPr>
-            <a:spLocks noGrp="1"/>
-          </p:cNvSpPr>
-          <p:nvPr>
-            <p:ph type="title"/>
-          </p:nvPr>
-        </p:nvSpPr>
-        <p:spPr/>
-        <p:txBody>
-          <a:bodyPr/>
-          <a:lstStyle/>
-          <a:p>
-            <a:r>
-              <a:rPr lang="en-US" dirty="0"/>
-              <a:t>Number List, PLCC Style           (1   23 456 )</a:t>
-            </a:r>
-          </a:p>
-        </p:txBody>
-      </p:sp>
-      <p:sp>
-        <p:nvSpPr>
-          <p:cNvPr id="8" name="Content Placeholder 7">
-            <a:extLst>
-              <a:ext uri="{FF2B5EF4-FFF2-40B4-BE49-F238E27FC236}">
-                <a16:creationId xmlns:a16="http://schemas.microsoft.com/office/drawing/2014/main" id="{169DD02C-A4AF-7047-B435-8C024F4A9C22}"/>
-              </a:ext>
-            </a:extLst>
-          </p:cNvPr>
-          <p:cNvSpPr>
-            <a:spLocks noGrp="1"/>
-          </p:cNvSpPr>
-          <p:nvPr>
-            <p:ph idx="1"/>
-          </p:nvPr>
-        </p:nvSpPr>
-        <p:spPr/>
-        <p:txBody>
-          <a:bodyPr>
-            <a:normAutofit fontScale="92500" lnSpcReduction="10000"/>
-          </a:bodyPr>
-          <a:lstStyle/>
-          <a:p>
-            <a:pPr marL="0" indent="0">
-              <a:buNone/>
-            </a:pPr>
-            <a:r>
-              <a:rPr lang="en-US" dirty="0">
-                <a:latin typeface="Andale Mono" panose="020B0509000000000004" pitchFamily="49" charset="0"/>
-              </a:rPr>
-              <a:t>skip WHITESPACE '\s+'</a:t>
-            </a:r>
-          </a:p>
-          <a:p>
-            <a:pPr marL="0" indent="0">
-              <a:buNone/>
-            </a:pPr>
-            <a:r>
-              <a:rPr lang="en-US" dirty="0">
-                <a:latin typeface="Andale Mono" panose="020B0509000000000004" pitchFamily="49" charset="0"/>
-              </a:rPr>
-              <a:t>NUMBER '\d+'</a:t>
-            </a:r>
-          </a:p>
-          <a:p>
-            <a:pPr marL="0" indent="0">
-              <a:buNone/>
-            </a:pPr>
-            <a:r>
-              <a:rPr lang="en-US" dirty="0">
-                <a:latin typeface="Andale Mono" panose="020B0509000000000004" pitchFamily="49" charset="0"/>
-              </a:rPr>
-              <a:t>LPAREN '\('</a:t>
-            </a:r>
-          </a:p>
-          <a:p>
-            <a:pPr marL="0" indent="0">
-              <a:buNone/>
-            </a:pPr>
-            <a:r>
-              <a:rPr lang="en-US" dirty="0">
-                <a:latin typeface="Andale Mono" panose="020B0509000000000004" pitchFamily="49" charset="0"/>
-              </a:rPr>
-              <a:t>RPAREN '\)'</a:t>
-            </a:r>
-          </a:p>
-          <a:p>
-            <a:pPr marL="0" indent="0">
-              <a:buNone/>
-            </a:pPr>
-            <a:r>
-              <a:rPr lang="en-US" dirty="0">
-                <a:latin typeface="Andale Mono" panose="020B0509000000000004" pitchFamily="49" charset="0"/>
-              </a:rPr>
-              <a:t>%</a:t>
-            </a:r>
-          </a:p>
-          <a:p>
-            <a:pPr marL="0" indent="0">
-              <a:buNone/>
-            </a:pPr>
-            <a:r>
-              <a:rPr lang="en-US" dirty="0">
-                <a:latin typeface="Andale Mono" panose="020B0509000000000004" pitchFamily="49" charset="0"/>
-              </a:rPr>
-              <a:t>&lt;</a:t>
-            </a:r>
-            <a:r>
-              <a:rPr lang="en-US" dirty="0" err="1">
-                <a:latin typeface="Andale Mono" panose="020B0509000000000004" pitchFamily="49" charset="0"/>
-              </a:rPr>
-              <a:t>numSeq</a:t>
-            </a:r>
-            <a:r>
-              <a:rPr lang="en-US" dirty="0">
-                <a:latin typeface="Andale Mono" panose="020B0509000000000004" pitchFamily="49" charset="0"/>
-              </a:rPr>
-              <a:t>&gt; ::= LPAREN &lt;numbers&gt; RPAREN</a:t>
-            </a:r>
-          </a:p>
-          <a:p>
-            <a:pPr marL="0" indent="0">
-              <a:buNone/>
-            </a:pPr>
-            <a:r>
-              <a:rPr lang="en-US" dirty="0">
-                <a:latin typeface="Andale Mono" panose="020B0509000000000004" pitchFamily="49" charset="0"/>
-              </a:rPr>
-              <a:t>&lt;numbers&gt;:</a:t>
-            </a:r>
-            <a:r>
-              <a:rPr lang="en-US" dirty="0" err="1">
-                <a:latin typeface="Andale Mono" panose="020B0509000000000004" pitchFamily="49" charset="0"/>
-              </a:rPr>
-              <a:t>NonEmptyNumbers</a:t>
-            </a:r>
-            <a:r>
-              <a:rPr lang="en-US" dirty="0">
-                <a:latin typeface="Andale Mono" panose="020B0509000000000004" pitchFamily="49" charset="0"/>
-              </a:rPr>
-              <a:t> ::= &lt;NUMBER&gt; &lt;numbers&gt;</a:t>
-            </a:r>
-          </a:p>
-          <a:p>
-            <a:pPr marL="0" indent="0">
-              <a:buNone/>
-            </a:pPr>
-            <a:r>
-              <a:rPr lang="en-US" dirty="0">
-                <a:latin typeface="Andale Mono" panose="020B0509000000000004" pitchFamily="49" charset="0"/>
-              </a:rPr>
-              <a:t>&lt;numbers&gt;:</a:t>
-            </a:r>
-            <a:r>
-              <a:rPr lang="en-US" dirty="0" err="1">
-                <a:latin typeface="Andale Mono" panose="020B0509000000000004" pitchFamily="49" charset="0"/>
-              </a:rPr>
-              <a:t>EmptyNumbers</a:t>
-            </a:r>
-            <a:r>
-              <a:rPr lang="en-US" dirty="0">
-                <a:latin typeface="Andale Mono" panose="020B0509000000000004" pitchFamily="49" charset="0"/>
-              </a:rPr>
-              <a:t> ::=</a:t>
-            </a:r>
-          </a:p>
-          <a:p>
-            <a:pPr marL="0" indent="0">
-              <a:buNone/>
-            </a:pPr>
-            <a:r>
-              <a:rPr lang="en-US" dirty="0">
-                <a:latin typeface="Andale Mono" panose="020B0509000000000004" pitchFamily="49" charset="0"/>
-              </a:rPr>
-              <a:t>%</a:t>
-            </a:r>
-          </a:p>
-          <a:p>
-            <a:pPr marL="0" indent="0">
-              <a:buNone/>
-            </a:pPr>
-            <a:endParaRPr lang="en-US" dirty="0">
-              <a:latin typeface="Andale Mono" panose="020B0509000000000004" pitchFamily="49" charset="0"/>
-            </a:endParaRPr>
-          </a:p>
-          <a:p>
-            <a:pPr marL="0" indent="0">
-              <a:buNone/>
-            </a:pPr>
-            <a:endParaRPr lang="en-US" dirty="0">
-              <a:latin typeface="Andale Mono" panose="020B0509000000000004" pitchFamily="49" charset="0"/>
-            </a:endParaRPr>
-          </a:p>
-        </p:txBody>
-      </p:sp>
-      <p:sp>
-        <p:nvSpPr>
-          <p:cNvPr id="5" name="Date Placeholder 4">
-            <a:extLst>
-              <a:ext uri="{FF2B5EF4-FFF2-40B4-BE49-F238E27FC236}">
-                <a16:creationId xmlns:a16="http://schemas.microsoft.com/office/drawing/2014/main" id="{FA9B0C23-E992-D944-A8A7-FBF1E8BAB1C2}"/>
-              </a:ext>
-            </a:extLst>
-          </p:cNvPr>
-          <p:cNvSpPr>
-            <a:spLocks noGrp="1"/>
-          </p:cNvSpPr>
-          <p:nvPr>
-            <p:ph type="dt" sz="half" idx="10"/>
-          </p:nvPr>
-        </p:nvSpPr>
-        <p:spPr/>
-        <p:txBody>
-          <a:bodyPr/>
-          <a:lstStyle/>
-          <a:p>
-            <a:r>
-              <a:rPr lang="en-US"/>
-              <a:t>Spring 2020</a:t>
-            </a:r>
-          </a:p>
-        </p:txBody>
-      </p:sp>
-      <p:sp>
-        <p:nvSpPr>
-          <p:cNvPr id="6" name="Footer Placeholder 5">
-            <a:extLst>
-              <a:ext uri="{FF2B5EF4-FFF2-40B4-BE49-F238E27FC236}">
-                <a16:creationId xmlns:a16="http://schemas.microsoft.com/office/drawing/2014/main" id="{098DBAC9-1DF2-1544-82B6-BE0D98EC31E4}"/>
-              </a:ext>
-            </a:extLst>
-          </p:cNvPr>
-          <p:cNvSpPr>
-            <a:spLocks noGrp="1"/>
-          </p:cNvSpPr>
-          <p:nvPr>
-            <p:ph type="ftr" sz="quarter" idx="11"/>
-          </p:nvPr>
-        </p:nvSpPr>
-        <p:spPr/>
-        <p:txBody>
-          <a:bodyPr/>
-          <a:lstStyle/>
-          <a:p>
-            <a:r>
-              <a:rPr lang="en-US"/>
-              <a:t>CSCI 344</a:t>
-            </a:r>
-          </a:p>
-        </p:txBody>
-      </p:sp>
-      <p:sp>
-        <p:nvSpPr>
-          <p:cNvPr id="9" name="TextBox 8">
-            <a:extLst>
-              <a:ext uri="{FF2B5EF4-FFF2-40B4-BE49-F238E27FC236}">
-                <a16:creationId xmlns:a16="http://schemas.microsoft.com/office/drawing/2014/main" id="{CBD678F8-7614-F842-980F-C8696C0DF9E8}"/>
-              </a:ext>
-            </a:extLst>
-          </p:cNvPr>
-          <p:cNvSpPr txBox="1"/>
-          <p:nvPr/>
-        </p:nvSpPr>
-        <p:spPr>
-          <a:xfrm>
-            <a:off x="10141528" y="3767198"/>
-            <a:ext cx="1763624" cy="369332"/>
-          </a:xfrm>
-          <a:prstGeom prst="rect">
-            <a:avLst/>
-          </a:prstGeom>
-          <a:noFill/>
-        </p:spPr>
-        <p:txBody>
-          <a:bodyPr wrap="none" rtlCol="0">
-            <a:spAutoFit/>
-          </a:bodyPr>
-          <a:lstStyle/>
-          <a:p>
-            <a:r>
-              <a:rPr lang="en-US" b="1" dirty="0"/>
-              <a:t>numlistv1.plcc</a:t>
-            </a:r>
-          </a:p>
-        </p:txBody>
-      </p:sp>
-    </p:spTree>
-    <p:extLst>
-      <p:ext uri="{BB962C8B-B14F-4D97-AF65-F5344CB8AC3E}">
-        <p14:creationId xmlns:p14="http://schemas.microsoft.com/office/powerpoint/2010/main" val="2541097769"/>
-      </p:ext>
-    </p:extLst>
-  </p:cSld>
-  <p:clrMapOvr>
-    <a:masterClrMapping/>
-  </p:clrMapOvr>
 </p:sld>
 </file>
 
@@ -14025,7 +14511,7 @@
           <a:p>
             <a:r>
               <a:rPr lang="en-US" dirty="0"/>
-              <a:t>Java Class Correspondence</a:t>
+              <a:t>Java Class Correspondence for the Example</a:t>
             </a:r>
           </a:p>
         </p:txBody>
@@ -14159,7 +14645,7 @@
           <a:p>
             <a:r>
               <a:rPr lang="en-US"/>
-              <a:t>Spring 2020</a:t>
+              <a:t>Spring 2021</a:t>
             </a:r>
           </a:p>
         </p:txBody>
@@ -14275,7 +14761,7 @@
           <a:p>
             <a:r>
               <a:rPr lang="en-US"/>
-              <a:t>Spring 2020</a:t>
+              <a:t>Spring 2021</a:t>
             </a:r>
           </a:p>
         </p:txBody>
@@ -14564,7 +15050,7 @@
           <a:p>
             <a:r>
               <a:rPr lang="en-US"/>
-              <a:t>Spring 2020</a:t>
+              <a:t>Spring 2021</a:t>
             </a:r>
           </a:p>
         </p:txBody>
@@ -14680,7 +15166,17 @@
           <a:p>
             <a:r>
               <a:rPr lang="en-US" dirty="0"/>
-              <a:t>Using Repetition (and Java Lists)</a:t>
+              <a:t>"</a:t>
+            </a:r>
+            <a:r>
+              <a:rPr lang="en-US" dirty="0">
+                <a:latin typeface="Andale Mono" panose="020B0509000000000004" pitchFamily="49" charset="0"/>
+              </a:rPr>
+              <a:t>**=</a:t>
+            </a:r>
+            <a:r>
+              <a:rPr lang="en-US" dirty="0"/>
+              <a:t>": Using Repetition (and Java Lists)</a:t>
             </a:r>
           </a:p>
         </p:txBody>
@@ -14795,7 +15291,7 @@
           <a:p>
             <a:r>
               <a:rPr lang="en-US"/>
-              <a:t>Spring 2020</a:t>
+              <a:t>Spring 2021</a:t>
             </a:r>
           </a:p>
         </p:txBody>
@@ -15031,7 +15527,7 @@
           <a:p>
             <a:r>
               <a:rPr lang="en-US"/>
-              <a:t>Spring 2020</a:t>
+              <a:t>Spring 2021</a:t>
             </a:r>
           </a:p>
         </p:txBody>
@@ -15108,7 +15604,7 @@
               <a:rPr lang="en-US" sz="2200" dirty="0">
                 <a:latin typeface="Andale Mono" panose="020B0509000000000004" pitchFamily="49" charset="0"/>
               </a:rPr>
-              <a:t> -r Java</a:t>
+              <a:t> -r Java # important!</a:t>
             </a:r>
           </a:p>
           <a:p>
@@ -15225,6 +15721,78 @@
                 <a:latin typeface="Andale Mono" panose="020B0509000000000004" pitchFamily="49" charset="0"/>
               </a:rPr>
               <a:t>--&gt; ^D</a:t>
+            </a:r>
+          </a:p>
+        </p:txBody>
+      </p:sp>
+      <p:sp>
+        <p:nvSpPr>
+          <p:cNvPr id="2" name="TextBox 1">
+            <a:extLst>
+              <a:ext uri="{FF2B5EF4-FFF2-40B4-BE49-F238E27FC236}">
+                <a16:creationId xmlns:a16="http://schemas.microsoft.com/office/drawing/2014/main" id="{414B87E2-518F-ED45-8977-3561DB8288DD}"/>
+              </a:ext>
+            </a:extLst>
+          </p:cNvPr>
+          <p:cNvSpPr txBox="1"/>
+          <p:nvPr/>
+        </p:nvSpPr>
+        <p:spPr>
+          <a:xfrm>
+            <a:off x="10294181" y="2546431"/>
+            <a:ext cx="1657826" cy="1200329"/>
+          </a:xfrm>
+          <a:prstGeom prst="rect">
+            <a:avLst/>
+          </a:prstGeom>
+          <a:noFill/>
+          <a:ln>
+            <a:solidFill>
+              <a:schemeClr val="accent1"/>
+            </a:solidFill>
+          </a:ln>
+        </p:spPr>
+        <p:txBody>
+          <a:bodyPr wrap="none" rtlCol="0">
+            <a:spAutoFit/>
+          </a:bodyPr>
+          <a:lstStyle/>
+          <a:p>
+            <a:r>
+              <a:rPr lang="en-US" dirty="0"/>
+              <a:t>"</a:t>
+            </a:r>
+            <a:r>
+              <a:rPr lang="en-US" dirty="0">
+                <a:latin typeface="Andale Mono" panose="020B0509000000000004" pitchFamily="49" charset="0"/>
+              </a:rPr>
+              <a:t>-c</a:t>
+            </a:r>
+            <a:r>
+              <a:rPr lang="en-US" dirty="0"/>
+              <a:t>" option on</a:t>
+            </a:r>
+          </a:p>
+          <a:p>
+            <a:r>
+              <a:rPr lang="en-US" b="1" dirty="0" err="1"/>
+              <a:t>plccmk</a:t>
+            </a:r>
+            <a:r>
+              <a:rPr lang="en-US" dirty="0"/>
+              <a:t> also</a:t>
+            </a:r>
+          </a:p>
+          <a:p>
+            <a:r>
+              <a:rPr lang="en-US" dirty="0"/>
+              <a:t>takes care of</a:t>
+            </a:r>
+          </a:p>
+          <a:p>
+            <a:r>
+              <a:rPr lang="en-US" dirty="0"/>
+              <a:t>the Java dir.</a:t>
             </a:r>
           </a:p>
         </p:txBody>
@@ -15239,6 +15807,92 @@
   <p:clrMapOvr>
     <a:masterClrMapping/>
   </p:clrMapOvr>
+  <p:timing>
+    <p:tnLst>
+      <p:par>
+        <p:cTn id="1" dur="indefinite" restart="never" nodeType="tmRoot">
+          <p:childTnLst>
+            <p:seq concurrent="1" nextAc="seek">
+              <p:cTn id="2" dur="indefinite" nodeType="mainSeq">
+                <p:childTnLst>
+                  <p:par>
+                    <p:cTn id="3" fill="hold">
+                      <p:stCondLst>
+                        <p:cond delay="indefinite"/>
+                      </p:stCondLst>
+                      <p:childTnLst>
+                        <p:par>
+                          <p:cTn id="4" fill="hold">
+                            <p:stCondLst>
+                              <p:cond delay="0"/>
+                            </p:stCondLst>
+                            <p:childTnLst>
+                              <p:par>
+                                <p:cTn id="5" presetID="9" presetClass="entr" presetSubtype="0" fill="hold" grpId="0" nodeType="clickEffect">
+                                  <p:stCondLst>
+                                    <p:cond delay="0"/>
+                                  </p:stCondLst>
+                                  <p:childTnLst>
+                                    <p:set>
+                                      <p:cBhvr>
+                                        <p:cTn id="6" dur="1" fill="hold">
+                                          <p:stCondLst>
+                                            <p:cond delay="0"/>
+                                          </p:stCondLst>
+                                        </p:cTn>
+                                        <p:tgtEl>
+                                          <p:spTgt spid="2"/>
+                                        </p:tgtEl>
+                                        <p:attrNameLst>
+                                          <p:attrName>style.visibility</p:attrName>
+                                        </p:attrNameLst>
+                                      </p:cBhvr>
+                                      <p:to>
+                                        <p:strVal val="visible"/>
+                                      </p:to>
+                                    </p:set>
+                                    <p:animEffect transition="in" filter="dissolve">
+                                      <p:cBhvr>
+                                        <p:cTn id="7" dur="500"/>
+                                        <p:tgtEl>
+                                          <p:spTgt spid="2"/>
+                                        </p:tgtEl>
+                                      </p:cBhvr>
+                                    </p:animEffect>
+                                  </p:childTnLst>
+                                </p:cTn>
+                              </p:par>
+                            </p:childTnLst>
+                          </p:cTn>
+                        </p:par>
+                      </p:childTnLst>
+                    </p:cTn>
+                  </p:par>
+                </p:childTnLst>
+              </p:cTn>
+              <p:prevCondLst>
+                <p:cond evt="onPrev" delay="0">
+                  <p:tgtEl>
+                    <p:sldTgt/>
+                  </p:tgtEl>
+                </p:cond>
+              </p:prevCondLst>
+              <p:nextCondLst>
+                <p:cond evt="onNext" delay="0">
+                  <p:tgtEl>
+                    <p:sldTgt/>
+                  </p:tgtEl>
+                </p:cond>
+              </p:nextCondLst>
+            </p:seq>
+          </p:childTnLst>
+        </p:cTn>
+      </p:par>
+    </p:tnLst>
+    <p:bldLst>
+      <p:bldP spid="2" grpId="0" animBg="1"/>
+    </p:bldLst>
+  </p:timing>
 </p:sld>
 </file>
 
@@ -15419,6 +16073,17 @@
               <a:rPr lang="en-US" dirty="0">
                 <a:latin typeface="Andale Mono" panose="020B0509000000000004" pitchFamily="49" charset="0"/>
               </a:rPr>
+              <a:t>    @Override</a:t>
+            </a:r>
+            <a:br>
+              <a:rPr lang="en-US" dirty="0">
+                <a:latin typeface="Andale Mono" panose="020B0509000000000004" pitchFamily="49" charset="0"/>
+              </a:rPr>
+            </a:br>
+            <a:r>
+              <a:rPr lang="en-US" dirty="0">
+                <a:latin typeface="Andale Mono" panose="020B0509000000000004" pitchFamily="49" charset="0"/>
+              </a:rPr>
               <a:t>    public String </a:t>
             </a:r>
             <a:r>
@@ -15561,7 +16226,7 @@
           <a:p>
             <a:r>
               <a:rPr lang="en-US"/>
-              <a:t>Spring 2020</a:t>
+              <a:t>Spring 2021</a:t>
             </a:r>
           </a:p>
         </p:txBody>
@@ -15670,8 +16335,8 @@
         </p:nvSpPr>
         <p:spPr>
           <a:xfrm>
-            <a:off x="5003157" y="3657600"/>
-            <a:ext cx="754176" cy="1761067"/>
+            <a:off x="5000263" y="3657600"/>
+            <a:ext cx="757070" cy="1921397"/>
           </a:xfrm>
           <a:prstGeom prst="rightBrace">
             <a:avLst/>
@@ -15719,8 +16384,8 @@
           </a:xfrm>
           <a:prstGeom prst="wedgeRoundRectCallout">
             <a:avLst>
-              <a:gd name="adj1" fmla="val -148707"/>
-              <a:gd name="adj2" fmla="val 89436"/>
+              <a:gd name="adj1" fmla="val -154703"/>
+              <a:gd name="adj2" fmla="val 101500"/>
               <a:gd name="adj3" fmla="val 16667"/>
             </a:avLst>
           </a:prstGeom>
@@ -15977,7 +16642,7 @@
           <a:p>
             <a:r>
               <a:rPr lang="en-US"/>
-              <a:t>Spring 2020</a:t>
+              <a:t>Spring 2021</a:t>
             </a:r>
           </a:p>
         </p:txBody>
@@ -16277,501 +16942,12 @@
           </a:p>
         </p:txBody>
       </p:sp>
-    </p:spTree>
-    <p:extLst>
-      <p:ext uri="{BB962C8B-B14F-4D97-AF65-F5344CB8AC3E}">
-        <p14:creationId xmlns:p14="http://schemas.microsoft.com/office/powerpoint/2010/main" val="3468625973"/>
-      </p:ext>
-    </p:extLst>
-  </p:cSld>
-  <p:clrMapOvr>
-    <a:masterClrMapping/>
-  </p:clrMapOvr>
-</p:sld>
-</file>
-
-<file path=ppt/slides/slide29.xml><?xml version="1.0" encoding="utf-8"?>
-<p:sld xmlns:a="http://schemas.openxmlformats.org/drawingml/2006/main" xmlns:r="http://schemas.openxmlformats.org/officeDocument/2006/relationships" xmlns:p="http://schemas.openxmlformats.org/presentationml/2006/main">
-  <p:cSld>
-    <p:spTree>
-      <p:nvGrpSpPr>
-        <p:cNvPr id="1" name=""/>
-        <p:cNvGrpSpPr/>
-        <p:nvPr/>
-      </p:nvGrpSpPr>
-      <p:grpSpPr>
-        <a:xfrm>
-          <a:off x="0" y="0"/>
-          <a:ext cx="0" cy="0"/>
-          <a:chOff x="0" y="0"/>
-          <a:chExt cx="0" cy="0"/>
-        </a:xfrm>
-      </p:grpSpPr>
-      <p:sp>
-        <p:nvSpPr>
-          <p:cNvPr id="2" name="Title 1">
+      <p:sp>
+        <p:nvSpPr>
+          <p:cNvPr id="2" name="TextBox 1">
             <a:extLst>
               <a:ext uri="{FF2B5EF4-FFF2-40B4-BE49-F238E27FC236}">
-                <a16:creationId xmlns:a16="http://schemas.microsoft.com/office/drawing/2014/main" id="{9ACBA974-4A35-6C46-BADE-2A6DDA99F1B6}"/>
-              </a:ext>
-            </a:extLst>
-          </p:cNvPr>
-          <p:cNvSpPr>
-            <a:spLocks noGrp="1"/>
-          </p:cNvSpPr>
-          <p:nvPr>
-            <p:ph type="title"/>
-          </p:nvPr>
-        </p:nvSpPr>
-        <p:spPr/>
-        <p:txBody>
-          <a:bodyPr/>
-          <a:lstStyle/>
-          <a:p>
-            <a:r>
-              <a:rPr lang="en-US" dirty="0"/>
-              <a:t>Files to Review</a:t>
-            </a:r>
-          </a:p>
-        </p:txBody>
-      </p:sp>
-      <p:sp>
-        <p:nvSpPr>
-          <p:cNvPr id="3" name="Content Placeholder 2">
-            <a:extLst>
-              <a:ext uri="{FF2B5EF4-FFF2-40B4-BE49-F238E27FC236}">
-                <a16:creationId xmlns:a16="http://schemas.microsoft.com/office/drawing/2014/main" id="{11AE33EE-3F69-6B49-8328-7C35496EEBB0}"/>
-              </a:ext>
-            </a:extLst>
-          </p:cNvPr>
-          <p:cNvSpPr>
-            <a:spLocks noGrp="1"/>
-          </p:cNvSpPr>
-          <p:nvPr>
-            <p:ph idx="1"/>
-          </p:nvPr>
-        </p:nvSpPr>
-        <p:spPr/>
-        <p:txBody>
-          <a:bodyPr/>
-          <a:lstStyle/>
-          <a:p>
-            <a:r>
-              <a:rPr lang="en-US" dirty="0"/>
-              <a:t>numlistv1.plcc – recursive grammar</a:t>
-            </a:r>
-          </a:p>
-          <a:p>
-            <a:r>
-              <a:rPr lang="en-US" dirty="0"/>
-              <a:t>numlistv2.plcc – iterative grammar</a:t>
-            </a:r>
-          </a:p>
-          <a:p>
-            <a:r>
-              <a:rPr lang="en-US" dirty="0"/>
-              <a:t>numlistv3.plcc – iterative grammar with redisplay semantics</a:t>
-            </a:r>
-          </a:p>
-          <a:p>
-            <a:r>
-              <a:rPr lang="en-US" dirty="0"/>
-              <a:t>numlistv4.plcc – as in v3 but with more info about tokens shown</a:t>
-            </a:r>
-          </a:p>
-          <a:p>
-            <a:r>
-              <a:rPr lang="en-US" dirty="0"/>
-              <a:t>numlistv5.plcc – ¡new feature! – iteration with separators</a:t>
-            </a:r>
-          </a:p>
-          <a:p>
-            <a:r>
-              <a:rPr lang="en-US" dirty="0"/>
-              <a:t>numlistv6.plcc – recursive grammar with min-finding semantics</a:t>
-            </a:r>
-          </a:p>
-        </p:txBody>
-      </p:sp>
-      <p:sp>
-        <p:nvSpPr>
-          <p:cNvPr id="4" name="Date Placeholder 3">
-            <a:extLst>
-              <a:ext uri="{FF2B5EF4-FFF2-40B4-BE49-F238E27FC236}">
-                <a16:creationId xmlns:a16="http://schemas.microsoft.com/office/drawing/2014/main" id="{B3DE87C3-6431-CC46-82ED-8EA38F8BD424}"/>
-              </a:ext>
-            </a:extLst>
-          </p:cNvPr>
-          <p:cNvSpPr>
-            <a:spLocks noGrp="1"/>
-          </p:cNvSpPr>
-          <p:nvPr>
-            <p:ph type="dt" sz="half" idx="10"/>
-          </p:nvPr>
-        </p:nvSpPr>
-        <p:spPr/>
-        <p:txBody>
-          <a:bodyPr/>
-          <a:lstStyle/>
-          <a:p>
-            <a:r>
-              <a:rPr lang="en-US"/>
-              <a:t>Spring 2020</a:t>
-            </a:r>
-          </a:p>
-        </p:txBody>
-      </p:sp>
-      <p:sp>
-        <p:nvSpPr>
-          <p:cNvPr id="5" name="Footer Placeholder 4">
-            <a:extLst>
-              <a:ext uri="{FF2B5EF4-FFF2-40B4-BE49-F238E27FC236}">
-                <a16:creationId xmlns:a16="http://schemas.microsoft.com/office/drawing/2014/main" id="{6FF0184F-73A6-4342-9973-1C385765D5B5}"/>
-              </a:ext>
-            </a:extLst>
-          </p:cNvPr>
-          <p:cNvSpPr>
-            <a:spLocks noGrp="1"/>
-          </p:cNvSpPr>
-          <p:nvPr>
-            <p:ph type="ftr" sz="quarter" idx="11"/>
-          </p:nvPr>
-        </p:nvSpPr>
-        <p:spPr/>
-        <p:txBody>
-          <a:bodyPr/>
-          <a:lstStyle/>
-          <a:p>
-            <a:r>
-              <a:rPr lang="en-US"/>
-              <a:t>CSCI 344</a:t>
-            </a:r>
-          </a:p>
-        </p:txBody>
-      </p:sp>
-    </p:spTree>
-    <p:extLst>
-      <p:ext uri="{BB962C8B-B14F-4D97-AF65-F5344CB8AC3E}">
-        <p14:creationId xmlns:p14="http://schemas.microsoft.com/office/powerpoint/2010/main" val="3982634970"/>
-      </p:ext>
-    </p:extLst>
-  </p:cSld>
-  <p:clrMapOvr>
-    <a:masterClrMapping/>
-  </p:clrMapOvr>
-</p:sld>
-</file>
-
-<file path=ppt/slides/slide3.xml><?xml version="1.0" encoding="utf-8"?>
-<p:sld xmlns:a="http://schemas.openxmlformats.org/drawingml/2006/main" xmlns:r="http://schemas.openxmlformats.org/officeDocument/2006/relationships" xmlns:p="http://schemas.openxmlformats.org/presentationml/2006/main">
-  <p:cSld>
-    <p:spTree>
-      <p:nvGrpSpPr>
-        <p:cNvPr id="1" name=""/>
-        <p:cNvGrpSpPr/>
-        <p:nvPr/>
-      </p:nvGrpSpPr>
-      <p:grpSpPr>
-        <a:xfrm>
-          <a:off x="0" y="0"/>
-          <a:ext cx="0" cy="0"/>
-          <a:chOff x="0" y="0"/>
-          <a:chExt cx="0" cy="0"/>
-        </a:xfrm>
-      </p:grpSpPr>
-      <p:sp>
-        <p:nvSpPr>
-          <p:cNvPr id="2" name="Title 1">
-            <a:extLst>
-              <a:ext uri="{FF2B5EF4-FFF2-40B4-BE49-F238E27FC236}">
-                <a16:creationId xmlns:a16="http://schemas.microsoft.com/office/drawing/2014/main" id="{474718D6-B580-5244-98A0-FFF485B9ED3E}"/>
-              </a:ext>
-            </a:extLst>
-          </p:cNvPr>
-          <p:cNvSpPr>
-            <a:spLocks noGrp="1"/>
-          </p:cNvSpPr>
-          <p:nvPr>
-            <p:ph type="title"/>
-          </p:nvPr>
-        </p:nvSpPr>
-        <p:spPr/>
-        <p:txBody>
-          <a:bodyPr/>
-          <a:lstStyle/>
-          <a:p>
-            <a:r>
-              <a:rPr lang="en-US" dirty="0"/>
-              <a:t>PLCC Use Quick Start</a:t>
-            </a:r>
-          </a:p>
-        </p:txBody>
-      </p:sp>
-      <p:sp>
-        <p:nvSpPr>
-          <p:cNvPr id="3" name="Content Placeholder 2">
-            <a:extLst>
-              <a:ext uri="{FF2B5EF4-FFF2-40B4-BE49-F238E27FC236}">
-                <a16:creationId xmlns:a16="http://schemas.microsoft.com/office/drawing/2014/main" id="{65FAC588-FB86-634A-913E-5A19DB5CE5CA}"/>
-              </a:ext>
-            </a:extLst>
-          </p:cNvPr>
-          <p:cNvSpPr>
-            <a:spLocks noGrp="1"/>
-          </p:cNvSpPr>
-          <p:nvPr>
-            <p:ph idx="1"/>
-          </p:nvPr>
-        </p:nvSpPr>
-        <p:spPr/>
-        <p:txBody>
-          <a:bodyPr>
-            <a:normAutofit fontScale="92500" lnSpcReduction="10000"/>
-          </a:bodyPr>
-          <a:lstStyle/>
-          <a:p>
-            <a:pPr marL="0" indent="0">
-              <a:buNone/>
-            </a:pPr>
-            <a:r>
-              <a:rPr lang="en-US" dirty="0">
-                <a:latin typeface="Andale Mono" panose="020B0509000000000004" pitchFamily="49" charset="0"/>
-              </a:rPr>
-              <a:t>$ </a:t>
-            </a:r>
-            <a:r>
-              <a:rPr lang="en-US" dirty="0" err="1">
-                <a:latin typeface="Andale Mono" panose="020B0509000000000004" pitchFamily="49" charset="0"/>
-              </a:rPr>
-              <a:t>plcc</a:t>
-            </a:r>
-            <a:r>
-              <a:rPr lang="en-US" dirty="0">
-                <a:latin typeface="Andale Mono" panose="020B0509000000000004" pitchFamily="49" charset="0"/>
-              </a:rPr>
-              <a:t> </a:t>
-            </a:r>
-            <a:r>
-              <a:rPr lang="en-US" dirty="0" err="1">
-                <a:latin typeface="Andale Mono" panose="020B0509000000000004" pitchFamily="49" charset="0"/>
-              </a:rPr>
-              <a:t>lang_spec.plcc</a:t>
-            </a:r>
-            <a:endParaRPr lang="en-US" dirty="0">
-              <a:latin typeface="Andale Mono" panose="020B0509000000000004" pitchFamily="49" charset="0"/>
-            </a:endParaRPr>
-          </a:p>
-          <a:p>
-            <a:pPr marL="457200" lvl="1" indent="0">
-              <a:buNone/>
-            </a:pPr>
-            <a:r>
-              <a:rPr lang="en-US" dirty="0">
-                <a:latin typeface="Andale Mono" panose="020B0509000000000004" pitchFamily="49" charset="0"/>
-              </a:rPr>
-              <a:t># Runs </a:t>
-            </a:r>
-            <a:r>
-              <a:rPr lang="en-US" dirty="0" err="1">
-                <a:latin typeface="Andale Mono" panose="020B0509000000000004" pitchFamily="49" charset="0"/>
-              </a:rPr>
-              <a:t>plcc.py</a:t>
-            </a:r>
-            <a:r>
-              <a:rPr lang="en-US" dirty="0">
-                <a:latin typeface="Andale Mono" panose="020B0509000000000004" pitchFamily="49" charset="0"/>
-              </a:rPr>
-              <a:t>, which</a:t>
-            </a:r>
-          </a:p>
-          <a:p>
-            <a:pPr marL="914400" lvl="2" indent="0">
-              <a:buNone/>
-            </a:pPr>
-            <a:r>
-              <a:rPr lang="en-US" dirty="0">
-                <a:latin typeface="Andale Mono" panose="020B0509000000000004" pitchFamily="49" charset="0"/>
-              </a:rPr>
-              <a:t># reads your file, named on the command line;</a:t>
-            </a:r>
-          </a:p>
-          <a:p>
-            <a:pPr marL="914400" lvl="2" indent="0">
-              <a:buNone/>
-            </a:pPr>
-            <a:r>
-              <a:rPr lang="en-US" dirty="0">
-                <a:latin typeface="Andale Mono" panose="020B0509000000000004" pitchFamily="49" charset="0"/>
-              </a:rPr>
-              <a:t># generates Java class files based on your file;</a:t>
-            </a:r>
-          </a:p>
-          <a:p>
-            <a:pPr marL="914400" lvl="2" indent="0">
-              <a:buNone/>
-            </a:pPr>
-            <a:r>
-              <a:rPr lang="en-US" dirty="0">
-                <a:latin typeface="Andale Mono" panose="020B0509000000000004" pitchFamily="49" charset="0"/>
-              </a:rPr>
-              <a:t># adds some standard PLCC library classes (</a:t>
-            </a:r>
-            <a:r>
-              <a:rPr lang="en-US" b="1" dirty="0" err="1">
-                <a:latin typeface="Andale Mono" panose="020B0509000000000004" pitchFamily="49" charset="0"/>
-              </a:rPr>
-              <a:t>Std</a:t>
-            </a:r>
-            <a:r>
-              <a:rPr lang="en-US" dirty="0">
-                <a:latin typeface="Andale Mono" panose="020B0509000000000004" pitchFamily="49" charset="0"/>
-              </a:rPr>
-              <a:t> directory).</a:t>
-            </a:r>
-          </a:p>
-          <a:p>
-            <a:pPr marL="0" indent="0">
-              <a:buNone/>
-            </a:pPr>
-            <a:r>
-              <a:rPr lang="en-US" dirty="0">
-                <a:latin typeface="Andale Mono" panose="020B0509000000000004" pitchFamily="49" charset="0"/>
-              </a:rPr>
-              <a:t>$ cd Java</a:t>
-            </a:r>
-          </a:p>
-          <a:p>
-            <a:pPr marL="0" indent="0">
-              <a:buNone/>
-            </a:pPr>
-            <a:r>
-              <a:rPr lang="en-US" dirty="0">
-                <a:latin typeface="Andale Mono" panose="020B0509000000000004" pitchFamily="49" charset="0"/>
-              </a:rPr>
-              <a:t>$ </a:t>
-            </a:r>
-            <a:r>
-              <a:rPr lang="en-US" dirty="0" err="1">
-                <a:latin typeface="Andale Mono" panose="020B0509000000000004" pitchFamily="49" charset="0"/>
-              </a:rPr>
-              <a:t>javac</a:t>
-            </a:r>
-            <a:r>
-              <a:rPr lang="en-US" dirty="0">
-                <a:latin typeface="Andale Mono" panose="020B0509000000000004" pitchFamily="49" charset="0"/>
-              </a:rPr>
-              <a:t> *.java</a:t>
-            </a:r>
-          </a:p>
-          <a:p>
-            <a:pPr marL="0" indent="0">
-              <a:buNone/>
-            </a:pPr>
-            <a:r>
-              <a:rPr lang="en-US" dirty="0">
-                <a:latin typeface="Andale Mono" panose="020B0509000000000004" pitchFamily="49" charset="0"/>
-              </a:rPr>
-              <a:t># Scan class only runs the lexical scanner.</a:t>
-            </a:r>
-          </a:p>
-          <a:p>
-            <a:pPr marL="0" indent="0">
-              <a:buNone/>
-            </a:pPr>
-            <a:r>
-              <a:rPr lang="en-US" dirty="0">
-                <a:latin typeface="Andale Mono" panose="020B0509000000000004" pitchFamily="49" charset="0"/>
-              </a:rPr>
-              <a:t># Parser class runs all code generated by </a:t>
-            </a:r>
-            <a:r>
-              <a:rPr lang="en-US" dirty="0" err="1">
-                <a:latin typeface="Andale Mono" panose="020B0509000000000004" pitchFamily="49" charset="0"/>
-              </a:rPr>
-              <a:t>plcc</a:t>
-            </a:r>
-            <a:r>
-              <a:rPr lang="en-US" dirty="0">
-                <a:latin typeface="Andale Mono" panose="020B0509000000000004" pitchFamily="49" charset="0"/>
-              </a:rPr>
-              <a:t>.</a:t>
-            </a:r>
-          </a:p>
-          <a:p>
-            <a:pPr marL="0" indent="0">
-              <a:buNone/>
-            </a:pPr>
-            <a:r>
-              <a:rPr lang="en-US" dirty="0">
-                <a:latin typeface="Andale Mono" panose="020B0509000000000004" pitchFamily="49" charset="0"/>
-              </a:rPr>
-              <a:t># Rep class repeatedly prompts you for new "programs".</a:t>
-            </a:r>
-          </a:p>
-        </p:txBody>
-      </p:sp>
-      <p:sp>
-        <p:nvSpPr>
-          <p:cNvPr id="4" name="Date Placeholder 3">
-            <a:extLst>
-              <a:ext uri="{FF2B5EF4-FFF2-40B4-BE49-F238E27FC236}">
-                <a16:creationId xmlns:a16="http://schemas.microsoft.com/office/drawing/2014/main" id="{A65264FE-9834-D24E-81A1-EF35F244F4C8}"/>
-              </a:ext>
-            </a:extLst>
-          </p:cNvPr>
-          <p:cNvSpPr>
-            <a:spLocks noGrp="1"/>
-          </p:cNvSpPr>
-          <p:nvPr>
-            <p:ph type="dt" sz="half" idx="10"/>
-          </p:nvPr>
-        </p:nvSpPr>
-        <p:spPr/>
-        <p:txBody>
-          <a:bodyPr/>
-          <a:lstStyle/>
-          <a:p>
-            <a:r>
-              <a:rPr lang="en-US"/>
-              <a:t>Spring 2020</a:t>
-            </a:r>
-          </a:p>
-        </p:txBody>
-      </p:sp>
-      <p:sp>
-        <p:nvSpPr>
-          <p:cNvPr id="5" name="Footer Placeholder 4">
-            <a:extLst>
-              <a:ext uri="{FF2B5EF4-FFF2-40B4-BE49-F238E27FC236}">
-                <a16:creationId xmlns:a16="http://schemas.microsoft.com/office/drawing/2014/main" id="{168B9681-F1D5-6248-BBDF-3810F57A6514}"/>
-              </a:ext>
-            </a:extLst>
-          </p:cNvPr>
-          <p:cNvSpPr>
-            <a:spLocks noGrp="1"/>
-          </p:cNvSpPr>
-          <p:nvPr>
-            <p:ph type="ftr" sz="quarter" idx="11"/>
-          </p:nvPr>
-        </p:nvSpPr>
-        <p:spPr/>
-        <p:txBody>
-          <a:bodyPr/>
-          <a:lstStyle/>
-          <a:p>
-            <a:r>
-              <a:rPr lang="en-US"/>
-              <a:t>CSCI 344</a:t>
-            </a:r>
-          </a:p>
-        </p:txBody>
-      </p:sp>
-      <p:sp>
-        <p:nvSpPr>
-          <p:cNvPr id="6" name="TextBox 5">
-            <a:extLst>
-              <a:ext uri="{FF2B5EF4-FFF2-40B4-BE49-F238E27FC236}">
-                <a16:creationId xmlns:a16="http://schemas.microsoft.com/office/drawing/2014/main" id="{E808B4EB-877E-2A4F-8A20-847273A02AF3}"/>
+                <a16:creationId xmlns:a16="http://schemas.microsoft.com/office/drawing/2014/main" id="{96660FB9-7D06-1842-9727-7C91E91E92F0}"/>
               </a:ext>
             </a:extLst>
           </p:cNvPr>
@@ -16780,8 +16956,8 @@
         </p:nvSpPr>
         <p:spPr>
           <a:xfrm>
-            <a:off x="6020790" y="6543304"/>
-            <a:ext cx="3254417" cy="369332"/>
+            <a:off x="8425263" y="3727048"/>
+            <a:ext cx="2126159" cy="369332"/>
           </a:xfrm>
           <a:prstGeom prst="rect">
             <a:avLst/>
@@ -16796,7 +16972,17 @@
           <a:p>
             <a:r>
               <a:rPr lang="en-US" dirty="0"/>
-              <a:t>Now for some useful extras…</a:t>
+              <a:t>Try </a:t>
+            </a:r>
+            <a:r>
+              <a:rPr lang="en-US" dirty="0">
+                <a:latin typeface="Andale Mono" panose="020B0509000000000004" pitchFamily="49" charset="0"/>
+              </a:rPr>
+              <a:t>rep-t</a:t>
+            </a:r>
+            <a:r>
+              <a:rPr lang="en-US" dirty="0"/>
+              <a:t> as well!</a:t>
             </a:r>
           </a:p>
         </p:txBody>
@@ -16804,7 +16990,7 @@
     </p:spTree>
     <p:extLst>
       <p:ext uri="{BB962C8B-B14F-4D97-AF65-F5344CB8AC3E}">
-        <p14:creationId xmlns:p14="http://schemas.microsoft.com/office/powerpoint/2010/main" val="2960998724"/>
+        <p14:creationId xmlns:p14="http://schemas.microsoft.com/office/powerpoint/2010/main" val="3468625973"/>
       </p:ext>
     </p:extLst>
   </p:cSld>
@@ -16845,7 +17031,7 @@
                                           </p:stCondLst>
                                         </p:cTn>
                                         <p:tgtEl>
-                                          <p:spTgt spid="6"/>
+                                          <p:spTgt spid="2"/>
                                         </p:tgtEl>
                                         <p:attrNameLst>
                                           <p:attrName>style.visibility</p:attrName>
@@ -16859,7 +17045,7 @@
                                       <p:cBhvr additive="base">
                                         <p:cTn id="7" dur="500" fill="hold"/>
                                         <p:tgtEl>
-                                          <p:spTgt spid="6"/>
+                                          <p:spTgt spid="2"/>
                                         </p:tgtEl>
                                         <p:attrNameLst>
                                           <p:attrName>ppt_x</p:attrName>
@@ -16882,7 +17068,7 @@
                                       <p:cBhvr additive="base">
                                         <p:cTn id="8" dur="500" fill="hold"/>
                                         <p:tgtEl>
-                                          <p:spTgt spid="6"/>
+                                          <p:spTgt spid="2"/>
                                         </p:tgtEl>
                                         <p:attrNameLst>
                                           <p:attrName>ppt_y</p:attrName>
@@ -16932,9 +17118,592 @@
       </p:par>
     </p:tnLst>
     <p:bldLst>
-      <p:bldP spid="6" grpId="0"/>
+      <p:bldP spid="2" grpId="0"/>
     </p:bldLst>
   </p:timing>
+</p:sld>
+</file>
+
+<file path=ppt/slides/slide29.xml><?xml version="1.0" encoding="utf-8"?>
+<p:sld xmlns:a="http://schemas.openxmlformats.org/drawingml/2006/main" xmlns:r="http://schemas.openxmlformats.org/officeDocument/2006/relationships" xmlns:p="http://schemas.openxmlformats.org/presentationml/2006/main">
+  <p:cSld>
+    <p:spTree>
+      <p:nvGrpSpPr>
+        <p:cNvPr id="1" name=""/>
+        <p:cNvGrpSpPr/>
+        <p:nvPr/>
+      </p:nvGrpSpPr>
+      <p:grpSpPr>
+        <a:xfrm>
+          <a:off x="0" y="0"/>
+          <a:ext cx="0" cy="0"/>
+          <a:chOff x="0" y="0"/>
+          <a:chExt cx="0" cy="0"/>
+        </a:xfrm>
+      </p:grpSpPr>
+      <p:sp>
+        <p:nvSpPr>
+          <p:cNvPr id="2" name="Title 1">
+            <a:extLst>
+              <a:ext uri="{FF2B5EF4-FFF2-40B4-BE49-F238E27FC236}">
+                <a16:creationId xmlns:a16="http://schemas.microsoft.com/office/drawing/2014/main" id="{9ACBA974-4A35-6C46-BADE-2A6DDA99F1B6}"/>
+              </a:ext>
+            </a:extLst>
+          </p:cNvPr>
+          <p:cNvSpPr>
+            <a:spLocks noGrp="1"/>
+          </p:cNvSpPr>
+          <p:nvPr>
+            <p:ph type="title"/>
+          </p:nvPr>
+        </p:nvSpPr>
+        <p:spPr/>
+        <p:txBody>
+          <a:bodyPr/>
+          <a:lstStyle/>
+          <a:p>
+            <a:r>
+              <a:rPr lang="en-US" dirty="0"/>
+              <a:t>Files to Review</a:t>
+            </a:r>
+          </a:p>
+        </p:txBody>
+      </p:sp>
+      <p:sp>
+        <p:nvSpPr>
+          <p:cNvPr id="3" name="Content Placeholder 2">
+            <a:extLst>
+              <a:ext uri="{FF2B5EF4-FFF2-40B4-BE49-F238E27FC236}">
+                <a16:creationId xmlns:a16="http://schemas.microsoft.com/office/drawing/2014/main" id="{11AE33EE-3F69-6B49-8328-7C35496EEBB0}"/>
+              </a:ext>
+            </a:extLst>
+          </p:cNvPr>
+          <p:cNvSpPr>
+            <a:spLocks noGrp="1"/>
+          </p:cNvSpPr>
+          <p:nvPr>
+            <p:ph idx="1"/>
+          </p:nvPr>
+        </p:nvSpPr>
+        <p:spPr/>
+        <p:txBody>
+          <a:bodyPr/>
+          <a:lstStyle/>
+          <a:p>
+            <a:r>
+              <a:rPr lang="en-US" dirty="0"/>
+              <a:t>numlistv1.plcc – recursive grammar</a:t>
+            </a:r>
+          </a:p>
+          <a:p>
+            <a:r>
+              <a:rPr lang="en-US" dirty="0"/>
+              <a:t>numlistv2.plcc – iterative grammar</a:t>
+            </a:r>
+          </a:p>
+          <a:p>
+            <a:r>
+              <a:rPr lang="en-US" dirty="0"/>
+              <a:t>numlistv3.plcc – iterative grammar with redisplay semantics</a:t>
+            </a:r>
+          </a:p>
+          <a:p>
+            <a:r>
+              <a:rPr lang="en-US" dirty="0"/>
+              <a:t>numlistv4.plcc – as in v3 but with more info about tokens shown</a:t>
+            </a:r>
+          </a:p>
+          <a:p>
+            <a:r>
+              <a:rPr lang="en-US" dirty="0"/>
+              <a:t>numlistv5.plcc – ¡new feature! – iteration with separators</a:t>
+            </a:r>
+          </a:p>
+          <a:p>
+            <a:r>
+              <a:rPr lang="en-US" dirty="0"/>
+              <a:t>numlistv6.plcc – recursive grammar with min-finding semantics</a:t>
+            </a:r>
+          </a:p>
+        </p:txBody>
+      </p:sp>
+      <p:sp>
+        <p:nvSpPr>
+          <p:cNvPr id="4" name="Date Placeholder 3">
+            <a:extLst>
+              <a:ext uri="{FF2B5EF4-FFF2-40B4-BE49-F238E27FC236}">
+                <a16:creationId xmlns:a16="http://schemas.microsoft.com/office/drawing/2014/main" id="{B3DE87C3-6431-CC46-82ED-8EA38F8BD424}"/>
+              </a:ext>
+            </a:extLst>
+          </p:cNvPr>
+          <p:cNvSpPr>
+            <a:spLocks noGrp="1"/>
+          </p:cNvSpPr>
+          <p:nvPr>
+            <p:ph type="dt" sz="half" idx="10"/>
+          </p:nvPr>
+        </p:nvSpPr>
+        <p:spPr/>
+        <p:txBody>
+          <a:bodyPr/>
+          <a:lstStyle/>
+          <a:p>
+            <a:r>
+              <a:rPr lang="en-US"/>
+              <a:t>Spring 2021</a:t>
+            </a:r>
+          </a:p>
+        </p:txBody>
+      </p:sp>
+      <p:sp>
+        <p:nvSpPr>
+          <p:cNvPr id="5" name="Footer Placeholder 4">
+            <a:extLst>
+              <a:ext uri="{FF2B5EF4-FFF2-40B4-BE49-F238E27FC236}">
+                <a16:creationId xmlns:a16="http://schemas.microsoft.com/office/drawing/2014/main" id="{6FF0184F-73A6-4342-9973-1C385765D5B5}"/>
+              </a:ext>
+            </a:extLst>
+          </p:cNvPr>
+          <p:cNvSpPr>
+            <a:spLocks noGrp="1"/>
+          </p:cNvSpPr>
+          <p:nvPr>
+            <p:ph type="ftr" sz="quarter" idx="11"/>
+          </p:nvPr>
+        </p:nvSpPr>
+        <p:spPr/>
+        <p:txBody>
+          <a:bodyPr/>
+          <a:lstStyle/>
+          <a:p>
+            <a:r>
+              <a:rPr lang="en-US"/>
+              <a:t>CSCI 344</a:t>
+            </a:r>
+          </a:p>
+        </p:txBody>
+      </p:sp>
+    </p:spTree>
+    <p:extLst>
+      <p:ext uri="{BB962C8B-B14F-4D97-AF65-F5344CB8AC3E}">
+        <p14:creationId xmlns:p14="http://schemas.microsoft.com/office/powerpoint/2010/main" val="3982634970"/>
+      </p:ext>
+    </p:extLst>
+  </p:cSld>
+  <p:clrMapOvr>
+    <a:masterClrMapping/>
+  </p:clrMapOvr>
+</p:sld>
+</file>
+
+<file path=ppt/slides/slide3.xml><?xml version="1.0" encoding="utf-8"?>
+<p:sld xmlns:a="http://schemas.openxmlformats.org/drawingml/2006/main" xmlns:r="http://schemas.openxmlformats.org/officeDocument/2006/relationships" xmlns:p="http://schemas.openxmlformats.org/presentationml/2006/main">
+  <p:cSld>
+    <p:spTree>
+      <p:nvGrpSpPr>
+        <p:cNvPr id="1" name=""/>
+        <p:cNvGrpSpPr/>
+        <p:nvPr/>
+      </p:nvGrpSpPr>
+      <p:grpSpPr>
+        <a:xfrm>
+          <a:off x="0" y="0"/>
+          <a:ext cx="0" cy="0"/>
+          <a:chOff x="0" y="0"/>
+          <a:chExt cx="0" cy="0"/>
+        </a:xfrm>
+      </p:grpSpPr>
+      <p:sp>
+        <p:nvSpPr>
+          <p:cNvPr id="2" name="Title 1">
+            <a:extLst>
+              <a:ext uri="{FF2B5EF4-FFF2-40B4-BE49-F238E27FC236}">
+                <a16:creationId xmlns:a16="http://schemas.microsoft.com/office/drawing/2014/main" id="{474718D6-B580-5244-98A0-FFF485B9ED3E}"/>
+              </a:ext>
+            </a:extLst>
+          </p:cNvPr>
+          <p:cNvSpPr>
+            <a:spLocks noGrp="1"/>
+          </p:cNvSpPr>
+          <p:nvPr>
+            <p:ph type="title"/>
+          </p:nvPr>
+        </p:nvSpPr>
+        <p:spPr/>
+        <p:txBody>
+          <a:bodyPr/>
+          <a:lstStyle/>
+          <a:p>
+            <a:r>
+              <a:rPr lang="en-US" dirty="0"/>
+              <a:t>PLCC Use Quick Start</a:t>
+            </a:r>
+          </a:p>
+        </p:txBody>
+      </p:sp>
+      <p:sp>
+        <p:nvSpPr>
+          <p:cNvPr id="3" name="Content Placeholder 2">
+            <a:extLst>
+              <a:ext uri="{FF2B5EF4-FFF2-40B4-BE49-F238E27FC236}">
+                <a16:creationId xmlns:a16="http://schemas.microsoft.com/office/drawing/2014/main" id="{65FAC588-FB86-634A-913E-5A19DB5CE5CA}"/>
+              </a:ext>
+            </a:extLst>
+          </p:cNvPr>
+          <p:cNvSpPr>
+            <a:spLocks noGrp="1"/>
+          </p:cNvSpPr>
+          <p:nvPr>
+            <p:ph idx="1"/>
+          </p:nvPr>
+        </p:nvSpPr>
+        <p:spPr/>
+        <p:txBody>
+          <a:bodyPr>
+            <a:normAutofit fontScale="92500" lnSpcReduction="10000"/>
+          </a:bodyPr>
+          <a:lstStyle/>
+          <a:p>
+            <a:pPr marL="0" indent="0">
+              <a:buNone/>
+            </a:pPr>
+            <a:r>
+              <a:rPr lang="en-US" dirty="0">
+                <a:latin typeface="Andale Mono" panose="020B0509000000000004" pitchFamily="49" charset="0"/>
+              </a:rPr>
+              <a:t>$ </a:t>
+            </a:r>
+            <a:r>
+              <a:rPr lang="en-US" dirty="0" err="1">
+                <a:latin typeface="Andale Mono" panose="020B0509000000000004" pitchFamily="49" charset="0"/>
+              </a:rPr>
+              <a:t>plcc</a:t>
+            </a:r>
+            <a:r>
+              <a:rPr lang="en-US" dirty="0">
+                <a:latin typeface="Andale Mono" panose="020B0509000000000004" pitchFamily="49" charset="0"/>
+              </a:rPr>
+              <a:t> </a:t>
+            </a:r>
+            <a:r>
+              <a:rPr lang="en-US" dirty="0" err="1">
+                <a:latin typeface="Andale Mono" panose="020B0509000000000004" pitchFamily="49" charset="0"/>
+              </a:rPr>
+              <a:t>lang_spec.plcc</a:t>
+            </a:r>
+            <a:endParaRPr lang="en-US" dirty="0">
+              <a:latin typeface="Andale Mono" panose="020B0509000000000004" pitchFamily="49" charset="0"/>
+            </a:endParaRPr>
+          </a:p>
+          <a:p>
+            <a:pPr marL="457200" lvl="1" indent="0">
+              <a:buNone/>
+            </a:pPr>
+            <a:r>
+              <a:rPr lang="en-US" dirty="0">
+                <a:latin typeface="Andale Mono" panose="020B0509000000000004" pitchFamily="49" charset="0"/>
+              </a:rPr>
+              <a:t># Runs </a:t>
+            </a:r>
+            <a:r>
+              <a:rPr lang="en-US" dirty="0" err="1">
+                <a:latin typeface="Andale Mono" panose="020B0509000000000004" pitchFamily="49" charset="0"/>
+              </a:rPr>
+              <a:t>plcc.py</a:t>
+            </a:r>
+            <a:r>
+              <a:rPr lang="en-US" dirty="0">
+                <a:latin typeface="Andale Mono" panose="020B0509000000000004" pitchFamily="49" charset="0"/>
+              </a:rPr>
+              <a:t>, which</a:t>
+            </a:r>
+          </a:p>
+          <a:p>
+            <a:pPr marL="914400" lvl="2" indent="0">
+              <a:buNone/>
+            </a:pPr>
+            <a:r>
+              <a:rPr lang="en-US" dirty="0">
+                <a:latin typeface="Andale Mono" panose="020B0509000000000004" pitchFamily="49" charset="0"/>
+              </a:rPr>
+              <a:t># 1. reads your file, named on the command line;</a:t>
+            </a:r>
+          </a:p>
+          <a:p>
+            <a:pPr marL="914400" lvl="2" indent="0">
+              <a:buNone/>
+            </a:pPr>
+            <a:r>
+              <a:rPr lang="en-US" dirty="0">
+                <a:latin typeface="Andale Mono" panose="020B0509000000000004" pitchFamily="49" charset="0"/>
+              </a:rPr>
+              <a:t># 2. generates Java class files based on your file;</a:t>
+            </a:r>
+          </a:p>
+          <a:p>
+            <a:pPr marL="914400" lvl="2" indent="0">
+              <a:buNone/>
+            </a:pPr>
+            <a:r>
+              <a:rPr lang="en-US" dirty="0">
+                <a:latin typeface="Andale Mono" panose="020B0509000000000004" pitchFamily="49" charset="0"/>
+              </a:rPr>
+              <a:t># 3. adds some standard PLCC library classes (</a:t>
+            </a:r>
+            <a:r>
+              <a:rPr lang="en-US" b="1" dirty="0" err="1">
+                <a:latin typeface="Andale Mono" panose="020B0509000000000004" pitchFamily="49" charset="0"/>
+              </a:rPr>
+              <a:t>Std</a:t>
+            </a:r>
+            <a:r>
+              <a:rPr lang="en-US" dirty="0">
+                <a:latin typeface="Andale Mono" panose="020B0509000000000004" pitchFamily="49" charset="0"/>
+              </a:rPr>
+              <a:t> directory).</a:t>
+            </a:r>
+          </a:p>
+          <a:p>
+            <a:pPr marL="0" indent="0">
+              <a:buNone/>
+            </a:pPr>
+            <a:r>
+              <a:rPr lang="en-US" dirty="0">
+                <a:latin typeface="Andale Mono" panose="020B0509000000000004" pitchFamily="49" charset="0"/>
+              </a:rPr>
+              <a:t>$ cd Java # </a:t>
+            </a:r>
+            <a:r>
+              <a:rPr lang="en-US" dirty="0">
+                <a:latin typeface="Andale Mono" panose="020B0509000000000004" pitchFamily="49" charset="0"/>
+                <a:sym typeface="Wingdings" pitchFamily="2" charset="2"/>
+              </a:rPr>
+              <a:t> where the Java files were put</a:t>
+            </a:r>
+            <a:endParaRPr lang="en-US" dirty="0">
+              <a:latin typeface="Andale Mono" panose="020B0509000000000004" pitchFamily="49" charset="0"/>
+            </a:endParaRPr>
+          </a:p>
+          <a:p>
+            <a:pPr marL="0" indent="0">
+              <a:buNone/>
+            </a:pPr>
+            <a:r>
+              <a:rPr lang="en-US" dirty="0">
+                <a:latin typeface="Andale Mono" panose="020B0509000000000004" pitchFamily="49" charset="0"/>
+              </a:rPr>
+              <a:t>$ </a:t>
+            </a:r>
+            <a:r>
+              <a:rPr lang="en-US" dirty="0" err="1">
+                <a:latin typeface="Andale Mono" panose="020B0509000000000004" pitchFamily="49" charset="0"/>
+              </a:rPr>
+              <a:t>javac</a:t>
+            </a:r>
+            <a:r>
+              <a:rPr lang="en-US" dirty="0">
+                <a:latin typeface="Andale Mono" panose="020B0509000000000004" pitchFamily="49" charset="0"/>
+              </a:rPr>
+              <a:t> *.java</a:t>
+            </a:r>
+          </a:p>
+          <a:p>
+            <a:pPr marL="0" indent="0">
+              <a:buNone/>
+            </a:pPr>
+            <a:r>
+              <a:rPr lang="en-US" dirty="0">
+                <a:latin typeface="Andale Mono" panose="020B0509000000000004" pitchFamily="49" charset="0"/>
+              </a:rPr>
+              <a:t># Scan class only runs the lexical scanner.</a:t>
+            </a:r>
+          </a:p>
+          <a:p>
+            <a:pPr marL="0" indent="0">
+              <a:buNone/>
+            </a:pPr>
+            <a:r>
+              <a:rPr lang="en-US" dirty="0">
+                <a:latin typeface="Andale Mono" panose="020B0509000000000004" pitchFamily="49" charset="0"/>
+              </a:rPr>
+              <a:t># Parser class runs all code generated by </a:t>
+            </a:r>
+            <a:r>
+              <a:rPr lang="en-US" dirty="0" err="1">
+                <a:latin typeface="Andale Mono" panose="020B0509000000000004" pitchFamily="49" charset="0"/>
+              </a:rPr>
+              <a:t>plcc</a:t>
+            </a:r>
+            <a:r>
+              <a:rPr lang="en-US" dirty="0">
+                <a:latin typeface="Andale Mono" panose="020B0509000000000004" pitchFamily="49" charset="0"/>
+              </a:rPr>
+              <a:t>.</a:t>
+            </a:r>
+          </a:p>
+          <a:p>
+            <a:pPr marL="0" indent="0">
+              <a:buNone/>
+            </a:pPr>
+            <a:r>
+              <a:rPr lang="en-US" dirty="0">
+                <a:latin typeface="Andale Mono" panose="020B0509000000000004" pitchFamily="49" charset="0"/>
+              </a:rPr>
+              <a:t># Rep class repeatedly prompts you for new "programs".</a:t>
+            </a:r>
+          </a:p>
+        </p:txBody>
+      </p:sp>
+      <p:sp>
+        <p:nvSpPr>
+          <p:cNvPr id="4" name="Date Placeholder 3">
+            <a:extLst>
+              <a:ext uri="{FF2B5EF4-FFF2-40B4-BE49-F238E27FC236}">
+                <a16:creationId xmlns:a16="http://schemas.microsoft.com/office/drawing/2014/main" id="{A65264FE-9834-D24E-81A1-EF35F244F4C8}"/>
+              </a:ext>
+            </a:extLst>
+          </p:cNvPr>
+          <p:cNvSpPr>
+            <a:spLocks noGrp="1"/>
+          </p:cNvSpPr>
+          <p:nvPr>
+            <p:ph type="dt" sz="half" idx="10"/>
+          </p:nvPr>
+        </p:nvSpPr>
+        <p:spPr/>
+        <p:txBody>
+          <a:bodyPr/>
+          <a:lstStyle/>
+          <a:p>
+            <a:r>
+              <a:rPr lang="en-US"/>
+              <a:t>Spring 2021</a:t>
+            </a:r>
+          </a:p>
+        </p:txBody>
+      </p:sp>
+      <p:sp>
+        <p:nvSpPr>
+          <p:cNvPr id="5" name="Footer Placeholder 4">
+            <a:extLst>
+              <a:ext uri="{FF2B5EF4-FFF2-40B4-BE49-F238E27FC236}">
+                <a16:creationId xmlns:a16="http://schemas.microsoft.com/office/drawing/2014/main" id="{168B9681-F1D5-6248-BBDF-3810F57A6514}"/>
+              </a:ext>
+            </a:extLst>
+          </p:cNvPr>
+          <p:cNvSpPr>
+            <a:spLocks noGrp="1"/>
+          </p:cNvSpPr>
+          <p:nvPr>
+            <p:ph type="ftr" sz="quarter" idx="11"/>
+          </p:nvPr>
+        </p:nvSpPr>
+        <p:spPr/>
+        <p:txBody>
+          <a:bodyPr/>
+          <a:lstStyle/>
+          <a:p>
+            <a:r>
+              <a:rPr lang="en-US" dirty="0"/>
+              <a:t>CSCI 344</a:t>
+            </a:r>
+          </a:p>
+        </p:txBody>
+      </p:sp>
+      <p:sp>
+        <p:nvSpPr>
+          <p:cNvPr id="7" name="Oval 6">
+            <a:extLst>
+              <a:ext uri="{FF2B5EF4-FFF2-40B4-BE49-F238E27FC236}">
+                <a16:creationId xmlns:a16="http://schemas.microsoft.com/office/drawing/2014/main" id="{1A95550A-4BAC-6342-ABE5-345B5A4C600B}"/>
+              </a:ext>
+            </a:extLst>
+          </p:cNvPr>
+          <p:cNvSpPr/>
+          <p:nvPr/>
+        </p:nvSpPr>
+        <p:spPr>
+          <a:xfrm>
+            <a:off x="10961225" y="813784"/>
+            <a:ext cx="959825" cy="959825"/>
+          </a:xfrm>
+          <a:prstGeom prst="ellipse">
+            <a:avLst/>
+          </a:prstGeom>
+        </p:spPr>
+        <p:style>
+          <a:lnRef idx="2">
+            <a:schemeClr val="accent1">
+              <a:shade val="50000"/>
+            </a:schemeClr>
+          </a:lnRef>
+          <a:fillRef idx="1">
+            <a:schemeClr val="accent1"/>
+          </a:fillRef>
+          <a:effectRef idx="0">
+            <a:schemeClr val="accent1"/>
+          </a:effectRef>
+          <a:fontRef idx="minor">
+            <a:schemeClr val="lt1"/>
+          </a:fontRef>
+        </p:style>
+        <p:txBody>
+          <a:bodyPr rtlCol="0" anchor="ctr"/>
+          <a:lstStyle/>
+          <a:p>
+            <a:pPr algn="ctr"/>
+            <a:r>
+              <a:rPr lang="en-US" sz="2400" dirty="0"/>
+              <a:t>1/2</a:t>
+            </a:r>
+          </a:p>
+        </p:txBody>
+      </p:sp>
+      <p:sp>
+        <p:nvSpPr>
+          <p:cNvPr id="8" name="TextBox 7">
+            <a:extLst>
+              <a:ext uri="{FF2B5EF4-FFF2-40B4-BE49-F238E27FC236}">
+                <a16:creationId xmlns:a16="http://schemas.microsoft.com/office/drawing/2014/main" id="{7F5856E5-D624-1F46-AE73-4D1667911545}"/>
+              </a:ext>
+            </a:extLst>
+          </p:cNvPr>
+          <p:cNvSpPr txBox="1"/>
+          <p:nvPr/>
+        </p:nvSpPr>
+        <p:spPr>
+          <a:xfrm>
+            <a:off x="6456807" y="5868310"/>
+            <a:ext cx="2818400" cy="369332"/>
+          </a:xfrm>
+          <a:prstGeom prst="rect">
+            <a:avLst/>
+          </a:prstGeom>
+          <a:noFill/>
+        </p:spPr>
+        <p:txBody>
+          <a:bodyPr wrap="none" rtlCol="0">
+            <a:spAutoFit/>
+          </a:bodyPr>
+          <a:lstStyle/>
+          <a:p>
+            <a:r>
+              <a:rPr lang="en-US" dirty="0"/>
+              <a:t>"-t" option: see next slide</a:t>
+            </a:r>
+          </a:p>
+        </p:txBody>
+      </p:sp>
+    </p:spTree>
+    <p:extLst>
+      <p:ext uri="{BB962C8B-B14F-4D97-AF65-F5344CB8AC3E}">
+        <p14:creationId xmlns:p14="http://schemas.microsoft.com/office/powerpoint/2010/main" val="2960998724"/>
+      </p:ext>
+    </p:extLst>
+  </p:cSld>
+  <p:clrMapOvr>
+    <a:masterClrMapping/>
+  </p:clrMapOvr>
 </p:sld>
 </file>
 
@@ -17071,7 +17840,7 @@
           <a:p>
             <a:r>
               <a:rPr lang="en-US"/>
-              <a:t>Spring 2020</a:t>
+              <a:t>Spring 2021</a:t>
             </a:r>
           </a:p>
         </p:txBody>
@@ -17296,7 +18065,7 @@
           <a:p>
             <a:r>
               <a:rPr lang="en-US" dirty="0"/>
-              <a:t>Exercise</a:t>
+              <a:t>Discussion</a:t>
             </a:r>
           </a:p>
         </p:txBody>
@@ -17406,7 +18175,7 @@
           <a:p>
             <a:r>
               <a:rPr lang="en-US"/>
-              <a:t>Spring 2020</a:t>
+              <a:t>Spring 2021</a:t>
             </a:r>
           </a:p>
         </p:txBody>
@@ -17696,57 +18465,6 @@
           </a:fontRef>
         </p:style>
       </p:cxnSp>
-      <p:sp>
-        <p:nvSpPr>
-          <p:cNvPr id="10" name="TextBox 9">
-            <a:extLst>
-              <a:ext uri="{FF2B5EF4-FFF2-40B4-BE49-F238E27FC236}">
-                <a16:creationId xmlns:a16="http://schemas.microsoft.com/office/drawing/2014/main" id="{9DABAF62-4DEE-9C4D-9FF8-B396325D51D0}"/>
-              </a:ext>
-            </a:extLst>
-          </p:cNvPr>
-          <p:cNvSpPr txBox="1"/>
-          <p:nvPr/>
-        </p:nvSpPr>
-        <p:spPr>
-          <a:xfrm>
-            <a:off x="9749481" y="4786826"/>
-            <a:ext cx="1712328" cy="646331"/>
-          </a:xfrm>
-          <a:prstGeom prst="rect">
-            <a:avLst/>
-          </a:prstGeom>
-          <a:solidFill>
-            <a:schemeClr val="tx1"/>
-          </a:solidFill>
-        </p:spPr>
-        <p:txBody>
-          <a:bodyPr wrap="none" rtlCol="0">
-            <a:spAutoFit/>
-          </a:bodyPr>
-          <a:lstStyle/>
-          <a:p>
-            <a:r>
-              <a:rPr lang="en-US" dirty="0">
-                <a:solidFill>
-                  <a:srgbClr val="FF0000"/>
-                </a:solidFill>
-              </a:rPr>
-              <a:t>Ambiguous—</a:t>
-            </a:r>
-          </a:p>
-          <a:p>
-            <a:r>
-              <a:rPr lang="en-US" dirty="0">
-                <a:solidFill>
-                  <a:srgbClr val="FF0000"/>
-                </a:solidFill>
-              </a:rPr>
-              <a:t>Doesn’t work!!</a:t>
-            </a:r>
-          </a:p>
-        </p:txBody>
-      </p:sp>
     </p:spTree>
     <p:extLst>
       <p:ext uri="{BB962C8B-B14F-4D97-AF65-F5344CB8AC3E}">
@@ -17911,87 +18629,6 @@
                                   </p:childTnLst>
                                 </p:cTn>
                               </p:par>
-                              <p:par>
-                                <p:cTn id="15" presetID="55" presetClass="entr" presetSubtype="0" fill="hold" grpId="0" nodeType="withEffect">
-                                  <p:stCondLst>
-                                    <p:cond delay="0"/>
-                                  </p:stCondLst>
-                                  <p:childTnLst>
-                                    <p:set>
-                                      <p:cBhvr>
-                                        <p:cTn id="16" dur="1" fill="hold">
-                                          <p:stCondLst>
-                                            <p:cond delay="0"/>
-                                          </p:stCondLst>
-                                        </p:cTn>
-                                        <p:tgtEl>
-                                          <p:spTgt spid="10"/>
-                                        </p:tgtEl>
-                                        <p:attrNameLst>
-                                          <p:attrName>style.visibility</p:attrName>
-                                        </p:attrNameLst>
-                                      </p:cBhvr>
-                                      <p:to>
-                                        <p:strVal val="visible"/>
-                                      </p:to>
-                                    </p:set>
-                                    <p:anim calcmode="lin" valueType="num">
-                                      <p:cBhvr>
-                                        <p:cTn id="17" dur="1000" fill="hold"/>
-                                        <p:tgtEl>
-                                          <p:spTgt spid="10"/>
-                                        </p:tgtEl>
-                                        <p:attrNameLst>
-                                          <p:attrName>ppt_w</p:attrName>
-                                        </p:attrNameLst>
-                                      </p:cBhvr>
-                                      <p:tavLst>
-                                        <p:tav tm="0">
-                                          <p:val>
-                                            <p:strVal val="#ppt_w*0.70"/>
-                                          </p:val>
-                                        </p:tav>
-                                        <p:tav tm="100000">
-                                          <p:val>
-                                            <p:strVal val="#ppt_w"/>
-                                          </p:val>
-                                        </p:tav>
-                                      </p:tavLst>
-                                    </p:anim>
-                                    <p:anim calcmode="lin" valueType="num">
-                                      <p:cBhvr>
-                                        <p:cTn id="18" dur="1000" fill="hold"/>
-                                        <p:tgtEl>
-                                          <p:spTgt spid="10"/>
-                                        </p:tgtEl>
-                                        <p:attrNameLst>
-                                          <p:attrName>ppt_h</p:attrName>
-                                        </p:attrNameLst>
-                                      </p:cBhvr>
-                                      <p:tavLst>
-                                        <p:tav tm="0">
-                                          <p:val>
-                                            <p:strVal val="#ppt_h"/>
-                                          </p:val>
-                                        </p:tav>
-                                        <p:tav tm="100000">
-                                          <p:val>
-                                            <p:strVal val="#ppt_h"/>
-                                          </p:val>
-                                        </p:tav>
-                                      </p:tavLst>
-                                    </p:anim>
-                                    <p:animEffect transition="in" filter="fade">
-                                      <p:cBhvr>
-                                        <p:cTn id="19" dur="1000"/>
-                                        <p:tgtEl>
-                                          <p:spTgt spid="10"/>
-                                        </p:tgtEl>
-                                      </p:cBhvr>
-                                    </p:animEffect>
-                                  </p:childTnLst>
-                                </p:cTn>
-                              </p:par>
                             </p:childTnLst>
                           </p:cTn>
                         </p:par>
@@ -17999,26 +18636,26 @@
                     </p:cTn>
                   </p:par>
                   <p:par>
-                    <p:cTn id="20" fill="hold">
+                    <p:cTn id="15" fill="hold">
                       <p:stCondLst>
                         <p:cond delay="indefinite"/>
                       </p:stCondLst>
                       <p:childTnLst>
                         <p:par>
-                          <p:cTn id="21" fill="hold">
+                          <p:cTn id="16" fill="hold">
                             <p:stCondLst>
                               <p:cond delay="0"/>
                             </p:stCondLst>
                             <p:childTnLst>
                               <p:par>
-                                <p:cTn id="22" presetID="9" presetClass="entr" presetSubtype="0" fill="hold" grpId="0" nodeType="clickEffect">
+                                <p:cTn id="17" presetID="9" presetClass="entr" presetSubtype="0" fill="hold" grpId="0" nodeType="clickEffect">
                                   <p:stCondLst>
                                     <p:cond delay="0"/>
                                   </p:stCondLst>
                                   <p:childTnLst>
                                     <p:set>
                                       <p:cBhvr>
-                                        <p:cTn id="23" dur="1" fill="hold">
+                                        <p:cTn id="18" dur="1" fill="hold">
                                           <p:stCondLst>
                                             <p:cond delay="0"/>
                                           </p:stCondLst>
@@ -18036,7 +18673,7 @@
                                     </p:set>
                                     <p:animEffect transition="in" filter="dissolve">
                                       <p:cBhvr>
-                                        <p:cTn id="24" dur="500"/>
+                                        <p:cTn id="19" dur="500"/>
                                         <p:tgtEl>
                                           <p:spTgt spid="7"/>
                                         </p:tgtEl>
@@ -18075,7 +18712,6 @@
     <p:bldLst>
       <p:bldP spid="6" grpId="0"/>
       <p:bldP spid="7" grpId="0" animBg="1"/>
-      <p:bldP spid="10" grpId="0" animBg="1"/>
     </p:bldLst>
   </p:timing>
 </p:sld>
@@ -18231,7 +18867,449 @@
           <a:p>
             <a:r>
               <a:rPr lang="en-US"/>
-              <a:t>Spring 2020</a:t>
+              <a:t>Spring 2021</a:t>
+            </a:r>
+          </a:p>
+        </p:txBody>
+      </p:sp>
+      <p:sp>
+        <p:nvSpPr>
+          <p:cNvPr id="5" name="Footer Placeholder 4">
+            <a:extLst>
+              <a:ext uri="{FF2B5EF4-FFF2-40B4-BE49-F238E27FC236}">
+                <a16:creationId xmlns:a16="http://schemas.microsoft.com/office/drawing/2014/main" id="{BB26CC89-FDC4-584A-A6D0-1464992B356A}"/>
+              </a:ext>
+            </a:extLst>
+          </p:cNvPr>
+          <p:cNvSpPr>
+            <a:spLocks noGrp="1"/>
+          </p:cNvSpPr>
+          <p:nvPr>
+            <p:ph type="ftr" sz="quarter" idx="11"/>
+          </p:nvPr>
+        </p:nvSpPr>
+        <p:spPr/>
+        <p:txBody>
+          <a:bodyPr/>
+          <a:lstStyle/>
+          <a:p>
+            <a:r>
+              <a:rPr lang="en-US"/>
+              <a:t>CSCI 344</a:t>
+            </a:r>
+          </a:p>
+        </p:txBody>
+      </p:sp>
+      <p:sp>
+        <p:nvSpPr>
+          <p:cNvPr id="7" name="TextBox 6">
+            <a:extLst>
+              <a:ext uri="{FF2B5EF4-FFF2-40B4-BE49-F238E27FC236}">
+                <a16:creationId xmlns:a16="http://schemas.microsoft.com/office/drawing/2014/main" id="{36C89BF5-61B2-2D4D-8791-24F3A9BD7858}"/>
+              </a:ext>
+            </a:extLst>
+          </p:cNvPr>
+          <p:cNvSpPr txBox="1"/>
+          <p:nvPr/>
+        </p:nvSpPr>
+        <p:spPr>
+          <a:xfrm>
+            <a:off x="4494695" y="4286389"/>
+            <a:ext cx="6112571" cy="1754326"/>
+          </a:xfrm>
+          <a:prstGeom prst="rect">
+            <a:avLst/>
+          </a:prstGeom>
+          <a:noFill/>
+          <a:ln>
+            <a:solidFill>
+              <a:schemeClr val="tx1"/>
+            </a:solidFill>
+          </a:ln>
+        </p:spPr>
+        <p:txBody>
+          <a:bodyPr wrap="none" rtlCol="0">
+            <a:spAutoFit/>
+          </a:bodyPr>
+          <a:lstStyle/>
+          <a:p>
+            <a:r>
+              <a:rPr lang="en-US" dirty="0">
+                <a:latin typeface="Andale Mono" panose="020B0509000000000004" pitchFamily="49" charset="0"/>
+              </a:rPr>
+              <a:t>while ( EXPR ) {</a:t>
+            </a:r>
+          </a:p>
+          <a:p>
+            <a:r>
+              <a:rPr lang="en-US" dirty="0">
+                <a:latin typeface="Andale Mono" panose="020B0509000000000004" pitchFamily="49" charset="0"/>
+              </a:rPr>
+              <a:t>    STMT ;</a:t>
+            </a:r>
+          </a:p>
+          <a:p>
+            <a:r>
+              <a:rPr lang="en-US" dirty="0">
+                <a:latin typeface="Andale Mono" panose="020B0509000000000004" pitchFamily="49" charset="0"/>
+              </a:rPr>
+              <a:t>    while ( EXPR ) { STMT ; STMT ; STMT ; }</a:t>
+            </a:r>
+          </a:p>
+          <a:p>
+            <a:r>
+              <a:rPr lang="en-US" dirty="0">
+                <a:latin typeface="Andale Mono" panose="020B0509000000000004" pitchFamily="49" charset="0"/>
+              </a:rPr>
+              <a:t>    STMT ;</a:t>
+            </a:r>
+          </a:p>
+          <a:p>
+            <a:r>
+              <a:rPr lang="en-US" dirty="0">
+                <a:latin typeface="Andale Mono" panose="020B0509000000000004" pitchFamily="49" charset="0"/>
+              </a:rPr>
+              <a:t>    STMT ;</a:t>
+            </a:r>
+          </a:p>
+          <a:p>
+            <a:r>
+              <a:rPr lang="en-US" dirty="0">
+                <a:latin typeface="Andale Mono" panose="020B0509000000000004" pitchFamily="49" charset="0"/>
+              </a:rPr>
+              <a:t>}</a:t>
+            </a:r>
+          </a:p>
+        </p:txBody>
+      </p:sp>
+      <p:sp>
+        <p:nvSpPr>
+          <p:cNvPr id="8" name="TextBox 7">
+            <a:extLst>
+              <a:ext uri="{FF2B5EF4-FFF2-40B4-BE49-F238E27FC236}">
+                <a16:creationId xmlns:a16="http://schemas.microsoft.com/office/drawing/2014/main" id="{F3E0575E-A11E-044D-929C-317B9D867DD6}"/>
+              </a:ext>
+            </a:extLst>
+          </p:cNvPr>
+          <p:cNvSpPr txBox="1"/>
+          <p:nvPr/>
+        </p:nvSpPr>
+        <p:spPr>
+          <a:xfrm>
+            <a:off x="1449537" y="4900046"/>
+            <a:ext cx="2666114" cy="369332"/>
+          </a:xfrm>
+          <a:prstGeom prst="rect">
+            <a:avLst/>
+          </a:prstGeom>
+          <a:noFill/>
+          <a:ln>
+            <a:solidFill>
+              <a:schemeClr val="tx1"/>
+            </a:solidFill>
+          </a:ln>
+        </p:spPr>
+        <p:txBody>
+          <a:bodyPr wrap="none" rtlCol="0">
+            <a:spAutoFit/>
+          </a:bodyPr>
+          <a:lstStyle/>
+          <a:p>
+            <a:r>
+              <a:rPr lang="en-US" dirty="0">
+                <a:latin typeface="Andale Mono" panose="020B0509000000000004" pitchFamily="49" charset="0"/>
+              </a:rPr>
+              <a:t>while(EXPR){STMT;}</a:t>
+            </a:r>
+          </a:p>
+        </p:txBody>
+      </p:sp>
+    </p:spTree>
+    <p:extLst>
+      <p:ext uri="{BB962C8B-B14F-4D97-AF65-F5344CB8AC3E}">
+        <p14:creationId xmlns:p14="http://schemas.microsoft.com/office/powerpoint/2010/main" val="2961462533"/>
+      </p:ext>
+    </p:extLst>
+  </p:cSld>
+  <p:clrMapOvr>
+    <a:masterClrMapping/>
+  </p:clrMapOvr>
+  <p:timing>
+    <p:tnLst>
+      <p:par>
+        <p:cTn id="1" dur="indefinite" restart="never" nodeType="tmRoot">
+          <p:childTnLst>
+            <p:seq concurrent="1" nextAc="seek">
+              <p:cTn id="2" dur="indefinite" nodeType="mainSeq">
+                <p:childTnLst>
+                  <p:par>
+                    <p:cTn id="3" fill="hold">
+                      <p:stCondLst>
+                        <p:cond delay="indefinite"/>
+                      </p:stCondLst>
+                      <p:childTnLst>
+                        <p:par>
+                          <p:cTn id="4" fill="hold">
+                            <p:stCondLst>
+                              <p:cond delay="0"/>
+                            </p:stCondLst>
+                            <p:childTnLst>
+                              <p:par>
+                                <p:cTn id="5" presetID="9" presetClass="exit" presetSubtype="0" fill="hold" grpId="0" nodeType="clickEffect">
+                                  <p:stCondLst>
+                                    <p:cond delay="0"/>
+                                  </p:stCondLst>
+                                  <p:childTnLst>
+                                    <p:animEffect transition="out" filter="dissolve">
+                                      <p:cBhvr>
+                                        <p:cTn id="6" dur="500"/>
+                                        <p:tgtEl>
+                                          <p:spTgt spid="8"/>
+                                        </p:tgtEl>
+                                      </p:cBhvr>
+                                    </p:animEffect>
+                                    <p:set>
+                                      <p:cBhvr>
+                                        <p:cTn id="7" dur="1" fill="hold">
+                                          <p:stCondLst>
+                                            <p:cond delay="499"/>
+                                          </p:stCondLst>
+                                        </p:cTn>
+                                        <p:tgtEl>
+                                          <p:spTgt spid="8"/>
+                                        </p:tgtEl>
+                                        <p:attrNameLst>
+                                          <p:attrName>style.visibility</p:attrName>
+                                        </p:attrNameLst>
+                                      </p:cBhvr>
+                                      <p:to>
+                                        <p:strVal val="hidden"/>
+                                      </p:to>
+                                    </p:set>
+                                  </p:childTnLst>
+                                </p:cTn>
+                              </p:par>
+                              <p:par>
+                                <p:cTn id="8" presetID="9" presetClass="exit" presetSubtype="0" fill="hold" grpId="0" nodeType="withEffect">
+                                  <p:stCondLst>
+                                    <p:cond delay="0"/>
+                                  </p:stCondLst>
+                                  <p:childTnLst>
+                                    <p:animEffect transition="out" filter="dissolve">
+                                      <p:cBhvr>
+                                        <p:cTn id="9" dur="500"/>
+                                        <p:tgtEl>
+                                          <p:spTgt spid="7"/>
+                                        </p:tgtEl>
+                                      </p:cBhvr>
+                                    </p:animEffect>
+                                    <p:set>
+                                      <p:cBhvr>
+                                        <p:cTn id="10" dur="1" fill="hold">
+                                          <p:stCondLst>
+                                            <p:cond delay="499"/>
+                                          </p:stCondLst>
+                                        </p:cTn>
+                                        <p:tgtEl>
+                                          <p:spTgt spid="7"/>
+                                        </p:tgtEl>
+                                        <p:attrNameLst>
+                                          <p:attrName>style.visibility</p:attrName>
+                                        </p:attrNameLst>
+                                      </p:cBhvr>
+                                      <p:to>
+                                        <p:strVal val="hidden"/>
+                                      </p:to>
+                                    </p:set>
+                                  </p:childTnLst>
+                                </p:cTn>
+                              </p:par>
+                            </p:childTnLst>
+                          </p:cTn>
+                        </p:par>
+                      </p:childTnLst>
+                    </p:cTn>
+                  </p:par>
+                </p:childTnLst>
+              </p:cTn>
+              <p:prevCondLst>
+                <p:cond evt="onPrev" delay="0">
+                  <p:tgtEl>
+                    <p:sldTgt/>
+                  </p:tgtEl>
+                </p:cond>
+              </p:prevCondLst>
+              <p:nextCondLst>
+                <p:cond evt="onNext" delay="0">
+                  <p:tgtEl>
+                    <p:sldTgt/>
+                  </p:tgtEl>
+                </p:cond>
+              </p:nextCondLst>
+            </p:seq>
+          </p:childTnLst>
+        </p:cTn>
+      </p:par>
+    </p:tnLst>
+    <p:bldLst>
+      <p:bldP spid="7" grpId="0" animBg="1"/>
+      <p:bldP spid="8" grpId="0" animBg="1"/>
+    </p:bldLst>
+  </p:timing>
+</p:sld>
+</file>
+
+<file path=ppt/slides/slide33.xml><?xml version="1.0" encoding="utf-8"?>
+<p:sld xmlns:a="http://schemas.openxmlformats.org/drawingml/2006/main" xmlns:r="http://schemas.openxmlformats.org/officeDocument/2006/relationships" xmlns:p="http://schemas.openxmlformats.org/presentationml/2006/main">
+  <p:cSld>
+    <p:spTree>
+      <p:nvGrpSpPr>
+        <p:cNvPr id="1" name=""/>
+        <p:cNvGrpSpPr/>
+        <p:nvPr/>
+      </p:nvGrpSpPr>
+      <p:grpSpPr>
+        <a:xfrm>
+          <a:off x="0" y="0"/>
+          <a:ext cx="0" cy="0"/>
+          <a:chOff x="0" y="0"/>
+          <a:chExt cx="0" cy="0"/>
+        </a:xfrm>
+      </p:grpSpPr>
+      <p:sp>
+        <p:nvSpPr>
+          <p:cNvPr id="2" name="Title 1">
+            <a:extLst>
+              <a:ext uri="{FF2B5EF4-FFF2-40B4-BE49-F238E27FC236}">
+                <a16:creationId xmlns:a16="http://schemas.microsoft.com/office/drawing/2014/main" id="{73006776-FF76-944F-A4F3-86C53F34E253}"/>
+              </a:ext>
+            </a:extLst>
+          </p:cNvPr>
+          <p:cNvSpPr>
+            <a:spLocks noGrp="1"/>
+          </p:cNvSpPr>
+          <p:nvPr>
+            <p:ph type="title"/>
+          </p:nvPr>
+        </p:nvSpPr>
+        <p:spPr/>
+        <p:txBody>
+          <a:bodyPr/>
+          <a:lstStyle/>
+          <a:p>
+            <a:r>
+              <a:rPr lang="en-US" dirty="0"/>
+              <a:t>Exercise</a:t>
+            </a:r>
+          </a:p>
+        </p:txBody>
+      </p:sp>
+      <p:sp>
+        <p:nvSpPr>
+          <p:cNvPr id="3" name="Content Placeholder 2">
+            <a:extLst>
+              <a:ext uri="{FF2B5EF4-FFF2-40B4-BE49-F238E27FC236}">
+                <a16:creationId xmlns:a16="http://schemas.microsoft.com/office/drawing/2014/main" id="{12266FD6-2AED-F346-8DAF-CE7ABB7740AF}"/>
+              </a:ext>
+            </a:extLst>
+          </p:cNvPr>
+          <p:cNvSpPr>
+            <a:spLocks noGrp="1"/>
+          </p:cNvSpPr>
+          <p:nvPr>
+            <p:ph idx="1"/>
+          </p:nvPr>
+        </p:nvSpPr>
+        <p:spPr>
+          <a:xfrm>
+            <a:off x="680321" y="2336873"/>
+            <a:ext cx="9613861" cy="2060466"/>
+          </a:xfrm>
+        </p:spPr>
+        <p:txBody>
+          <a:bodyPr>
+            <a:normAutofit/>
+          </a:bodyPr>
+          <a:lstStyle/>
+          <a:p>
+            <a:r>
+              <a:rPr lang="en-US" dirty="0"/>
+              <a:t>Given that</a:t>
+            </a:r>
+          </a:p>
+          <a:p>
+            <a:pPr lvl="1"/>
+            <a:r>
+              <a:rPr lang="en-US" dirty="0"/>
+              <a:t>the tokens {LPAREN,RPAREN,LBRACE,RBRACE,WHILE,SEMI} and</a:t>
+            </a:r>
+          </a:p>
+          <a:p>
+            <a:pPr lvl="1"/>
+            <a:r>
+              <a:rPr lang="en-US" dirty="0"/>
+              <a:t>the grammar variables {&lt;expr&gt;,&lt;</a:t>
+            </a:r>
+            <a:r>
+              <a:rPr lang="en-US" dirty="0" err="1"/>
+              <a:t>stmt</a:t>
+            </a:r>
+            <a:r>
+              <a:rPr lang="en-US" dirty="0"/>
+              <a:t>&gt;}</a:t>
+            </a:r>
+          </a:p>
+          <a:p>
+            <a:pPr marL="457200" lvl="1" indent="0">
+              <a:buNone/>
+            </a:pPr>
+            <a:r>
+              <a:rPr lang="en-US" dirty="0"/>
+              <a:t>are already defined,</a:t>
+            </a:r>
+          </a:p>
+          <a:p>
+            <a:r>
+              <a:rPr lang="en-US" dirty="0"/>
+              <a:t>Write grammar rules for the classic C/Java </a:t>
+            </a:r>
+            <a:r>
+              <a:rPr lang="en-US" dirty="0">
+                <a:latin typeface="Andale Mono" panose="020B0509000000000004" pitchFamily="49" charset="0"/>
+              </a:rPr>
+              <a:t>while</a:t>
+            </a:r>
+            <a:r>
+              <a:rPr lang="en-US" dirty="0"/>
+              <a:t> statement.</a:t>
+            </a:r>
+          </a:p>
+        </p:txBody>
+      </p:sp>
+      <p:sp>
+        <p:nvSpPr>
+          <p:cNvPr id="4" name="Date Placeholder 3">
+            <a:extLst>
+              <a:ext uri="{FF2B5EF4-FFF2-40B4-BE49-F238E27FC236}">
+                <a16:creationId xmlns:a16="http://schemas.microsoft.com/office/drawing/2014/main" id="{F0A9F8FB-BDE5-3947-AAAA-F403438B891D}"/>
+              </a:ext>
+            </a:extLst>
+          </p:cNvPr>
+          <p:cNvSpPr>
+            <a:spLocks noGrp="1"/>
+          </p:cNvSpPr>
+          <p:nvPr>
+            <p:ph type="dt" sz="half" idx="10"/>
+          </p:nvPr>
+        </p:nvSpPr>
+        <p:spPr/>
+        <p:txBody>
+          <a:bodyPr/>
+          <a:lstStyle/>
+          <a:p>
+            <a:r>
+              <a:rPr lang="en-US"/>
+              <a:t>Spring 2021</a:t>
             </a:r>
           </a:p>
         </p:txBody>
@@ -18619,7 +19697,7 @@
     </p:spTree>
     <p:extLst>
       <p:ext uri="{BB962C8B-B14F-4D97-AF65-F5344CB8AC3E}">
-        <p14:creationId xmlns:p14="http://schemas.microsoft.com/office/powerpoint/2010/main" val="2961462533"/>
+        <p14:creationId xmlns:p14="http://schemas.microsoft.com/office/powerpoint/2010/main" val="1290547606"/>
       </p:ext>
     </p:extLst>
   </p:cSld>
@@ -19136,8 +20214,8 @@
 </p:sld>
 </file>
 
-<file path=ppt/slides/slide33.xml><?xml version="1.0" encoding="utf-8"?>
-<p:sld xmlns:a="http://schemas.openxmlformats.org/drawingml/2006/main" xmlns:r="http://schemas.openxmlformats.org/officeDocument/2006/relationships" xmlns:p="http://schemas.openxmlformats.org/presentationml/2006/main">
+<file path=ppt/slides/slide34.xml><?xml version="1.0" encoding="utf-8"?>
+<p:sld xmlns:a="http://schemas.openxmlformats.org/drawingml/2006/main" xmlns:r="http://schemas.openxmlformats.org/officeDocument/2006/relationships" xmlns:p="http://schemas.openxmlformats.org/presentationml/2006/main" show="0">
   <p:cSld>
     <p:spTree>
       <p:nvGrpSpPr>
@@ -19657,6 +20735,62 @@
           </a:fontRef>
         </p:style>
       </p:cxnSp>
+      <p:sp>
+        <p:nvSpPr>
+          <p:cNvPr id="4" name="Date Placeholder 3">
+            <a:extLst>
+              <a:ext uri="{FF2B5EF4-FFF2-40B4-BE49-F238E27FC236}">
+                <a16:creationId xmlns:a16="http://schemas.microsoft.com/office/drawing/2014/main" id="{16063123-34B3-7A4E-BB45-A9F67EAF3E5B}"/>
+              </a:ext>
+            </a:extLst>
+          </p:cNvPr>
+          <p:cNvSpPr>
+            <a:spLocks noGrp="1"/>
+          </p:cNvSpPr>
+          <p:nvPr>
+            <p:ph type="dt" sz="half" idx="10"/>
+          </p:nvPr>
+        </p:nvSpPr>
+        <p:spPr/>
+        <p:txBody>
+          <a:bodyPr/>
+          <a:lstStyle/>
+          <a:p>
+            <a:r>
+              <a:rPr lang="en-US"/>
+              <a:t>Spring 2021</a:t>
+            </a:r>
+          </a:p>
+        </p:txBody>
+      </p:sp>
+      <p:sp>
+        <p:nvSpPr>
+          <p:cNvPr id="5" name="Footer Placeholder 4">
+            <a:extLst>
+              <a:ext uri="{FF2B5EF4-FFF2-40B4-BE49-F238E27FC236}">
+                <a16:creationId xmlns:a16="http://schemas.microsoft.com/office/drawing/2014/main" id="{699EF2B8-38D2-7742-B780-0207A9AA15B9}"/>
+              </a:ext>
+            </a:extLst>
+          </p:cNvPr>
+          <p:cNvSpPr>
+            <a:spLocks noGrp="1"/>
+          </p:cNvSpPr>
+          <p:nvPr>
+            <p:ph type="ftr" sz="quarter" idx="11"/>
+          </p:nvPr>
+        </p:nvSpPr>
+        <p:spPr/>
+        <p:txBody>
+          <a:bodyPr/>
+          <a:lstStyle/>
+          <a:p>
+            <a:r>
+              <a:rPr lang="en-US"/>
+              <a:t>CSCI 344</a:t>
+            </a:r>
+          </a:p>
+        </p:txBody>
+      </p:sp>
     </p:spTree>
     <p:extLst>
       <p:ext uri="{BB962C8B-B14F-4D97-AF65-F5344CB8AC3E}">
@@ -19921,7 +21055,7 @@
               <a:rPr lang="en-US" dirty="0">
                 <a:latin typeface="Andale Mono" panose="020B0509000000000004" pitchFamily="49" charset="0"/>
               </a:rPr>
-              <a:t># reads your file, named on the command line;</a:t>
+              <a:t># 1. reads your file, named on the command line;</a:t>
             </a:r>
           </a:p>
           <a:p>
@@ -19932,7 +21066,7 @@
               <a:rPr lang="en-US" dirty="0">
                 <a:latin typeface="Andale Mono" panose="020B0509000000000004" pitchFamily="49" charset="0"/>
               </a:rPr>
-              <a:t># generates Java class files based on your file;</a:t>
+              <a:t># 2. generates Java class files based on your file;</a:t>
             </a:r>
           </a:p>
           <a:p>
@@ -19943,7 +21077,7 @@
               <a:rPr lang="en-US" dirty="0">
                 <a:latin typeface="Andale Mono" panose="020B0509000000000004" pitchFamily="49" charset="0"/>
               </a:rPr>
-              <a:t># adds some standard PLCC library classes (</a:t>
+              <a:t># 3. adds some standard PLCC library classes (</a:t>
             </a:r>
             <a:r>
               <a:rPr lang="en-US" b="1" dirty="0" err="1">
@@ -19966,16 +21100,37 @@
               <a:rPr lang="en-US" dirty="0">
                 <a:latin typeface="Andale Mono" panose="020B0509000000000004" pitchFamily="49" charset="0"/>
               </a:rPr>
-              <a:t># compiles the code it put in the Java directory</a:t>
+              <a:t># </a:t>
+            </a:r>
+            <a:r>
+              <a:rPr lang="en-US" u="sng" dirty="0">
+                <a:latin typeface="Andale Mono" panose="020B0509000000000004" pitchFamily="49" charset="0"/>
+              </a:rPr>
+              <a:t>4. compiles the code it put in the Java directory</a:t>
             </a:r>
           </a:p>
           <a:p>
             <a:pPr marL="0" indent="0">
               <a:buNone/>
             </a:pPr>
-            <a:endParaRPr lang="en-US" dirty="0">
-              <a:latin typeface="Andale Mono" panose="020B0509000000000004" pitchFamily="49" charset="0"/>
-            </a:endParaRPr>
+            <a:r>
+              <a:rPr lang="en-US" dirty="0">
+                <a:latin typeface="Andale Mono" panose="020B0509000000000004" pitchFamily="49" charset="0"/>
+              </a:rPr>
+              <a:t># The scripts below know to look in the </a:t>
+            </a:r>
+            <a:r>
+              <a:rPr lang="en-US" b="1" dirty="0">
+                <a:latin typeface="Andale Mono" panose="020B0509000000000004" pitchFamily="49" charset="0"/>
+              </a:rPr>
+              <a:t>Java</a:t>
+            </a:r>
+            <a:r>
+              <a:rPr lang="en-US" dirty="0">
+                <a:latin typeface="Andale Mono" panose="020B0509000000000004" pitchFamily="49" charset="0"/>
+              </a:rPr>
+              <a:t> directory.</a:t>
+            </a:r>
           </a:p>
           <a:p>
             <a:pPr marL="0" indent="0">
@@ -20082,7 +21237,7 @@
           <a:p>
             <a:r>
               <a:rPr lang="en-US"/>
-              <a:t>Spring 2020</a:t>
+              <a:t>Spring 2021</a:t>
             </a:r>
           </a:p>
         </p:txBody>
@@ -20146,6 +21301,55 @@
             <a:r>
               <a:rPr lang="en-US" dirty="0"/>
               <a:t>Now for some useful extras…</a:t>
+            </a:r>
+          </a:p>
+        </p:txBody>
+      </p:sp>
+      <p:sp>
+        <p:nvSpPr>
+          <p:cNvPr id="7" name="Oval 6">
+            <a:extLst>
+              <a:ext uri="{FF2B5EF4-FFF2-40B4-BE49-F238E27FC236}">
+                <a16:creationId xmlns:a16="http://schemas.microsoft.com/office/drawing/2014/main" id="{C6A64AD9-6721-124B-8117-472B8663E8B1}"/>
+              </a:ext>
+            </a:extLst>
+          </p:cNvPr>
+          <p:cNvSpPr/>
+          <p:nvPr/>
+        </p:nvSpPr>
+        <p:spPr>
+          <a:xfrm>
+            <a:off x="10961225" y="813784"/>
+            <a:ext cx="959825" cy="959825"/>
+          </a:xfrm>
+          <a:prstGeom prst="ellipse">
+            <a:avLst/>
+          </a:prstGeom>
+        </p:spPr>
+        <p:style>
+          <a:lnRef idx="2">
+            <a:schemeClr val="accent1">
+              <a:shade val="50000"/>
+            </a:schemeClr>
+          </a:lnRef>
+          <a:fillRef idx="1">
+            <a:schemeClr val="accent1"/>
+          </a:fillRef>
+          <a:effectRef idx="0">
+            <a:schemeClr val="accent1"/>
+          </a:effectRef>
+          <a:fontRef idx="minor">
+            <a:schemeClr val="lt1"/>
+          </a:fontRef>
+        </p:style>
+        <p:txBody>
+          <a:bodyPr rtlCol="0" anchor="ctr"/>
+          <a:lstStyle/>
+          <a:p>
+            <a:pPr algn="ctr"/>
+            <a:r>
+              <a:rPr lang="en-US" sz="2400" dirty="0"/>
+              <a:t>2/2</a:t>
             </a:r>
           </a:p>
         </p:txBody>
@@ -20376,7 +21580,7 @@
             </a:pPr>
             <a:r>
               <a:rPr lang="en-US" i="1" dirty="0"/>
-              <a:t>token definitions, using regular expressions (Java syntax)</a:t>
+              <a:t>token definitions, using regular expressions (Java syntax*)</a:t>
             </a:r>
           </a:p>
           <a:p>
@@ -20458,7 +21662,7 @@
           <a:p>
             <a:r>
               <a:rPr lang="en-US"/>
-              <a:t>Spring 2020</a:t>
+              <a:t>Spring 2021</a:t>
             </a:r>
           </a:p>
         </p:txBody>
@@ -20532,6 +21736,49 @@
             <a:r>
               <a:rPr lang="en-US" sz="2400" dirty="0"/>
               <a:t>".</a:t>
+            </a:r>
+          </a:p>
+        </p:txBody>
+      </p:sp>
+      <p:sp>
+        <p:nvSpPr>
+          <p:cNvPr id="7" name="TextBox 6">
+            <a:extLst>
+              <a:ext uri="{FF2B5EF4-FFF2-40B4-BE49-F238E27FC236}">
+                <a16:creationId xmlns:a16="http://schemas.microsoft.com/office/drawing/2014/main" id="{8285DC3D-8BBE-3A48-B263-485B726CDD44}"/>
+              </a:ext>
+            </a:extLst>
+          </p:cNvPr>
+          <p:cNvSpPr txBox="1"/>
+          <p:nvPr/>
+        </p:nvSpPr>
+        <p:spPr>
+          <a:xfrm>
+            <a:off x="4953965" y="6301312"/>
+            <a:ext cx="5711820" cy="369332"/>
+          </a:xfrm>
+          <a:prstGeom prst="rect">
+            <a:avLst/>
+          </a:prstGeom>
+          <a:noFill/>
+        </p:spPr>
+        <p:txBody>
+          <a:bodyPr wrap="none" rtlCol="0">
+            <a:spAutoFit/>
+          </a:bodyPr>
+          <a:lstStyle/>
+          <a:p>
+            <a:r>
+              <a:rPr lang="en-US" dirty="0"/>
+              <a:t>*</a:t>
+            </a:r>
+            <a:r>
+              <a:rPr lang="en-US" dirty="0" err="1"/>
+              <a:t>plcc</a:t>
+            </a:r>
+            <a:r>
+              <a:rPr lang="en-US" dirty="0"/>
+              <a:t> automatically duplicates escape ('\') characters.</a:t>
             </a:r>
           </a:p>
         </p:txBody>
@@ -20567,7 +21814,7 @@
                             </p:stCondLst>
                             <p:childTnLst>
                               <p:par>
-                                <p:cTn id="5" presetID="31" presetClass="entr" presetSubtype="0" fill="hold" grpId="0" nodeType="clickEffect">
+                                <p:cTn id="5" presetID="2" presetClass="entr" presetSubtype="1" fill="hold" grpId="0" nodeType="clickEffect">
                                   <p:stCondLst>
                                     <p:cond delay="0"/>
                                   </p:stCondLst>
@@ -20575,6 +21822,97 @@
                                     <p:set>
                                       <p:cBhvr>
                                         <p:cTn id="6" dur="1" fill="hold">
+                                          <p:stCondLst>
+                                            <p:cond delay="0"/>
+                                          </p:stCondLst>
+                                        </p:cTn>
+                                        <p:tgtEl>
+                                          <p:spTgt spid="7"/>
+                                        </p:tgtEl>
+                                        <p:attrNameLst>
+                                          <p:attrName>style.visibility</p:attrName>
+                                        </p:attrNameLst>
+                                      </p:cBhvr>
+                                      <p:to>
+                                        <p:strVal val="visible"/>
+                                      </p:to>
+                                    </p:set>
+                                    <p:anim calcmode="lin" valueType="num">
+                                      <p:cBhvr additive="base">
+                                        <p:cTn id="7" dur="500" fill="hold"/>
+                                        <p:tgtEl>
+                                          <p:spTgt spid="7"/>
+                                        </p:tgtEl>
+                                        <p:attrNameLst>
+                                          <p:attrName>ppt_x</p:attrName>
+                                        </p:attrNameLst>
+                                      </p:cBhvr>
+                                      <p:tavLst>
+                                        <p:tav tm="0">
+                                          <p:val>
+                                            <p:strVal val="#ppt_x"/>
+                                          </p:val>
+                                        </p:tav>
+                                        <p:tav tm="100000">
+                                          <p:val>
+                                            <p:strVal val="#ppt_x"/>
+                                          </p:val>
+                                        </p:tav>
+                                      </p:tavLst>
+                                    </p:anim>
+                                    <p:anim calcmode="lin" valueType="num">
+                                      <p:cBhvr additive="base">
+                                        <p:cTn id="8" dur="500" fill="hold"/>
+                                        <p:tgtEl>
+                                          <p:spTgt spid="7"/>
+                                        </p:tgtEl>
+                                        <p:attrNameLst>
+                                          <p:attrName>ppt_y</p:attrName>
+                                        </p:attrNameLst>
+                                      </p:cBhvr>
+                                      <p:tavLst>
+                                        <p:tav tm="0">
+                                          <p:val>
+                                            <p:strVal val="0-#ppt_h/2"/>
+                                          </p:val>
+                                        </p:tav>
+                                        <p:tav tm="100000">
+                                          <p:val>
+                                            <p:strVal val="#ppt_y"/>
+                                          </p:val>
+                                        </p:tav>
+                                      </p:tavLst>
+                                    </p:anim>
+                                  </p:childTnLst>
+                                </p:cTn>
+                              </p:par>
+                            </p:childTnLst>
+                          </p:cTn>
+                        </p:par>
+                      </p:childTnLst>
+                    </p:cTn>
+                  </p:par>
+                  <p:par>
+                    <p:cTn id="9" fill="hold">
+                      <p:stCondLst>
+                        <p:cond delay="indefinite"/>
+                      </p:stCondLst>
+                      <p:childTnLst>
+                        <p:par>
+                          <p:cTn id="10" fill="hold">
+                            <p:stCondLst>
+                              <p:cond delay="0"/>
+                            </p:stCondLst>
+                            <p:childTnLst>
+                              <p:par>
+                                <p:cTn id="11" presetID="31" presetClass="entr" presetSubtype="0" fill="hold" grpId="0" nodeType="clickEffect">
+                                  <p:stCondLst>
+                                    <p:cond delay="0"/>
+                                  </p:stCondLst>
+                                  <p:childTnLst>
+                                    <p:set>
+                                      <p:cBhvr>
+                                        <p:cTn id="12" dur="1" fill="hold">
                                           <p:stCondLst>
                                             <p:cond delay="0"/>
                                           </p:stCondLst>
@@ -20592,7 +21930,7 @@
                                     </p:set>
                                     <p:anim calcmode="lin" valueType="num">
                                       <p:cBhvr>
-                                        <p:cTn id="7" dur="1000" fill="hold"/>
+                                        <p:cTn id="13" dur="1000" fill="hold"/>
                                         <p:tgtEl>
                                           <p:spTgt spid="6"/>
                                         </p:tgtEl>
@@ -20615,7 +21953,7 @@
                                     </p:anim>
                                     <p:anim calcmode="lin" valueType="num">
                                       <p:cBhvr>
-                                        <p:cTn id="8" dur="1000" fill="hold"/>
+                                        <p:cTn id="14" dur="1000" fill="hold"/>
                                         <p:tgtEl>
                                           <p:spTgt spid="6"/>
                                         </p:tgtEl>
@@ -20638,7 +21976,7 @@
                                     </p:anim>
                                     <p:anim calcmode="lin" valueType="num">
                                       <p:cBhvr>
-                                        <p:cTn id="9" dur="1000" fill="hold"/>
+                                        <p:cTn id="15" dur="1000" fill="hold"/>
                                         <p:tgtEl>
                                           <p:spTgt spid="6"/>
                                         </p:tgtEl>
@@ -20661,7 +21999,7 @@
                                     </p:anim>
                                     <p:animEffect transition="in" filter="fade">
                                       <p:cBhvr>
-                                        <p:cTn id="10" dur="1000"/>
+                                        <p:cTn id="16" dur="1000"/>
                                         <p:tgtEl>
                                           <p:spTgt spid="6"/>
                                         </p:tgtEl>
@@ -20699,6 +22037,7 @@
     </p:tnLst>
     <p:bldLst>
       <p:bldP spid="6" grpId="0"/>
+      <p:bldP spid="7" grpId="0"/>
     </p:bldLst>
   </p:timing>
 </p:sld>
@@ -20878,7 +22217,7 @@
           <a:p>
             <a:r>
               <a:rPr lang="en-US"/>
-              <a:t>Spring 2020</a:t>
+              <a:t>Spring 2021</a:t>
             </a:r>
           </a:p>
         </p:txBody>
@@ -21106,7 +22445,7 @@
           <a:p>
             <a:r>
               <a:rPr lang="en-US"/>
-              <a:t>Spring 2020</a:t>
+              <a:t>Spring 2021</a:t>
             </a:r>
           </a:p>
         </p:txBody>
@@ -21368,7 +22707,7 @@
           <a:p>
             <a:r>
               <a:rPr lang="en-US"/>
-              <a:t>Spring 2020</a:t>
+              <a:t>Spring 2021</a:t>
             </a:r>
           </a:p>
         </p:txBody>
@@ -21516,7 +22855,7 @@
           <a:p>
             <a:r>
               <a:rPr lang="en-US"/>
-              <a:t>Spring 2020</a:t>
+              <a:t>Spring 2021</a:t>
             </a:r>
           </a:p>
         </p:txBody>
